--- a/groups/04-logMerge/presentations/endpresentation.pptx
+++ b/groups/04-logMerge/presentations/endpresentation.pptx
@@ -11,7 +11,7 @@
     <p:sldId id="268" r:id="rId5"/>
     <p:sldId id="269" r:id="rId6"/>
     <p:sldId id="264" r:id="rId7"/>
-    <p:sldId id="265" r:id="rId8"/>
+    <p:sldId id="270" r:id="rId8"/>
     <p:sldId id="259" r:id="rId9"/>
   </p:sldIdLst>
   <p:sldSz cx="12192000" cy="6858000"/>
@@ -214,7 +214,7 @@
           <a:effectLst/>
           <a:extLst>
             <a:ext uri="{91240B29-F687-4f45-9708-019B960494DF}">
-              <a14:hiddenLine xmlns="" xmlns:a14="http://schemas.microsoft.com/office/drawing/2010/main" w="9525">
+              <a14:hiddenLine xmlns:a14="http://schemas.microsoft.com/office/drawing/2010/main" xmlns="" w="9525">
                 <a:solidFill>
                   <a:srgbClr val="000000"/>
                 </a:solidFill>
@@ -1724,7 +1724,7 @@
           <a:ln/>
           <a:extLst>
             <a:ext uri="{91240B29-F687-4f45-9708-019B960494DF}">
-              <a14:hiddenLine xmlns="" xmlns:a14="http://schemas.microsoft.com/office/drawing/2010/main" w="9525">
+              <a14:hiddenLine xmlns:a14="http://schemas.microsoft.com/office/drawing/2010/main" xmlns="" w="9525">
                 <a:solidFill>
                   <a:srgbClr val="000000"/>
                 </a:solidFill>
@@ -1996,7 +1996,7 @@
           <a:ln/>
           <a:extLst>
             <a:ext uri="{91240B29-F687-4f45-9708-019B960494DF}">
-              <a14:hiddenLine xmlns="" xmlns:a14="http://schemas.microsoft.com/office/drawing/2010/main" w="9525">
+              <a14:hiddenLine xmlns:a14="http://schemas.microsoft.com/office/drawing/2010/main" xmlns="" w="9525">
                 <a:solidFill>
                   <a:srgbClr val="000000"/>
                 </a:solidFill>
@@ -2276,7 +2276,7 @@
           <a:ln/>
           <a:extLst>
             <a:ext uri="{91240B29-F687-4f45-9708-019B960494DF}">
-              <a14:hiddenLine xmlns="" xmlns:a14="http://schemas.microsoft.com/office/drawing/2010/main" w="9525">
+              <a14:hiddenLine xmlns:a14="http://schemas.microsoft.com/office/drawing/2010/main" xmlns="" w="9525">
                 <a:solidFill>
                   <a:srgbClr val="000000"/>
                 </a:solidFill>
@@ -2896,7 +2896,7 @@
           <a:ln/>
           <a:extLst>
             <a:ext uri="{91240B29-F687-4f45-9708-019B960494DF}">
-              <a14:hiddenLine xmlns="" xmlns:a14="http://schemas.microsoft.com/office/drawing/2010/main" w="9525">
+              <a14:hiddenLine xmlns:a14="http://schemas.microsoft.com/office/drawing/2010/main" xmlns="" w="9525">
                 <a:solidFill>
                   <a:srgbClr val="000000"/>
                 </a:solidFill>
@@ -3232,7 +3232,7 @@
           <a:ln/>
           <a:extLst>
             <a:ext uri="{91240B29-F687-4f45-9708-019B960494DF}">
-              <a14:hiddenLine xmlns="" xmlns:a14="http://schemas.microsoft.com/office/drawing/2010/main" w="9525">
+              <a14:hiddenLine xmlns:a14="http://schemas.microsoft.com/office/drawing/2010/main" xmlns="" w="9525">
                 <a:solidFill>
                   <a:srgbClr val="000000"/>
                 </a:solidFill>
@@ -3706,7 +3706,7 @@
           <a:ln/>
           <a:extLst>
             <a:ext uri="{91240B29-F687-4f45-9708-019B960494DF}">
-              <a14:hiddenLine xmlns="" xmlns:a14="http://schemas.microsoft.com/office/drawing/2010/main" w="9525">
+              <a14:hiddenLine xmlns:a14="http://schemas.microsoft.com/office/drawing/2010/main" xmlns="" w="9525">
                 <a:solidFill>
                   <a:srgbClr val="000000"/>
                 </a:solidFill>
@@ -4129,7 +4129,7 @@
           <a:ln/>
           <a:extLst>
             <a:ext uri="{91240B29-F687-4f45-9708-019B960494DF}">
-              <a14:hiddenLine xmlns="" xmlns:a14="http://schemas.microsoft.com/office/drawing/2010/main" w="9525">
+              <a14:hiddenLine xmlns:a14="http://schemas.microsoft.com/office/drawing/2010/main" xmlns="" w="9525">
                 <a:solidFill>
                   <a:srgbClr val="000000"/>
                 </a:solidFill>
@@ -8836,10 +8836,10 @@
       </p:sp>
       <p:sp>
         <p:nvSpPr>
-          <p:cNvPr id="4" name="Rectangle: Rounded Corners 3">
+          <p:cNvPr id="7" name="Rectangle: Rounded Corners 6">
             <a:extLst>
               <a:ext uri="{FF2B5EF4-FFF2-40B4-BE49-F238E27FC236}">
-                <a16:creationId xmlns:a16="http://schemas.microsoft.com/office/drawing/2014/main" id="{1626E350-A2F7-4342-B0B2-04BD8BD223B9}"/>
+                <a16:creationId xmlns:a16="http://schemas.microsoft.com/office/drawing/2014/main" id="{A4538659-839A-4E6A-A372-411445A7F618}"/>
               </a:ext>
             </a:extLst>
           </p:cNvPr>
@@ -8848,8 +8848,8 @@
         </p:nvSpPr>
         <p:spPr>
           <a:xfrm>
-            <a:off x="810000" y="2740231"/>
-            <a:ext cx="10571998" cy="1377538"/>
+            <a:off x="810000" y="2320639"/>
+            <a:ext cx="10571998" cy="437403"/>
           </a:xfrm>
           <a:prstGeom prst="roundRect">
             <a:avLst/>
@@ -8884,19 +8884,19 @@
           <a:lstStyle/>
           <a:p>
             <a:r>
-              <a:rPr lang="en-US" dirty="0" err="1"/>
-              <a:t>dsf</a:t>
-            </a:r>
-            <a:endParaRPr lang="en-DE" dirty="0"/>
-          </a:p>
-        </p:txBody>
-      </p:sp>
-      <p:sp>
-        <p:nvSpPr>
-          <p:cNvPr id="14" name="Rectangle: Rounded Corners 13">
+              <a:rPr lang="en-US" sz="2000" dirty="0"/>
+              <a:t>pip install .</a:t>
+            </a:r>
+            <a:endParaRPr lang="en-DE" sz="2000" dirty="0"/>
+          </a:p>
+        </p:txBody>
+      </p:sp>
+      <p:sp>
+        <p:nvSpPr>
+          <p:cNvPr id="9" name="Rectangle: Rounded Corners 8">
             <a:extLst>
               <a:ext uri="{FF2B5EF4-FFF2-40B4-BE49-F238E27FC236}">
-                <a16:creationId xmlns:a16="http://schemas.microsoft.com/office/drawing/2014/main" id="{A01633DA-3156-4FAD-BD8D-CFF2C361870A}"/>
+                <a16:creationId xmlns:a16="http://schemas.microsoft.com/office/drawing/2014/main" id="{25CA1383-B09E-4F1C-8EA7-03D73CEAF73F}"/>
               </a:ext>
             </a:extLst>
           </p:cNvPr>
@@ -8905,8 +8905,8 @@
         </p:nvSpPr>
         <p:spPr>
           <a:xfrm>
-            <a:off x="810000" y="4359233"/>
-            <a:ext cx="10571998" cy="1377538"/>
+            <a:off x="810000" y="2884721"/>
+            <a:ext cx="10571998" cy="877824"/>
           </a:xfrm>
           <a:prstGeom prst="roundRect">
             <a:avLst/>
@@ -8940,11 +8940,433 @@
           <a:bodyPr rtlCol="0" anchor="ctr"/>
           <a:lstStyle/>
           <a:p>
-            <a:pPr algn="ctr"/>
-            <a:endParaRPr lang="en-DE"/>
-          </a:p>
-        </p:txBody>
-      </p:sp>
+            <a:r>
+              <a:rPr lang="en-US" sz="2000" dirty="0"/>
+              <a:t>import </a:t>
+            </a:r>
+            <a:r>
+              <a:rPr lang="en-US" sz="2000" dirty="0" err="1"/>
+              <a:t>LogMerge</a:t>
+            </a:r>
+            <a:endParaRPr lang="en-US" sz="2000" dirty="0"/>
+          </a:p>
+          <a:p>
+            <a:r>
+              <a:rPr lang="en-US" sz="2000" dirty="0" err="1"/>
+              <a:t>lm</a:t>
+            </a:r>
+            <a:r>
+              <a:rPr lang="en-US" sz="2000" dirty="0"/>
+              <a:t> = </a:t>
+            </a:r>
+            <a:r>
+              <a:rPr lang="en-US" sz="2000" dirty="0" err="1"/>
+              <a:t>LogMerge.LogMerge</a:t>
+            </a:r>
+            <a:r>
+              <a:rPr lang="en-US" sz="2000" dirty="0"/>
+              <a:t>()</a:t>
+            </a:r>
+          </a:p>
+        </p:txBody>
+      </p:sp>
+      <p:sp>
+        <p:nvSpPr>
+          <p:cNvPr id="10" name="Rectangle: Rounded Corners 9">
+            <a:extLst>
+              <a:ext uri="{FF2B5EF4-FFF2-40B4-BE49-F238E27FC236}">
+                <a16:creationId xmlns:a16="http://schemas.microsoft.com/office/drawing/2014/main" id="{5C5FD72D-B8EF-4AB6-939F-E54F5E5EC445}"/>
+              </a:ext>
+            </a:extLst>
+          </p:cNvPr>
+          <p:cNvSpPr/>
+          <p:nvPr/>
+        </p:nvSpPr>
+        <p:spPr>
+          <a:xfrm>
+            <a:off x="810000" y="3889224"/>
+            <a:ext cx="10571998" cy="437403"/>
+          </a:xfrm>
+          <a:prstGeom prst="roundRect">
+            <a:avLst/>
+          </a:prstGeom>
+          <a:solidFill>
+            <a:schemeClr val="tx2"/>
+          </a:solidFill>
+          <a:ln>
+            <a:solidFill>
+              <a:schemeClr val="accent1"/>
+            </a:solidFill>
+          </a:ln>
+        </p:spPr>
+        <p:style>
+          <a:lnRef idx="2">
+            <a:schemeClr val="accent1">
+              <a:shade val="50000"/>
+            </a:schemeClr>
+          </a:lnRef>
+          <a:fillRef idx="1">
+            <a:schemeClr val="accent1"/>
+          </a:fillRef>
+          <a:effectRef idx="0">
+            <a:schemeClr val="accent1"/>
+          </a:effectRef>
+          <a:fontRef idx="minor">
+            <a:schemeClr val="lt1"/>
+          </a:fontRef>
+        </p:style>
+        <p:txBody>
+          <a:bodyPr rtlCol="0" anchor="ctr"/>
+          <a:lstStyle/>
+          <a:p>
+            <a:r>
+              <a:rPr lang="en-US" sz="2000" dirty="0" err="1"/>
+              <a:t>database_status</a:t>
+            </a:r>
+            <a:r>
+              <a:rPr lang="en-US" sz="2000" dirty="0"/>
+              <a:t> = </a:t>
+            </a:r>
+            <a:r>
+              <a:rPr lang="en-US" sz="2000" dirty="0" err="1"/>
+              <a:t>lm.get_database_status</a:t>
+            </a:r>
+            <a:r>
+              <a:rPr lang="en-US" sz="2000" dirty="0"/>
+              <a:t>()</a:t>
+            </a:r>
+            <a:endParaRPr lang="en-DE" sz="2000" dirty="0"/>
+          </a:p>
+        </p:txBody>
+      </p:sp>
+      <p:sp>
+        <p:nvSpPr>
+          <p:cNvPr id="11" name="Rectangle: Rounded Corners 10">
+            <a:extLst>
+              <a:ext uri="{FF2B5EF4-FFF2-40B4-BE49-F238E27FC236}">
+                <a16:creationId xmlns:a16="http://schemas.microsoft.com/office/drawing/2014/main" id="{42B91A79-D896-4CD0-8386-354C432A5BC2}"/>
+              </a:ext>
+            </a:extLst>
+          </p:cNvPr>
+          <p:cNvSpPr/>
+          <p:nvPr/>
+        </p:nvSpPr>
+        <p:spPr>
+          <a:xfrm>
+            <a:off x="810000" y="5022390"/>
+            <a:ext cx="10571998" cy="437403"/>
+          </a:xfrm>
+          <a:prstGeom prst="roundRect">
+            <a:avLst/>
+          </a:prstGeom>
+          <a:solidFill>
+            <a:schemeClr val="tx2"/>
+          </a:solidFill>
+          <a:ln>
+            <a:solidFill>
+              <a:schemeClr val="accent1"/>
+            </a:solidFill>
+          </a:ln>
+        </p:spPr>
+        <p:style>
+          <a:lnRef idx="2">
+            <a:schemeClr val="accent1">
+              <a:shade val="50000"/>
+            </a:schemeClr>
+          </a:lnRef>
+          <a:fillRef idx="1">
+            <a:schemeClr val="accent1"/>
+          </a:fillRef>
+          <a:effectRef idx="0">
+            <a:schemeClr val="accent1"/>
+          </a:effectRef>
+          <a:fontRef idx="minor">
+            <a:schemeClr val="lt1"/>
+          </a:fontRef>
+        </p:style>
+        <p:txBody>
+          <a:bodyPr rtlCol="0" anchor="ctr"/>
+          <a:lstStyle/>
+          <a:p>
+            <a:r>
+              <a:rPr lang="en-US" sz="2000" dirty="0" err="1"/>
+              <a:t>lm.export_logs</a:t>
+            </a:r>
+            <a:r>
+              <a:rPr lang="en-US" sz="2000" dirty="0"/>
+              <a:t>(</a:t>
+            </a:r>
+            <a:r>
+              <a:rPr lang="en-US" sz="2000" dirty="0" err="1"/>
+              <a:t>save_path</a:t>
+            </a:r>
+            <a:r>
+              <a:rPr lang="en-US" sz="2000" dirty="0"/>
+              <a:t>, </a:t>
+            </a:r>
+            <a:r>
+              <a:rPr lang="en-US" sz="2000" dirty="0" err="1"/>
+              <a:t>current_status</a:t>
+            </a:r>
+            <a:r>
+              <a:rPr lang="en-US" sz="2000" dirty="0"/>
+              <a:t>)                                                    </a:t>
+            </a:r>
+            <a:r>
+              <a:rPr lang="en-US" sz="2000" dirty="0">
+                <a:sym typeface="Wingdings" panose="05000000000000000000" pitchFamily="2" charset="2"/>
+              </a:rPr>
+              <a:t> .</a:t>
+            </a:r>
+            <a:r>
+              <a:rPr lang="en-US" sz="2000" dirty="0" err="1">
+                <a:sym typeface="Wingdings" panose="05000000000000000000" pitchFamily="2" charset="2"/>
+              </a:rPr>
+              <a:t>pcap</a:t>
+            </a:r>
+            <a:r>
+              <a:rPr lang="en-US" sz="2000" dirty="0">
+                <a:sym typeface="Wingdings" panose="05000000000000000000" pitchFamily="2" charset="2"/>
+              </a:rPr>
+              <a:t> files</a:t>
+            </a:r>
+            <a:endParaRPr lang="en-DE" sz="2000" dirty="0"/>
+          </a:p>
+        </p:txBody>
+      </p:sp>
+      <p:sp>
+        <p:nvSpPr>
+          <p:cNvPr id="13" name="Rectangle: Rounded Corners 12">
+            <a:extLst>
+              <a:ext uri="{FF2B5EF4-FFF2-40B4-BE49-F238E27FC236}">
+                <a16:creationId xmlns:a16="http://schemas.microsoft.com/office/drawing/2014/main" id="{59BD25EC-CF8B-4ACE-8012-C3F6C097F159}"/>
+              </a:ext>
+            </a:extLst>
+          </p:cNvPr>
+          <p:cNvSpPr/>
+          <p:nvPr/>
+        </p:nvSpPr>
+        <p:spPr>
+          <a:xfrm>
+            <a:off x="810000" y="4455807"/>
+            <a:ext cx="10571998" cy="437403"/>
+          </a:xfrm>
+          <a:prstGeom prst="roundRect">
+            <a:avLst/>
+          </a:prstGeom>
+          <a:solidFill>
+            <a:schemeClr val="tx2"/>
+          </a:solidFill>
+          <a:ln>
+            <a:solidFill>
+              <a:schemeClr val="accent1"/>
+            </a:solidFill>
+          </a:ln>
+        </p:spPr>
+        <p:style>
+          <a:lnRef idx="2">
+            <a:schemeClr val="accent1">
+              <a:shade val="50000"/>
+            </a:schemeClr>
+          </a:lnRef>
+          <a:fillRef idx="1">
+            <a:schemeClr val="accent1"/>
+          </a:fillRef>
+          <a:effectRef idx="0">
+            <a:schemeClr val="accent1"/>
+          </a:effectRef>
+          <a:fontRef idx="minor">
+            <a:schemeClr val="lt1"/>
+          </a:fontRef>
+        </p:style>
+        <p:txBody>
+          <a:bodyPr rtlCol="0" anchor="ctr"/>
+          <a:lstStyle/>
+          <a:p>
+            <a:r>
+              <a:rPr lang="en-US" sz="2000" dirty="0" err="1"/>
+              <a:t>lm.import_logs</a:t>
+            </a:r>
+            <a:r>
+              <a:rPr lang="en-US" sz="2000" dirty="0"/>
+              <a:t>(</a:t>
+            </a:r>
+            <a:r>
+              <a:rPr lang="en-US" sz="2000" dirty="0" err="1"/>
+              <a:t>path_to_pcap_files</a:t>
+            </a:r>
+            <a:r>
+              <a:rPr lang="en-US" sz="2000" dirty="0"/>
+              <a:t>)</a:t>
+            </a:r>
+            <a:endParaRPr lang="en-DE" sz="2000" dirty="0"/>
+          </a:p>
+        </p:txBody>
+      </p:sp>
+      <p:sp>
+        <p:nvSpPr>
+          <p:cNvPr id="15" name="TextBox 14">
+            <a:extLst>
+              <a:ext uri="{FF2B5EF4-FFF2-40B4-BE49-F238E27FC236}">
+                <a16:creationId xmlns:a16="http://schemas.microsoft.com/office/drawing/2014/main" id="{ED299B4C-6E2D-42AC-BECB-0F2209D1D833}"/>
+              </a:ext>
+            </a:extLst>
+          </p:cNvPr>
+          <p:cNvSpPr txBox="1"/>
+          <p:nvPr/>
+        </p:nvSpPr>
+        <p:spPr>
+          <a:xfrm>
+            <a:off x="810000" y="5856814"/>
+            <a:ext cx="1469622" cy="553998"/>
+          </a:xfrm>
+          <a:prstGeom prst="rect">
+            <a:avLst/>
+          </a:prstGeom>
+          <a:noFill/>
+        </p:spPr>
+        <p:txBody>
+          <a:bodyPr wrap="square" rtlCol="0">
+            <a:spAutoFit/>
+          </a:bodyPr>
+          <a:lstStyle/>
+          <a:p>
+            <a:r>
+              <a:rPr lang="en-US" sz="3000" b="1" dirty="0">
+                <a:solidFill>
+                  <a:schemeClr val="accent6"/>
+                </a:solidFill>
+              </a:rPr>
+              <a:t>Intern:</a:t>
+            </a:r>
+            <a:endParaRPr lang="en-DE" sz="3000" b="1" dirty="0">
+              <a:solidFill>
+                <a:schemeClr val="accent6"/>
+              </a:solidFill>
+            </a:endParaRPr>
+          </a:p>
+        </p:txBody>
+      </p:sp>
+      <p:pic>
+        <p:nvPicPr>
+          <p:cNvPr id="20" name="Picture 19" descr="A picture containing clock, drawing&#10;&#10;Description automatically generated">
+            <a:extLst>
+              <a:ext uri="{FF2B5EF4-FFF2-40B4-BE49-F238E27FC236}">
+                <a16:creationId xmlns:a16="http://schemas.microsoft.com/office/drawing/2014/main" id="{14E70226-1959-45C9-B850-D7C61CB63FE6}"/>
+              </a:ext>
+            </a:extLst>
+          </p:cNvPr>
+          <p:cNvPicPr>
+            <a:picLocks noChangeAspect="1"/>
+          </p:cNvPicPr>
+          <p:nvPr/>
+        </p:nvPicPr>
+        <p:blipFill>
+          <a:blip r:embed="rId2"/>
+          <a:stretch>
+            <a:fillRect/>
+          </a:stretch>
+        </p:blipFill>
+        <p:spPr>
+          <a:xfrm>
+            <a:off x="2682601" y="5625683"/>
+            <a:ext cx="1522256" cy="1171205"/>
+          </a:xfrm>
+          <a:prstGeom prst="rect">
+            <a:avLst/>
+          </a:prstGeom>
+        </p:spPr>
+      </p:pic>
+      <p:pic>
+        <p:nvPicPr>
+          <p:cNvPr id="22" name="Picture 21" descr="A picture containing clock&#10;&#10;Description automatically generated">
+            <a:extLst>
+              <a:ext uri="{FF2B5EF4-FFF2-40B4-BE49-F238E27FC236}">
+                <a16:creationId xmlns:a16="http://schemas.microsoft.com/office/drawing/2014/main" id="{481CE635-BF54-43D4-8C42-98245DB42528}"/>
+              </a:ext>
+            </a:extLst>
+          </p:cNvPr>
+          <p:cNvPicPr>
+            <a:picLocks noChangeAspect="1"/>
+          </p:cNvPicPr>
+          <p:nvPr/>
+        </p:nvPicPr>
+        <p:blipFill>
+          <a:blip r:embed="rId3"/>
+          <a:stretch>
+            <a:fillRect/>
+          </a:stretch>
+        </p:blipFill>
+        <p:spPr>
+          <a:xfrm>
+            <a:off x="5393666" y="5579661"/>
+            <a:ext cx="1258317" cy="1258317"/>
+          </a:xfrm>
+          <a:prstGeom prst="rect">
+            <a:avLst/>
+          </a:prstGeom>
+        </p:spPr>
+      </p:pic>
+      <p:pic>
+        <p:nvPicPr>
+          <p:cNvPr id="24" name="Picture 23" descr="A picture containing clock, sign&#10;&#10;Description automatically generated">
+            <a:extLst>
+              <a:ext uri="{FF2B5EF4-FFF2-40B4-BE49-F238E27FC236}">
+                <a16:creationId xmlns:a16="http://schemas.microsoft.com/office/drawing/2014/main" id="{A403CFE3-1D07-440F-A000-00E70A879D2F}"/>
+              </a:ext>
+            </a:extLst>
+          </p:cNvPr>
+          <p:cNvPicPr>
+            <a:picLocks noChangeAspect="1"/>
+          </p:cNvPicPr>
+          <p:nvPr/>
+        </p:nvPicPr>
+        <p:blipFill>
+          <a:blip r:embed="rId4"/>
+          <a:stretch>
+            <a:fillRect/>
+          </a:stretch>
+        </p:blipFill>
+        <p:spPr>
+          <a:xfrm>
+            <a:off x="7840792" y="5631241"/>
+            <a:ext cx="1121307" cy="1158974"/>
+          </a:xfrm>
+          <a:prstGeom prst="rect">
+            <a:avLst/>
+          </a:prstGeom>
+        </p:spPr>
+      </p:pic>
+      <p:pic>
+        <p:nvPicPr>
+          <p:cNvPr id="26" name="Picture 25" descr="A close up of a sign&#10;&#10;Description automatically generated">
+            <a:extLst>
+              <a:ext uri="{FF2B5EF4-FFF2-40B4-BE49-F238E27FC236}">
+                <a16:creationId xmlns:a16="http://schemas.microsoft.com/office/drawing/2014/main" id="{0A27D837-8749-4CB1-99E1-EBD5B4279CBB}"/>
+              </a:ext>
+            </a:extLst>
+          </p:cNvPr>
+          <p:cNvPicPr>
+            <a:picLocks noChangeAspect="1"/>
+          </p:cNvPicPr>
+          <p:nvPr/>
+        </p:nvPicPr>
+        <p:blipFill>
+          <a:blip r:embed="rId5"/>
+          <a:stretch>
+            <a:fillRect/>
+          </a:stretch>
+        </p:blipFill>
+        <p:spPr>
+          <a:xfrm>
+            <a:off x="10150908" y="5513098"/>
+            <a:ext cx="1091146" cy="1344901"/>
+          </a:xfrm>
+          <a:prstGeom prst="rect">
+            <a:avLst/>
+          </a:prstGeom>
+        </p:spPr>
+      </p:pic>
     </p:spTree>
     <p:extLst>
       <p:ext uri="{BB962C8B-B14F-4D97-AF65-F5344CB8AC3E}">
@@ -9012,10 +9434,543 @@
           </a:p>
         </p:txBody>
       </p:sp>
+      <p:sp>
+        <p:nvSpPr>
+          <p:cNvPr id="7" name="Rectangle: Rounded Corners 6">
+            <a:extLst>
+              <a:ext uri="{FF2B5EF4-FFF2-40B4-BE49-F238E27FC236}">
+                <a16:creationId xmlns:a16="http://schemas.microsoft.com/office/drawing/2014/main" id="{A4538659-839A-4E6A-A372-411445A7F618}"/>
+              </a:ext>
+            </a:extLst>
+          </p:cNvPr>
+          <p:cNvSpPr/>
+          <p:nvPr/>
+        </p:nvSpPr>
+        <p:spPr>
+          <a:xfrm>
+            <a:off x="810000" y="2320639"/>
+            <a:ext cx="10571998" cy="437403"/>
+          </a:xfrm>
+          <a:prstGeom prst="roundRect">
+            <a:avLst/>
+          </a:prstGeom>
+          <a:solidFill>
+            <a:schemeClr val="tx2"/>
+          </a:solidFill>
+          <a:ln>
+            <a:solidFill>
+              <a:schemeClr val="accent1"/>
+            </a:solidFill>
+          </a:ln>
+        </p:spPr>
+        <p:style>
+          <a:lnRef idx="2">
+            <a:schemeClr val="accent1">
+              <a:shade val="50000"/>
+            </a:schemeClr>
+          </a:lnRef>
+          <a:fillRef idx="1">
+            <a:schemeClr val="accent1"/>
+          </a:fillRef>
+          <a:effectRef idx="0">
+            <a:schemeClr val="accent1"/>
+          </a:effectRef>
+          <a:fontRef idx="minor">
+            <a:schemeClr val="lt1"/>
+          </a:fontRef>
+        </p:style>
+        <p:txBody>
+          <a:bodyPr rtlCol="0" anchor="ctr"/>
+          <a:lstStyle/>
+          <a:p>
+            <a:r>
+              <a:rPr lang="en-US" sz="2000" dirty="0"/>
+              <a:t>pip install .</a:t>
+            </a:r>
+            <a:endParaRPr lang="en-DE" sz="2000" dirty="0"/>
+          </a:p>
+        </p:txBody>
+      </p:sp>
+      <p:sp>
+        <p:nvSpPr>
+          <p:cNvPr id="9" name="Rectangle: Rounded Corners 8">
+            <a:extLst>
+              <a:ext uri="{FF2B5EF4-FFF2-40B4-BE49-F238E27FC236}">
+                <a16:creationId xmlns:a16="http://schemas.microsoft.com/office/drawing/2014/main" id="{25CA1383-B09E-4F1C-8EA7-03D73CEAF73F}"/>
+              </a:ext>
+            </a:extLst>
+          </p:cNvPr>
+          <p:cNvSpPr/>
+          <p:nvPr/>
+        </p:nvSpPr>
+        <p:spPr>
+          <a:xfrm>
+            <a:off x="810000" y="2884721"/>
+            <a:ext cx="10571998" cy="877824"/>
+          </a:xfrm>
+          <a:prstGeom prst="roundRect">
+            <a:avLst/>
+          </a:prstGeom>
+          <a:solidFill>
+            <a:schemeClr val="tx2"/>
+          </a:solidFill>
+          <a:ln>
+            <a:solidFill>
+              <a:schemeClr val="accent1"/>
+            </a:solidFill>
+          </a:ln>
+        </p:spPr>
+        <p:style>
+          <a:lnRef idx="2">
+            <a:schemeClr val="accent1">
+              <a:shade val="50000"/>
+            </a:schemeClr>
+          </a:lnRef>
+          <a:fillRef idx="1">
+            <a:schemeClr val="accent1"/>
+          </a:fillRef>
+          <a:effectRef idx="0">
+            <a:schemeClr val="accent1"/>
+          </a:effectRef>
+          <a:fontRef idx="minor">
+            <a:schemeClr val="lt1"/>
+          </a:fontRef>
+        </p:style>
+        <p:txBody>
+          <a:bodyPr rtlCol="0" anchor="ctr"/>
+          <a:lstStyle/>
+          <a:p>
+            <a:r>
+              <a:rPr lang="en-US" sz="2000" dirty="0"/>
+              <a:t>import </a:t>
+            </a:r>
+            <a:r>
+              <a:rPr lang="en-US" sz="2000" dirty="0" err="1"/>
+              <a:t>LogMerge</a:t>
+            </a:r>
+            <a:endParaRPr lang="en-US" sz="2000" dirty="0"/>
+          </a:p>
+          <a:p>
+            <a:r>
+              <a:rPr lang="en-US" sz="2000" dirty="0" err="1"/>
+              <a:t>lm</a:t>
+            </a:r>
+            <a:r>
+              <a:rPr lang="en-US" sz="2000" dirty="0"/>
+              <a:t> = </a:t>
+            </a:r>
+            <a:r>
+              <a:rPr lang="en-US" sz="2000" dirty="0" err="1"/>
+              <a:t>LogMerge.LogMerge</a:t>
+            </a:r>
+            <a:r>
+              <a:rPr lang="en-US" sz="2000" dirty="0"/>
+              <a:t>()</a:t>
+            </a:r>
+          </a:p>
+        </p:txBody>
+      </p:sp>
+      <p:sp>
+        <p:nvSpPr>
+          <p:cNvPr id="10" name="Rectangle: Rounded Corners 9">
+            <a:extLst>
+              <a:ext uri="{FF2B5EF4-FFF2-40B4-BE49-F238E27FC236}">
+                <a16:creationId xmlns:a16="http://schemas.microsoft.com/office/drawing/2014/main" id="{5C5FD72D-B8EF-4AB6-939F-E54F5E5EC445}"/>
+              </a:ext>
+            </a:extLst>
+          </p:cNvPr>
+          <p:cNvSpPr/>
+          <p:nvPr/>
+        </p:nvSpPr>
+        <p:spPr>
+          <a:xfrm>
+            <a:off x="810000" y="3889224"/>
+            <a:ext cx="10571998" cy="437403"/>
+          </a:xfrm>
+          <a:prstGeom prst="roundRect">
+            <a:avLst/>
+          </a:prstGeom>
+          <a:solidFill>
+            <a:schemeClr val="tx2"/>
+          </a:solidFill>
+          <a:ln>
+            <a:solidFill>
+              <a:schemeClr val="accent1"/>
+            </a:solidFill>
+          </a:ln>
+        </p:spPr>
+        <p:style>
+          <a:lnRef idx="2">
+            <a:schemeClr val="accent1">
+              <a:shade val="50000"/>
+            </a:schemeClr>
+          </a:lnRef>
+          <a:fillRef idx="1">
+            <a:schemeClr val="accent1"/>
+          </a:fillRef>
+          <a:effectRef idx="0">
+            <a:schemeClr val="accent1"/>
+          </a:effectRef>
+          <a:fontRef idx="minor">
+            <a:schemeClr val="lt1"/>
+          </a:fontRef>
+        </p:style>
+        <p:txBody>
+          <a:bodyPr rtlCol="0" anchor="ctr"/>
+          <a:lstStyle/>
+          <a:p>
+            <a:r>
+              <a:rPr lang="en-US" sz="2000" dirty="0" err="1"/>
+              <a:t>database_status</a:t>
+            </a:r>
+            <a:r>
+              <a:rPr lang="en-US" sz="2000" dirty="0"/>
+              <a:t> = </a:t>
+            </a:r>
+            <a:r>
+              <a:rPr lang="en-US" sz="2000" dirty="0" err="1"/>
+              <a:t>lm.get_database_status</a:t>
+            </a:r>
+            <a:r>
+              <a:rPr lang="en-US" sz="2000" dirty="0"/>
+              <a:t>()</a:t>
+            </a:r>
+            <a:endParaRPr lang="en-DE" sz="2000" dirty="0"/>
+          </a:p>
+        </p:txBody>
+      </p:sp>
+      <p:sp>
+        <p:nvSpPr>
+          <p:cNvPr id="11" name="Rectangle: Rounded Corners 10">
+            <a:extLst>
+              <a:ext uri="{FF2B5EF4-FFF2-40B4-BE49-F238E27FC236}">
+                <a16:creationId xmlns:a16="http://schemas.microsoft.com/office/drawing/2014/main" id="{42B91A79-D896-4CD0-8386-354C432A5BC2}"/>
+              </a:ext>
+            </a:extLst>
+          </p:cNvPr>
+          <p:cNvSpPr/>
+          <p:nvPr/>
+        </p:nvSpPr>
+        <p:spPr>
+          <a:xfrm>
+            <a:off x="810000" y="5022390"/>
+            <a:ext cx="10571998" cy="437403"/>
+          </a:xfrm>
+          <a:prstGeom prst="roundRect">
+            <a:avLst/>
+          </a:prstGeom>
+          <a:solidFill>
+            <a:schemeClr val="tx2"/>
+          </a:solidFill>
+          <a:ln>
+            <a:solidFill>
+              <a:schemeClr val="accent1"/>
+            </a:solidFill>
+          </a:ln>
+        </p:spPr>
+        <p:style>
+          <a:lnRef idx="2">
+            <a:schemeClr val="accent1">
+              <a:shade val="50000"/>
+            </a:schemeClr>
+          </a:lnRef>
+          <a:fillRef idx="1">
+            <a:schemeClr val="accent1"/>
+          </a:fillRef>
+          <a:effectRef idx="0">
+            <a:schemeClr val="accent1"/>
+          </a:effectRef>
+          <a:fontRef idx="minor">
+            <a:schemeClr val="lt1"/>
+          </a:fontRef>
+        </p:style>
+        <p:txBody>
+          <a:bodyPr rtlCol="0" anchor="ctr"/>
+          <a:lstStyle/>
+          <a:p>
+            <a:r>
+              <a:rPr lang="en-US" sz="2000" dirty="0" err="1"/>
+              <a:t>lm.export_logs</a:t>
+            </a:r>
+            <a:r>
+              <a:rPr lang="en-US" sz="2000" dirty="0"/>
+              <a:t>(</a:t>
+            </a:r>
+            <a:r>
+              <a:rPr lang="en-US" sz="2000" dirty="0" err="1"/>
+              <a:t>save_path</a:t>
+            </a:r>
+            <a:r>
+              <a:rPr lang="en-US" sz="2000" dirty="0"/>
+              <a:t>, </a:t>
+            </a:r>
+            <a:r>
+              <a:rPr lang="en-US" sz="2000" dirty="0" err="1"/>
+              <a:t>current_status</a:t>
+            </a:r>
+            <a:r>
+              <a:rPr lang="en-US" sz="2000" dirty="0"/>
+              <a:t>)                                                    </a:t>
+            </a:r>
+            <a:r>
+              <a:rPr lang="en-US" sz="2000" dirty="0">
+                <a:sym typeface="Wingdings" panose="05000000000000000000" pitchFamily="2" charset="2"/>
+              </a:rPr>
+              <a:t> .</a:t>
+            </a:r>
+            <a:r>
+              <a:rPr lang="en-US" sz="2000" dirty="0" err="1">
+                <a:sym typeface="Wingdings" panose="05000000000000000000" pitchFamily="2" charset="2"/>
+              </a:rPr>
+              <a:t>pcap</a:t>
+            </a:r>
+            <a:r>
+              <a:rPr lang="en-US" sz="2000" dirty="0">
+                <a:sym typeface="Wingdings" panose="05000000000000000000" pitchFamily="2" charset="2"/>
+              </a:rPr>
+              <a:t> files</a:t>
+            </a:r>
+            <a:endParaRPr lang="en-DE" sz="2000" dirty="0"/>
+          </a:p>
+        </p:txBody>
+      </p:sp>
+      <p:sp>
+        <p:nvSpPr>
+          <p:cNvPr id="13" name="Rectangle: Rounded Corners 12">
+            <a:extLst>
+              <a:ext uri="{FF2B5EF4-FFF2-40B4-BE49-F238E27FC236}">
+                <a16:creationId xmlns:a16="http://schemas.microsoft.com/office/drawing/2014/main" id="{59BD25EC-CF8B-4ACE-8012-C3F6C097F159}"/>
+              </a:ext>
+            </a:extLst>
+          </p:cNvPr>
+          <p:cNvSpPr/>
+          <p:nvPr/>
+        </p:nvSpPr>
+        <p:spPr>
+          <a:xfrm>
+            <a:off x="810000" y="4455807"/>
+            <a:ext cx="10571998" cy="437403"/>
+          </a:xfrm>
+          <a:prstGeom prst="roundRect">
+            <a:avLst/>
+          </a:prstGeom>
+          <a:solidFill>
+            <a:schemeClr val="tx2"/>
+          </a:solidFill>
+          <a:ln>
+            <a:solidFill>
+              <a:schemeClr val="accent1"/>
+            </a:solidFill>
+          </a:ln>
+        </p:spPr>
+        <p:style>
+          <a:lnRef idx="2">
+            <a:schemeClr val="accent1">
+              <a:shade val="50000"/>
+            </a:schemeClr>
+          </a:lnRef>
+          <a:fillRef idx="1">
+            <a:schemeClr val="accent1"/>
+          </a:fillRef>
+          <a:effectRef idx="0">
+            <a:schemeClr val="accent1"/>
+          </a:effectRef>
+          <a:fontRef idx="minor">
+            <a:schemeClr val="lt1"/>
+          </a:fontRef>
+        </p:style>
+        <p:txBody>
+          <a:bodyPr rtlCol="0" anchor="ctr"/>
+          <a:lstStyle/>
+          <a:p>
+            <a:r>
+              <a:rPr lang="en-US" sz="2000" dirty="0" err="1"/>
+              <a:t>lm.import_logs</a:t>
+            </a:r>
+            <a:r>
+              <a:rPr lang="en-US" sz="2000" dirty="0"/>
+              <a:t>(</a:t>
+            </a:r>
+            <a:r>
+              <a:rPr lang="en-US" sz="2000" dirty="0" err="1"/>
+              <a:t>path_to_pcap_files</a:t>
+            </a:r>
+            <a:r>
+              <a:rPr lang="en-US" sz="2000" dirty="0"/>
+              <a:t>)</a:t>
+            </a:r>
+            <a:endParaRPr lang="en-DE" sz="2000" dirty="0"/>
+          </a:p>
+        </p:txBody>
+      </p:sp>
+      <p:sp>
+        <p:nvSpPr>
+          <p:cNvPr id="15" name="TextBox 14">
+            <a:extLst>
+              <a:ext uri="{FF2B5EF4-FFF2-40B4-BE49-F238E27FC236}">
+                <a16:creationId xmlns:a16="http://schemas.microsoft.com/office/drawing/2014/main" id="{ED299B4C-6E2D-42AC-BECB-0F2209D1D833}"/>
+              </a:ext>
+            </a:extLst>
+          </p:cNvPr>
+          <p:cNvSpPr txBox="1"/>
+          <p:nvPr/>
+        </p:nvSpPr>
+        <p:spPr>
+          <a:xfrm>
+            <a:off x="810000" y="5856814"/>
+            <a:ext cx="1469622" cy="553998"/>
+          </a:xfrm>
+          <a:prstGeom prst="rect">
+            <a:avLst/>
+          </a:prstGeom>
+          <a:noFill/>
+        </p:spPr>
+        <p:txBody>
+          <a:bodyPr wrap="square" rtlCol="0">
+            <a:spAutoFit/>
+          </a:bodyPr>
+          <a:lstStyle/>
+          <a:p>
+            <a:r>
+              <a:rPr lang="en-US" sz="3000" b="1" dirty="0">
+                <a:solidFill>
+                  <a:schemeClr val="accent6"/>
+                </a:solidFill>
+              </a:rPr>
+              <a:t>Intern:</a:t>
+            </a:r>
+            <a:endParaRPr lang="en-DE" sz="3000" b="1" dirty="0">
+              <a:solidFill>
+                <a:schemeClr val="accent6"/>
+              </a:solidFill>
+            </a:endParaRPr>
+          </a:p>
+        </p:txBody>
+      </p:sp>
+      <p:pic>
+        <p:nvPicPr>
+          <p:cNvPr id="20" name="Picture 19" descr="A picture containing clock, drawing&#10;&#10;Description automatically generated">
+            <a:extLst>
+              <a:ext uri="{FF2B5EF4-FFF2-40B4-BE49-F238E27FC236}">
+                <a16:creationId xmlns:a16="http://schemas.microsoft.com/office/drawing/2014/main" id="{14E70226-1959-45C9-B850-D7C61CB63FE6}"/>
+              </a:ext>
+            </a:extLst>
+          </p:cNvPr>
+          <p:cNvPicPr>
+            <a:picLocks noChangeAspect="1"/>
+          </p:cNvPicPr>
+          <p:nvPr/>
+        </p:nvPicPr>
+        <p:blipFill>
+          <a:blip r:embed="rId2"/>
+          <a:stretch>
+            <a:fillRect/>
+          </a:stretch>
+        </p:blipFill>
+        <p:spPr>
+          <a:xfrm>
+            <a:off x="2682601" y="5625683"/>
+            <a:ext cx="1522256" cy="1171205"/>
+          </a:xfrm>
+          <a:prstGeom prst="rect">
+            <a:avLst/>
+          </a:prstGeom>
+        </p:spPr>
+      </p:pic>
+      <p:pic>
+        <p:nvPicPr>
+          <p:cNvPr id="22" name="Picture 21" descr="A picture containing clock&#10;&#10;Description automatically generated">
+            <a:extLst>
+              <a:ext uri="{FF2B5EF4-FFF2-40B4-BE49-F238E27FC236}">
+                <a16:creationId xmlns:a16="http://schemas.microsoft.com/office/drawing/2014/main" id="{481CE635-BF54-43D4-8C42-98245DB42528}"/>
+              </a:ext>
+            </a:extLst>
+          </p:cNvPr>
+          <p:cNvPicPr>
+            <a:picLocks noChangeAspect="1"/>
+          </p:cNvPicPr>
+          <p:nvPr/>
+        </p:nvPicPr>
+        <p:blipFill>
+          <a:blip r:embed="rId3"/>
+          <a:stretch>
+            <a:fillRect/>
+          </a:stretch>
+        </p:blipFill>
+        <p:spPr>
+          <a:xfrm>
+            <a:off x="5393666" y="5579661"/>
+            <a:ext cx="1258317" cy="1258317"/>
+          </a:xfrm>
+          <a:prstGeom prst="rect">
+            <a:avLst/>
+          </a:prstGeom>
+        </p:spPr>
+      </p:pic>
+      <p:pic>
+        <p:nvPicPr>
+          <p:cNvPr id="24" name="Picture 23" descr="A picture containing clock, sign&#10;&#10;Description automatically generated">
+            <a:extLst>
+              <a:ext uri="{FF2B5EF4-FFF2-40B4-BE49-F238E27FC236}">
+                <a16:creationId xmlns:a16="http://schemas.microsoft.com/office/drawing/2014/main" id="{A403CFE3-1D07-440F-A000-00E70A879D2F}"/>
+              </a:ext>
+            </a:extLst>
+          </p:cNvPr>
+          <p:cNvPicPr>
+            <a:picLocks noChangeAspect="1"/>
+          </p:cNvPicPr>
+          <p:nvPr/>
+        </p:nvPicPr>
+        <p:blipFill>
+          <a:blip r:embed="rId4"/>
+          <a:stretch>
+            <a:fillRect/>
+          </a:stretch>
+        </p:blipFill>
+        <p:spPr>
+          <a:xfrm>
+            <a:off x="7840792" y="5631241"/>
+            <a:ext cx="1121307" cy="1158974"/>
+          </a:xfrm>
+          <a:prstGeom prst="rect">
+            <a:avLst/>
+          </a:prstGeom>
+        </p:spPr>
+      </p:pic>
+      <p:pic>
+        <p:nvPicPr>
+          <p:cNvPr id="26" name="Picture 25" descr="A close up of a sign&#10;&#10;Description automatically generated">
+            <a:extLst>
+              <a:ext uri="{FF2B5EF4-FFF2-40B4-BE49-F238E27FC236}">
+                <a16:creationId xmlns:a16="http://schemas.microsoft.com/office/drawing/2014/main" id="{0A27D837-8749-4CB1-99E1-EBD5B4279CBB}"/>
+              </a:ext>
+            </a:extLst>
+          </p:cNvPr>
+          <p:cNvPicPr>
+            <a:picLocks noChangeAspect="1"/>
+          </p:cNvPicPr>
+          <p:nvPr/>
+        </p:nvPicPr>
+        <p:blipFill>
+          <a:blip r:embed="rId5"/>
+          <a:stretch>
+            <a:fillRect/>
+          </a:stretch>
+        </p:blipFill>
+        <p:spPr>
+          <a:xfrm>
+            <a:off x="10150908" y="5513098"/>
+            <a:ext cx="1091146" cy="1344901"/>
+          </a:xfrm>
+          <a:prstGeom prst="rect">
+            <a:avLst/>
+          </a:prstGeom>
+        </p:spPr>
+      </p:pic>
     </p:spTree>
     <p:extLst>
       <p:ext uri="{BB962C8B-B14F-4D97-AF65-F5344CB8AC3E}">
-        <p14:creationId xmlns:p14="http://schemas.microsoft.com/office/powerpoint/2010/main" val="3042148466"/>
+        <p14:creationId xmlns:p14="http://schemas.microsoft.com/office/powerpoint/2010/main" val="1442984713"/>
       </p:ext>
     </p:extLst>
   </p:cSld>
@@ -9145,7 +10100,7 @@
           <a:effectLst/>
           <a:extLst>
             <a:ext uri="{91240B29-F687-4f45-9708-019B960494DF}">
-              <a14:hiddenLine xmlns="" xmlns:a14="http://schemas.microsoft.com/office/drawing/2010/main" xmlns:a16="http://schemas.microsoft.com/office/drawing/2014/main" w="9525">
+              <a14:hiddenLine xmlns:a16="http://schemas.microsoft.com/office/drawing/2014/main" xmlns:a14="http://schemas.microsoft.com/office/drawing/2010/main" xmlns="" w="9525">
                 <a:solidFill>
                   <a:srgbClr val="000000"/>
                 </a:solidFill>
@@ -9516,7 +10471,7 @@
           <a:effectLst/>
           <a:extLst>
             <a:ext uri="{91240B29-F687-4f45-9708-019B960494DF}">
-              <a14:hiddenLine xmlns="" xmlns:a14="http://schemas.microsoft.com/office/drawing/2010/main" xmlns:p14="http://schemas.microsoft.com/office/powerpoint/2010/main" xmlns:a16="http://schemas.microsoft.com/office/drawing/2014/main" w="9525">
+              <a14:hiddenLine xmlns:a16="http://schemas.microsoft.com/office/drawing/2014/main" xmlns:p14="http://schemas.microsoft.com/office/powerpoint/2010/main" xmlns:a14="http://schemas.microsoft.com/office/drawing/2010/main" xmlns="" w="9525">
                 <a:solidFill>
                   <a:srgbClr val="000000"/>
                 </a:solidFill>

--- a/groups/04-logMerge/presentations/endpresentation.pptx
+++ b/groups/04-logMerge/presentations/endpresentation.pptx
@@ -11,8 +11,14 @@
     <p:sldId id="268" r:id="rId5"/>
     <p:sldId id="269" r:id="rId6"/>
     <p:sldId id="264" r:id="rId7"/>
-    <p:sldId id="270" r:id="rId8"/>
-    <p:sldId id="259" r:id="rId9"/>
+    <p:sldId id="272" r:id="rId8"/>
+    <p:sldId id="271" r:id="rId9"/>
+    <p:sldId id="273" r:id="rId10"/>
+    <p:sldId id="270" r:id="rId11"/>
+    <p:sldId id="274" r:id="rId12"/>
+    <p:sldId id="275" r:id="rId13"/>
+    <p:sldId id="276" r:id="rId14"/>
+    <p:sldId id="259" r:id="rId15"/>
   </p:sldIdLst>
   <p:sldSz cx="12192000" cy="6858000"/>
   <p:notesSz cx="6858000" cy="9144000"/>
@@ -5412,7 +5418,15 @@
             </a:r>
             <a:r>
               <a:rPr lang="en-US" dirty="0"/>
-              <a:t> Aydin, </a:t>
+              <a:t> Aydin, Joey </a:t>
+            </a:r>
+            <a:r>
+              <a:rPr lang="en-US" dirty="0" err="1"/>
+              <a:t>Zgraggen</a:t>
+            </a:r>
+            <a:r>
+              <a:rPr lang="en-US" dirty="0"/>
+              <a:t>, </a:t>
             </a:r>
             <a:r>
               <a:rPr lang="en-US" dirty="0" err="1"/>
@@ -5425,14 +5439,6 @@
             <a:r>
               <a:rPr lang="en-US" dirty="0" err="1"/>
               <a:t>Kernbach</a:t>
-            </a:r>
-            <a:r>
-              <a:rPr lang="en-US" dirty="0"/>
-              <a:t> und Joey </a:t>
-            </a:r>
-            <a:r>
-              <a:rPr lang="en-US" dirty="0" err="1"/>
-              <a:t>Zgraggen</a:t>
             </a:r>
             <a:endParaRPr lang="en-DE" dirty="0"/>
           </a:p>
@@ -5451,7 +5457,7 @@
 </p:sld>
 </file>
 
-<file path=ppt/slides/slide2.xml><?xml version="1.0" encoding="utf-8"?>
+<file path=ppt/slides/slide10.xml><?xml version="1.0" encoding="utf-8"?>
 <p:sld xmlns:a="http://schemas.openxmlformats.org/drawingml/2006/main" xmlns:r="http://schemas.openxmlformats.org/officeDocument/2006/relationships" xmlns:p="http://schemas.openxmlformats.org/presentationml/2006/main">
   <p:cSld>
     <p:spTree>
@@ -5491,11 +5497,15 @@
           <a:p>
             <a:r>
               <a:rPr lang="en-US" dirty="0"/>
-              <a:t>Unser </a:t>
+              <a:t>Unser Tool (an </a:t>
             </a:r>
             <a:r>
               <a:rPr lang="en-US" dirty="0" err="1"/>
-              <a:t>Auftrag</a:t>
+              <a:t>Applikationsgruppen</a:t>
+            </a:r>
+            <a:r>
+              <a:rPr lang="en-US" dirty="0"/>
+              <a:t>)</a:t>
             </a:r>
             <a:endParaRPr lang="en-DE" dirty="0"/>
           </a:p>
@@ -5503,10 +5513,10 @@
       </p:sp>
       <p:sp>
         <p:nvSpPr>
-          <p:cNvPr id="4" name="Rectangle 3">
-            <a:extLst>
-              <a:ext uri="{FF2B5EF4-FFF2-40B4-BE49-F238E27FC236}">
-                <a16:creationId xmlns:a16="http://schemas.microsoft.com/office/drawing/2014/main" id="{37912668-AA4B-49B9-AD27-D50F2B6B8ECA}"/>
+          <p:cNvPr id="7" name="Rectangle: Rounded Corners 6">
+            <a:extLst>
+              <a:ext uri="{FF2B5EF4-FFF2-40B4-BE49-F238E27FC236}">
+                <a16:creationId xmlns:a16="http://schemas.microsoft.com/office/drawing/2014/main" id="{A4538659-839A-4E6A-A372-411445A7F618}"/>
               </a:ext>
             </a:extLst>
           </p:cNvPr>
@@ -5515,63 +5525,20 @@
         </p:nvSpPr>
         <p:spPr>
           <a:xfrm>
-            <a:off x="810000" y="2422564"/>
-            <a:ext cx="3135086" cy="697675"/>
-          </a:xfrm>
-          <a:prstGeom prst="rect">
+            <a:off x="810000" y="2320639"/>
+            <a:ext cx="10571998" cy="437403"/>
+          </a:xfrm>
+          <a:prstGeom prst="roundRect">
             <a:avLst/>
           </a:prstGeom>
           <a:solidFill>
             <a:schemeClr val="tx2"/>
           </a:solidFill>
-        </p:spPr>
-        <p:style>
-          <a:lnRef idx="3">
-            <a:schemeClr val="lt1"/>
-          </a:lnRef>
-          <a:fillRef idx="1">
-            <a:schemeClr val="dk1"/>
-          </a:fillRef>
-          <a:effectRef idx="1">
-            <a:schemeClr val="dk1"/>
-          </a:effectRef>
-          <a:fontRef idx="minor">
-            <a:schemeClr val="lt1"/>
-          </a:fontRef>
-        </p:style>
-        <p:txBody>
-          <a:bodyPr rtlCol="0" anchor="ctr"/>
-          <a:lstStyle/>
-          <a:p>
-            <a:pPr algn="ctr"/>
-            <a:r>
-              <a:rPr lang="en-US" dirty="0" err="1"/>
-              <a:t>Applikationsschicht</a:t>
-            </a:r>
-            <a:endParaRPr lang="en-DE" dirty="0"/>
-          </a:p>
-        </p:txBody>
-      </p:sp>
-      <p:sp>
-        <p:nvSpPr>
-          <p:cNvPr id="6" name="Rectangle 5">
-            <a:extLst>
-              <a:ext uri="{FF2B5EF4-FFF2-40B4-BE49-F238E27FC236}">
-                <a16:creationId xmlns:a16="http://schemas.microsoft.com/office/drawing/2014/main" id="{F5996793-D831-486C-BEAA-C1E97EEB5364}"/>
-              </a:ext>
-            </a:extLst>
-          </p:cNvPr>
-          <p:cNvSpPr/>
-          <p:nvPr/>
-        </p:nvSpPr>
-        <p:spPr>
-          <a:xfrm>
-            <a:off x="810000" y="3273630"/>
-            <a:ext cx="3135086" cy="697675"/>
-          </a:xfrm>
-          <a:prstGeom prst="rect">
-            <a:avLst/>
-          </a:prstGeom>
+          <a:ln>
+            <a:solidFill>
+              <a:schemeClr val="accent1"/>
+            </a:solidFill>
+          </a:ln>
         </p:spPr>
         <p:style>
           <a:lnRef idx="2">
@@ -5593,21 +5560,20 @@
           <a:bodyPr rtlCol="0" anchor="ctr"/>
           <a:lstStyle/>
           <a:p>
-            <a:pPr algn="ctr"/>
-            <a:r>
-              <a:rPr lang="en-US" dirty="0" err="1"/>
-              <a:t>Datenbank</a:t>
-            </a:r>
-            <a:endParaRPr lang="en-DE" dirty="0"/>
-          </a:p>
-        </p:txBody>
-      </p:sp>
-      <p:sp>
-        <p:nvSpPr>
-          <p:cNvPr id="8" name="Rectangle 7">
-            <a:extLst>
-              <a:ext uri="{FF2B5EF4-FFF2-40B4-BE49-F238E27FC236}">
-                <a16:creationId xmlns:a16="http://schemas.microsoft.com/office/drawing/2014/main" id="{ABBEEAB1-B8E9-4B23-80F7-E45D089E6CAD}"/>
+            <a:r>
+              <a:rPr lang="en-US" sz="2000" dirty="0"/>
+              <a:t>pip install .</a:t>
+            </a:r>
+            <a:endParaRPr lang="en-DE" sz="2000" dirty="0"/>
+          </a:p>
+        </p:txBody>
+      </p:sp>
+      <p:sp>
+        <p:nvSpPr>
+          <p:cNvPr id="9" name="Rectangle: Rounded Corners 8">
+            <a:extLst>
+              <a:ext uri="{FF2B5EF4-FFF2-40B4-BE49-F238E27FC236}">
+                <a16:creationId xmlns:a16="http://schemas.microsoft.com/office/drawing/2014/main" id="{25CA1383-B09E-4F1C-8EA7-03D73CEAF73F}"/>
               </a:ext>
             </a:extLst>
           </p:cNvPr>
@@ -5616,18 +5582,18 @@
         </p:nvSpPr>
         <p:spPr>
           <a:xfrm>
-            <a:off x="810000" y="4124696"/>
-            <a:ext cx="3135086" cy="1545772"/>
-          </a:xfrm>
-          <a:prstGeom prst="rect">
+            <a:off x="810000" y="2884721"/>
+            <a:ext cx="10571998" cy="877824"/>
+          </a:xfrm>
+          <a:prstGeom prst="roundRect">
             <a:avLst/>
           </a:prstGeom>
           <a:solidFill>
-            <a:schemeClr val="accent6"/>
+            <a:schemeClr val="tx2"/>
           </a:solidFill>
           <a:ln>
             <a:solidFill>
-              <a:schemeClr val="accent6"/>
+              <a:schemeClr val="accent1"/>
             </a:solidFill>
           </a:ln>
         </p:spPr>
@@ -5651,521 +5617,40 @@
           <a:bodyPr rtlCol="0" anchor="ctr"/>
           <a:lstStyle/>
           <a:p>
-            <a:pPr algn="ctr"/>
-            <a:r>
-              <a:rPr lang="en-US" dirty="0" err="1"/>
-              <a:t>logMerge</a:t>
-            </a:r>
-            <a:endParaRPr lang="en-US" dirty="0"/>
-          </a:p>
-          <a:p>
-            <a:pPr algn="ctr"/>
-            <a:endParaRPr lang="en-US" dirty="0"/>
-          </a:p>
-          <a:p>
-            <a:pPr algn="ctr"/>
-            <a:endParaRPr lang="en-US" dirty="0"/>
-          </a:p>
-          <a:p>
-            <a:pPr algn="ctr"/>
-            <a:endParaRPr lang="en-DE" dirty="0"/>
-          </a:p>
-        </p:txBody>
-      </p:sp>
-      <p:sp>
-        <p:nvSpPr>
-          <p:cNvPr id="12" name="Rectangle 11">
-            <a:extLst>
-              <a:ext uri="{FF2B5EF4-FFF2-40B4-BE49-F238E27FC236}">
-                <a16:creationId xmlns:a16="http://schemas.microsoft.com/office/drawing/2014/main" id="{15A800E9-C0A3-4B9B-92EC-4B273E5EDAD5}"/>
-              </a:ext>
-            </a:extLst>
-          </p:cNvPr>
-          <p:cNvSpPr/>
-          <p:nvPr/>
-        </p:nvSpPr>
-        <p:spPr>
-          <a:xfrm>
-            <a:off x="810000" y="5826828"/>
-            <a:ext cx="3135086" cy="697675"/>
-          </a:xfrm>
-          <a:prstGeom prst="rect">
-            <a:avLst/>
-          </a:prstGeom>
-        </p:spPr>
-        <p:style>
-          <a:lnRef idx="2">
-            <a:schemeClr val="accent1">
-              <a:shade val="50000"/>
-            </a:schemeClr>
-          </a:lnRef>
-          <a:fillRef idx="1">
-            <a:schemeClr val="accent1"/>
-          </a:fillRef>
-          <a:effectRef idx="0">
-            <a:schemeClr val="accent1"/>
-          </a:effectRef>
-          <a:fontRef idx="minor">
-            <a:schemeClr val="lt1"/>
-          </a:fontRef>
-        </p:style>
-        <p:txBody>
-          <a:bodyPr rtlCol="0" anchor="ctr"/>
-          <a:lstStyle/>
-          <a:p>
-            <a:pPr algn="ctr"/>
-            <a:r>
-              <a:rPr lang="en-US" dirty="0" err="1"/>
-              <a:t>Transportschicht</a:t>
-            </a:r>
-            <a:endParaRPr lang="en-DE" dirty="0"/>
-          </a:p>
-        </p:txBody>
-      </p:sp>
-      <p:sp>
-        <p:nvSpPr>
-          <p:cNvPr id="13" name="Rectangle 12">
-            <a:extLst>
-              <a:ext uri="{FF2B5EF4-FFF2-40B4-BE49-F238E27FC236}">
-                <a16:creationId xmlns:a16="http://schemas.microsoft.com/office/drawing/2014/main" id="{6E4BD40D-1A65-4D28-AF74-BABF384B2B63}"/>
-              </a:ext>
-            </a:extLst>
-          </p:cNvPr>
-          <p:cNvSpPr/>
-          <p:nvPr/>
-        </p:nvSpPr>
-        <p:spPr>
-          <a:xfrm>
-            <a:off x="1497529" y="5002481"/>
-            <a:ext cx="1760027" cy="427512"/>
-          </a:xfrm>
-          <a:prstGeom prst="rect">
-            <a:avLst/>
-          </a:prstGeom>
-        </p:spPr>
-        <p:style>
-          <a:lnRef idx="2">
-            <a:schemeClr val="accent2">
-              <a:shade val="50000"/>
-            </a:schemeClr>
-          </a:lnRef>
-          <a:fillRef idx="1">
-            <a:schemeClr val="accent2"/>
-          </a:fillRef>
-          <a:effectRef idx="0">
-            <a:schemeClr val="accent2"/>
-          </a:effectRef>
-          <a:fontRef idx="minor">
-            <a:schemeClr val="lt1"/>
-          </a:fontRef>
-        </p:style>
-        <p:txBody>
-          <a:bodyPr rtlCol="0" anchor="ctr"/>
-          <a:lstStyle/>
-          <a:p>
-            <a:pPr algn="ctr"/>
-            <a:r>
-              <a:rPr lang="en-US" dirty="0" err="1"/>
-              <a:t>feedCtrl</a:t>
-            </a:r>
-            <a:endParaRPr lang="en-DE" dirty="0"/>
-          </a:p>
-        </p:txBody>
-      </p:sp>
-      <p:sp>
-        <p:nvSpPr>
-          <p:cNvPr id="14" name="TextBox 13">
-            <a:extLst>
-              <a:ext uri="{FF2B5EF4-FFF2-40B4-BE49-F238E27FC236}">
-                <a16:creationId xmlns:a16="http://schemas.microsoft.com/office/drawing/2014/main" id="{E0DE8160-CEAA-401A-9B99-8B76162E1874}"/>
-              </a:ext>
-            </a:extLst>
-          </p:cNvPr>
-          <p:cNvSpPr txBox="1"/>
-          <p:nvPr/>
-        </p:nvSpPr>
-        <p:spPr>
-          <a:xfrm>
-            <a:off x="4079174" y="2422564"/>
-            <a:ext cx="3722914" cy="646331"/>
-          </a:xfrm>
-          <a:prstGeom prst="rect">
-            <a:avLst/>
-          </a:prstGeom>
-          <a:noFill/>
-        </p:spPr>
-        <p:txBody>
-          <a:bodyPr wrap="square" rtlCol="0">
-            <a:spAutoFit/>
-          </a:bodyPr>
-          <a:lstStyle/>
-          <a:p>
-            <a:r>
-              <a:rPr lang="en-US" dirty="0"/>
-              <a:t>User - GUI –</a:t>
-            </a:r>
-            <a:r>
-              <a:rPr lang="en-US" dirty="0" err="1"/>
-              <a:t>Projekte</a:t>
-            </a:r>
-            <a:endParaRPr lang="en-US" dirty="0"/>
-          </a:p>
-          <a:p>
-            <a:r>
-              <a:rPr lang="en-US" dirty="0"/>
-              <a:t>Chat etc.</a:t>
-            </a:r>
-            <a:endParaRPr lang="en-DE" dirty="0"/>
-          </a:p>
-        </p:txBody>
-      </p:sp>
-      <p:sp>
-        <p:nvSpPr>
-          <p:cNvPr id="16" name="TextBox 15">
-            <a:extLst>
-              <a:ext uri="{FF2B5EF4-FFF2-40B4-BE49-F238E27FC236}">
-                <a16:creationId xmlns:a16="http://schemas.microsoft.com/office/drawing/2014/main" id="{12FD038A-ABC3-45ED-AAAF-E7C567782071}"/>
-              </a:ext>
-            </a:extLst>
-          </p:cNvPr>
-          <p:cNvSpPr txBox="1"/>
-          <p:nvPr/>
-        </p:nvSpPr>
-        <p:spPr>
-          <a:xfrm>
-            <a:off x="4079174" y="3437801"/>
-            <a:ext cx="3722914" cy="369332"/>
-          </a:xfrm>
-          <a:prstGeom prst="rect">
-            <a:avLst/>
-          </a:prstGeom>
-          <a:noFill/>
-        </p:spPr>
-        <p:txBody>
-          <a:bodyPr wrap="square" rtlCol="0">
-            <a:spAutoFit/>
-          </a:bodyPr>
-          <a:lstStyle/>
-          <a:p>
-            <a:r>
-              <a:rPr lang="en-US" dirty="0"/>
-              <a:t>Gruppe 7</a:t>
-            </a:r>
-            <a:endParaRPr lang="en-DE" dirty="0"/>
-          </a:p>
-        </p:txBody>
-      </p:sp>
-      <p:sp>
-        <p:nvSpPr>
-          <p:cNvPr id="20" name="TextBox 19">
-            <a:extLst>
-              <a:ext uri="{FF2B5EF4-FFF2-40B4-BE49-F238E27FC236}">
-                <a16:creationId xmlns:a16="http://schemas.microsoft.com/office/drawing/2014/main" id="{EF915D59-F6C3-41F9-A421-5F9F6EBD1667}"/>
-              </a:ext>
-            </a:extLst>
-          </p:cNvPr>
-          <p:cNvSpPr txBox="1"/>
-          <p:nvPr/>
-        </p:nvSpPr>
-        <p:spPr>
-          <a:xfrm>
-            <a:off x="4079174" y="5878172"/>
-            <a:ext cx="3722914" cy="646331"/>
-          </a:xfrm>
-          <a:prstGeom prst="rect">
-            <a:avLst/>
-          </a:prstGeom>
-          <a:noFill/>
-        </p:spPr>
-        <p:txBody>
-          <a:bodyPr wrap="square" rtlCol="0">
-            <a:spAutoFit/>
-          </a:bodyPr>
-          <a:lstStyle/>
-          <a:p>
-            <a:r>
-              <a:rPr lang="en-US" dirty="0" err="1"/>
-              <a:t>Senden</a:t>
-            </a:r>
-            <a:r>
-              <a:rPr lang="en-US" dirty="0"/>
-              <a:t> der .</a:t>
-            </a:r>
-            <a:r>
-              <a:rPr lang="en-US" dirty="0" err="1"/>
-              <a:t>pcap-Pakete</a:t>
-            </a:r>
-            <a:endParaRPr lang="en-US" dirty="0"/>
-          </a:p>
-          <a:p>
-            <a:r>
-              <a:rPr lang="en-US" dirty="0"/>
-              <a:t>(Gruppen 1 und 13)</a:t>
-            </a:r>
-            <a:endParaRPr lang="en-DE" dirty="0"/>
-          </a:p>
-        </p:txBody>
-      </p:sp>
-      <p:sp>
-        <p:nvSpPr>
-          <p:cNvPr id="29" name="Arrow: Up-Down 28">
-            <a:extLst>
-              <a:ext uri="{FF2B5EF4-FFF2-40B4-BE49-F238E27FC236}">
-                <a16:creationId xmlns:a16="http://schemas.microsoft.com/office/drawing/2014/main" id="{8121CB05-ED94-45EC-AFE6-A79BA3E9FFDF}"/>
-              </a:ext>
-            </a:extLst>
-          </p:cNvPr>
-          <p:cNvSpPr/>
-          <p:nvPr/>
-        </p:nvSpPr>
-        <p:spPr>
-          <a:xfrm>
-            <a:off x="3636328" y="5496795"/>
-            <a:ext cx="170953" cy="549233"/>
-          </a:xfrm>
-          <a:prstGeom prst="upDownArrow">
-            <a:avLst/>
-          </a:prstGeom>
-        </p:spPr>
-        <p:style>
-          <a:lnRef idx="2">
-            <a:schemeClr val="accent3">
-              <a:shade val="50000"/>
-            </a:schemeClr>
-          </a:lnRef>
-          <a:fillRef idx="1">
-            <a:schemeClr val="accent3"/>
-          </a:fillRef>
-          <a:effectRef idx="0">
-            <a:schemeClr val="accent3"/>
-          </a:effectRef>
-          <a:fontRef idx="minor">
-            <a:schemeClr val="lt1"/>
-          </a:fontRef>
-        </p:style>
-        <p:txBody>
-          <a:bodyPr rtlCol="0" anchor="ctr"/>
-          <a:lstStyle/>
-          <a:p>
-            <a:pPr algn="ctr"/>
-            <a:endParaRPr lang="en-DE"/>
-          </a:p>
-        </p:txBody>
-      </p:sp>
-      <p:sp>
-        <p:nvSpPr>
-          <p:cNvPr id="31" name="Arrow: Up-Down 30">
-            <a:extLst>
-              <a:ext uri="{FF2B5EF4-FFF2-40B4-BE49-F238E27FC236}">
-                <a16:creationId xmlns:a16="http://schemas.microsoft.com/office/drawing/2014/main" id="{D75A887D-9C0F-425C-A9C3-3DEE8E63BD76}"/>
-              </a:ext>
-            </a:extLst>
-          </p:cNvPr>
-          <p:cNvSpPr/>
-          <p:nvPr/>
-        </p:nvSpPr>
-        <p:spPr>
-          <a:xfrm>
-            <a:off x="3636328" y="3782788"/>
-            <a:ext cx="170953" cy="549233"/>
-          </a:xfrm>
-          <a:prstGeom prst="upDownArrow">
-            <a:avLst/>
-          </a:prstGeom>
-        </p:spPr>
-        <p:style>
-          <a:lnRef idx="2">
-            <a:schemeClr val="accent3">
-              <a:shade val="50000"/>
-            </a:schemeClr>
-          </a:lnRef>
-          <a:fillRef idx="1">
-            <a:schemeClr val="accent3"/>
-          </a:fillRef>
-          <a:effectRef idx="0">
-            <a:schemeClr val="accent3"/>
-          </a:effectRef>
-          <a:fontRef idx="minor">
-            <a:schemeClr val="lt1"/>
-          </a:fontRef>
-        </p:style>
-        <p:txBody>
-          <a:bodyPr rtlCol="0" anchor="ctr"/>
-          <a:lstStyle/>
-          <a:p>
-            <a:pPr algn="ctr"/>
-            <a:endParaRPr lang="en-DE"/>
-          </a:p>
-        </p:txBody>
-      </p:sp>
-      <p:sp>
-        <p:nvSpPr>
-          <p:cNvPr id="33" name="TextBox 32">
-            <a:extLst>
-              <a:ext uri="{FF2B5EF4-FFF2-40B4-BE49-F238E27FC236}">
-                <a16:creationId xmlns:a16="http://schemas.microsoft.com/office/drawing/2014/main" id="{BEE7E9DC-C9A5-499B-96CC-A2093E44D278}"/>
-              </a:ext>
-            </a:extLst>
-          </p:cNvPr>
-          <p:cNvSpPr txBox="1"/>
-          <p:nvPr/>
-        </p:nvSpPr>
-        <p:spPr>
-          <a:xfrm>
-            <a:off x="4079174" y="5031571"/>
-            <a:ext cx="3722914" cy="369332"/>
-          </a:xfrm>
-          <a:prstGeom prst="rect">
-            <a:avLst/>
-          </a:prstGeom>
-          <a:noFill/>
-        </p:spPr>
-        <p:txBody>
-          <a:bodyPr wrap="square" rtlCol="0">
-            <a:spAutoFit/>
-          </a:bodyPr>
-          <a:lstStyle/>
-          <a:p>
-            <a:r>
-              <a:rPr lang="en-US" dirty="0"/>
-              <a:t>Gruppe 14</a:t>
-            </a:r>
-            <a:endParaRPr lang="en-DE" dirty="0"/>
-          </a:p>
-        </p:txBody>
-      </p:sp>
-      <p:sp>
-        <p:nvSpPr>
-          <p:cNvPr id="35" name="TextBox 34">
-            <a:extLst>
-              <a:ext uri="{FF2B5EF4-FFF2-40B4-BE49-F238E27FC236}">
-                <a16:creationId xmlns:a16="http://schemas.microsoft.com/office/drawing/2014/main" id="{3B688864-CDB5-4804-BC8E-90F6BCC4235C}"/>
-              </a:ext>
-            </a:extLst>
-          </p:cNvPr>
-          <p:cNvSpPr txBox="1"/>
-          <p:nvPr/>
-        </p:nvSpPr>
-        <p:spPr>
-          <a:xfrm>
-            <a:off x="4079174" y="4332021"/>
-            <a:ext cx="3722914" cy="369332"/>
-          </a:xfrm>
-          <a:prstGeom prst="rect">
-            <a:avLst/>
-          </a:prstGeom>
-          <a:noFill/>
-        </p:spPr>
-        <p:txBody>
-          <a:bodyPr wrap="square" rtlCol="0">
-            <a:spAutoFit/>
-          </a:bodyPr>
-          <a:lstStyle/>
-          <a:p>
-            <a:r>
-              <a:rPr lang="en-US" dirty="0" err="1"/>
-              <a:t>Wir</a:t>
-            </a:r>
-            <a:endParaRPr lang="en-DE" dirty="0"/>
-          </a:p>
-        </p:txBody>
-      </p:sp>
-      <p:sp>
-        <p:nvSpPr>
-          <p:cNvPr id="37" name="Arrow: Up-Down 36">
-            <a:extLst>
-              <a:ext uri="{FF2B5EF4-FFF2-40B4-BE49-F238E27FC236}">
-                <a16:creationId xmlns:a16="http://schemas.microsoft.com/office/drawing/2014/main" id="{D64FF4F1-7ADC-4A4D-9957-008E067ABBEB}"/>
-              </a:ext>
-            </a:extLst>
-          </p:cNvPr>
-          <p:cNvSpPr/>
-          <p:nvPr/>
-        </p:nvSpPr>
-        <p:spPr>
-          <a:xfrm>
-            <a:off x="3061854" y="5277591"/>
-            <a:ext cx="119993" cy="316677"/>
-          </a:xfrm>
-          <a:prstGeom prst="upDownArrow">
-            <a:avLst/>
-          </a:prstGeom>
-        </p:spPr>
-        <p:style>
-          <a:lnRef idx="2">
-            <a:schemeClr val="accent6">
-              <a:shade val="50000"/>
-            </a:schemeClr>
-          </a:lnRef>
-          <a:fillRef idx="1">
-            <a:schemeClr val="accent6"/>
-          </a:fillRef>
-          <a:effectRef idx="0">
-            <a:schemeClr val="accent6"/>
-          </a:effectRef>
-          <a:fontRef idx="minor">
-            <a:schemeClr val="lt1"/>
-          </a:fontRef>
-        </p:style>
-        <p:txBody>
-          <a:bodyPr rtlCol="0" anchor="ctr"/>
-          <a:lstStyle/>
-          <a:p>
-            <a:pPr algn="ctr"/>
-            <a:endParaRPr lang="en-DE"/>
-          </a:p>
-        </p:txBody>
-      </p:sp>
-      <p:sp>
-        <p:nvSpPr>
-          <p:cNvPr id="39" name="Arrow: Up-Down 38">
-            <a:extLst>
-              <a:ext uri="{FF2B5EF4-FFF2-40B4-BE49-F238E27FC236}">
-                <a16:creationId xmlns:a16="http://schemas.microsoft.com/office/drawing/2014/main" id="{8065D02A-9C7D-402F-873F-8DE742D6A918}"/>
-              </a:ext>
-            </a:extLst>
-          </p:cNvPr>
-          <p:cNvSpPr/>
-          <p:nvPr/>
-        </p:nvSpPr>
-        <p:spPr>
-          <a:xfrm>
-            <a:off x="3061854" y="4846121"/>
-            <a:ext cx="119993" cy="316677"/>
-          </a:xfrm>
-          <a:prstGeom prst="upDownArrow">
-            <a:avLst/>
-          </a:prstGeom>
-        </p:spPr>
-        <p:style>
-          <a:lnRef idx="2">
-            <a:schemeClr val="accent6">
-              <a:shade val="50000"/>
-            </a:schemeClr>
-          </a:lnRef>
-          <a:fillRef idx="1">
-            <a:schemeClr val="accent6"/>
-          </a:fillRef>
-          <a:effectRef idx="0">
-            <a:schemeClr val="accent6"/>
-          </a:effectRef>
-          <a:fontRef idx="minor">
-            <a:schemeClr val="lt1"/>
-          </a:fontRef>
-        </p:style>
-        <p:txBody>
-          <a:bodyPr rtlCol="0" anchor="ctr"/>
-          <a:lstStyle/>
-          <a:p>
-            <a:pPr algn="ctr"/>
-            <a:endParaRPr lang="en-DE"/>
+            <a:r>
+              <a:rPr lang="en-US" sz="2000" dirty="0"/>
+              <a:t>import </a:t>
+            </a:r>
+            <a:r>
+              <a:rPr lang="en-US" sz="2000" dirty="0" err="1"/>
+              <a:t>EventCreationTool</a:t>
+            </a:r>
+            <a:endParaRPr lang="en-US" sz="2000" dirty="0"/>
+          </a:p>
+          <a:p>
+            <a:r>
+              <a:rPr lang="en-US" sz="2000" dirty="0" err="1"/>
+              <a:t>ef</a:t>
+            </a:r>
+            <a:r>
+              <a:rPr lang="en-US" sz="2000" dirty="0"/>
+              <a:t> = </a:t>
+            </a:r>
+            <a:r>
+              <a:rPr lang="en-US" sz="2000" dirty="0" err="1"/>
+              <a:t>EventCreationTool.EventFactory</a:t>
+            </a:r>
+            <a:r>
+              <a:rPr lang="en-US" sz="2000" dirty="0"/>
+              <a:t>()</a:t>
+            </a:r>
           </a:p>
         </p:txBody>
       </p:sp>
     </p:spTree>
     <p:extLst>
       <p:ext uri="{BB962C8B-B14F-4D97-AF65-F5344CB8AC3E}">
-        <p14:creationId xmlns:p14="http://schemas.microsoft.com/office/powerpoint/2010/main" val="2243666682"/>
+        <p14:creationId xmlns:p14="http://schemas.microsoft.com/office/powerpoint/2010/main" val="1442984713"/>
       </p:ext>
     </p:extLst>
   </p:cSld>
@@ -6175,7 +5660,7 @@
 </p:sld>
 </file>
 
-<file path=ppt/slides/slide3.xml><?xml version="1.0" encoding="utf-8"?>
+<file path=ppt/slides/slide11.xml><?xml version="1.0" encoding="utf-8"?>
 <p:sld xmlns:a="http://schemas.openxmlformats.org/drawingml/2006/main" xmlns:r="http://schemas.openxmlformats.org/officeDocument/2006/relationships" xmlns:p="http://schemas.openxmlformats.org/presentationml/2006/main">
   <p:cSld>
     <p:spTree>
@@ -6215,19 +5700,15 @@
           <a:p>
             <a:r>
               <a:rPr lang="en-US" dirty="0"/>
-              <a:t>Unser </a:t>
+              <a:t>Unser Tool (an </a:t>
             </a:r>
             <a:r>
               <a:rPr lang="en-US" dirty="0" err="1"/>
-              <a:t>Auftrag</a:t>
+              <a:t>Applikationsgruppen</a:t>
             </a:r>
             <a:r>
               <a:rPr lang="en-US" dirty="0"/>
-              <a:t> ― </a:t>
-            </a:r>
-            <a:r>
-              <a:rPr lang="en-US" dirty="0" err="1"/>
-              <a:t>Aktualisiert</a:t>
+              <a:t>)</a:t>
             </a:r>
             <a:endParaRPr lang="en-DE" dirty="0"/>
           </a:p>
@@ -6235,10 +5716,10 @@
       </p:sp>
       <p:sp>
         <p:nvSpPr>
-          <p:cNvPr id="4" name="Rectangle 3">
-            <a:extLst>
-              <a:ext uri="{FF2B5EF4-FFF2-40B4-BE49-F238E27FC236}">
-                <a16:creationId xmlns:a16="http://schemas.microsoft.com/office/drawing/2014/main" id="{37912668-AA4B-49B9-AD27-D50F2B6B8ECA}"/>
+          <p:cNvPr id="7" name="Rectangle: Rounded Corners 6">
+            <a:extLst>
+              <a:ext uri="{FF2B5EF4-FFF2-40B4-BE49-F238E27FC236}">
+                <a16:creationId xmlns:a16="http://schemas.microsoft.com/office/drawing/2014/main" id="{A4538659-839A-4E6A-A372-411445A7F618}"/>
               </a:ext>
             </a:extLst>
           </p:cNvPr>
@@ -6247,63 +5728,20 @@
         </p:nvSpPr>
         <p:spPr>
           <a:xfrm>
-            <a:off x="810000" y="2422564"/>
-            <a:ext cx="3135086" cy="697675"/>
-          </a:xfrm>
-          <a:prstGeom prst="rect">
+            <a:off x="810000" y="2320639"/>
+            <a:ext cx="10571998" cy="437403"/>
+          </a:xfrm>
+          <a:prstGeom prst="roundRect">
             <a:avLst/>
           </a:prstGeom>
           <a:solidFill>
             <a:schemeClr val="tx2"/>
           </a:solidFill>
-        </p:spPr>
-        <p:style>
-          <a:lnRef idx="3">
-            <a:schemeClr val="lt1"/>
-          </a:lnRef>
-          <a:fillRef idx="1">
-            <a:schemeClr val="dk1"/>
-          </a:fillRef>
-          <a:effectRef idx="1">
-            <a:schemeClr val="dk1"/>
-          </a:effectRef>
-          <a:fontRef idx="minor">
-            <a:schemeClr val="lt1"/>
-          </a:fontRef>
-        </p:style>
-        <p:txBody>
-          <a:bodyPr rtlCol="0" anchor="ctr"/>
-          <a:lstStyle/>
-          <a:p>
-            <a:pPr algn="ctr"/>
-            <a:r>
-              <a:rPr lang="en-US" dirty="0" err="1"/>
-              <a:t>Applikationsschicht</a:t>
-            </a:r>
-            <a:endParaRPr lang="en-DE" dirty="0"/>
-          </a:p>
-        </p:txBody>
-      </p:sp>
-      <p:sp>
-        <p:nvSpPr>
-          <p:cNvPr id="6" name="Rectangle 5">
-            <a:extLst>
-              <a:ext uri="{FF2B5EF4-FFF2-40B4-BE49-F238E27FC236}">
-                <a16:creationId xmlns:a16="http://schemas.microsoft.com/office/drawing/2014/main" id="{F5996793-D831-486C-BEAA-C1E97EEB5364}"/>
-              </a:ext>
-            </a:extLst>
-          </p:cNvPr>
-          <p:cNvSpPr/>
-          <p:nvPr/>
-        </p:nvSpPr>
-        <p:spPr>
-          <a:xfrm>
-            <a:off x="810000" y="3273630"/>
-            <a:ext cx="3135086" cy="697675"/>
-          </a:xfrm>
-          <a:prstGeom prst="rect">
-            <a:avLst/>
-          </a:prstGeom>
+          <a:ln>
+            <a:solidFill>
+              <a:schemeClr val="accent1"/>
+            </a:solidFill>
+          </a:ln>
         </p:spPr>
         <p:style>
           <a:lnRef idx="2">
@@ -6325,21 +5763,20 @@
           <a:bodyPr rtlCol="0" anchor="ctr"/>
           <a:lstStyle/>
           <a:p>
-            <a:pPr algn="ctr"/>
-            <a:r>
-              <a:rPr lang="en-US" dirty="0" err="1"/>
-              <a:t>Datenbank</a:t>
-            </a:r>
-            <a:endParaRPr lang="en-DE" dirty="0"/>
-          </a:p>
-        </p:txBody>
-      </p:sp>
-      <p:sp>
-        <p:nvSpPr>
-          <p:cNvPr id="8" name="Rectangle 7">
-            <a:extLst>
-              <a:ext uri="{FF2B5EF4-FFF2-40B4-BE49-F238E27FC236}">
-                <a16:creationId xmlns:a16="http://schemas.microsoft.com/office/drawing/2014/main" id="{ABBEEAB1-B8E9-4B23-80F7-E45D089E6CAD}"/>
+            <a:r>
+              <a:rPr lang="en-US" sz="2000" dirty="0"/>
+              <a:t>pip install .</a:t>
+            </a:r>
+            <a:endParaRPr lang="en-DE" sz="2000" dirty="0"/>
+          </a:p>
+        </p:txBody>
+      </p:sp>
+      <p:sp>
+        <p:nvSpPr>
+          <p:cNvPr id="9" name="Rectangle: Rounded Corners 8">
+            <a:extLst>
+              <a:ext uri="{FF2B5EF4-FFF2-40B4-BE49-F238E27FC236}">
+                <a16:creationId xmlns:a16="http://schemas.microsoft.com/office/drawing/2014/main" id="{25CA1383-B09E-4F1C-8EA7-03D73CEAF73F}"/>
               </a:ext>
             </a:extLst>
           </p:cNvPr>
@@ -6348,18 +5785,18 @@
         </p:nvSpPr>
         <p:spPr>
           <a:xfrm>
-            <a:off x="810000" y="4124696"/>
-            <a:ext cx="3135086" cy="1545772"/>
-          </a:xfrm>
-          <a:prstGeom prst="rect">
+            <a:off x="810000" y="2884721"/>
+            <a:ext cx="10571998" cy="877824"/>
+          </a:xfrm>
+          <a:prstGeom prst="roundRect">
             <a:avLst/>
           </a:prstGeom>
           <a:solidFill>
-            <a:schemeClr val="accent6"/>
+            <a:schemeClr val="tx2"/>
           </a:solidFill>
           <a:ln>
             <a:solidFill>
-              <a:schemeClr val="accent6"/>
+              <a:schemeClr val="accent1"/>
             </a:solidFill>
           </a:ln>
         </p:spPr>
@@ -6383,33 +5820,42 @@
           <a:bodyPr rtlCol="0" anchor="ctr"/>
           <a:lstStyle/>
           <a:p>
-            <a:pPr algn="ctr"/>
-            <a:r>
-              <a:rPr lang="en-US" dirty="0" err="1"/>
-              <a:t>logMerge</a:t>
-            </a:r>
-            <a:endParaRPr lang="en-US" dirty="0"/>
-          </a:p>
-          <a:p>
-            <a:pPr algn="ctr"/>
-            <a:endParaRPr lang="en-US" dirty="0"/>
-          </a:p>
-          <a:p>
-            <a:pPr algn="ctr"/>
-            <a:endParaRPr lang="en-US" dirty="0"/>
-          </a:p>
-          <a:p>
-            <a:pPr algn="ctr"/>
-            <a:endParaRPr lang="en-DE" dirty="0"/>
-          </a:p>
-        </p:txBody>
-      </p:sp>
-      <p:sp>
-        <p:nvSpPr>
-          <p:cNvPr id="12" name="Rectangle 11">
-            <a:extLst>
-              <a:ext uri="{FF2B5EF4-FFF2-40B4-BE49-F238E27FC236}">
-                <a16:creationId xmlns:a16="http://schemas.microsoft.com/office/drawing/2014/main" id="{15A800E9-C0A3-4B9B-92EC-4B273E5EDAD5}"/>
+            <a:r>
+              <a:rPr lang="en-US" sz="2000" dirty="0"/>
+              <a:t>import </a:t>
+            </a:r>
+            <a:r>
+              <a:rPr lang="en-US" sz="2000" dirty="0" err="1"/>
+              <a:t>EventCreationTool</a:t>
+            </a:r>
+            <a:endParaRPr lang="en-US" sz="2000" dirty="0"/>
+          </a:p>
+          <a:p>
+            <a:r>
+              <a:rPr lang="en-US" sz="2000" dirty="0" err="1"/>
+              <a:t>ef</a:t>
+            </a:r>
+            <a:r>
+              <a:rPr lang="en-US" sz="2000" dirty="0"/>
+              <a:t> = </a:t>
+            </a:r>
+            <a:r>
+              <a:rPr lang="en-US" sz="2000" dirty="0" err="1"/>
+              <a:t>EventCreationTool.EventFactory</a:t>
+            </a:r>
+            <a:r>
+              <a:rPr lang="en-US" sz="2000" dirty="0"/>
+              <a:t>()</a:t>
+            </a:r>
+          </a:p>
+        </p:txBody>
+      </p:sp>
+      <p:sp>
+        <p:nvSpPr>
+          <p:cNvPr id="10" name="Rectangle: Rounded Corners 9">
+            <a:extLst>
+              <a:ext uri="{FF2B5EF4-FFF2-40B4-BE49-F238E27FC236}">
+                <a16:creationId xmlns:a16="http://schemas.microsoft.com/office/drawing/2014/main" id="{5C5FD72D-B8EF-4AB6-939F-E54F5E5EC445}"/>
               </a:ext>
             </a:extLst>
           </p:cNvPr>
@@ -6418,12 +5864,20 @@
         </p:nvSpPr>
         <p:spPr>
           <a:xfrm>
-            <a:off x="810000" y="5826828"/>
-            <a:ext cx="3135086" cy="697675"/>
-          </a:xfrm>
-          <a:prstGeom prst="rect">
+            <a:off x="810000" y="3889224"/>
+            <a:ext cx="10571998" cy="437403"/>
+          </a:xfrm>
+          <a:prstGeom prst="roundRect">
             <a:avLst/>
           </a:prstGeom>
+          <a:solidFill>
+            <a:schemeClr val="tx2"/>
+          </a:solidFill>
+          <a:ln>
+            <a:solidFill>
+              <a:schemeClr val="accent1"/>
+            </a:solidFill>
+          </a:ln>
         </p:spPr>
         <p:style>
           <a:lnRef idx="2">
@@ -6445,21 +5899,48 @@
           <a:bodyPr rtlCol="0" anchor="ctr"/>
           <a:lstStyle/>
           <a:p>
-            <a:pPr algn="ctr"/>
-            <a:r>
-              <a:rPr lang="en-US" dirty="0" err="1"/>
-              <a:t>Transportschicht</a:t>
-            </a:r>
-            <a:endParaRPr lang="en-DE" dirty="0"/>
-          </a:p>
-        </p:txBody>
-      </p:sp>
-      <p:sp>
-        <p:nvSpPr>
-          <p:cNvPr id="13" name="Rectangle 12">
-            <a:extLst>
-              <a:ext uri="{FF2B5EF4-FFF2-40B4-BE49-F238E27FC236}">
-                <a16:creationId xmlns:a16="http://schemas.microsoft.com/office/drawing/2014/main" id="{6E4BD40D-1A65-4D28-AF74-BABF384B2B63}"/>
+            <a:r>
+              <a:rPr lang="en-US" sz="2000" dirty="0" err="1"/>
+              <a:t>first_event</a:t>
+            </a:r>
+            <a:r>
+              <a:rPr lang="en-US" sz="2000" dirty="0"/>
+              <a:t> = </a:t>
+            </a:r>
+            <a:r>
+              <a:rPr lang="en-US" sz="2000" dirty="0" err="1"/>
+              <a:t>ef.first_event</a:t>
+            </a:r>
+            <a:r>
+              <a:rPr lang="en-US" sz="2000" dirty="0"/>
+              <a:t>(</a:t>
+            </a:r>
+            <a:r>
+              <a:rPr lang="en-US" sz="2000" dirty="0" err="1"/>
+              <a:t>app_name</a:t>
+            </a:r>
+            <a:r>
+              <a:rPr lang="en-US" sz="2000" dirty="0"/>
+              <a:t>, </a:t>
+            </a:r>
+            <a:r>
+              <a:rPr lang="en-US" sz="2000" dirty="0" err="1"/>
+              <a:t>master_feed_id</a:t>
+            </a:r>
+            <a:r>
+              <a:rPr lang="en-US" sz="2000" dirty="0"/>
+              <a:t>)</a:t>
+            </a:r>
+            <a:endParaRPr lang="en-DE" sz="2000" dirty="0"/>
+          </a:p>
+        </p:txBody>
+      </p:sp>
+      <p:sp>
+        <p:nvSpPr>
+          <p:cNvPr id="11" name="Rectangle: Rounded Corners 10">
+            <a:extLst>
+              <a:ext uri="{FF2B5EF4-FFF2-40B4-BE49-F238E27FC236}">
+                <a16:creationId xmlns:a16="http://schemas.microsoft.com/office/drawing/2014/main" id="{42B91A79-D896-4CD0-8386-354C432A5BC2}"/>
               </a:ext>
             </a:extLst>
           </p:cNvPr>
@@ -6468,303 +5949,18 @@
         </p:nvSpPr>
         <p:spPr>
           <a:xfrm>
-            <a:off x="1497529" y="5002481"/>
-            <a:ext cx="1760027" cy="427512"/>
-          </a:xfrm>
-          <a:prstGeom prst="rect">
-            <a:avLst/>
-          </a:prstGeom>
-        </p:spPr>
-        <p:style>
-          <a:lnRef idx="2">
-            <a:schemeClr val="accent2">
-              <a:shade val="50000"/>
-            </a:schemeClr>
-          </a:lnRef>
-          <a:fillRef idx="1">
-            <a:schemeClr val="accent2"/>
-          </a:fillRef>
-          <a:effectRef idx="0">
-            <a:schemeClr val="accent2"/>
-          </a:effectRef>
-          <a:fontRef idx="minor">
-            <a:schemeClr val="lt1"/>
-          </a:fontRef>
-        </p:style>
-        <p:txBody>
-          <a:bodyPr rtlCol="0" anchor="ctr"/>
-          <a:lstStyle/>
-          <a:p>
-            <a:pPr algn="ctr"/>
-            <a:r>
-              <a:rPr lang="en-US" dirty="0" err="1"/>
-              <a:t>feedCtrl</a:t>
-            </a:r>
-            <a:endParaRPr lang="en-DE" dirty="0"/>
-          </a:p>
-        </p:txBody>
-      </p:sp>
-      <p:sp>
-        <p:nvSpPr>
-          <p:cNvPr id="29" name="Arrow: Up-Down 28">
-            <a:extLst>
-              <a:ext uri="{FF2B5EF4-FFF2-40B4-BE49-F238E27FC236}">
-                <a16:creationId xmlns:a16="http://schemas.microsoft.com/office/drawing/2014/main" id="{8121CB05-ED94-45EC-AFE6-A79BA3E9FFDF}"/>
-              </a:ext>
-            </a:extLst>
-          </p:cNvPr>
-          <p:cNvSpPr/>
-          <p:nvPr/>
-        </p:nvSpPr>
-        <p:spPr>
-          <a:xfrm>
-            <a:off x="3636328" y="5496795"/>
-            <a:ext cx="170953" cy="549233"/>
-          </a:xfrm>
-          <a:prstGeom prst="upDownArrow">
-            <a:avLst/>
-          </a:prstGeom>
-        </p:spPr>
-        <p:style>
-          <a:lnRef idx="2">
-            <a:schemeClr val="accent3">
-              <a:shade val="50000"/>
-            </a:schemeClr>
-          </a:lnRef>
-          <a:fillRef idx="1">
-            <a:schemeClr val="accent3"/>
-          </a:fillRef>
-          <a:effectRef idx="0">
-            <a:schemeClr val="accent3"/>
-          </a:effectRef>
-          <a:fontRef idx="minor">
-            <a:schemeClr val="lt1"/>
-          </a:fontRef>
-        </p:style>
-        <p:txBody>
-          <a:bodyPr rtlCol="0" anchor="ctr"/>
-          <a:lstStyle/>
-          <a:p>
-            <a:pPr algn="ctr"/>
-            <a:endParaRPr lang="en-DE"/>
-          </a:p>
-        </p:txBody>
-      </p:sp>
-      <p:sp>
-        <p:nvSpPr>
-          <p:cNvPr id="31" name="Arrow: Up-Down 30">
-            <a:extLst>
-              <a:ext uri="{FF2B5EF4-FFF2-40B4-BE49-F238E27FC236}">
-                <a16:creationId xmlns:a16="http://schemas.microsoft.com/office/drawing/2014/main" id="{D75A887D-9C0F-425C-A9C3-3DEE8E63BD76}"/>
-              </a:ext>
-            </a:extLst>
-          </p:cNvPr>
-          <p:cNvSpPr/>
-          <p:nvPr/>
-        </p:nvSpPr>
-        <p:spPr>
-          <a:xfrm>
-            <a:off x="3636328" y="3782788"/>
-            <a:ext cx="170953" cy="549233"/>
-          </a:xfrm>
-          <a:prstGeom prst="upDownArrow">
-            <a:avLst/>
-          </a:prstGeom>
-        </p:spPr>
-        <p:style>
-          <a:lnRef idx="2">
-            <a:schemeClr val="accent3">
-              <a:shade val="50000"/>
-            </a:schemeClr>
-          </a:lnRef>
-          <a:fillRef idx="1">
-            <a:schemeClr val="accent3"/>
-          </a:fillRef>
-          <a:effectRef idx="0">
-            <a:schemeClr val="accent3"/>
-          </a:effectRef>
-          <a:fontRef idx="minor">
-            <a:schemeClr val="lt1"/>
-          </a:fontRef>
-        </p:style>
-        <p:txBody>
-          <a:bodyPr rtlCol="0" anchor="ctr"/>
-          <a:lstStyle/>
-          <a:p>
-            <a:pPr algn="ctr"/>
-            <a:endParaRPr lang="en-DE"/>
-          </a:p>
-        </p:txBody>
-      </p:sp>
-      <p:sp>
-        <p:nvSpPr>
-          <p:cNvPr id="37" name="Arrow: Up-Down 36">
-            <a:extLst>
-              <a:ext uri="{FF2B5EF4-FFF2-40B4-BE49-F238E27FC236}">
-                <a16:creationId xmlns:a16="http://schemas.microsoft.com/office/drawing/2014/main" id="{D64FF4F1-7ADC-4A4D-9957-008E067ABBEB}"/>
-              </a:ext>
-            </a:extLst>
-          </p:cNvPr>
-          <p:cNvSpPr/>
-          <p:nvPr/>
-        </p:nvSpPr>
-        <p:spPr>
-          <a:xfrm>
-            <a:off x="3061854" y="5277591"/>
-            <a:ext cx="119993" cy="316677"/>
-          </a:xfrm>
-          <a:prstGeom prst="upDownArrow">
-            <a:avLst/>
-          </a:prstGeom>
-        </p:spPr>
-        <p:style>
-          <a:lnRef idx="2">
-            <a:schemeClr val="accent6">
-              <a:shade val="50000"/>
-            </a:schemeClr>
-          </a:lnRef>
-          <a:fillRef idx="1">
-            <a:schemeClr val="accent6"/>
-          </a:fillRef>
-          <a:effectRef idx="0">
-            <a:schemeClr val="accent6"/>
-          </a:effectRef>
-          <a:fontRef idx="minor">
-            <a:schemeClr val="lt1"/>
-          </a:fontRef>
-        </p:style>
-        <p:txBody>
-          <a:bodyPr rtlCol="0" anchor="ctr"/>
-          <a:lstStyle/>
-          <a:p>
-            <a:pPr algn="ctr"/>
-            <a:endParaRPr lang="en-DE"/>
-          </a:p>
-        </p:txBody>
-      </p:sp>
-      <p:sp>
-        <p:nvSpPr>
-          <p:cNvPr id="39" name="Arrow: Up-Down 38">
-            <a:extLst>
-              <a:ext uri="{FF2B5EF4-FFF2-40B4-BE49-F238E27FC236}">
-                <a16:creationId xmlns:a16="http://schemas.microsoft.com/office/drawing/2014/main" id="{8065D02A-9C7D-402F-873F-8DE742D6A918}"/>
-              </a:ext>
-            </a:extLst>
-          </p:cNvPr>
-          <p:cNvSpPr/>
-          <p:nvPr/>
-        </p:nvSpPr>
-        <p:spPr>
-          <a:xfrm>
-            <a:off x="3061854" y="4846121"/>
-            <a:ext cx="119993" cy="316677"/>
-          </a:xfrm>
-          <a:prstGeom prst="upDownArrow">
-            <a:avLst/>
-          </a:prstGeom>
-        </p:spPr>
-        <p:style>
-          <a:lnRef idx="2">
-            <a:schemeClr val="accent6">
-              <a:shade val="50000"/>
-            </a:schemeClr>
-          </a:lnRef>
-          <a:fillRef idx="1">
-            <a:schemeClr val="accent6"/>
-          </a:fillRef>
-          <a:effectRef idx="0">
-            <a:schemeClr val="accent6"/>
-          </a:effectRef>
-          <a:fontRef idx="minor">
-            <a:schemeClr val="lt1"/>
-          </a:fontRef>
-        </p:style>
-        <p:txBody>
-          <a:bodyPr rtlCol="0" anchor="ctr"/>
-          <a:lstStyle/>
-          <a:p>
-            <a:pPr algn="ctr"/>
-            <a:endParaRPr lang="en-DE"/>
-          </a:p>
-        </p:txBody>
-      </p:sp>
-      <p:sp>
-        <p:nvSpPr>
-          <p:cNvPr id="27" name="Rectangle 26">
-            <a:extLst>
-              <a:ext uri="{FF2B5EF4-FFF2-40B4-BE49-F238E27FC236}">
-                <a16:creationId xmlns:a16="http://schemas.microsoft.com/office/drawing/2014/main" id="{FA18ABF3-518E-4F51-955E-232D53673D6C}"/>
-              </a:ext>
-            </a:extLst>
-          </p:cNvPr>
-          <p:cNvSpPr/>
-          <p:nvPr/>
-        </p:nvSpPr>
-        <p:spPr>
-          <a:xfrm>
-            <a:off x="8384721" y="2422564"/>
-            <a:ext cx="3135086" cy="697675"/>
-          </a:xfrm>
-          <a:prstGeom prst="rect">
+            <a:off x="810000" y="5022390"/>
+            <a:ext cx="10571998" cy="437403"/>
+          </a:xfrm>
+          <a:prstGeom prst="roundRect">
             <a:avLst/>
           </a:prstGeom>
           <a:solidFill>
             <a:schemeClr val="tx2"/>
           </a:solidFill>
-        </p:spPr>
-        <p:style>
-          <a:lnRef idx="3">
-            <a:schemeClr val="lt1"/>
-          </a:lnRef>
-          <a:fillRef idx="1">
-            <a:schemeClr val="dk1"/>
-          </a:fillRef>
-          <a:effectRef idx="1">
-            <a:schemeClr val="dk1"/>
-          </a:effectRef>
-          <a:fontRef idx="minor">
-            <a:schemeClr val="lt1"/>
-          </a:fontRef>
-        </p:style>
-        <p:txBody>
-          <a:bodyPr rtlCol="0" anchor="ctr"/>
-          <a:lstStyle/>
-          <a:p>
-            <a:pPr algn="ctr"/>
-            <a:r>
-              <a:rPr lang="en-US" dirty="0" err="1"/>
-              <a:t>Applikationsschicht</a:t>
-            </a:r>
-            <a:endParaRPr lang="en-DE" dirty="0"/>
-          </a:p>
-        </p:txBody>
-      </p:sp>
-      <p:sp>
-        <p:nvSpPr>
-          <p:cNvPr id="28" name="Rectangle 27">
-            <a:extLst>
-              <a:ext uri="{FF2B5EF4-FFF2-40B4-BE49-F238E27FC236}">
-                <a16:creationId xmlns:a16="http://schemas.microsoft.com/office/drawing/2014/main" id="{F5FEE97D-0E06-4DD6-9591-667FFFD10D4D}"/>
-              </a:ext>
-            </a:extLst>
-          </p:cNvPr>
-          <p:cNvSpPr/>
-          <p:nvPr/>
-        </p:nvSpPr>
-        <p:spPr>
-          <a:xfrm>
-            <a:off x="8384721" y="4972793"/>
-            <a:ext cx="3135086" cy="697675"/>
-          </a:xfrm>
-          <a:prstGeom prst="rect">
-            <a:avLst/>
-          </a:prstGeom>
-          <a:solidFill>
-            <a:schemeClr val="accent6"/>
-          </a:solidFill>
           <a:ln>
             <a:solidFill>
-              <a:schemeClr val="accent6"/>
+              <a:schemeClr val="accent1"/>
             </a:solidFill>
           </a:ln>
         </p:spPr>
@@ -6788,21 +5984,40 @@
           <a:bodyPr rtlCol="0" anchor="ctr"/>
           <a:lstStyle/>
           <a:p>
-            <a:pPr algn="ctr"/>
-            <a:r>
-              <a:rPr lang="en-US" dirty="0" err="1"/>
-              <a:t>logMerge</a:t>
-            </a:r>
-            <a:endParaRPr lang="en-DE" dirty="0"/>
-          </a:p>
-        </p:txBody>
-      </p:sp>
-      <p:sp>
-        <p:nvSpPr>
-          <p:cNvPr id="30" name="Rectangle 29">
-            <a:extLst>
-              <a:ext uri="{FF2B5EF4-FFF2-40B4-BE49-F238E27FC236}">
-                <a16:creationId xmlns:a16="http://schemas.microsoft.com/office/drawing/2014/main" id="{F027C3E2-C088-4C6C-B1D1-1EFABF828FF2}"/>
+            <a:r>
+              <a:rPr lang="en-US" sz="2000" dirty="0" err="1"/>
+              <a:t>ef</a:t>
+            </a:r>
+            <a:r>
+              <a:rPr lang="en-US" sz="2000" dirty="0"/>
+              <a:t> = </a:t>
+            </a:r>
+            <a:r>
+              <a:rPr lang="en-US" sz="2000" dirty="0" err="1"/>
+              <a:t>EventCreationTool.EventFactory</a:t>
+            </a:r>
+            <a:r>
+              <a:rPr lang="en-US" sz="2000" dirty="0"/>
+              <a:t>(</a:t>
+            </a:r>
+            <a:r>
+              <a:rPr lang="en-US" sz="2000" dirty="0" err="1"/>
+              <a:t>most_recent_event</a:t>
+            </a:r>
+            <a:r>
+              <a:rPr lang="en-US" sz="2000" dirty="0"/>
+              <a:t>)</a:t>
+            </a:r>
+            <a:endParaRPr lang="en-DE" sz="2000" dirty="0"/>
+          </a:p>
+        </p:txBody>
+      </p:sp>
+      <p:sp>
+        <p:nvSpPr>
+          <p:cNvPr id="13" name="Rectangle: Rounded Corners 12">
+            <a:extLst>
+              <a:ext uri="{FF2B5EF4-FFF2-40B4-BE49-F238E27FC236}">
+                <a16:creationId xmlns:a16="http://schemas.microsoft.com/office/drawing/2014/main" id="{59BD25EC-CF8B-4ACE-8012-C3F6C097F159}"/>
               </a:ext>
             </a:extLst>
           </p:cNvPr>
@@ -6811,12 +6026,20 @@
         </p:nvSpPr>
         <p:spPr>
           <a:xfrm>
-            <a:off x="8384721" y="3270192"/>
-            <a:ext cx="3135086" cy="1545772"/>
-          </a:xfrm>
-          <a:prstGeom prst="rect">
+            <a:off x="810000" y="4455807"/>
+            <a:ext cx="10571998" cy="437403"/>
+          </a:xfrm>
+          <a:prstGeom prst="roundRect">
             <a:avLst/>
           </a:prstGeom>
+          <a:solidFill>
+            <a:schemeClr val="tx2"/>
+          </a:solidFill>
+          <a:ln>
+            <a:solidFill>
+              <a:schemeClr val="accent1"/>
+            </a:solidFill>
+          </a:ln>
         </p:spPr>
         <p:style>
           <a:lnRef idx="2">
@@ -6838,575 +6061,38 @@
           <a:bodyPr rtlCol="0" anchor="ctr"/>
           <a:lstStyle/>
           <a:p>
-            <a:pPr algn="ctr"/>
-            <a:r>
-              <a:rPr lang="en-US" dirty="0" err="1"/>
-              <a:t>Datenbank</a:t>
-            </a:r>
-            <a:endParaRPr lang="en-US" dirty="0"/>
-          </a:p>
-          <a:p>
-            <a:pPr algn="ctr"/>
-            <a:endParaRPr lang="en-US" dirty="0"/>
-          </a:p>
-          <a:p>
-            <a:pPr algn="ctr"/>
-            <a:endParaRPr lang="en-US" dirty="0"/>
-          </a:p>
-          <a:p>
-            <a:pPr algn="ctr"/>
-            <a:endParaRPr lang="en-DE" dirty="0"/>
-          </a:p>
-        </p:txBody>
-      </p:sp>
-      <p:sp>
-        <p:nvSpPr>
-          <p:cNvPr id="32" name="Rectangle 31">
-            <a:extLst>
-              <a:ext uri="{FF2B5EF4-FFF2-40B4-BE49-F238E27FC236}">
-                <a16:creationId xmlns:a16="http://schemas.microsoft.com/office/drawing/2014/main" id="{53ACCDB8-5E6A-42B0-9D14-D5CFD34B932E}"/>
-              </a:ext>
-            </a:extLst>
-          </p:cNvPr>
-          <p:cNvSpPr/>
-          <p:nvPr/>
-        </p:nvSpPr>
-        <p:spPr>
-          <a:xfrm>
-            <a:off x="8384721" y="5826828"/>
-            <a:ext cx="3135086" cy="697675"/>
-          </a:xfrm>
-          <a:prstGeom prst="rect">
-            <a:avLst/>
-          </a:prstGeom>
-        </p:spPr>
-        <p:style>
-          <a:lnRef idx="2">
-            <a:schemeClr val="accent1">
-              <a:shade val="50000"/>
-            </a:schemeClr>
-          </a:lnRef>
-          <a:fillRef idx="1">
-            <a:schemeClr val="accent1"/>
-          </a:fillRef>
-          <a:effectRef idx="0">
-            <a:schemeClr val="accent1"/>
-          </a:effectRef>
-          <a:fontRef idx="minor">
-            <a:schemeClr val="lt1"/>
-          </a:fontRef>
-        </p:style>
-        <p:txBody>
-          <a:bodyPr rtlCol="0" anchor="ctr"/>
-          <a:lstStyle/>
-          <a:p>
-            <a:pPr algn="ctr"/>
-            <a:r>
-              <a:rPr lang="en-US" dirty="0" err="1"/>
-              <a:t>Transportschicht</a:t>
-            </a:r>
-            <a:endParaRPr lang="en-DE" dirty="0"/>
-          </a:p>
-        </p:txBody>
-      </p:sp>
-      <p:sp>
-        <p:nvSpPr>
-          <p:cNvPr id="34" name="Rectangle 33">
-            <a:extLst>
-              <a:ext uri="{FF2B5EF4-FFF2-40B4-BE49-F238E27FC236}">
-                <a16:creationId xmlns:a16="http://schemas.microsoft.com/office/drawing/2014/main" id="{59406302-05F9-44A6-AD59-03CC174C2E06}"/>
-              </a:ext>
-            </a:extLst>
-          </p:cNvPr>
-          <p:cNvSpPr/>
-          <p:nvPr/>
-        </p:nvSpPr>
-        <p:spPr>
-          <a:xfrm>
-            <a:off x="9072250" y="4147977"/>
-            <a:ext cx="1760027" cy="427512"/>
-          </a:xfrm>
-          <a:prstGeom prst="rect">
-            <a:avLst/>
-          </a:prstGeom>
-        </p:spPr>
-        <p:style>
-          <a:lnRef idx="2">
-            <a:schemeClr val="accent2">
-              <a:shade val="50000"/>
-            </a:schemeClr>
-          </a:lnRef>
-          <a:fillRef idx="1">
-            <a:schemeClr val="accent2"/>
-          </a:fillRef>
-          <a:effectRef idx="0">
-            <a:schemeClr val="accent2"/>
-          </a:effectRef>
-          <a:fontRef idx="minor">
-            <a:schemeClr val="lt1"/>
-          </a:fontRef>
-        </p:style>
-        <p:txBody>
-          <a:bodyPr rtlCol="0" anchor="ctr"/>
-          <a:lstStyle/>
-          <a:p>
-            <a:pPr algn="ctr"/>
-            <a:r>
-              <a:rPr lang="en-US" dirty="0" err="1"/>
-              <a:t>feedCtrl</a:t>
-            </a:r>
-            <a:endParaRPr lang="en-DE" dirty="0"/>
-          </a:p>
-        </p:txBody>
-      </p:sp>
-      <p:sp>
-        <p:nvSpPr>
-          <p:cNvPr id="36" name="Arrow: Up-Down 35">
-            <a:extLst>
-              <a:ext uri="{FF2B5EF4-FFF2-40B4-BE49-F238E27FC236}">
-                <a16:creationId xmlns:a16="http://schemas.microsoft.com/office/drawing/2014/main" id="{E2B8B1A1-64C1-4C8B-99C5-776FDB48F292}"/>
-              </a:ext>
-            </a:extLst>
-          </p:cNvPr>
-          <p:cNvSpPr/>
-          <p:nvPr/>
-        </p:nvSpPr>
-        <p:spPr>
-          <a:xfrm>
-            <a:off x="8585490" y="5482416"/>
-            <a:ext cx="170953" cy="549233"/>
-          </a:xfrm>
-          <a:prstGeom prst="upDownArrow">
-            <a:avLst/>
-          </a:prstGeom>
-        </p:spPr>
-        <p:style>
-          <a:lnRef idx="2">
-            <a:schemeClr val="accent3">
-              <a:shade val="50000"/>
-            </a:schemeClr>
-          </a:lnRef>
-          <a:fillRef idx="1">
-            <a:schemeClr val="accent3"/>
-          </a:fillRef>
-          <a:effectRef idx="0">
-            <a:schemeClr val="accent3"/>
-          </a:effectRef>
-          <a:fontRef idx="minor">
-            <a:schemeClr val="lt1"/>
-          </a:fontRef>
-        </p:style>
-        <p:txBody>
-          <a:bodyPr rtlCol="0" anchor="ctr"/>
-          <a:lstStyle/>
-          <a:p>
-            <a:pPr algn="ctr"/>
-            <a:endParaRPr lang="en-DE"/>
-          </a:p>
-        </p:txBody>
-      </p:sp>
-      <p:sp>
-        <p:nvSpPr>
-          <p:cNvPr id="38" name="Arrow: Up-Down 37">
-            <a:extLst>
-              <a:ext uri="{FF2B5EF4-FFF2-40B4-BE49-F238E27FC236}">
-                <a16:creationId xmlns:a16="http://schemas.microsoft.com/office/drawing/2014/main" id="{E6252737-5CA7-4269-B519-5AFBACD50812}"/>
-              </a:ext>
-            </a:extLst>
-          </p:cNvPr>
-          <p:cNvSpPr/>
-          <p:nvPr/>
-        </p:nvSpPr>
-        <p:spPr>
-          <a:xfrm>
-            <a:off x="8585486" y="4613565"/>
-            <a:ext cx="170953" cy="549233"/>
-          </a:xfrm>
-          <a:prstGeom prst="upDownArrow">
-            <a:avLst/>
-          </a:prstGeom>
-        </p:spPr>
-        <p:style>
-          <a:lnRef idx="2">
-            <a:schemeClr val="accent3">
-              <a:shade val="50000"/>
-            </a:schemeClr>
-          </a:lnRef>
-          <a:fillRef idx="1">
-            <a:schemeClr val="accent3"/>
-          </a:fillRef>
-          <a:effectRef idx="0">
-            <a:schemeClr val="accent3"/>
-          </a:effectRef>
-          <a:fontRef idx="minor">
-            <a:schemeClr val="lt1"/>
-          </a:fontRef>
-        </p:style>
-        <p:txBody>
-          <a:bodyPr rtlCol="0" anchor="ctr"/>
-          <a:lstStyle/>
-          <a:p>
-            <a:pPr algn="ctr"/>
-            <a:endParaRPr lang="en-DE"/>
-          </a:p>
-        </p:txBody>
-      </p:sp>
-      <p:sp>
-        <p:nvSpPr>
-          <p:cNvPr id="40" name="Arrow: Up-Down 39">
-            <a:extLst>
-              <a:ext uri="{FF2B5EF4-FFF2-40B4-BE49-F238E27FC236}">
-                <a16:creationId xmlns:a16="http://schemas.microsoft.com/office/drawing/2014/main" id="{3BE328A8-2D78-45DC-9C5C-ED1E8D243BFD}"/>
-              </a:ext>
-            </a:extLst>
-          </p:cNvPr>
-          <p:cNvSpPr/>
-          <p:nvPr/>
-        </p:nvSpPr>
-        <p:spPr>
-          <a:xfrm>
-            <a:off x="9160078" y="4415637"/>
-            <a:ext cx="119993" cy="697675"/>
-          </a:xfrm>
-          <a:prstGeom prst="upDownArrow">
-            <a:avLst/>
-          </a:prstGeom>
-        </p:spPr>
-        <p:style>
-          <a:lnRef idx="2">
-            <a:schemeClr val="accent6">
-              <a:shade val="50000"/>
-            </a:schemeClr>
-          </a:lnRef>
-          <a:fillRef idx="1">
-            <a:schemeClr val="accent6"/>
-          </a:fillRef>
-          <a:effectRef idx="0">
-            <a:schemeClr val="accent6"/>
-          </a:effectRef>
-          <a:fontRef idx="minor">
-            <a:schemeClr val="lt1"/>
-          </a:fontRef>
-        </p:style>
-        <p:txBody>
-          <a:bodyPr rtlCol="0" anchor="ctr"/>
-          <a:lstStyle/>
-          <a:p>
-            <a:pPr algn="ctr"/>
-            <a:endParaRPr lang="en-DE"/>
-          </a:p>
-        </p:txBody>
-      </p:sp>
-      <p:sp>
-        <p:nvSpPr>
-          <p:cNvPr id="41" name="Arrow: Up-Down 40">
-            <a:extLst>
-              <a:ext uri="{FF2B5EF4-FFF2-40B4-BE49-F238E27FC236}">
-                <a16:creationId xmlns:a16="http://schemas.microsoft.com/office/drawing/2014/main" id="{8FD33B42-B72C-40AA-8AB1-51E64FD3A426}"/>
-              </a:ext>
-            </a:extLst>
-          </p:cNvPr>
-          <p:cNvSpPr/>
-          <p:nvPr/>
-        </p:nvSpPr>
-        <p:spPr>
-          <a:xfrm>
-            <a:off x="9160078" y="3984167"/>
-            <a:ext cx="119993" cy="316677"/>
-          </a:xfrm>
-          <a:prstGeom prst="upDownArrow">
-            <a:avLst/>
-          </a:prstGeom>
-        </p:spPr>
-        <p:style>
-          <a:lnRef idx="2">
-            <a:schemeClr val="accent6">
-              <a:shade val="50000"/>
-            </a:schemeClr>
-          </a:lnRef>
-          <a:fillRef idx="1">
-            <a:schemeClr val="accent6"/>
-          </a:fillRef>
-          <a:effectRef idx="0">
-            <a:schemeClr val="accent6"/>
-          </a:effectRef>
-          <a:fontRef idx="minor">
-            <a:schemeClr val="lt1"/>
-          </a:fontRef>
-        </p:style>
-        <p:txBody>
-          <a:bodyPr rtlCol="0" anchor="ctr"/>
-          <a:lstStyle/>
-          <a:p>
-            <a:pPr algn="ctr"/>
-            <a:endParaRPr lang="en-DE"/>
-          </a:p>
-        </p:txBody>
-      </p:sp>
-      <p:sp>
-        <p:nvSpPr>
-          <p:cNvPr id="43" name="TextBox 42">
-            <a:extLst>
-              <a:ext uri="{FF2B5EF4-FFF2-40B4-BE49-F238E27FC236}">
-                <a16:creationId xmlns:a16="http://schemas.microsoft.com/office/drawing/2014/main" id="{F7BE7292-55A3-404C-86E0-0C142778F5A6}"/>
-              </a:ext>
-            </a:extLst>
-          </p:cNvPr>
-          <p:cNvSpPr txBox="1"/>
-          <p:nvPr/>
-        </p:nvSpPr>
-        <p:spPr>
-          <a:xfrm>
-            <a:off x="4079174" y="2422564"/>
-            <a:ext cx="3722914" cy="646331"/>
-          </a:xfrm>
-          <a:prstGeom prst="rect">
-            <a:avLst/>
-          </a:prstGeom>
-          <a:noFill/>
-        </p:spPr>
-        <p:txBody>
-          <a:bodyPr wrap="square" rtlCol="0">
-            <a:spAutoFit/>
-          </a:bodyPr>
-          <a:lstStyle/>
-          <a:p>
-            <a:r>
-              <a:rPr lang="en-US" dirty="0"/>
-              <a:t>User - GUI –</a:t>
-            </a:r>
-            <a:r>
-              <a:rPr lang="en-US" dirty="0" err="1"/>
-              <a:t>Projekte</a:t>
-            </a:r>
-            <a:endParaRPr lang="en-US" dirty="0"/>
-          </a:p>
-          <a:p>
-            <a:r>
-              <a:rPr lang="en-US" dirty="0"/>
-              <a:t>Chat etc.</a:t>
-            </a:r>
-            <a:endParaRPr lang="en-DE" dirty="0"/>
-          </a:p>
-        </p:txBody>
-      </p:sp>
-      <p:sp>
-        <p:nvSpPr>
-          <p:cNvPr id="44" name="TextBox 43">
-            <a:extLst>
-              <a:ext uri="{FF2B5EF4-FFF2-40B4-BE49-F238E27FC236}">
-                <a16:creationId xmlns:a16="http://schemas.microsoft.com/office/drawing/2014/main" id="{D2E7DB75-E121-43C3-A4A9-BBF068102708}"/>
-              </a:ext>
-            </a:extLst>
-          </p:cNvPr>
-          <p:cNvSpPr txBox="1"/>
-          <p:nvPr/>
-        </p:nvSpPr>
-        <p:spPr>
-          <a:xfrm>
-            <a:off x="4079174" y="3437801"/>
-            <a:ext cx="3722914" cy="369332"/>
-          </a:xfrm>
-          <a:prstGeom prst="rect">
-            <a:avLst/>
-          </a:prstGeom>
-          <a:noFill/>
-        </p:spPr>
-        <p:txBody>
-          <a:bodyPr wrap="square" rtlCol="0">
-            <a:spAutoFit/>
-          </a:bodyPr>
-          <a:lstStyle/>
-          <a:p>
-            <a:r>
-              <a:rPr lang="en-US" dirty="0"/>
-              <a:t>Gruppe 7</a:t>
-            </a:r>
-            <a:endParaRPr lang="en-DE" dirty="0"/>
-          </a:p>
-        </p:txBody>
-      </p:sp>
-      <p:sp>
-        <p:nvSpPr>
-          <p:cNvPr id="45" name="TextBox 44">
-            <a:extLst>
-              <a:ext uri="{FF2B5EF4-FFF2-40B4-BE49-F238E27FC236}">
-                <a16:creationId xmlns:a16="http://schemas.microsoft.com/office/drawing/2014/main" id="{805CE5F7-B520-4DB4-9C8D-09474FEE033D}"/>
-              </a:ext>
-            </a:extLst>
-          </p:cNvPr>
-          <p:cNvSpPr txBox="1"/>
-          <p:nvPr/>
-        </p:nvSpPr>
-        <p:spPr>
-          <a:xfrm>
-            <a:off x="4079174" y="5878172"/>
-            <a:ext cx="3722914" cy="646331"/>
-          </a:xfrm>
-          <a:prstGeom prst="rect">
-            <a:avLst/>
-          </a:prstGeom>
-          <a:noFill/>
-        </p:spPr>
-        <p:txBody>
-          <a:bodyPr wrap="square" rtlCol="0">
-            <a:spAutoFit/>
-          </a:bodyPr>
-          <a:lstStyle/>
-          <a:p>
-            <a:r>
-              <a:rPr lang="en-US" dirty="0" err="1"/>
-              <a:t>Senden</a:t>
-            </a:r>
-            <a:r>
-              <a:rPr lang="en-US" dirty="0"/>
-              <a:t> der .</a:t>
-            </a:r>
-            <a:r>
-              <a:rPr lang="en-US" dirty="0" err="1"/>
-              <a:t>pcap-Pakete</a:t>
-            </a:r>
-            <a:endParaRPr lang="en-US" dirty="0"/>
-          </a:p>
-          <a:p>
-            <a:r>
-              <a:rPr lang="en-US" dirty="0"/>
-              <a:t>(Gruppen 1 und 13)</a:t>
-            </a:r>
-            <a:endParaRPr lang="en-DE" dirty="0"/>
-          </a:p>
-        </p:txBody>
-      </p:sp>
-      <p:sp>
-        <p:nvSpPr>
-          <p:cNvPr id="46" name="TextBox 45">
-            <a:extLst>
-              <a:ext uri="{FF2B5EF4-FFF2-40B4-BE49-F238E27FC236}">
-                <a16:creationId xmlns:a16="http://schemas.microsoft.com/office/drawing/2014/main" id="{6607BDA0-35C7-41E2-B807-B307EA9437E0}"/>
-              </a:ext>
-            </a:extLst>
-          </p:cNvPr>
-          <p:cNvSpPr txBox="1"/>
-          <p:nvPr/>
-        </p:nvSpPr>
-        <p:spPr>
-          <a:xfrm>
-            <a:off x="4079174" y="5031571"/>
-            <a:ext cx="3722914" cy="369332"/>
-          </a:xfrm>
-          <a:prstGeom prst="rect">
-            <a:avLst/>
-          </a:prstGeom>
-          <a:noFill/>
-        </p:spPr>
-        <p:txBody>
-          <a:bodyPr wrap="square" rtlCol="0">
-            <a:spAutoFit/>
-          </a:bodyPr>
-          <a:lstStyle/>
-          <a:p>
-            <a:r>
-              <a:rPr lang="en-US" dirty="0"/>
-              <a:t>Gruppe 14</a:t>
-            </a:r>
-            <a:endParaRPr lang="en-DE" dirty="0"/>
-          </a:p>
-        </p:txBody>
-      </p:sp>
-      <p:sp>
-        <p:nvSpPr>
-          <p:cNvPr id="47" name="TextBox 46">
-            <a:extLst>
-              <a:ext uri="{FF2B5EF4-FFF2-40B4-BE49-F238E27FC236}">
-                <a16:creationId xmlns:a16="http://schemas.microsoft.com/office/drawing/2014/main" id="{03319F12-8295-4567-8A64-08AC5209066A}"/>
-              </a:ext>
-            </a:extLst>
-          </p:cNvPr>
-          <p:cNvSpPr txBox="1"/>
-          <p:nvPr/>
-        </p:nvSpPr>
-        <p:spPr>
-          <a:xfrm>
-            <a:off x="4079174" y="4332021"/>
-            <a:ext cx="3722914" cy="369332"/>
-          </a:xfrm>
-          <a:prstGeom prst="rect">
-            <a:avLst/>
-          </a:prstGeom>
-          <a:noFill/>
-        </p:spPr>
-        <p:txBody>
-          <a:bodyPr wrap="square" rtlCol="0">
-            <a:spAutoFit/>
-          </a:bodyPr>
-          <a:lstStyle/>
-          <a:p>
-            <a:r>
-              <a:rPr lang="en-US" dirty="0" err="1"/>
-              <a:t>Wir</a:t>
-            </a:r>
-            <a:endParaRPr lang="en-DE" dirty="0"/>
-          </a:p>
-        </p:txBody>
-      </p:sp>
-      <p:sp>
-        <p:nvSpPr>
-          <p:cNvPr id="49" name="Arrow: Right 48">
-            <a:extLst>
-              <a:ext uri="{FF2B5EF4-FFF2-40B4-BE49-F238E27FC236}">
-                <a16:creationId xmlns:a16="http://schemas.microsoft.com/office/drawing/2014/main" id="{9D66513A-EAA9-4BAF-8745-07EC058DA040}"/>
-              </a:ext>
-            </a:extLst>
-          </p:cNvPr>
-          <p:cNvSpPr/>
-          <p:nvPr/>
-        </p:nvSpPr>
-        <p:spPr>
-          <a:xfrm>
-            <a:off x="5922200" y="4142506"/>
-            <a:ext cx="1508166" cy="667987"/>
-          </a:xfrm>
-          <a:prstGeom prst="rightArrow">
-            <a:avLst/>
-          </a:prstGeom>
-          <a:solidFill>
-            <a:schemeClr val="accent6"/>
-          </a:solidFill>
-          <a:ln>
-            <a:solidFill>
-              <a:schemeClr val="accent6"/>
-            </a:solidFill>
-          </a:ln>
-        </p:spPr>
-        <p:style>
-          <a:lnRef idx="2">
-            <a:schemeClr val="accent1">
-              <a:shade val="50000"/>
-            </a:schemeClr>
-          </a:lnRef>
-          <a:fillRef idx="1">
-            <a:schemeClr val="accent1"/>
-          </a:fillRef>
-          <a:effectRef idx="0">
-            <a:schemeClr val="accent1"/>
-          </a:effectRef>
-          <a:fontRef idx="minor">
-            <a:schemeClr val="lt1"/>
-          </a:fontRef>
-        </p:style>
-        <p:txBody>
-          <a:bodyPr rtlCol="0" anchor="ctr"/>
-          <a:lstStyle/>
-          <a:p>
-            <a:pPr algn="ctr"/>
-            <a:endParaRPr lang="en-DE"/>
+            <a:r>
+              <a:rPr lang="en-US" sz="2000" dirty="0" err="1"/>
+              <a:t>new_event</a:t>
+            </a:r>
+            <a:r>
+              <a:rPr lang="en-US" sz="2000" dirty="0"/>
+              <a:t> = </a:t>
+            </a:r>
+            <a:r>
+              <a:rPr lang="en-US" sz="2000" dirty="0" err="1"/>
+              <a:t>ef.next_event</a:t>
+            </a:r>
+            <a:r>
+              <a:rPr lang="en-US" sz="2000" dirty="0"/>
+              <a:t>(identifier, </a:t>
+            </a:r>
+            <a:r>
+              <a:rPr lang="en-US" sz="2000" dirty="0" err="1"/>
+              <a:t>content_dictionary</a:t>
+            </a:r>
+            <a:r>
+              <a:rPr lang="en-US" sz="2000" dirty="0"/>
+              <a:t>)</a:t>
+            </a:r>
+            <a:endParaRPr lang="en-DE" sz="2000" dirty="0"/>
           </a:p>
         </p:txBody>
       </p:sp>
     </p:spTree>
     <p:extLst>
       <p:ext uri="{BB962C8B-B14F-4D97-AF65-F5344CB8AC3E}">
-        <p14:creationId xmlns:p14="http://schemas.microsoft.com/office/powerpoint/2010/main" val="3764899972"/>
+        <p14:creationId xmlns:p14="http://schemas.microsoft.com/office/powerpoint/2010/main" val="1103924343"/>
       </p:ext>
     </p:extLst>
   </p:cSld>
@@ -7416,7 +6102,7 @@
 </p:sld>
 </file>
 
-<file path=ppt/slides/slide4.xml><?xml version="1.0" encoding="utf-8"?>
+<file path=ppt/slides/slide12.xml><?xml version="1.0" encoding="utf-8"?>
 <p:sld xmlns:a="http://schemas.openxmlformats.org/drawingml/2006/main" xmlns:r="http://schemas.openxmlformats.org/officeDocument/2006/relationships" xmlns:p="http://schemas.openxmlformats.org/presentationml/2006/main">
   <p:cSld>
     <p:spTree>
@@ -7456,15 +6142,15 @@
           <a:p>
             <a:r>
               <a:rPr lang="en-US" dirty="0"/>
-              <a:t>Unser </a:t>
+              <a:t>Unser Tool (an </a:t>
             </a:r>
             <a:r>
               <a:rPr lang="en-US" dirty="0" err="1"/>
-              <a:t>Auftrag</a:t>
+              <a:t>Applikationsgruppen</a:t>
             </a:r>
             <a:r>
               <a:rPr lang="en-US" dirty="0"/>
-              <a:t> ― Integration</a:t>
+              <a:t>)</a:t>
             </a:r>
             <a:endParaRPr lang="en-DE" dirty="0"/>
           </a:p>
@@ -7472,10 +6158,10 @@
       </p:sp>
       <p:sp>
         <p:nvSpPr>
-          <p:cNvPr id="27" name="Rectangle 26">
-            <a:extLst>
-              <a:ext uri="{FF2B5EF4-FFF2-40B4-BE49-F238E27FC236}">
-                <a16:creationId xmlns:a16="http://schemas.microsoft.com/office/drawing/2014/main" id="{FA18ABF3-518E-4F51-955E-232D53673D6C}"/>
+          <p:cNvPr id="7" name="Rectangle: Rounded Corners 6">
+            <a:extLst>
+              <a:ext uri="{FF2B5EF4-FFF2-40B4-BE49-F238E27FC236}">
+                <a16:creationId xmlns:a16="http://schemas.microsoft.com/office/drawing/2014/main" id="{A4538659-839A-4E6A-A372-411445A7F618}"/>
               </a:ext>
             </a:extLst>
           </p:cNvPr>
@@ -7484,69 +6170,18 @@
         </p:nvSpPr>
         <p:spPr>
           <a:xfrm>
-            <a:off x="8384721" y="2422564"/>
-            <a:ext cx="3135086" cy="697675"/>
-          </a:xfrm>
-          <a:prstGeom prst="rect">
+            <a:off x="810000" y="2320639"/>
+            <a:ext cx="10571998" cy="437403"/>
+          </a:xfrm>
+          <a:prstGeom prst="roundRect">
             <a:avLst/>
           </a:prstGeom>
           <a:solidFill>
             <a:schemeClr val="tx2"/>
           </a:solidFill>
-        </p:spPr>
-        <p:style>
-          <a:lnRef idx="3">
-            <a:schemeClr val="lt1"/>
-          </a:lnRef>
-          <a:fillRef idx="1">
-            <a:schemeClr val="dk1"/>
-          </a:fillRef>
-          <a:effectRef idx="1">
-            <a:schemeClr val="dk1"/>
-          </a:effectRef>
-          <a:fontRef idx="minor">
-            <a:schemeClr val="lt1"/>
-          </a:fontRef>
-        </p:style>
-        <p:txBody>
-          <a:bodyPr rtlCol="0" anchor="ctr"/>
-          <a:lstStyle/>
-          <a:p>
-            <a:pPr algn="ctr"/>
-            <a:r>
-              <a:rPr lang="en-US" dirty="0" err="1"/>
-              <a:t>Applikationsschicht</a:t>
-            </a:r>
-            <a:endParaRPr lang="en-DE" dirty="0"/>
-          </a:p>
-        </p:txBody>
-      </p:sp>
-      <p:sp>
-        <p:nvSpPr>
-          <p:cNvPr id="28" name="Rectangle 27">
-            <a:extLst>
-              <a:ext uri="{FF2B5EF4-FFF2-40B4-BE49-F238E27FC236}">
-                <a16:creationId xmlns:a16="http://schemas.microsoft.com/office/drawing/2014/main" id="{F5FEE97D-0E06-4DD6-9591-667FFFD10D4D}"/>
-              </a:ext>
-            </a:extLst>
-          </p:cNvPr>
-          <p:cNvSpPr/>
-          <p:nvPr/>
-        </p:nvSpPr>
-        <p:spPr>
-          <a:xfrm>
-            <a:off x="8384721" y="4972793"/>
-            <a:ext cx="3135086" cy="697675"/>
-          </a:xfrm>
-          <a:prstGeom prst="rect">
-            <a:avLst/>
-          </a:prstGeom>
-          <a:solidFill>
-            <a:schemeClr val="accent6"/>
-          </a:solidFill>
           <a:ln>
             <a:solidFill>
-              <a:schemeClr val="accent6"/>
+              <a:schemeClr val="accent1"/>
             </a:solidFill>
           </a:ln>
         </p:spPr>
@@ -7570,21 +6205,20 @@
           <a:bodyPr rtlCol="0" anchor="ctr"/>
           <a:lstStyle/>
           <a:p>
-            <a:pPr algn="ctr"/>
-            <a:r>
-              <a:rPr lang="en-US" dirty="0" err="1"/>
-              <a:t>logMerge</a:t>
-            </a:r>
-            <a:endParaRPr lang="en-DE" dirty="0"/>
-          </a:p>
-        </p:txBody>
-      </p:sp>
-      <p:sp>
-        <p:nvSpPr>
-          <p:cNvPr id="30" name="Rectangle 29">
-            <a:extLst>
-              <a:ext uri="{FF2B5EF4-FFF2-40B4-BE49-F238E27FC236}">
-                <a16:creationId xmlns:a16="http://schemas.microsoft.com/office/drawing/2014/main" id="{F027C3E2-C088-4C6C-B1D1-1EFABF828FF2}"/>
+            <a:r>
+              <a:rPr lang="en-US" sz="2000" dirty="0"/>
+              <a:t>pip install .</a:t>
+            </a:r>
+            <a:endParaRPr lang="en-DE" sz="2000" dirty="0"/>
+          </a:p>
+        </p:txBody>
+      </p:sp>
+      <p:sp>
+        <p:nvSpPr>
+          <p:cNvPr id="9" name="Rectangle: Rounded Corners 8">
+            <a:extLst>
+              <a:ext uri="{FF2B5EF4-FFF2-40B4-BE49-F238E27FC236}">
+                <a16:creationId xmlns:a16="http://schemas.microsoft.com/office/drawing/2014/main" id="{25CA1383-B09E-4F1C-8EA7-03D73CEAF73F}"/>
               </a:ext>
             </a:extLst>
           </p:cNvPr>
@@ -7593,12 +6227,20 @@
         </p:nvSpPr>
         <p:spPr>
           <a:xfrm>
-            <a:off x="8384721" y="3270192"/>
-            <a:ext cx="3135086" cy="1545772"/>
-          </a:xfrm>
-          <a:prstGeom prst="rect">
+            <a:off x="810000" y="2884721"/>
+            <a:ext cx="10571998" cy="877824"/>
+          </a:xfrm>
+          <a:prstGeom prst="roundRect">
             <a:avLst/>
           </a:prstGeom>
+          <a:solidFill>
+            <a:schemeClr val="tx2"/>
+          </a:solidFill>
+          <a:ln>
+            <a:solidFill>
+              <a:schemeClr val="accent1"/>
+            </a:solidFill>
+          </a:ln>
         </p:spPr>
         <p:style>
           <a:lnRef idx="2">
@@ -7620,33 +6262,42 @@
           <a:bodyPr rtlCol="0" anchor="ctr"/>
           <a:lstStyle/>
           <a:p>
-            <a:pPr algn="ctr"/>
-            <a:r>
-              <a:rPr lang="en-US" dirty="0" err="1"/>
-              <a:t>Datenbank</a:t>
-            </a:r>
-            <a:endParaRPr lang="en-US" dirty="0"/>
-          </a:p>
-          <a:p>
-            <a:pPr algn="ctr"/>
-            <a:endParaRPr lang="en-US" dirty="0"/>
-          </a:p>
-          <a:p>
-            <a:pPr algn="ctr"/>
-            <a:endParaRPr lang="en-US" dirty="0"/>
-          </a:p>
-          <a:p>
-            <a:pPr algn="ctr"/>
-            <a:endParaRPr lang="en-DE" dirty="0"/>
-          </a:p>
-        </p:txBody>
-      </p:sp>
-      <p:sp>
-        <p:nvSpPr>
-          <p:cNvPr id="32" name="Rectangle 31">
-            <a:extLst>
-              <a:ext uri="{FF2B5EF4-FFF2-40B4-BE49-F238E27FC236}">
-                <a16:creationId xmlns:a16="http://schemas.microsoft.com/office/drawing/2014/main" id="{53ACCDB8-5E6A-42B0-9D14-D5CFD34B932E}"/>
+            <a:r>
+              <a:rPr lang="en-US" sz="2000" dirty="0"/>
+              <a:t>import </a:t>
+            </a:r>
+            <a:r>
+              <a:rPr lang="en-US" sz="2000" dirty="0" err="1"/>
+              <a:t>EventCreationTool</a:t>
+            </a:r>
+            <a:endParaRPr lang="en-US" sz="2000" dirty="0"/>
+          </a:p>
+          <a:p>
+            <a:r>
+              <a:rPr lang="en-US" sz="2000" dirty="0" err="1"/>
+              <a:t>ef</a:t>
+            </a:r>
+            <a:r>
+              <a:rPr lang="en-US" sz="2000" dirty="0"/>
+              <a:t> = </a:t>
+            </a:r>
+            <a:r>
+              <a:rPr lang="en-US" sz="2000" dirty="0" err="1"/>
+              <a:t>EventCreationTool.EventFactory</a:t>
+            </a:r>
+            <a:r>
+              <a:rPr lang="en-US" sz="2000" dirty="0"/>
+              <a:t>()</a:t>
+            </a:r>
+          </a:p>
+        </p:txBody>
+      </p:sp>
+      <p:sp>
+        <p:nvSpPr>
+          <p:cNvPr id="10" name="Rectangle: Rounded Corners 9">
+            <a:extLst>
+              <a:ext uri="{FF2B5EF4-FFF2-40B4-BE49-F238E27FC236}">
+                <a16:creationId xmlns:a16="http://schemas.microsoft.com/office/drawing/2014/main" id="{5C5FD72D-B8EF-4AB6-939F-E54F5E5EC445}"/>
               </a:ext>
             </a:extLst>
           </p:cNvPr>
@@ -7655,12 +6306,20 @@
         </p:nvSpPr>
         <p:spPr>
           <a:xfrm>
-            <a:off x="8384721" y="5826828"/>
-            <a:ext cx="3135086" cy="697675"/>
-          </a:xfrm>
-          <a:prstGeom prst="rect">
+            <a:off x="810000" y="3889224"/>
+            <a:ext cx="10571998" cy="437403"/>
+          </a:xfrm>
+          <a:prstGeom prst="roundRect">
             <a:avLst/>
           </a:prstGeom>
+          <a:solidFill>
+            <a:schemeClr val="tx2"/>
+          </a:solidFill>
+          <a:ln>
+            <a:solidFill>
+              <a:schemeClr val="accent1"/>
+            </a:solidFill>
+          </a:ln>
         </p:spPr>
         <p:style>
           <a:lnRef idx="2">
@@ -7682,21 +6341,48 @@
           <a:bodyPr rtlCol="0" anchor="ctr"/>
           <a:lstStyle/>
           <a:p>
-            <a:pPr algn="ctr"/>
-            <a:r>
-              <a:rPr lang="en-US" dirty="0" err="1"/>
-              <a:t>Transportschicht</a:t>
-            </a:r>
-            <a:endParaRPr lang="en-DE" dirty="0"/>
-          </a:p>
-        </p:txBody>
-      </p:sp>
-      <p:sp>
-        <p:nvSpPr>
-          <p:cNvPr id="34" name="Rectangle 33">
-            <a:extLst>
-              <a:ext uri="{FF2B5EF4-FFF2-40B4-BE49-F238E27FC236}">
-                <a16:creationId xmlns:a16="http://schemas.microsoft.com/office/drawing/2014/main" id="{59406302-05F9-44A6-AD59-03CC174C2E06}"/>
+            <a:r>
+              <a:rPr lang="en-US" sz="2000" dirty="0" err="1"/>
+              <a:t>first_event</a:t>
+            </a:r>
+            <a:r>
+              <a:rPr lang="en-US" sz="2000" dirty="0"/>
+              <a:t> = </a:t>
+            </a:r>
+            <a:r>
+              <a:rPr lang="en-US" sz="2000" dirty="0" err="1"/>
+              <a:t>ef.first_event</a:t>
+            </a:r>
+            <a:r>
+              <a:rPr lang="en-US" sz="2000" dirty="0"/>
+              <a:t>(</a:t>
+            </a:r>
+            <a:r>
+              <a:rPr lang="en-US" sz="2000" dirty="0" err="1"/>
+              <a:t>app_name</a:t>
+            </a:r>
+            <a:r>
+              <a:rPr lang="en-US" sz="2000" dirty="0"/>
+              <a:t>, </a:t>
+            </a:r>
+            <a:r>
+              <a:rPr lang="en-US" sz="2000" dirty="0" err="1"/>
+              <a:t>master_feed_id</a:t>
+            </a:r>
+            <a:r>
+              <a:rPr lang="en-US" sz="2000" dirty="0"/>
+              <a:t>)</a:t>
+            </a:r>
+            <a:endParaRPr lang="en-DE" sz="2000" dirty="0"/>
+          </a:p>
+        </p:txBody>
+      </p:sp>
+      <p:sp>
+        <p:nvSpPr>
+          <p:cNvPr id="11" name="Rectangle: Rounded Corners 10">
+            <a:extLst>
+              <a:ext uri="{FF2B5EF4-FFF2-40B4-BE49-F238E27FC236}">
+                <a16:creationId xmlns:a16="http://schemas.microsoft.com/office/drawing/2014/main" id="{42B91A79-D896-4CD0-8386-354C432A5BC2}"/>
               </a:ext>
             </a:extLst>
           </p:cNvPr>
@@ -7705,68 +6391,18 @@
         </p:nvSpPr>
         <p:spPr>
           <a:xfrm>
-            <a:off x="9072250" y="4147977"/>
-            <a:ext cx="1760027" cy="427512"/>
-          </a:xfrm>
-          <a:prstGeom prst="rect">
-            <a:avLst/>
-          </a:prstGeom>
-        </p:spPr>
-        <p:style>
-          <a:lnRef idx="2">
-            <a:schemeClr val="accent2">
-              <a:shade val="50000"/>
-            </a:schemeClr>
-          </a:lnRef>
-          <a:fillRef idx="1">
-            <a:schemeClr val="accent2"/>
-          </a:fillRef>
-          <a:effectRef idx="0">
-            <a:schemeClr val="accent2"/>
-          </a:effectRef>
-          <a:fontRef idx="minor">
-            <a:schemeClr val="lt1"/>
-          </a:fontRef>
-        </p:style>
-        <p:txBody>
-          <a:bodyPr rtlCol="0" anchor="ctr"/>
-          <a:lstStyle/>
-          <a:p>
-            <a:pPr algn="ctr"/>
-            <a:r>
-              <a:rPr lang="en-US" dirty="0" err="1"/>
-              <a:t>feedCtrl</a:t>
-            </a:r>
-            <a:endParaRPr lang="en-DE" dirty="0"/>
-          </a:p>
-        </p:txBody>
-      </p:sp>
-      <p:sp>
-        <p:nvSpPr>
-          <p:cNvPr id="3" name="Arrow: Right 2">
-            <a:extLst>
-              <a:ext uri="{FF2B5EF4-FFF2-40B4-BE49-F238E27FC236}">
-                <a16:creationId xmlns:a16="http://schemas.microsoft.com/office/drawing/2014/main" id="{39970F4C-83A7-458F-B4AA-2F8C0C56F434}"/>
-              </a:ext>
-            </a:extLst>
-          </p:cNvPr>
-          <p:cNvSpPr/>
-          <p:nvPr/>
-        </p:nvSpPr>
-        <p:spPr>
-          <a:xfrm rot="10800000">
-            <a:off x="5922200" y="4142506"/>
-            <a:ext cx="1508166" cy="667987"/>
-          </a:xfrm>
-          <a:prstGeom prst="rightArrow">
+            <a:off x="810000" y="5022390"/>
+            <a:ext cx="10571998" cy="437403"/>
+          </a:xfrm>
+          <a:prstGeom prst="roundRect">
             <a:avLst/>
           </a:prstGeom>
           <a:solidFill>
-            <a:schemeClr val="accent6"/>
+            <a:schemeClr val="tx2"/>
           </a:solidFill>
           <a:ln>
             <a:solidFill>
-              <a:schemeClr val="accent6"/>
+              <a:schemeClr val="accent1"/>
             </a:solidFill>
           </a:ln>
         </p:spPr>
@@ -7790,97 +6426,40 @@
           <a:bodyPr rtlCol="0" anchor="ctr"/>
           <a:lstStyle/>
           <a:p>
-            <a:pPr algn="ctr"/>
-            <a:endParaRPr lang="en-DE"/>
-          </a:p>
-        </p:txBody>
-      </p:sp>
-      <p:sp>
-        <p:nvSpPr>
-          <p:cNvPr id="5" name="TextBox 4">
-            <a:extLst>
-              <a:ext uri="{FF2B5EF4-FFF2-40B4-BE49-F238E27FC236}">
-                <a16:creationId xmlns:a16="http://schemas.microsoft.com/office/drawing/2014/main" id="{8D313C95-701D-4647-BD40-F0D8CA758E53}"/>
-              </a:ext>
-            </a:extLst>
-          </p:cNvPr>
-          <p:cNvSpPr txBox="1"/>
-          <p:nvPr/>
-        </p:nvSpPr>
-        <p:spPr>
-          <a:xfrm>
-            <a:off x="7424052" y="2557703"/>
-            <a:ext cx="2238499" cy="3323987"/>
-          </a:xfrm>
-          <a:prstGeom prst="rect">
-            <a:avLst/>
-          </a:prstGeom>
-          <a:noFill/>
-        </p:spPr>
-        <p:txBody>
-          <a:bodyPr wrap="square" rtlCol="0">
-            <a:spAutoFit/>
-          </a:bodyPr>
-          <a:lstStyle/>
-          <a:p>
-            <a:r>
-              <a:rPr lang="en-US" sz="20200" dirty="0">
-                <a:solidFill>
-                  <a:schemeClr val="accent6"/>
-                </a:solidFill>
-              </a:rPr>
-              <a:t>{</a:t>
-            </a:r>
-            <a:endParaRPr lang="en-DE" sz="20200" dirty="0">
-              <a:solidFill>
-                <a:schemeClr val="accent6"/>
-              </a:solidFill>
-            </a:endParaRPr>
-          </a:p>
-        </p:txBody>
-      </p:sp>
-      <p:sp>
-        <p:nvSpPr>
-          <p:cNvPr id="7" name="TextBox 6">
-            <a:extLst>
-              <a:ext uri="{FF2B5EF4-FFF2-40B4-BE49-F238E27FC236}">
-                <a16:creationId xmlns:a16="http://schemas.microsoft.com/office/drawing/2014/main" id="{2DC6E5F4-331D-429F-8FE4-1709133A4697}"/>
-              </a:ext>
-            </a:extLst>
-          </p:cNvPr>
-          <p:cNvSpPr txBox="1"/>
-          <p:nvPr/>
-        </p:nvSpPr>
-        <p:spPr>
-          <a:xfrm>
-            <a:off x="448543" y="4051551"/>
-            <a:ext cx="5633972" cy="861774"/>
-          </a:xfrm>
-          <a:prstGeom prst="rect">
-            <a:avLst/>
-          </a:prstGeom>
-          <a:noFill/>
-        </p:spPr>
-        <p:txBody>
-          <a:bodyPr wrap="square" rtlCol="0">
-            <a:spAutoFit/>
-          </a:bodyPr>
-          <a:lstStyle/>
-          <a:p>
-            <a:r>
-              <a:rPr lang="en-US" sz="5000" i="1" dirty="0"/>
-              <a:t>“Axis of BACnet”</a:t>
-            </a:r>
-            <a:endParaRPr lang="en-DE" sz="5000" i="1" dirty="0"/>
-          </a:p>
-        </p:txBody>
-      </p:sp>
-      <p:sp>
-        <p:nvSpPr>
-          <p:cNvPr id="33" name="Arrow: Up-Down 32">
-            <a:extLst>
-              <a:ext uri="{FF2B5EF4-FFF2-40B4-BE49-F238E27FC236}">
-                <a16:creationId xmlns:a16="http://schemas.microsoft.com/office/drawing/2014/main" id="{BD4F29AB-0B63-40EB-B6AE-854FC44C7DFF}"/>
+            <a:r>
+              <a:rPr lang="en-US" sz="2000" dirty="0" err="1"/>
+              <a:t>ef</a:t>
+            </a:r>
+            <a:r>
+              <a:rPr lang="en-US" sz="2000" dirty="0"/>
+              <a:t> = </a:t>
+            </a:r>
+            <a:r>
+              <a:rPr lang="en-US" sz="2000" dirty="0" err="1"/>
+              <a:t>EventCreationTool.EventFactory</a:t>
+            </a:r>
+            <a:r>
+              <a:rPr lang="en-US" sz="2000" dirty="0"/>
+              <a:t>(</a:t>
+            </a:r>
+            <a:r>
+              <a:rPr lang="en-US" sz="2000" dirty="0" err="1"/>
+              <a:t>most_recent_event</a:t>
+            </a:r>
+            <a:r>
+              <a:rPr lang="en-US" sz="2000" dirty="0"/>
+              <a:t>)</a:t>
+            </a:r>
+            <a:endParaRPr lang="en-DE" sz="2000" dirty="0"/>
+          </a:p>
+        </p:txBody>
+      </p:sp>
+      <p:sp>
+        <p:nvSpPr>
+          <p:cNvPr id="13" name="Rectangle: Rounded Corners 12">
+            <a:extLst>
+              <a:ext uri="{FF2B5EF4-FFF2-40B4-BE49-F238E27FC236}">
+                <a16:creationId xmlns:a16="http://schemas.microsoft.com/office/drawing/2014/main" id="{59BD25EC-CF8B-4ACE-8012-C3F6C097F159}"/>
               </a:ext>
             </a:extLst>
           </p:cNvPr>
@@ -7889,24 +6468,32 @@
         </p:nvSpPr>
         <p:spPr>
           <a:xfrm>
-            <a:off x="8585490" y="5482416"/>
-            <a:ext cx="170953" cy="549233"/>
-          </a:xfrm>
-          <a:prstGeom prst="upDownArrow">
+            <a:off x="810000" y="4455807"/>
+            <a:ext cx="10571998" cy="437403"/>
+          </a:xfrm>
+          <a:prstGeom prst="roundRect">
             <a:avLst/>
           </a:prstGeom>
+          <a:solidFill>
+            <a:schemeClr val="tx2"/>
+          </a:solidFill>
+          <a:ln>
+            <a:solidFill>
+              <a:schemeClr val="accent1"/>
+            </a:solidFill>
+          </a:ln>
         </p:spPr>
         <p:style>
           <a:lnRef idx="2">
-            <a:schemeClr val="accent3">
+            <a:schemeClr val="accent1">
               <a:shade val="50000"/>
             </a:schemeClr>
           </a:lnRef>
           <a:fillRef idx="1">
-            <a:schemeClr val="accent3"/>
+            <a:schemeClr val="accent1"/>
           </a:fillRef>
           <a:effectRef idx="0">
-            <a:schemeClr val="accent3"/>
+            <a:schemeClr val="accent1"/>
           </a:effectRef>
           <a:fontRef idx="minor">
             <a:schemeClr val="lt1"/>
@@ -7916,153 +6503,172 @@
           <a:bodyPr rtlCol="0" anchor="ctr"/>
           <a:lstStyle/>
           <a:p>
-            <a:pPr algn="ctr"/>
-            <a:endParaRPr lang="en-DE"/>
-          </a:p>
-        </p:txBody>
-      </p:sp>
-      <p:sp>
-        <p:nvSpPr>
-          <p:cNvPr id="35" name="Arrow: Up-Down 34">
-            <a:extLst>
-              <a:ext uri="{FF2B5EF4-FFF2-40B4-BE49-F238E27FC236}">
-                <a16:creationId xmlns:a16="http://schemas.microsoft.com/office/drawing/2014/main" id="{FBFD2621-4A2D-41F8-9C6E-231B0CE78B7C}"/>
-              </a:ext>
-            </a:extLst>
-          </p:cNvPr>
-          <p:cNvSpPr/>
+            <a:r>
+              <a:rPr lang="en-US" sz="2000" dirty="0" err="1"/>
+              <a:t>new_event</a:t>
+            </a:r>
+            <a:r>
+              <a:rPr lang="en-US" sz="2000" dirty="0"/>
+              <a:t> = </a:t>
+            </a:r>
+            <a:r>
+              <a:rPr lang="en-US" sz="2000" dirty="0" err="1"/>
+              <a:t>ef.next_event</a:t>
+            </a:r>
+            <a:r>
+              <a:rPr lang="en-US" sz="2000" dirty="0"/>
+              <a:t>(identifier, </a:t>
+            </a:r>
+            <a:r>
+              <a:rPr lang="en-US" sz="2000" dirty="0" err="1"/>
+              <a:t>content_dictionary</a:t>
+            </a:r>
+            <a:r>
+              <a:rPr lang="en-US" sz="2000" dirty="0"/>
+              <a:t>)</a:t>
+            </a:r>
+            <a:endParaRPr lang="en-DE" sz="2000" dirty="0"/>
+          </a:p>
+        </p:txBody>
+      </p:sp>
+      <p:sp>
+        <p:nvSpPr>
+          <p:cNvPr id="15" name="TextBox 14">
+            <a:extLst>
+              <a:ext uri="{FF2B5EF4-FFF2-40B4-BE49-F238E27FC236}">
+                <a16:creationId xmlns:a16="http://schemas.microsoft.com/office/drawing/2014/main" id="{ED299B4C-6E2D-42AC-BECB-0F2209D1D833}"/>
+              </a:ext>
+            </a:extLst>
+          </p:cNvPr>
+          <p:cNvSpPr txBox="1"/>
           <p:nvPr/>
         </p:nvSpPr>
         <p:spPr>
           <a:xfrm>
-            <a:off x="8585486" y="4613565"/>
-            <a:ext cx="170953" cy="549233"/>
-          </a:xfrm>
-          <a:prstGeom prst="upDownArrow">
+            <a:off x="810000" y="5856814"/>
+            <a:ext cx="1469622" cy="553998"/>
+          </a:xfrm>
+          <a:prstGeom prst="rect">
             <a:avLst/>
           </a:prstGeom>
-        </p:spPr>
-        <p:style>
-          <a:lnRef idx="2">
-            <a:schemeClr val="accent3">
-              <a:shade val="50000"/>
-            </a:schemeClr>
-          </a:lnRef>
-          <a:fillRef idx="1">
-            <a:schemeClr val="accent3"/>
-          </a:fillRef>
-          <a:effectRef idx="0">
-            <a:schemeClr val="accent3"/>
-          </a:effectRef>
-          <a:fontRef idx="minor">
-            <a:schemeClr val="lt1"/>
-          </a:fontRef>
-        </p:style>
-        <p:txBody>
-          <a:bodyPr rtlCol="0" anchor="ctr"/>
-          <a:lstStyle/>
-          <a:p>
-            <a:pPr algn="ctr"/>
-            <a:endParaRPr lang="en-DE"/>
-          </a:p>
-        </p:txBody>
-      </p:sp>
-      <p:sp>
-        <p:nvSpPr>
-          <p:cNvPr id="42" name="Arrow: Up-Down 41">
-            <a:extLst>
-              <a:ext uri="{FF2B5EF4-FFF2-40B4-BE49-F238E27FC236}">
-                <a16:creationId xmlns:a16="http://schemas.microsoft.com/office/drawing/2014/main" id="{A38AAD23-9530-4AC4-A640-D0F1BB6C5C89}"/>
-              </a:ext>
-            </a:extLst>
-          </p:cNvPr>
-          <p:cNvSpPr/>
+          <a:noFill/>
+        </p:spPr>
+        <p:txBody>
+          <a:bodyPr wrap="square" rtlCol="0">
+            <a:spAutoFit/>
+          </a:bodyPr>
+          <a:lstStyle/>
+          <a:p>
+            <a:r>
+              <a:rPr lang="en-US" sz="3000" b="1" dirty="0">
+                <a:solidFill>
+                  <a:schemeClr val="accent6"/>
+                </a:solidFill>
+              </a:rPr>
+              <a:t>Intern:</a:t>
+            </a:r>
+            <a:endParaRPr lang="en-DE" sz="3000" b="1" dirty="0">
+              <a:solidFill>
+                <a:schemeClr val="accent6"/>
+              </a:solidFill>
+            </a:endParaRPr>
+          </a:p>
+        </p:txBody>
+      </p:sp>
+      <p:pic>
+        <p:nvPicPr>
+          <p:cNvPr id="16" name="Picture 15" descr="A picture containing drawing, plate, light&#10;&#10;Description automatically generated">
+            <a:extLst>
+              <a:ext uri="{FF2B5EF4-FFF2-40B4-BE49-F238E27FC236}">
+                <a16:creationId xmlns:a16="http://schemas.microsoft.com/office/drawing/2014/main" id="{21CF9569-045D-49B0-960F-58DAE5A8EEED}"/>
+              </a:ext>
+            </a:extLst>
+          </p:cNvPr>
+          <p:cNvPicPr>
+            <a:picLocks noChangeAspect="1"/>
+          </p:cNvPicPr>
           <p:nvPr/>
-        </p:nvSpPr>
-        <p:spPr>
-          <a:xfrm>
-            <a:off x="9160078" y="4415637"/>
-            <a:ext cx="119993" cy="697675"/>
-          </a:xfrm>
-          <a:prstGeom prst="upDownArrow">
+        </p:nvPicPr>
+        <p:blipFill>
+          <a:blip r:embed="rId2"/>
+          <a:stretch>
+            <a:fillRect/>
+          </a:stretch>
+        </p:blipFill>
+        <p:spPr>
+          <a:xfrm>
+            <a:off x="2804684" y="5625683"/>
+            <a:ext cx="1171206" cy="1171206"/>
+          </a:xfrm>
+          <a:prstGeom prst="rect">
             <a:avLst/>
           </a:prstGeom>
         </p:spPr>
-        <p:style>
-          <a:lnRef idx="2">
-            <a:schemeClr val="accent6">
-              <a:shade val="50000"/>
-            </a:schemeClr>
-          </a:lnRef>
-          <a:fillRef idx="1">
-            <a:schemeClr val="accent6"/>
-          </a:fillRef>
-          <a:effectRef idx="0">
-            <a:schemeClr val="accent6"/>
-          </a:effectRef>
-          <a:fontRef idx="minor">
-            <a:schemeClr val="lt1"/>
-          </a:fontRef>
-        </p:style>
-        <p:txBody>
-          <a:bodyPr rtlCol="0" anchor="ctr"/>
-          <a:lstStyle/>
-          <a:p>
-            <a:pPr algn="ctr"/>
-            <a:endParaRPr lang="en-DE"/>
-          </a:p>
-        </p:txBody>
-      </p:sp>
-      <p:sp>
-        <p:nvSpPr>
-          <p:cNvPr id="48" name="Arrow: Up-Down 47">
-            <a:extLst>
-              <a:ext uri="{FF2B5EF4-FFF2-40B4-BE49-F238E27FC236}">
-                <a16:creationId xmlns:a16="http://schemas.microsoft.com/office/drawing/2014/main" id="{1F608D64-9661-4D49-95C7-9E8CFCB0AA08}"/>
-              </a:ext>
-            </a:extLst>
-          </p:cNvPr>
-          <p:cNvSpPr/>
+      </p:pic>
+      <p:pic>
+        <p:nvPicPr>
+          <p:cNvPr id="12" name="Picture 11" descr="A picture containing sign, clock&#10;&#10;Description automatically generated">
+            <a:extLst>
+              <a:ext uri="{FF2B5EF4-FFF2-40B4-BE49-F238E27FC236}">
+                <a16:creationId xmlns:a16="http://schemas.microsoft.com/office/drawing/2014/main" id="{43577684-C23B-43ED-9346-E697EF12FCE8}"/>
+              </a:ext>
+            </a:extLst>
+          </p:cNvPr>
+          <p:cNvPicPr>
+            <a:picLocks noChangeAspect="1"/>
+          </p:cNvPicPr>
           <p:nvPr/>
-        </p:nvSpPr>
-        <p:spPr>
-          <a:xfrm>
-            <a:off x="9160078" y="3984167"/>
-            <a:ext cx="119993" cy="316677"/>
-          </a:xfrm>
-          <a:prstGeom prst="upDownArrow">
+        </p:nvPicPr>
+        <p:blipFill>
+          <a:blip r:embed="rId3"/>
+          <a:stretch>
+            <a:fillRect/>
+          </a:stretch>
+        </p:blipFill>
+        <p:spPr>
+          <a:xfrm>
+            <a:off x="7736808" y="5567825"/>
+            <a:ext cx="1222390" cy="1222390"/>
+          </a:xfrm>
+          <a:prstGeom prst="rect">
             <a:avLst/>
           </a:prstGeom>
         </p:spPr>
-        <p:style>
-          <a:lnRef idx="2">
-            <a:schemeClr val="accent6">
-              <a:shade val="50000"/>
-            </a:schemeClr>
-          </a:lnRef>
-          <a:fillRef idx="1">
-            <a:schemeClr val="accent6"/>
-          </a:fillRef>
-          <a:effectRef idx="0">
-            <a:schemeClr val="accent6"/>
-          </a:effectRef>
-          <a:fontRef idx="minor">
-            <a:schemeClr val="lt1"/>
-          </a:fontRef>
-        </p:style>
-        <p:txBody>
-          <a:bodyPr rtlCol="0" anchor="ctr"/>
-          <a:lstStyle/>
-          <a:p>
-            <a:pPr algn="ctr"/>
-            <a:endParaRPr lang="en-DE"/>
-          </a:p>
-        </p:txBody>
-      </p:sp>
+      </p:pic>
+      <p:pic>
+        <p:nvPicPr>
+          <p:cNvPr id="17" name="Picture 16" descr="A close up of a logo&#10;&#10;Description automatically generated">
+            <a:extLst>
+              <a:ext uri="{FF2B5EF4-FFF2-40B4-BE49-F238E27FC236}">
+                <a16:creationId xmlns:a16="http://schemas.microsoft.com/office/drawing/2014/main" id="{DF937714-48A5-433D-A585-581CDF877999}"/>
+              </a:ext>
+            </a:extLst>
+          </p:cNvPr>
+          <p:cNvPicPr>
+            <a:picLocks noChangeAspect="1"/>
+          </p:cNvPicPr>
+          <p:nvPr/>
+        </p:nvPicPr>
+        <p:blipFill>
+          <a:blip r:embed="rId4"/>
+          <a:stretch>
+            <a:fillRect/>
+          </a:stretch>
+        </p:blipFill>
+        <p:spPr>
+          <a:xfrm>
+            <a:off x="5205275" y="5567825"/>
+            <a:ext cx="1308266" cy="1308266"/>
+          </a:xfrm>
+          <a:prstGeom prst="rect">
+            <a:avLst/>
+          </a:prstGeom>
+        </p:spPr>
+      </p:pic>
     </p:spTree>
     <p:extLst>
       <p:ext uri="{BB962C8B-B14F-4D97-AF65-F5344CB8AC3E}">
-        <p14:creationId xmlns:p14="http://schemas.microsoft.com/office/powerpoint/2010/main" val="3297928251"/>
+        <p14:creationId xmlns:p14="http://schemas.microsoft.com/office/powerpoint/2010/main" val="467305133"/>
       </p:ext>
     </p:extLst>
   </p:cSld>
@@ -8072,7 +6678,7 @@
 </p:sld>
 </file>
 
-<file path=ppt/slides/slide5.xml><?xml version="1.0" encoding="utf-8"?>
+<file path=ppt/slides/slide13.xml><?xml version="1.0" encoding="utf-8"?>
 <p:sld xmlns:a="http://schemas.openxmlformats.org/drawingml/2006/main" xmlns:r="http://schemas.openxmlformats.org/officeDocument/2006/relationships" xmlns:p="http://schemas.openxmlformats.org/presentationml/2006/main">
   <p:cSld>
     <p:spTree>
@@ -8112,719 +6718,11 @@
           <a:p>
             <a:r>
               <a:rPr lang="en-US" dirty="0"/>
-              <a:t>Unser </a:t>
+              <a:t>Unser Tool (an </a:t>
             </a:r>
             <a:r>
               <a:rPr lang="en-US" dirty="0" err="1"/>
-              <a:t>Auftrag</a:t>
-            </a:r>
-            <a:r>
-              <a:rPr lang="en-US" dirty="0"/>
-              <a:t> ― Integration</a:t>
-            </a:r>
-            <a:endParaRPr lang="en-DE" dirty="0"/>
-          </a:p>
-        </p:txBody>
-      </p:sp>
-      <p:sp>
-        <p:nvSpPr>
-          <p:cNvPr id="27" name="Rectangle 26">
-            <a:extLst>
-              <a:ext uri="{FF2B5EF4-FFF2-40B4-BE49-F238E27FC236}">
-                <a16:creationId xmlns:a16="http://schemas.microsoft.com/office/drawing/2014/main" id="{FA18ABF3-518E-4F51-955E-232D53673D6C}"/>
-              </a:ext>
-            </a:extLst>
-          </p:cNvPr>
-          <p:cNvSpPr/>
-          <p:nvPr/>
-        </p:nvSpPr>
-        <p:spPr>
-          <a:xfrm>
-            <a:off x="8384721" y="2422564"/>
-            <a:ext cx="3135086" cy="697675"/>
-          </a:xfrm>
-          <a:prstGeom prst="rect">
-            <a:avLst/>
-          </a:prstGeom>
-          <a:solidFill>
-            <a:schemeClr val="tx2"/>
-          </a:solidFill>
-        </p:spPr>
-        <p:style>
-          <a:lnRef idx="3">
-            <a:schemeClr val="lt1"/>
-          </a:lnRef>
-          <a:fillRef idx="1">
-            <a:schemeClr val="dk1"/>
-          </a:fillRef>
-          <a:effectRef idx="1">
-            <a:schemeClr val="dk1"/>
-          </a:effectRef>
-          <a:fontRef idx="minor">
-            <a:schemeClr val="lt1"/>
-          </a:fontRef>
-        </p:style>
-        <p:txBody>
-          <a:bodyPr rtlCol="0" anchor="ctr"/>
-          <a:lstStyle/>
-          <a:p>
-            <a:pPr algn="ctr"/>
-            <a:r>
-              <a:rPr lang="en-US" dirty="0" err="1"/>
-              <a:t>Applikationsschicht</a:t>
-            </a:r>
-            <a:endParaRPr lang="en-DE" dirty="0"/>
-          </a:p>
-        </p:txBody>
-      </p:sp>
-      <p:sp>
-        <p:nvSpPr>
-          <p:cNvPr id="28" name="Rectangle 27">
-            <a:extLst>
-              <a:ext uri="{FF2B5EF4-FFF2-40B4-BE49-F238E27FC236}">
-                <a16:creationId xmlns:a16="http://schemas.microsoft.com/office/drawing/2014/main" id="{F5FEE97D-0E06-4DD6-9591-667FFFD10D4D}"/>
-              </a:ext>
-            </a:extLst>
-          </p:cNvPr>
-          <p:cNvSpPr/>
-          <p:nvPr/>
-        </p:nvSpPr>
-        <p:spPr>
-          <a:xfrm>
-            <a:off x="8384721" y="4972793"/>
-            <a:ext cx="3135086" cy="697675"/>
-          </a:xfrm>
-          <a:prstGeom prst="rect">
-            <a:avLst/>
-          </a:prstGeom>
-          <a:solidFill>
-            <a:schemeClr val="accent6"/>
-          </a:solidFill>
-          <a:ln>
-            <a:solidFill>
-              <a:schemeClr val="accent6"/>
-            </a:solidFill>
-          </a:ln>
-        </p:spPr>
-        <p:style>
-          <a:lnRef idx="2">
-            <a:schemeClr val="accent1">
-              <a:shade val="50000"/>
-            </a:schemeClr>
-          </a:lnRef>
-          <a:fillRef idx="1">
-            <a:schemeClr val="accent1"/>
-          </a:fillRef>
-          <a:effectRef idx="0">
-            <a:schemeClr val="accent1"/>
-          </a:effectRef>
-          <a:fontRef idx="minor">
-            <a:schemeClr val="lt1"/>
-          </a:fontRef>
-        </p:style>
-        <p:txBody>
-          <a:bodyPr rtlCol="0" anchor="ctr"/>
-          <a:lstStyle/>
-          <a:p>
-            <a:pPr algn="ctr"/>
-            <a:r>
-              <a:rPr lang="en-US" dirty="0" err="1"/>
-              <a:t>logMerge</a:t>
-            </a:r>
-            <a:endParaRPr lang="en-DE" dirty="0"/>
-          </a:p>
-        </p:txBody>
-      </p:sp>
-      <p:sp>
-        <p:nvSpPr>
-          <p:cNvPr id="30" name="Rectangle 29">
-            <a:extLst>
-              <a:ext uri="{FF2B5EF4-FFF2-40B4-BE49-F238E27FC236}">
-                <a16:creationId xmlns:a16="http://schemas.microsoft.com/office/drawing/2014/main" id="{F027C3E2-C088-4C6C-B1D1-1EFABF828FF2}"/>
-              </a:ext>
-            </a:extLst>
-          </p:cNvPr>
-          <p:cNvSpPr/>
-          <p:nvPr/>
-        </p:nvSpPr>
-        <p:spPr>
-          <a:xfrm>
-            <a:off x="8384721" y="3270192"/>
-            <a:ext cx="3135086" cy="1545772"/>
-          </a:xfrm>
-          <a:prstGeom prst="rect">
-            <a:avLst/>
-          </a:prstGeom>
-        </p:spPr>
-        <p:style>
-          <a:lnRef idx="2">
-            <a:schemeClr val="accent1">
-              <a:shade val="50000"/>
-            </a:schemeClr>
-          </a:lnRef>
-          <a:fillRef idx="1">
-            <a:schemeClr val="accent1"/>
-          </a:fillRef>
-          <a:effectRef idx="0">
-            <a:schemeClr val="accent1"/>
-          </a:effectRef>
-          <a:fontRef idx="minor">
-            <a:schemeClr val="lt1"/>
-          </a:fontRef>
-        </p:style>
-        <p:txBody>
-          <a:bodyPr rtlCol="0" anchor="ctr"/>
-          <a:lstStyle/>
-          <a:p>
-            <a:pPr algn="ctr"/>
-            <a:r>
-              <a:rPr lang="en-US" dirty="0" err="1"/>
-              <a:t>Datenbank</a:t>
-            </a:r>
-            <a:endParaRPr lang="en-US" dirty="0"/>
-          </a:p>
-          <a:p>
-            <a:pPr algn="ctr"/>
-            <a:endParaRPr lang="en-US" dirty="0"/>
-          </a:p>
-          <a:p>
-            <a:pPr algn="ctr"/>
-            <a:endParaRPr lang="en-US" dirty="0"/>
-          </a:p>
-          <a:p>
-            <a:pPr algn="ctr"/>
-            <a:endParaRPr lang="en-DE" dirty="0"/>
-          </a:p>
-        </p:txBody>
-      </p:sp>
-      <p:sp>
-        <p:nvSpPr>
-          <p:cNvPr id="32" name="Rectangle 31">
-            <a:extLst>
-              <a:ext uri="{FF2B5EF4-FFF2-40B4-BE49-F238E27FC236}">
-                <a16:creationId xmlns:a16="http://schemas.microsoft.com/office/drawing/2014/main" id="{53ACCDB8-5E6A-42B0-9D14-D5CFD34B932E}"/>
-              </a:ext>
-            </a:extLst>
-          </p:cNvPr>
-          <p:cNvSpPr/>
-          <p:nvPr/>
-        </p:nvSpPr>
-        <p:spPr>
-          <a:xfrm>
-            <a:off x="8384721" y="5826828"/>
-            <a:ext cx="3135086" cy="697675"/>
-          </a:xfrm>
-          <a:prstGeom prst="rect">
-            <a:avLst/>
-          </a:prstGeom>
-        </p:spPr>
-        <p:style>
-          <a:lnRef idx="2">
-            <a:schemeClr val="accent1">
-              <a:shade val="50000"/>
-            </a:schemeClr>
-          </a:lnRef>
-          <a:fillRef idx="1">
-            <a:schemeClr val="accent1"/>
-          </a:fillRef>
-          <a:effectRef idx="0">
-            <a:schemeClr val="accent1"/>
-          </a:effectRef>
-          <a:fontRef idx="minor">
-            <a:schemeClr val="lt1"/>
-          </a:fontRef>
-        </p:style>
-        <p:txBody>
-          <a:bodyPr rtlCol="0" anchor="ctr"/>
-          <a:lstStyle/>
-          <a:p>
-            <a:pPr algn="ctr"/>
-            <a:r>
-              <a:rPr lang="en-US" dirty="0" err="1"/>
-              <a:t>Transportschicht</a:t>
-            </a:r>
-            <a:endParaRPr lang="en-DE" dirty="0"/>
-          </a:p>
-        </p:txBody>
-      </p:sp>
-      <p:sp>
-        <p:nvSpPr>
-          <p:cNvPr id="34" name="Rectangle 33">
-            <a:extLst>
-              <a:ext uri="{FF2B5EF4-FFF2-40B4-BE49-F238E27FC236}">
-                <a16:creationId xmlns:a16="http://schemas.microsoft.com/office/drawing/2014/main" id="{59406302-05F9-44A6-AD59-03CC174C2E06}"/>
-              </a:ext>
-            </a:extLst>
-          </p:cNvPr>
-          <p:cNvSpPr/>
-          <p:nvPr/>
-        </p:nvSpPr>
-        <p:spPr>
-          <a:xfrm>
-            <a:off x="9072250" y="4147977"/>
-            <a:ext cx="1760027" cy="427512"/>
-          </a:xfrm>
-          <a:prstGeom prst="rect">
-            <a:avLst/>
-          </a:prstGeom>
-        </p:spPr>
-        <p:style>
-          <a:lnRef idx="2">
-            <a:schemeClr val="accent2">
-              <a:shade val="50000"/>
-            </a:schemeClr>
-          </a:lnRef>
-          <a:fillRef idx="1">
-            <a:schemeClr val="accent2"/>
-          </a:fillRef>
-          <a:effectRef idx="0">
-            <a:schemeClr val="accent2"/>
-          </a:effectRef>
-          <a:fontRef idx="minor">
-            <a:schemeClr val="lt1"/>
-          </a:fontRef>
-        </p:style>
-        <p:txBody>
-          <a:bodyPr rtlCol="0" anchor="ctr"/>
-          <a:lstStyle/>
-          <a:p>
-            <a:pPr algn="ctr"/>
-            <a:r>
-              <a:rPr lang="en-US" dirty="0" err="1"/>
-              <a:t>feedCtrl</a:t>
-            </a:r>
-            <a:endParaRPr lang="en-DE" dirty="0"/>
-          </a:p>
-        </p:txBody>
-      </p:sp>
-      <p:cxnSp>
-        <p:nvCxnSpPr>
-          <p:cNvPr id="6" name="Straight Connector 5">
-            <a:extLst>
-              <a:ext uri="{FF2B5EF4-FFF2-40B4-BE49-F238E27FC236}">
-                <a16:creationId xmlns:a16="http://schemas.microsoft.com/office/drawing/2014/main" id="{2E960B8B-FE48-45ED-B9DA-550C898B6CE3}"/>
-              </a:ext>
-            </a:extLst>
-          </p:cNvPr>
-          <p:cNvCxnSpPr>
-            <a:cxnSpLocks/>
-          </p:cNvCxnSpPr>
-          <p:nvPr/>
-        </p:nvCxnSpPr>
-        <p:spPr>
-          <a:xfrm>
-            <a:off x="6543302" y="3194464"/>
-            <a:ext cx="1728602" cy="0"/>
-          </a:xfrm>
-          <a:prstGeom prst="line">
-            <a:avLst/>
-          </a:prstGeom>
-          <a:ln w="38100">
-            <a:solidFill>
-              <a:schemeClr val="accent6"/>
-            </a:solidFill>
-          </a:ln>
-        </p:spPr>
-        <p:style>
-          <a:lnRef idx="1">
-            <a:schemeClr val="accent1"/>
-          </a:lnRef>
-          <a:fillRef idx="0">
-            <a:schemeClr val="accent1"/>
-          </a:fillRef>
-          <a:effectRef idx="0">
-            <a:schemeClr val="accent1"/>
-          </a:effectRef>
-          <a:fontRef idx="minor">
-            <a:schemeClr val="tx1"/>
-          </a:fontRef>
-        </p:style>
-      </p:cxnSp>
-      <p:sp>
-        <p:nvSpPr>
-          <p:cNvPr id="22" name="Arrow: Up-Down 21">
-            <a:extLst>
-              <a:ext uri="{FF2B5EF4-FFF2-40B4-BE49-F238E27FC236}">
-                <a16:creationId xmlns:a16="http://schemas.microsoft.com/office/drawing/2014/main" id="{5FD636E8-E55D-4CC9-8FFB-19B64F79CF7A}"/>
-              </a:ext>
-            </a:extLst>
-          </p:cNvPr>
-          <p:cNvSpPr/>
-          <p:nvPr/>
-        </p:nvSpPr>
-        <p:spPr>
-          <a:xfrm>
-            <a:off x="8585490" y="5482416"/>
-            <a:ext cx="170953" cy="549233"/>
-          </a:xfrm>
-          <a:prstGeom prst="upDownArrow">
-            <a:avLst/>
-          </a:prstGeom>
-        </p:spPr>
-        <p:style>
-          <a:lnRef idx="2">
-            <a:schemeClr val="accent3">
-              <a:shade val="50000"/>
-            </a:schemeClr>
-          </a:lnRef>
-          <a:fillRef idx="1">
-            <a:schemeClr val="accent3"/>
-          </a:fillRef>
-          <a:effectRef idx="0">
-            <a:schemeClr val="accent3"/>
-          </a:effectRef>
-          <a:fontRef idx="minor">
-            <a:schemeClr val="lt1"/>
-          </a:fontRef>
-        </p:style>
-        <p:txBody>
-          <a:bodyPr rtlCol="0" anchor="ctr"/>
-          <a:lstStyle/>
-          <a:p>
-            <a:pPr algn="ctr"/>
-            <a:endParaRPr lang="en-DE"/>
-          </a:p>
-        </p:txBody>
-      </p:sp>
-      <p:sp>
-        <p:nvSpPr>
-          <p:cNvPr id="23" name="Arrow: Up-Down 22">
-            <a:extLst>
-              <a:ext uri="{FF2B5EF4-FFF2-40B4-BE49-F238E27FC236}">
-                <a16:creationId xmlns:a16="http://schemas.microsoft.com/office/drawing/2014/main" id="{FA351EFC-A4B6-4D36-BDF2-F18EF7C6137E}"/>
-              </a:ext>
-            </a:extLst>
-          </p:cNvPr>
-          <p:cNvSpPr/>
-          <p:nvPr/>
-        </p:nvSpPr>
-        <p:spPr>
-          <a:xfrm>
-            <a:off x="8585486" y="4613565"/>
-            <a:ext cx="170953" cy="549233"/>
-          </a:xfrm>
-          <a:prstGeom prst="upDownArrow">
-            <a:avLst/>
-          </a:prstGeom>
-        </p:spPr>
-        <p:style>
-          <a:lnRef idx="2">
-            <a:schemeClr val="accent3">
-              <a:shade val="50000"/>
-            </a:schemeClr>
-          </a:lnRef>
-          <a:fillRef idx="1">
-            <a:schemeClr val="accent3"/>
-          </a:fillRef>
-          <a:effectRef idx="0">
-            <a:schemeClr val="accent3"/>
-          </a:effectRef>
-          <a:fontRef idx="minor">
-            <a:schemeClr val="lt1"/>
-          </a:fontRef>
-        </p:style>
-        <p:txBody>
-          <a:bodyPr rtlCol="0" anchor="ctr"/>
-          <a:lstStyle/>
-          <a:p>
-            <a:pPr algn="ctr"/>
-            <a:endParaRPr lang="en-DE"/>
-          </a:p>
-        </p:txBody>
-      </p:sp>
-      <p:sp>
-        <p:nvSpPr>
-          <p:cNvPr id="24" name="Arrow: Up-Down 23">
-            <a:extLst>
-              <a:ext uri="{FF2B5EF4-FFF2-40B4-BE49-F238E27FC236}">
-                <a16:creationId xmlns:a16="http://schemas.microsoft.com/office/drawing/2014/main" id="{F1AFBC22-F3A8-45F6-A7FC-5CCCE6613EAC}"/>
-              </a:ext>
-            </a:extLst>
-          </p:cNvPr>
-          <p:cNvSpPr/>
-          <p:nvPr/>
-        </p:nvSpPr>
-        <p:spPr>
-          <a:xfrm>
-            <a:off x="9160078" y="4415637"/>
-            <a:ext cx="119993" cy="697675"/>
-          </a:xfrm>
-          <a:prstGeom prst="upDownArrow">
-            <a:avLst/>
-          </a:prstGeom>
-        </p:spPr>
-        <p:style>
-          <a:lnRef idx="2">
-            <a:schemeClr val="accent6">
-              <a:shade val="50000"/>
-            </a:schemeClr>
-          </a:lnRef>
-          <a:fillRef idx="1">
-            <a:schemeClr val="accent6"/>
-          </a:fillRef>
-          <a:effectRef idx="0">
-            <a:schemeClr val="accent6"/>
-          </a:effectRef>
-          <a:fontRef idx="minor">
-            <a:schemeClr val="lt1"/>
-          </a:fontRef>
-        </p:style>
-        <p:txBody>
-          <a:bodyPr rtlCol="0" anchor="ctr"/>
-          <a:lstStyle/>
-          <a:p>
-            <a:pPr algn="ctr"/>
-            <a:endParaRPr lang="en-DE"/>
-          </a:p>
-        </p:txBody>
-      </p:sp>
-      <p:sp>
-        <p:nvSpPr>
-          <p:cNvPr id="25" name="Arrow: Up-Down 24">
-            <a:extLst>
-              <a:ext uri="{FF2B5EF4-FFF2-40B4-BE49-F238E27FC236}">
-                <a16:creationId xmlns:a16="http://schemas.microsoft.com/office/drawing/2014/main" id="{E435AA86-3A1D-43FE-9DB4-CBA39B37451F}"/>
-              </a:ext>
-            </a:extLst>
-          </p:cNvPr>
-          <p:cNvSpPr/>
-          <p:nvPr/>
-        </p:nvSpPr>
-        <p:spPr>
-          <a:xfrm>
-            <a:off x="9160078" y="3984167"/>
-            <a:ext cx="119993" cy="316677"/>
-          </a:xfrm>
-          <a:prstGeom prst="upDownArrow">
-            <a:avLst/>
-          </a:prstGeom>
-        </p:spPr>
-        <p:style>
-          <a:lnRef idx="2">
-            <a:schemeClr val="accent6">
-              <a:shade val="50000"/>
-            </a:schemeClr>
-          </a:lnRef>
-          <a:fillRef idx="1">
-            <a:schemeClr val="accent6"/>
-          </a:fillRef>
-          <a:effectRef idx="0">
-            <a:schemeClr val="accent6"/>
-          </a:effectRef>
-          <a:fontRef idx="minor">
-            <a:schemeClr val="lt1"/>
-          </a:fontRef>
-        </p:style>
-        <p:txBody>
-          <a:bodyPr rtlCol="0" anchor="ctr"/>
-          <a:lstStyle/>
-          <a:p>
-            <a:pPr algn="ctr"/>
-            <a:endParaRPr lang="en-DE"/>
-          </a:p>
-        </p:txBody>
-      </p:sp>
-      <p:sp>
-        <p:nvSpPr>
-          <p:cNvPr id="26" name="TextBox 25">
-            <a:extLst>
-              <a:ext uri="{FF2B5EF4-FFF2-40B4-BE49-F238E27FC236}">
-                <a16:creationId xmlns:a16="http://schemas.microsoft.com/office/drawing/2014/main" id="{DE4CBF4F-CD27-4953-A004-5B068A991545}"/>
-              </a:ext>
-            </a:extLst>
-          </p:cNvPr>
-          <p:cNvSpPr txBox="1"/>
-          <p:nvPr/>
-        </p:nvSpPr>
-        <p:spPr>
-          <a:xfrm>
-            <a:off x="2977613" y="2918967"/>
-            <a:ext cx="3619129" cy="553998"/>
-          </a:xfrm>
-          <a:prstGeom prst="rect">
-            <a:avLst/>
-          </a:prstGeom>
-          <a:noFill/>
-        </p:spPr>
-        <p:txBody>
-          <a:bodyPr wrap="square" rtlCol="0">
-            <a:spAutoFit/>
-          </a:bodyPr>
-          <a:lstStyle/>
-          <a:p>
-            <a:r>
-              <a:rPr lang="en-US" sz="3000" b="1" dirty="0" err="1">
-                <a:solidFill>
-                  <a:schemeClr val="accent6"/>
-                </a:solidFill>
-              </a:rPr>
-              <a:t>EventCreationTool</a:t>
-            </a:r>
-            <a:endParaRPr lang="en-DE" sz="3000" b="1" dirty="0">
-              <a:solidFill>
-                <a:schemeClr val="accent6"/>
-              </a:solidFill>
-            </a:endParaRPr>
-          </a:p>
-        </p:txBody>
-      </p:sp>
-      <p:cxnSp>
-        <p:nvCxnSpPr>
-          <p:cNvPr id="29" name="Straight Connector 28">
-            <a:extLst>
-              <a:ext uri="{FF2B5EF4-FFF2-40B4-BE49-F238E27FC236}">
-                <a16:creationId xmlns:a16="http://schemas.microsoft.com/office/drawing/2014/main" id="{5BC31F4E-5208-48CA-B76F-570B7009F9B5}"/>
-              </a:ext>
-            </a:extLst>
-          </p:cNvPr>
-          <p:cNvCxnSpPr>
-            <a:cxnSpLocks/>
-          </p:cNvCxnSpPr>
-          <p:nvPr/>
-        </p:nvCxnSpPr>
-        <p:spPr>
-          <a:xfrm>
-            <a:off x="6543302" y="5746211"/>
-            <a:ext cx="1728602" cy="0"/>
-          </a:xfrm>
-          <a:prstGeom prst="line">
-            <a:avLst/>
-          </a:prstGeom>
-          <a:ln w="38100">
-            <a:solidFill>
-              <a:schemeClr val="accent6"/>
-            </a:solidFill>
-          </a:ln>
-        </p:spPr>
-        <p:style>
-          <a:lnRef idx="1">
-            <a:schemeClr val="accent1"/>
-          </a:lnRef>
-          <a:fillRef idx="0">
-            <a:schemeClr val="accent1"/>
-          </a:fillRef>
-          <a:effectRef idx="0">
-            <a:schemeClr val="accent1"/>
-          </a:effectRef>
-          <a:fontRef idx="minor">
-            <a:schemeClr val="tx1"/>
-          </a:fontRef>
-        </p:style>
-      </p:cxnSp>
-      <p:sp>
-        <p:nvSpPr>
-          <p:cNvPr id="31" name="TextBox 30">
-            <a:extLst>
-              <a:ext uri="{FF2B5EF4-FFF2-40B4-BE49-F238E27FC236}">
-                <a16:creationId xmlns:a16="http://schemas.microsoft.com/office/drawing/2014/main" id="{83C4DC32-E98C-4DEE-B248-FF2C8A217094}"/>
-              </a:ext>
-            </a:extLst>
-          </p:cNvPr>
-          <p:cNvSpPr txBox="1"/>
-          <p:nvPr/>
-        </p:nvSpPr>
-        <p:spPr>
-          <a:xfrm>
-            <a:off x="3950033" y="5469212"/>
-            <a:ext cx="3619129" cy="553998"/>
-          </a:xfrm>
-          <a:prstGeom prst="rect">
-            <a:avLst/>
-          </a:prstGeom>
-          <a:noFill/>
-        </p:spPr>
-        <p:txBody>
-          <a:bodyPr wrap="square" rtlCol="0">
-            <a:spAutoFit/>
-          </a:bodyPr>
-          <a:lstStyle/>
-          <a:p>
-            <a:r>
-              <a:rPr lang="en-US" sz="3000" b="1" dirty="0" err="1">
-                <a:solidFill>
-                  <a:schemeClr val="accent6"/>
-                </a:solidFill>
-              </a:rPr>
-              <a:t>Reguläre</a:t>
-            </a:r>
-            <a:r>
-              <a:rPr lang="en-US" sz="3000" b="1" dirty="0">
-                <a:solidFill>
-                  <a:schemeClr val="accent6"/>
-                </a:solidFill>
-              </a:rPr>
-              <a:t> API</a:t>
-            </a:r>
-            <a:endParaRPr lang="en-DE" sz="3000" b="1" dirty="0">
-              <a:solidFill>
-                <a:schemeClr val="accent6"/>
-              </a:solidFill>
-            </a:endParaRPr>
-          </a:p>
-        </p:txBody>
-      </p:sp>
-    </p:spTree>
-    <p:extLst>
-      <p:ext uri="{BB962C8B-B14F-4D97-AF65-F5344CB8AC3E}">
-        <p14:creationId xmlns:p14="http://schemas.microsoft.com/office/powerpoint/2010/main" val="524870762"/>
-      </p:ext>
-    </p:extLst>
-  </p:cSld>
-  <p:clrMapOvr>
-    <a:masterClrMapping/>
-  </p:clrMapOvr>
-</p:sld>
-</file>
-
-<file path=ppt/slides/slide6.xml><?xml version="1.0" encoding="utf-8"?>
-<p:sld xmlns:a="http://schemas.openxmlformats.org/drawingml/2006/main" xmlns:r="http://schemas.openxmlformats.org/officeDocument/2006/relationships" xmlns:p="http://schemas.openxmlformats.org/presentationml/2006/main">
-  <p:cSld>
-    <p:spTree>
-      <p:nvGrpSpPr>
-        <p:cNvPr id="1" name=""/>
-        <p:cNvGrpSpPr/>
-        <p:nvPr/>
-      </p:nvGrpSpPr>
-      <p:grpSpPr>
-        <a:xfrm>
-          <a:off x="0" y="0"/>
-          <a:ext cx="0" cy="0"/>
-          <a:chOff x="0" y="0"/>
-          <a:chExt cx="0" cy="0"/>
-        </a:xfrm>
-      </p:grpSpPr>
-      <p:sp>
-        <p:nvSpPr>
-          <p:cNvPr id="2" name="Title 1">
-            <a:extLst>
-              <a:ext uri="{FF2B5EF4-FFF2-40B4-BE49-F238E27FC236}">
-                <a16:creationId xmlns:a16="http://schemas.microsoft.com/office/drawing/2014/main" id="{0741925B-7AAD-4C3F-AD46-08A0FCE63F67}"/>
-              </a:ext>
-            </a:extLst>
-          </p:cNvPr>
-          <p:cNvSpPr>
-            <a:spLocks noGrp="1"/>
-          </p:cNvSpPr>
-          <p:nvPr>
-            <p:ph type="title"/>
-          </p:nvPr>
-        </p:nvSpPr>
-        <p:spPr/>
-        <p:txBody>
-          <a:bodyPr/>
-          <a:lstStyle/>
-          <a:p>
-            <a:r>
-              <a:rPr lang="en-US" dirty="0" err="1"/>
-              <a:t>Unsere</a:t>
-            </a:r>
-            <a:r>
-              <a:rPr lang="en-US" dirty="0"/>
-              <a:t> API (an </a:t>
-            </a:r>
-            <a:r>
-              <a:rPr lang="en-US" dirty="0" err="1"/>
-              <a:t>Transportgruppen</a:t>
+              <a:t>Applikationsgruppen</a:t>
             </a:r>
             <a:r>
               <a:rPr lang="en-US" dirty="0"/>
@@ -8946,14 +6844,14 @@
             </a:r>
             <a:r>
               <a:rPr lang="en-US" sz="2000" dirty="0" err="1"/>
-              <a:t>LogMerge</a:t>
+              <a:t>EventCreationTool</a:t>
             </a:r>
             <a:endParaRPr lang="en-US" sz="2000" dirty="0"/>
           </a:p>
           <a:p>
             <a:r>
               <a:rPr lang="en-US" sz="2000" dirty="0" err="1"/>
-              <a:t>lm</a:t>
+              <a:t>ef</a:t>
             </a:r>
             <a:r>
               <a:rPr lang="en-US" sz="2000" dirty="0"/>
@@ -8961,7 +6859,7 @@
             </a:r>
             <a:r>
               <a:rPr lang="en-US" sz="2000" dirty="0" err="1"/>
-              <a:t>LogMerge.LogMerge</a:t>
+              <a:t>EventCreationTool.EventFactory</a:t>
             </a:r>
             <a:r>
               <a:rPr lang="en-US" sz="2000" dirty="0"/>
@@ -9021,7 +6919,7 @@
           <a:p>
             <a:r>
               <a:rPr lang="en-US" sz="2000" dirty="0" err="1"/>
-              <a:t>database_status</a:t>
+              <a:t>first_event</a:t>
             </a:r>
             <a:r>
               <a:rPr lang="en-US" sz="2000" dirty="0"/>
@@ -9029,11 +6927,27 @@
             </a:r>
             <a:r>
               <a:rPr lang="en-US" sz="2000" dirty="0" err="1"/>
-              <a:t>lm.get_database_status</a:t>
+              <a:t>ef.first_event</a:t>
             </a:r>
             <a:r>
               <a:rPr lang="en-US" sz="2000" dirty="0"/>
-              <a:t>()</a:t>
+              <a:t>(</a:t>
+            </a:r>
+            <a:r>
+              <a:rPr lang="en-US" sz="2000" dirty="0" err="1"/>
+              <a:t>app_name</a:t>
+            </a:r>
+            <a:r>
+              <a:rPr lang="en-US" sz="2000" dirty="0"/>
+              <a:t>, </a:t>
+            </a:r>
+            <a:r>
+              <a:rPr lang="en-US" sz="2000" dirty="0" err="1"/>
+              <a:t>master_feed_id</a:t>
+            </a:r>
+            <a:r>
+              <a:rPr lang="en-US" sz="2000" dirty="0"/>
+              <a:t>)</a:t>
             </a:r>
             <a:endParaRPr lang="en-DE" sz="2000" dirty="0"/>
           </a:p>
@@ -9090,7 +7004,15 @@
           <a:p>
             <a:r>
               <a:rPr lang="en-US" sz="2000" dirty="0" err="1"/>
-              <a:t>lm.export_logs</a:t>
+              <a:t>ef</a:t>
+            </a:r>
+            <a:r>
+              <a:rPr lang="en-US" sz="2000" dirty="0"/>
+              <a:t> = </a:t>
+            </a:r>
+            <a:r>
+              <a:rPr lang="en-US" sz="2000" dirty="0" err="1"/>
+              <a:t>EventCreationTool.EventFactory</a:t>
             </a:r>
             <a:r>
               <a:rPr lang="en-US" sz="2000" dirty="0"/>
@@ -9098,37 +7020,11 @@
             </a:r>
             <a:r>
               <a:rPr lang="en-US" sz="2000" dirty="0" err="1"/>
-              <a:t>save_path</a:t>
+              <a:t>most_recent_event</a:t>
             </a:r>
             <a:r>
               <a:rPr lang="en-US" sz="2000" dirty="0"/>
-              <a:t>, </a:t>
-            </a:r>
-            <a:r>
-              <a:rPr lang="en-US" sz="2000" dirty="0" err="1"/>
-              <a:t>current_status</a:t>
-            </a:r>
-            <a:r>
-              <a:rPr lang="en-US" sz="2000" dirty="0"/>
-              <a:t>)                                                    </a:t>
-            </a:r>
-            <a:r>
-              <a:rPr lang="en-US" sz="2000" dirty="0">
-                <a:sym typeface="Wingdings" panose="05000000000000000000" pitchFamily="2" charset="2"/>
-              </a:rPr>
-              <a:t> .</a:t>
-            </a:r>
-            <a:r>
-              <a:rPr lang="en-US" sz="2000" dirty="0" err="1">
-                <a:sym typeface="Wingdings" panose="05000000000000000000" pitchFamily="2" charset="2"/>
-              </a:rPr>
-              <a:t>pcap</a:t>
-            </a:r>
-            <a:r>
-              <a:rPr lang="en-US" sz="2000" dirty="0">
-                <a:sym typeface="Wingdings" panose="05000000000000000000" pitchFamily="2" charset="2"/>
-              </a:rPr>
-              <a:t> files</a:t>
+              <a:t>)</a:t>
             </a:r>
             <a:endParaRPr lang="en-DE" sz="2000" dirty="0"/>
           </a:p>
@@ -9185,15 +7081,23 @@
           <a:p>
             <a:r>
               <a:rPr lang="en-US" sz="2000" dirty="0" err="1"/>
-              <a:t>lm.import_logs</a:t>
+              <a:t>new_event</a:t>
             </a:r>
             <a:r>
               <a:rPr lang="en-US" sz="2000" dirty="0"/>
-              <a:t>(</a:t>
+              <a:t> = </a:t>
             </a:r>
             <a:r>
               <a:rPr lang="en-US" sz="2000" dirty="0" err="1"/>
-              <a:t>path_to_pcap_files</a:t>
+              <a:t>ef.next_event</a:t>
+            </a:r>
+            <a:r>
+              <a:rPr lang="en-US" sz="2000" dirty="0"/>
+              <a:t>(identifier, </a:t>
+            </a:r>
+            <a:r>
+              <a:rPr lang="en-US" sz="2000" dirty="0" err="1"/>
+              <a:t>content_dictionary</a:t>
             </a:r>
             <a:r>
               <a:rPr lang="en-US" sz="2000" dirty="0"/>
@@ -9249,10 +7153,10 @@
       </p:sp>
       <p:pic>
         <p:nvPicPr>
-          <p:cNvPr id="20" name="Picture 19" descr="A picture containing clock, drawing&#10;&#10;Description automatically generated">
-            <a:extLst>
-              <a:ext uri="{FF2B5EF4-FFF2-40B4-BE49-F238E27FC236}">
-                <a16:creationId xmlns:a16="http://schemas.microsoft.com/office/drawing/2014/main" id="{14E70226-1959-45C9-B850-D7C61CB63FE6}"/>
+          <p:cNvPr id="26" name="Picture 25" descr="A close up of a sign&#10;&#10;Description automatically generated">
+            <a:extLst>
+              <a:ext uri="{FF2B5EF4-FFF2-40B4-BE49-F238E27FC236}">
+                <a16:creationId xmlns:a16="http://schemas.microsoft.com/office/drawing/2014/main" id="{0A27D837-8749-4CB1-99E1-EBD5B4279CBB}"/>
               </a:ext>
             </a:extLst>
           </p:cNvPr>
@@ -9269,8 +7173,8 @@
         </p:blipFill>
         <p:spPr>
           <a:xfrm>
-            <a:off x="2682601" y="5625683"/>
-            <a:ext cx="1522256" cy="1171205"/>
+            <a:off x="10150908" y="5513098"/>
+            <a:ext cx="1091146" cy="1344901"/>
           </a:xfrm>
           <a:prstGeom prst="rect">
             <a:avLst/>
@@ -9279,10 +7183,10 @@
       </p:pic>
       <p:pic>
         <p:nvPicPr>
-          <p:cNvPr id="22" name="Picture 21" descr="A picture containing clock&#10;&#10;Description automatically generated">
-            <a:extLst>
-              <a:ext uri="{FF2B5EF4-FFF2-40B4-BE49-F238E27FC236}">
-                <a16:creationId xmlns:a16="http://schemas.microsoft.com/office/drawing/2014/main" id="{481CE635-BF54-43D4-8C42-98245DB42528}"/>
+          <p:cNvPr id="16" name="Picture 15" descr="A picture containing drawing, plate, light&#10;&#10;Description automatically generated">
+            <a:extLst>
+              <a:ext uri="{FF2B5EF4-FFF2-40B4-BE49-F238E27FC236}">
+                <a16:creationId xmlns:a16="http://schemas.microsoft.com/office/drawing/2014/main" id="{21CF9569-045D-49B0-960F-58DAE5A8EEED}"/>
               </a:ext>
             </a:extLst>
           </p:cNvPr>
@@ -9299,8 +7203,8 @@
         </p:blipFill>
         <p:spPr>
           <a:xfrm>
-            <a:off x="5393666" y="5579661"/>
-            <a:ext cx="1258317" cy="1258317"/>
+            <a:off x="2804684" y="5625683"/>
+            <a:ext cx="1171206" cy="1171206"/>
           </a:xfrm>
           <a:prstGeom prst="rect">
             <a:avLst/>
@@ -9309,10 +7213,10 @@
       </p:pic>
       <p:pic>
         <p:nvPicPr>
-          <p:cNvPr id="24" name="Picture 23" descr="A picture containing clock, sign&#10;&#10;Description automatically generated">
-            <a:extLst>
-              <a:ext uri="{FF2B5EF4-FFF2-40B4-BE49-F238E27FC236}">
-                <a16:creationId xmlns:a16="http://schemas.microsoft.com/office/drawing/2014/main" id="{A403CFE3-1D07-440F-A000-00E70A879D2F}"/>
+          <p:cNvPr id="12" name="Picture 11" descr="A picture containing sign, clock&#10;&#10;Description automatically generated">
+            <a:extLst>
+              <a:ext uri="{FF2B5EF4-FFF2-40B4-BE49-F238E27FC236}">
+                <a16:creationId xmlns:a16="http://schemas.microsoft.com/office/drawing/2014/main" id="{43577684-C23B-43ED-9346-E697EF12FCE8}"/>
               </a:ext>
             </a:extLst>
           </p:cNvPr>
@@ -9329,8 +7233,8 @@
         </p:blipFill>
         <p:spPr>
           <a:xfrm>
-            <a:off x="7840792" y="5631241"/>
-            <a:ext cx="1121307" cy="1158974"/>
+            <a:off x="7736808" y="5567825"/>
+            <a:ext cx="1222390" cy="1222390"/>
           </a:xfrm>
           <a:prstGeom prst="rect">
             <a:avLst/>
@@ -9339,10 +7243,10 @@
       </p:pic>
       <p:pic>
         <p:nvPicPr>
-          <p:cNvPr id="26" name="Picture 25" descr="A close up of a sign&#10;&#10;Description automatically generated">
-            <a:extLst>
-              <a:ext uri="{FF2B5EF4-FFF2-40B4-BE49-F238E27FC236}">
-                <a16:creationId xmlns:a16="http://schemas.microsoft.com/office/drawing/2014/main" id="{0A27D837-8749-4CB1-99E1-EBD5B4279CBB}"/>
+          <p:cNvPr id="17" name="Picture 16" descr="A close up of a logo&#10;&#10;Description automatically generated">
+            <a:extLst>
+              <a:ext uri="{FF2B5EF4-FFF2-40B4-BE49-F238E27FC236}">
+                <a16:creationId xmlns:a16="http://schemas.microsoft.com/office/drawing/2014/main" id="{DF937714-48A5-433D-A585-581CDF877999}"/>
               </a:ext>
             </a:extLst>
           </p:cNvPr>
@@ -9359,8 +7263,8 @@
         </p:blipFill>
         <p:spPr>
           <a:xfrm>
-            <a:off x="10150908" y="5513098"/>
-            <a:ext cx="1091146" cy="1344901"/>
+            <a:off x="5205275" y="5567825"/>
+            <a:ext cx="1308266" cy="1308266"/>
           </a:xfrm>
           <a:prstGeom prst="rect">
             <a:avLst/>
@@ -9370,7 +7274,7 @@
     </p:spTree>
     <p:extLst>
       <p:ext uri="{BB962C8B-B14F-4D97-AF65-F5344CB8AC3E}">
-        <p14:creationId xmlns:p14="http://schemas.microsoft.com/office/powerpoint/2010/main" val="3565075949"/>
+        <p14:creationId xmlns:p14="http://schemas.microsoft.com/office/powerpoint/2010/main" val="2768971450"/>
       </p:ext>
     </p:extLst>
   </p:cSld>
@@ -9380,607 +7284,7 @@
 </p:sld>
 </file>
 
-<file path=ppt/slides/slide7.xml><?xml version="1.0" encoding="utf-8"?>
-<p:sld xmlns:a="http://schemas.openxmlformats.org/drawingml/2006/main" xmlns:r="http://schemas.openxmlformats.org/officeDocument/2006/relationships" xmlns:p="http://schemas.openxmlformats.org/presentationml/2006/main">
-  <p:cSld>
-    <p:spTree>
-      <p:nvGrpSpPr>
-        <p:cNvPr id="1" name=""/>
-        <p:cNvGrpSpPr/>
-        <p:nvPr/>
-      </p:nvGrpSpPr>
-      <p:grpSpPr>
-        <a:xfrm>
-          <a:off x="0" y="0"/>
-          <a:ext cx="0" cy="0"/>
-          <a:chOff x="0" y="0"/>
-          <a:chExt cx="0" cy="0"/>
-        </a:xfrm>
-      </p:grpSpPr>
-      <p:sp>
-        <p:nvSpPr>
-          <p:cNvPr id="2" name="Title 1">
-            <a:extLst>
-              <a:ext uri="{FF2B5EF4-FFF2-40B4-BE49-F238E27FC236}">
-                <a16:creationId xmlns:a16="http://schemas.microsoft.com/office/drawing/2014/main" id="{0741925B-7AAD-4C3F-AD46-08A0FCE63F67}"/>
-              </a:ext>
-            </a:extLst>
-          </p:cNvPr>
-          <p:cNvSpPr>
-            <a:spLocks noGrp="1"/>
-          </p:cNvSpPr>
-          <p:nvPr>
-            <p:ph type="title"/>
-          </p:nvPr>
-        </p:nvSpPr>
-        <p:spPr/>
-        <p:txBody>
-          <a:bodyPr/>
-          <a:lstStyle/>
-          <a:p>
-            <a:r>
-              <a:rPr lang="en-US" dirty="0"/>
-              <a:t>Unser Tool (an </a:t>
-            </a:r>
-            <a:r>
-              <a:rPr lang="en-US" dirty="0" err="1"/>
-              <a:t>Applikationsgruppen</a:t>
-            </a:r>
-            <a:r>
-              <a:rPr lang="en-US" dirty="0"/>
-              <a:t>)</a:t>
-            </a:r>
-            <a:endParaRPr lang="en-DE" dirty="0"/>
-          </a:p>
-        </p:txBody>
-      </p:sp>
-      <p:sp>
-        <p:nvSpPr>
-          <p:cNvPr id="7" name="Rectangle: Rounded Corners 6">
-            <a:extLst>
-              <a:ext uri="{FF2B5EF4-FFF2-40B4-BE49-F238E27FC236}">
-                <a16:creationId xmlns:a16="http://schemas.microsoft.com/office/drawing/2014/main" id="{A4538659-839A-4E6A-A372-411445A7F618}"/>
-              </a:ext>
-            </a:extLst>
-          </p:cNvPr>
-          <p:cNvSpPr/>
-          <p:nvPr/>
-        </p:nvSpPr>
-        <p:spPr>
-          <a:xfrm>
-            <a:off x="810000" y="2320639"/>
-            <a:ext cx="10571998" cy="437403"/>
-          </a:xfrm>
-          <a:prstGeom prst="roundRect">
-            <a:avLst/>
-          </a:prstGeom>
-          <a:solidFill>
-            <a:schemeClr val="tx2"/>
-          </a:solidFill>
-          <a:ln>
-            <a:solidFill>
-              <a:schemeClr val="accent1"/>
-            </a:solidFill>
-          </a:ln>
-        </p:spPr>
-        <p:style>
-          <a:lnRef idx="2">
-            <a:schemeClr val="accent1">
-              <a:shade val="50000"/>
-            </a:schemeClr>
-          </a:lnRef>
-          <a:fillRef idx="1">
-            <a:schemeClr val="accent1"/>
-          </a:fillRef>
-          <a:effectRef idx="0">
-            <a:schemeClr val="accent1"/>
-          </a:effectRef>
-          <a:fontRef idx="minor">
-            <a:schemeClr val="lt1"/>
-          </a:fontRef>
-        </p:style>
-        <p:txBody>
-          <a:bodyPr rtlCol="0" anchor="ctr"/>
-          <a:lstStyle/>
-          <a:p>
-            <a:r>
-              <a:rPr lang="en-US" sz="2000" dirty="0"/>
-              <a:t>pip install .</a:t>
-            </a:r>
-            <a:endParaRPr lang="en-DE" sz="2000" dirty="0"/>
-          </a:p>
-        </p:txBody>
-      </p:sp>
-      <p:sp>
-        <p:nvSpPr>
-          <p:cNvPr id="9" name="Rectangle: Rounded Corners 8">
-            <a:extLst>
-              <a:ext uri="{FF2B5EF4-FFF2-40B4-BE49-F238E27FC236}">
-                <a16:creationId xmlns:a16="http://schemas.microsoft.com/office/drawing/2014/main" id="{25CA1383-B09E-4F1C-8EA7-03D73CEAF73F}"/>
-              </a:ext>
-            </a:extLst>
-          </p:cNvPr>
-          <p:cNvSpPr/>
-          <p:nvPr/>
-        </p:nvSpPr>
-        <p:spPr>
-          <a:xfrm>
-            <a:off x="810000" y="2884721"/>
-            <a:ext cx="10571998" cy="877824"/>
-          </a:xfrm>
-          <a:prstGeom prst="roundRect">
-            <a:avLst/>
-          </a:prstGeom>
-          <a:solidFill>
-            <a:schemeClr val="tx2"/>
-          </a:solidFill>
-          <a:ln>
-            <a:solidFill>
-              <a:schemeClr val="accent1"/>
-            </a:solidFill>
-          </a:ln>
-        </p:spPr>
-        <p:style>
-          <a:lnRef idx="2">
-            <a:schemeClr val="accent1">
-              <a:shade val="50000"/>
-            </a:schemeClr>
-          </a:lnRef>
-          <a:fillRef idx="1">
-            <a:schemeClr val="accent1"/>
-          </a:fillRef>
-          <a:effectRef idx="0">
-            <a:schemeClr val="accent1"/>
-          </a:effectRef>
-          <a:fontRef idx="minor">
-            <a:schemeClr val="lt1"/>
-          </a:fontRef>
-        </p:style>
-        <p:txBody>
-          <a:bodyPr rtlCol="0" anchor="ctr"/>
-          <a:lstStyle/>
-          <a:p>
-            <a:r>
-              <a:rPr lang="en-US" sz="2000" dirty="0"/>
-              <a:t>import </a:t>
-            </a:r>
-            <a:r>
-              <a:rPr lang="en-US" sz="2000" dirty="0" err="1"/>
-              <a:t>LogMerge</a:t>
-            </a:r>
-            <a:endParaRPr lang="en-US" sz="2000" dirty="0"/>
-          </a:p>
-          <a:p>
-            <a:r>
-              <a:rPr lang="en-US" sz="2000" dirty="0" err="1"/>
-              <a:t>lm</a:t>
-            </a:r>
-            <a:r>
-              <a:rPr lang="en-US" sz="2000" dirty="0"/>
-              <a:t> = </a:t>
-            </a:r>
-            <a:r>
-              <a:rPr lang="en-US" sz="2000" dirty="0" err="1"/>
-              <a:t>LogMerge.LogMerge</a:t>
-            </a:r>
-            <a:r>
-              <a:rPr lang="en-US" sz="2000" dirty="0"/>
-              <a:t>()</a:t>
-            </a:r>
-          </a:p>
-        </p:txBody>
-      </p:sp>
-      <p:sp>
-        <p:nvSpPr>
-          <p:cNvPr id="10" name="Rectangle: Rounded Corners 9">
-            <a:extLst>
-              <a:ext uri="{FF2B5EF4-FFF2-40B4-BE49-F238E27FC236}">
-                <a16:creationId xmlns:a16="http://schemas.microsoft.com/office/drawing/2014/main" id="{5C5FD72D-B8EF-4AB6-939F-E54F5E5EC445}"/>
-              </a:ext>
-            </a:extLst>
-          </p:cNvPr>
-          <p:cNvSpPr/>
-          <p:nvPr/>
-        </p:nvSpPr>
-        <p:spPr>
-          <a:xfrm>
-            <a:off x="810000" y="3889224"/>
-            <a:ext cx="10571998" cy="437403"/>
-          </a:xfrm>
-          <a:prstGeom prst="roundRect">
-            <a:avLst/>
-          </a:prstGeom>
-          <a:solidFill>
-            <a:schemeClr val="tx2"/>
-          </a:solidFill>
-          <a:ln>
-            <a:solidFill>
-              <a:schemeClr val="accent1"/>
-            </a:solidFill>
-          </a:ln>
-        </p:spPr>
-        <p:style>
-          <a:lnRef idx="2">
-            <a:schemeClr val="accent1">
-              <a:shade val="50000"/>
-            </a:schemeClr>
-          </a:lnRef>
-          <a:fillRef idx="1">
-            <a:schemeClr val="accent1"/>
-          </a:fillRef>
-          <a:effectRef idx="0">
-            <a:schemeClr val="accent1"/>
-          </a:effectRef>
-          <a:fontRef idx="minor">
-            <a:schemeClr val="lt1"/>
-          </a:fontRef>
-        </p:style>
-        <p:txBody>
-          <a:bodyPr rtlCol="0" anchor="ctr"/>
-          <a:lstStyle/>
-          <a:p>
-            <a:r>
-              <a:rPr lang="en-US" sz="2000" dirty="0" err="1"/>
-              <a:t>database_status</a:t>
-            </a:r>
-            <a:r>
-              <a:rPr lang="en-US" sz="2000" dirty="0"/>
-              <a:t> = </a:t>
-            </a:r>
-            <a:r>
-              <a:rPr lang="en-US" sz="2000" dirty="0" err="1"/>
-              <a:t>lm.get_database_status</a:t>
-            </a:r>
-            <a:r>
-              <a:rPr lang="en-US" sz="2000" dirty="0"/>
-              <a:t>()</a:t>
-            </a:r>
-            <a:endParaRPr lang="en-DE" sz="2000" dirty="0"/>
-          </a:p>
-        </p:txBody>
-      </p:sp>
-      <p:sp>
-        <p:nvSpPr>
-          <p:cNvPr id="11" name="Rectangle: Rounded Corners 10">
-            <a:extLst>
-              <a:ext uri="{FF2B5EF4-FFF2-40B4-BE49-F238E27FC236}">
-                <a16:creationId xmlns:a16="http://schemas.microsoft.com/office/drawing/2014/main" id="{42B91A79-D896-4CD0-8386-354C432A5BC2}"/>
-              </a:ext>
-            </a:extLst>
-          </p:cNvPr>
-          <p:cNvSpPr/>
-          <p:nvPr/>
-        </p:nvSpPr>
-        <p:spPr>
-          <a:xfrm>
-            <a:off x="810000" y="5022390"/>
-            <a:ext cx="10571998" cy="437403"/>
-          </a:xfrm>
-          <a:prstGeom prst="roundRect">
-            <a:avLst/>
-          </a:prstGeom>
-          <a:solidFill>
-            <a:schemeClr val="tx2"/>
-          </a:solidFill>
-          <a:ln>
-            <a:solidFill>
-              <a:schemeClr val="accent1"/>
-            </a:solidFill>
-          </a:ln>
-        </p:spPr>
-        <p:style>
-          <a:lnRef idx="2">
-            <a:schemeClr val="accent1">
-              <a:shade val="50000"/>
-            </a:schemeClr>
-          </a:lnRef>
-          <a:fillRef idx="1">
-            <a:schemeClr val="accent1"/>
-          </a:fillRef>
-          <a:effectRef idx="0">
-            <a:schemeClr val="accent1"/>
-          </a:effectRef>
-          <a:fontRef idx="minor">
-            <a:schemeClr val="lt1"/>
-          </a:fontRef>
-        </p:style>
-        <p:txBody>
-          <a:bodyPr rtlCol="0" anchor="ctr"/>
-          <a:lstStyle/>
-          <a:p>
-            <a:r>
-              <a:rPr lang="en-US" sz="2000" dirty="0" err="1"/>
-              <a:t>lm.export_logs</a:t>
-            </a:r>
-            <a:r>
-              <a:rPr lang="en-US" sz="2000" dirty="0"/>
-              <a:t>(</a:t>
-            </a:r>
-            <a:r>
-              <a:rPr lang="en-US" sz="2000" dirty="0" err="1"/>
-              <a:t>save_path</a:t>
-            </a:r>
-            <a:r>
-              <a:rPr lang="en-US" sz="2000" dirty="0"/>
-              <a:t>, </a:t>
-            </a:r>
-            <a:r>
-              <a:rPr lang="en-US" sz="2000" dirty="0" err="1"/>
-              <a:t>current_status</a:t>
-            </a:r>
-            <a:r>
-              <a:rPr lang="en-US" sz="2000" dirty="0"/>
-              <a:t>)                                                    </a:t>
-            </a:r>
-            <a:r>
-              <a:rPr lang="en-US" sz="2000" dirty="0">
-                <a:sym typeface="Wingdings" panose="05000000000000000000" pitchFamily="2" charset="2"/>
-              </a:rPr>
-              <a:t> .</a:t>
-            </a:r>
-            <a:r>
-              <a:rPr lang="en-US" sz="2000" dirty="0" err="1">
-                <a:sym typeface="Wingdings" panose="05000000000000000000" pitchFamily="2" charset="2"/>
-              </a:rPr>
-              <a:t>pcap</a:t>
-            </a:r>
-            <a:r>
-              <a:rPr lang="en-US" sz="2000" dirty="0">
-                <a:sym typeface="Wingdings" panose="05000000000000000000" pitchFamily="2" charset="2"/>
-              </a:rPr>
-              <a:t> files</a:t>
-            </a:r>
-            <a:endParaRPr lang="en-DE" sz="2000" dirty="0"/>
-          </a:p>
-        </p:txBody>
-      </p:sp>
-      <p:sp>
-        <p:nvSpPr>
-          <p:cNvPr id="13" name="Rectangle: Rounded Corners 12">
-            <a:extLst>
-              <a:ext uri="{FF2B5EF4-FFF2-40B4-BE49-F238E27FC236}">
-                <a16:creationId xmlns:a16="http://schemas.microsoft.com/office/drawing/2014/main" id="{59BD25EC-CF8B-4ACE-8012-C3F6C097F159}"/>
-              </a:ext>
-            </a:extLst>
-          </p:cNvPr>
-          <p:cNvSpPr/>
-          <p:nvPr/>
-        </p:nvSpPr>
-        <p:spPr>
-          <a:xfrm>
-            <a:off x="810000" y="4455807"/>
-            <a:ext cx="10571998" cy="437403"/>
-          </a:xfrm>
-          <a:prstGeom prst="roundRect">
-            <a:avLst/>
-          </a:prstGeom>
-          <a:solidFill>
-            <a:schemeClr val="tx2"/>
-          </a:solidFill>
-          <a:ln>
-            <a:solidFill>
-              <a:schemeClr val="accent1"/>
-            </a:solidFill>
-          </a:ln>
-        </p:spPr>
-        <p:style>
-          <a:lnRef idx="2">
-            <a:schemeClr val="accent1">
-              <a:shade val="50000"/>
-            </a:schemeClr>
-          </a:lnRef>
-          <a:fillRef idx="1">
-            <a:schemeClr val="accent1"/>
-          </a:fillRef>
-          <a:effectRef idx="0">
-            <a:schemeClr val="accent1"/>
-          </a:effectRef>
-          <a:fontRef idx="minor">
-            <a:schemeClr val="lt1"/>
-          </a:fontRef>
-        </p:style>
-        <p:txBody>
-          <a:bodyPr rtlCol="0" anchor="ctr"/>
-          <a:lstStyle/>
-          <a:p>
-            <a:r>
-              <a:rPr lang="en-US" sz="2000" dirty="0" err="1"/>
-              <a:t>lm.import_logs</a:t>
-            </a:r>
-            <a:r>
-              <a:rPr lang="en-US" sz="2000" dirty="0"/>
-              <a:t>(</a:t>
-            </a:r>
-            <a:r>
-              <a:rPr lang="en-US" sz="2000" dirty="0" err="1"/>
-              <a:t>path_to_pcap_files</a:t>
-            </a:r>
-            <a:r>
-              <a:rPr lang="en-US" sz="2000" dirty="0"/>
-              <a:t>)</a:t>
-            </a:r>
-            <a:endParaRPr lang="en-DE" sz="2000" dirty="0"/>
-          </a:p>
-        </p:txBody>
-      </p:sp>
-      <p:sp>
-        <p:nvSpPr>
-          <p:cNvPr id="15" name="TextBox 14">
-            <a:extLst>
-              <a:ext uri="{FF2B5EF4-FFF2-40B4-BE49-F238E27FC236}">
-                <a16:creationId xmlns:a16="http://schemas.microsoft.com/office/drawing/2014/main" id="{ED299B4C-6E2D-42AC-BECB-0F2209D1D833}"/>
-              </a:ext>
-            </a:extLst>
-          </p:cNvPr>
-          <p:cNvSpPr txBox="1"/>
-          <p:nvPr/>
-        </p:nvSpPr>
-        <p:spPr>
-          <a:xfrm>
-            <a:off x="810000" y="5856814"/>
-            <a:ext cx="1469622" cy="553998"/>
-          </a:xfrm>
-          <a:prstGeom prst="rect">
-            <a:avLst/>
-          </a:prstGeom>
-          <a:noFill/>
-        </p:spPr>
-        <p:txBody>
-          <a:bodyPr wrap="square" rtlCol="0">
-            <a:spAutoFit/>
-          </a:bodyPr>
-          <a:lstStyle/>
-          <a:p>
-            <a:r>
-              <a:rPr lang="en-US" sz="3000" b="1" dirty="0">
-                <a:solidFill>
-                  <a:schemeClr val="accent6"/>
-                </a:solidFill>
-              </a:rPr>
-              <a:t>Intern:</a:t>
-            </a:r>
-            <a:endParaRPr lang="en-DE" sz="3000" b="1" dirty="0">
-              <a:solidFill>
-                <a:schemeClr val="accent6"/>
-              </a:solidFill>
-            </a:endParaRPr>
-          </a:p>
-        </p:txBody>
-      </p:sp>
-      <p:pic>
-        <p:nvPicPr>
-          <p:cNvPr id="20" name="Picture 19" descr="A picture containing clock, drawing&#10;&#10;Description automatically generated">
-            <a:extLst>
-              <a:ext uri="{FF2B5EF4-FFF2-40B4-BE49-F238E27FC236}">
-                <a16:creationId xmlns:a16="http://schemas.microsoft.com/office/drawing/2014/main" id="{14E70226-1959-45C9-B850-D7C61CB63FE6}"/>
-              </a:ext>
-            </a:extLst>
-          </p:cNvPr>
-          <p:cNvPicPr>
-            <a:picLocks noChangeAspect="1"/>
-          </p:cNvPicPr>
-          <p:nvPr/>
-        </p:nvPicPr>
-        <p:blipFill>
-          <a:blip r:embed="rId2"/>
-          <a:stretch>
-            <a:fillRect/>
-          </a:stretch>
-        </p:blipFill>
-        <p:spPr>
-          <a:xfrm>
-            <a:off x="2682601" y="5625683"/>
-            <a:ext cx="1522256" cy="1171205"/>
-          </a:xfrm>
-          <a:prstGeom prst="rect">
-            <a:avLst/>
-          </a:prstGeom>
-        </p:spPr>
-      </p:pic>
-      <p:pic>
-        <p:nvPicPr>
-          <p:cNvPr id="22" name="Picture 21" descr="A picture containing clock&#10;&#10;Description automatically generated">
-            <a:extLst>
-              <a:ext uri="{FF2B5EF4-FFF2-40B4-BE49-F238E27FC236}">
-                <a16:creationId xmlns:a16="http://schemas.microsoft.com/office/drawing/2014/main" id="{481CE635-BF54-43D4-8C42-98245DB42528}"/>
-              </a:ext>
-            </a:extLst>
-          </p:cNvPr>
-          <p:cNvPicPr>
-            <a:picLocks noChangeAspect="1"/>
-          </p:cNvPicPr>
-          <p:nvPr/>
-        </p:nvPicPr>
-        <p:blipFill>
-          <a:blip r:embed="rId3"/>
-          <a:stretch>
-            <a:fillRect/>
-          </a:stretch>
-        </p:blipFill>
-        <p:spPr>
-          <a:xfrm>
-            <a:off x="5393666" y="5579661"/>
-            <a:ext cx="1258317" cy="1258317"/>
-          </a:xfrm>
-          <a:prstGeom prst="rect">
-            <a:avLst/>
-          </a:prstGeom>
-        </p:spPr>
-      </p:pic>
-      <p:pic>
-        <p:nvPicPr>
-          <p:cNvPr id="24" name="Picture 23" descr="A picture containing clock, sign&#10;&#10;Description automatically generated">
-            <a:extLst>
-              <a:ext uri="{FF2B5EF4-FFF2-40B4-BE49-F238E27FC236}">
-                <a16:creationId xmlns:a16="http://schemas.microsoft.com/office/drawing/2014/main" id="{A403CFE3-1D07-440F-A000-00E70A879D2F}"/>
-              </a:ext>
-            </a:extLst>
-          </p:cNvPr>
-          <p:cNvPicPr>
-            <a:picLocks noChangeAspect="1"/>
-          </p:cNvPicPr>
-          <p:nvPr/>
-        </p:nvPicPr>
-        <p:blipFill>
-          <a:blip r:embed="rId4"/>
-          <a:stretch>
-            <a:fillRect/>
-          </a:stretch>
-        </p:blipFill>
-        <p:spPr>
-          <a:xfrm>
-            <a:off x="7840792" y="5631241"/>
-            <a:ext cx="1121307" cy="1158974"/>
-          </a:xfrm>
-          <a:prstGeom prst="rect">
-            <a:avLst/>
-          </a:prstGeom>
-        </p:spPr>
-      </p:pic>
-      <p:pic>
-        <p:nvPicPr>
-          <p:cNvPr id="26" name="Picture 25" descr="A close up of a sign&#10;&#10;Description automatically generated">
-            <a:extLst>
-              <a:ext uri="{FF2B5EF4-FFF2-40B4-BE49-F238E27FC236}">
-                <a16:creationId xmlns:a16="http://schemas.microsoft.com/office/drawing/2014/main" id="{0A27D837-8749-4CB1-99E1-EBD5B4279CBB}"/>
-              </a:ext>
-            </a:extLst>
-          </p:cNvPr>
-          <p:cNvPicPr>
-            <a:picLocks noChangeAspect="1"/>
-          </p:cNvPicPr>
-          <p:nvPr/>
-        </p:nvPicPr>
-        <p:blipFill>
-          <a:blip r:embed="rId5"/>
-          <a:stretch>
-            <a:fillRect/>
-          </a:stretch>
-        </p:blipFill>
-        <p:spPr>
-          <a:xfrm>
-            <a:off x="10150908" y="5513098"/>
-            <a:ext cx="1091146" cy="1344901"/>
-          </a:xfrm>
-          <a:prstGeom prst="rect">
-            <a:avLst/>
-          </a:prstGeom>
-        </p:spPr>
-      </p:pic>
-    </p:spTree>
-    <p:extLst>
-      <p:ext uri="{BB962C8B-B14F-4D97-AF65-F5344CB8AC3E}">
-        <p14:creationId xmlns:p14="http://schemas.microsoft.com/office/powerpoint/2010/main" val="1442984713"/>
-      </p:ext>
-    </p:extLst>
-  </p:cSld>
-  <p:clrMapOvr>
-    <a:masterClrMapping/>
-  </p:clrMapOvr>
-</p:sld>
-</file>
-
-<file path=ppt/slides/slide8.xml><?xml version="1.0" encoding="utf-8"?>
+<file path=ppt/slides/slide14.xml><?xml version="1.0" encoding="utf-8"?>
 <p:sld xmlns:a="http://schemas.openxmlformats.org/drawingml/2006/main" xmlns:r="http://schemas.openxmlformats.org/officeDocument/2006/relationships" xmlns:p="http://schemas.openxmlformats.org/presentationml/2006/main">
   <p:cSld>
     <p:bg>
@@ -10265,7 +7569,7 @@
             </a:r>
             <a:r>
               <a:rPr lang="en-US" sz="2000" dirty="0" err="1"/>
-              <a:t>logMerge</a:t>
+              <a:t>LogMerge</a:t>
             </a:r>
             <a:endParaRPr lang="en-US" sz="2000" dirty="0"/>
           </a:p>
@@ -10501,6 +7805,5220 @@
     <p:extLst>
       <p:ext uri="{BB962C8B-B14F-4D97-AF65-F5344CB8AC3E}">
         <p14:creationId xmlns:p14="http://schemas.microsoft.com/office/powerpoint/2010/main" val="1903722945"/>
+      </p:ext>
+    </p:extLst>
+  </p:cSld>
+  <p:clrMapOvr>
+    <a:masterClrMapping/>
+  </p:clrMapOvr>
+</p:sld>
+</file>
+
+<file path=ppt/slides/slide2.xml><?xml version="1.0" encoding="utf-8"?>
+<p:sld xmlns:a="http://schemas.openxmlformats.org/drawingml/2006/main" xmlns:r="http://schemas.openxmlformats.org/officeDocument/2006/relationships" xmlns:p="http://schemas.openxmlformats.org/presentationml/2006/main">
+  <p:cSld>
+    <p:spTree>
+      <p:nvGrpSpPr>
+        <p:cNvPr id="1" name=""/>
+        <p:cNvGrpSpPr/>
+        <p:nvPr/>
+      </p:nvGrpSpPr>
+      <p:grpSpPr>
+        <a:xfrm>
+          <a:off x="0" y="0"/>
+          <a:ext cx="0" cy="0"/>
+          <a:chOff x="0" y="0"/>
+          <a:chExt cx="0" cy="0"/>
+        </a:xfrm>
+      </p:grpSpPr>
+      <p:sp>
+        <p:nvSpPr>
+          <p:cNvPr id="2" name="Title 1">
+            <a:extLst>
+              <a:ext uri="{FF2B5EF4-FFF2-40B4-BE49-F238E27FC236}">
+                <a16:creationId xmlns:a16="http://schemas.microsoft.com/office/drawing/2014/main" id="{0741925B-7AAD-4C3F-AD46-08A0FCE63F67}"/>
+              </a:ext>
+            </a:extLst>
+          </p:cNvPr>
+          <p:cNvSpPr>
+            <a:spLocks noGrp="1"/>
+          </p:cNvSpPr>
+          <p:nvPr>
+            <p:ph type="title"/>
+          </p:nvPr>
+        </p:nvSpPr>
+        <p:spPr/>
+        <p:txBody>
+          <a:bodyPr/>
+          <a:lstStyle/>
+          <a:p>
+            <a:r>
+              <a:rPr lang="en-US" dirty="0"/>
+              <a:t>Unser </a:t>
+            </a:r>
+            <a:r>
+              <a:rPr lang="en-US" dirty="0" err="1"/>
+              <a:t>Auftrag</a:t>
+            </a:r>
+            <a:endParaRPr lang="en-DE" dirty="0"/>
+          </a:p>
+        </p:txBody>
+      </p:sp>
+      <p:sp>
+        <p:nvSpPr>
+          <p:cNvPr id="4" name="Rectangle 3">
+            <a:extLst>
+              <a:ext uri="{FF2B5EF4-FFF2-40B4-BE49-F238E27FC236}">
+                <a16:creationId xmlns:a16="http://schemas.microsoft.com/office/drawing/2014/main" id="{37912668-AA4B-49B9-AD27-D50F2B6B8ECA}"/>
+              </a:ext>
+            </a:extLst>
+          </p:cNvPr>
+          <p:cNvSpPr/>
+          <p:nvPr/>
+        </p:nvSpPr>
+        <p:spPr>
+          <a:xfrm>
+            <a:off x="810000" y="2422564"/>
+            <a:ext cx="3135086" cy="697675"/>
+          </a:xfrm>
+          <a:prstGeom prst="rect">
+            <a:avLst/>
+          </a:prstGeom>
+          <a:solidFill>
+            <a:schemeClr val="tx2"/>
+          </a:solidFill>
+        </p:spPr>
+        <p:style>
+          <a:lnRef idx="3">
+            <a:schemeClr val="lt1"/>
+          </a:lnRef>
+          <a:fillRef idx="1">
+            <a:schemeClr val="dk1"/>
+          </a:fillRef>
+          <a:effectRef idx="1">
+            <a:schemeClr val="dk1"/>
+          </a:effectRef>
+          <a:fontRef idx="minor">
+            <a:schemeClr val="lt1"/>
+          </a:fontRef>
+        </p:style>
+        <p:txBody>
+          <a:bodyPr rtlCol="0" anchor="ctr"/>
+          <a:lstStyle/>
+          <a:p>
+            <a:pPr algn="ctr"/>
+            <a:r>
+              <a:rPr lang="en-US" dirty="0" err="1"/>
+              <a:t>Applikationsschicht</a:t>
+            </a:r>
+            <a:endParaRPr lang="en-DE" dirty="0"/>
+          </a:p>
+        </p:txBody>
+      </p:sp>
+      <p:sp>
+        <p:nvSpPr>
+          <p:cNvPr id="6" name="Rectangle 5">
+            <a:extLst>
+              <a:ext uri="{FF2B5EF4-FFF2-40B4-BE49-F238E27FC236}">
+                <a16:creationId xmlns:a16="http://schemas.microsoft.com/office/drawing/2014/main" id="{F5996793-D831-486C-BEAA-C1E97EEB5364}"/>
+              </a:ext>
+            </a:extLst>
+          </p:cNvPr>
+          <p:cNvSpPr/>
+          <p:nvPr/>
+        </p:nvSpPr>
+        <p:spPr>
+          <a:xfrm>
+            <a:off x="810000" y="3273630"/>
+            <a:ext cx="3135086" cy="697675"/>
+          </a:xfrm>
+          <a:prstGeom prst="rect">
+            <a:avLst/>
+          </a:prstGeom>
+        </p:spPr>
+        <p:style>
+          <a:lnRef idx="2">
+            <a:schemeClr val="accent1">
+              <a:shade val="50000"/>
+            </a:schemeClr>
+          </a:lnRef>
+          <a:fillRef idx="1">
+            <a:schemeClr val="accent1"/>
+          </a:fillRef>
+          <a:effectRef idx="0">
+            <a:schemeClr val="accent1"/>
+          </a:effectRef>
+          <a:fontRef idx="minor">
+            <a:schemeClr val="lt1"/>
+          </a:fontRef>
+        </p:style>
+        <p:txBody>
+          <a:bodyPr rtlCol="0" anchor="ctr"/>
+          <a:lstStyle/>
+          <a:p>
+            <a:pPr algn="ctr"/>
+            <a:r>
+              <a:rPr lang="en-US" dirty="0" err="1"/>
+              <a:t>Datenbank</a:t>
+            </a:r>
+            <a:endParaRPr lang="en-DE" dirty="0"/>
+          </a:p>
+        </p:txBody>
+      </p:sp>
+      <p:sp>
+        <p:nvSpPr>
+          <p:cNvPr id="8" name="Rectangle 7">
+            <a:extLst>
+              <a:ext uri="{FF2B5EF4-FFF2-40B4-BE49-F238E27FC236}">
+                <a16:creationId xmlns:a16="http://schemas.microsoft.com/office/drawing/2014/main" id="{ABBEEAB1-B8E9-4B23-80F7-E45D089E6CAD}"/>
+              </a:ext>
+            </a:extLst>
+          </p:cNvPr>
+          <p:cNvSpPr/>
+          <p:nvPr/>
+        </p:nvSpPr>
+        <p:spPr>
+          <a:xfrm>
+            <a:off x="810000" y="4124696"/>
+            <a:ext cx="3135086" cy="1545772"/>
+          </a:xfrm>
+          <a:prstGeom prst="rect">
+            <a:avLst/>
+          </a:prstGeom>
+          <a:solidFill>
+            <a:schemeClr val="accent6"/>
+          </a:solidFill>
+          <a:ln>
+            <a:solidFill>
+              <a:schemeClr val="accent6"/>
+            </a:solidFill>
+          </a:ln>
+        </p:spPr>
+        <p:style>
+          <a:lnRef idx="2">
+            <a:schemeClr val="accent1">
+              <a:shade val="50000"/>
+            </a:schemeClr>
+          </a:lnRef>
+          <a:fillRef idx="1">
+            <a:schemeClr val="accent1"/>
+          </a:fillRef>
+          <a:effectRef idx="0">
+            <a:schemeClr val="accent1"/>
+          </a:effectRef>
+          <a:fontRef idx="minor">
+            <a:schemeClr val="lt1"/>
+          </a:fontRef>
+        </p:style>
+        <p:txBody>
+          <a:bodyPr rtlCol="0" anchor="ctr"/>
+          <a:lstStyle/>
+          <a:p>
+            <a:pPr algn="ctr"/>
+            <a:r>
+              <a:rPr lang="en-US" dirty="0" err="1"/>
+              <a:t>logMerge</a:t>
+            </a:r>
+            <a:endParaRPr lang="en-US" dirty="0"/>
+          </a:p>
+          <a:p>
+            <a:pPr algn="ctr"/>
+            <a:endParaRPr lang="en-US" dirty="0"/>
+          </a:p>
+          <a:p>
+            <a:pPr algn="ctr"/>
+            <a:endParaRPr lang="en-US" dirty="0"/>
+          </a:p>
+          <a:p>
+            <a:pPr algn="ctr"/>
+            <a:endParaRPr lang="en-DE" dirty="0"/>
+          </a:p>
+        </p:txBody>
+      </p:sp>
+      <p:sp>
+        <p:nvSpPr>
+          <p:cNvPr id="12" name="Rectangle 11">
+            <a:extLst>
+              <a:ext uri="{FF2B5EF4-FFF2-40B4-BE49-F238E27FC236}">
+                <a16:creationId xmlns:a16="http://schemas.microsoft.com/office/drawing/2014/main" id="{15A800E9-C0A3-4B9B-92EC-4B273E5EDAD5}"/>
+              </a:ext>
+            </a:extLst>
+          </p:cNvPr>
+          <p:cNvSpPr/>
+          <p:nvPr/>
+        </p:nvSpPr>
+        <p:spPr>
+          <a:xfrm>
+            <a:off x="810000" y="5826828"/>
+            <a:ext cx="3135086" cy="697675"/>
+          </a:xfrm>
+          <a:prstGeom prst="rect">
+            <a:avLst/>
+          </a:prstGeom>
+        </p:spPr>
+        <p:style>
+          <a:lnRef idx="2">
+            <a:schemeClr val="accent1">
+              <a:shade val="50000"/>
+            </a:schemeClr>
+          </a:lnRef>
+          <a:fillRef idx="1">
+            <a:schemeClr val="accent1"/>
+          </a:fillRef>
+          <a:effectRef idx="0">
+            <a:schemeClr val="accent1"/>
+          </a:effectRef>
+          <a:fontRef idx="minor">
+            <a:schemeClr val="lt1"/>
+          </a:fontRef>
+        </p:style>
+        <p:txBody>
+          <a:bodyPr rtlCol="0" anchor="ctr"/>
+          <a:lstStyle/>
+          <a:p>
+            <a:pPr algn="ctr"/>
+            <a:r>
+              <a:rPr lang="en-US" dirty="0" err="1"/>
+              <a:t>Transportschicht</a:t>
+            </a:r>
+            <a:endParaRPr lang="en-DE" dirty="0"/>
+          </a:p>
+        </p:txBody>
+      </p:sp>
+      <p:sp>
+        <p:nvSpPr>
+          <p:cNvPr id="13" name="Rectangle 12">
+            <a:extLst>
+              <a:ext uri="{FF2B5EF4-FFF2-40B4-BE49-F238E27FC236}">
+                <a16:creationId xmlns:a16="http://schemas.microsoft.com/office/drawing/2014/main" id="{6E4BD40D-1A65-4D28-AF74-BABF384B2B63}"/>
+              </a:ext>
+            </a:extLst>
+          </p:cNvPr>
+          <p:cNvSpPr/>
+          <p:nvPr/>
+        </p:nvSpPr>
+        <p:spPr>
+          <a:xfrm>
+            <a:off x="1497529" y="5002481"/>
+            <a:ext cx="1760027" cy="427512"/>
+          </a:xfrm>
+          <a:prstGeom prst="rect">
+            <a:avLst/>
+          </a:prstGeom>
+          <a:solidFill>
+            <a:schemeClr val="accent1"/>
+          </a:solidFill>
+          <a:ln>
+            <a:solidFill>
+              <a:srgbClr val="009189"/>
+            </a:solidFill>
+          </a:ln>
+        </p:spPr>
+        <p:style>
+          <a:lnRef idx="2">
+            <a:schemeClr val="accent2">
+              <a:shade val="50000"/>
+            </a:schemeClr>
+          </a:lnRef>
+          <a:fillRef idx="1">
+            <a:schemeClr val="accent2"/>
+          </a:fillRef>
+          <a:effectRef idx="0">
+            <a:schemeClr val="accent2"/>
+          </a:effectRef>
+          <a:fontRef idx="minor">
+            <a:schemeClr val="lt1"/>
+          </a:fontRef>
+        </p:style>
+        <p:txBody>
+          <a:bodyPr rtlCol="0" anchor="ctr"/>
+          <a:lstStyle/>
+          <a:p>
+            <a:pPr algn="ctr"/>
+            <a:r>
+              <a:rPr lang="en-US" dirty="0" err="1"/>
+              <a:t>feedCtrl</a:t>
+            </a:r>
+            <a:endParaRPr lang="en-DE" dirty="0"/>
+          </a:p>
+        </p:txBody>
+      </p:sp>
+      <p:sp>
+        <p:nvSpPr>
+          <p:cNvPr id="14" name="TextBox 13">
+            <a:extLst>
+              <a:ext uri="{FF2B5EF4-FFF2-40B4-BE49-F238E27FC236}">
+                <a16:creationId xmlns:a16="http://schemas.microsoft.com/office/drawing/2014/main" id="{E0DE8160-CEAA-401A-9B99-8B76162E1874}"/>
+              </a:ext>
+            </a:extLst>
+          </p:cNvPr>
+          <p:cNvSpPr txBox="1"/>
+          <p:nvPr/>
+        </p:nvSpPr>
+        <p:spPr>
+          <a:xfrm>
+            <a:off x="4079174" y="2422564"/>
+            <a:ext cx="3722914" cy="646331"/>
+          </a:xfrm>
+          <a:prstGeom prst="rect">
+            <a:avLst/>
+          </a:prstGeom>
+          <a:noFill/>
+        </p:spPr>
+        <p:txBody>
+          <a:bodyPr wrap="square" rtlCol="0">
+            <a:spAutoFit/>
+          </a:bodyPr>
+          <a:lstStyle/>
+          <a:p>
+            <a:r>
+              <a:rPr lang="en-US" dirty="0"/>
+              <a:t>User - GUI –</a:t>
+            </a:r>
+            <a:r>
+              <a:rPr lang="en-US" dirty="0" err="1"/>
+              <a:t>Projekte</a:t>
+            </a:r>
+            <a:endParaRPr lang="en-US" dirty="0"/>
+          </a:p>
+          <a:p>
+            <a:r>
+              <a:rPr lang="en-US" dirty="0"/>
+              <a:t>Chat etc.</a:t>
+            </a:r>
+            <a:endParaRPr lang="en-DE" dirty="0"/>
+          </a:p>
+        </p:txBody>
+      </p:sp>
+      <p:sp>
+        <p:nvSpPr>
+          <p:cNvPr id="16" name="TextBox 15">
+            <a:extLst>
+              <a:ext uri="{FF2B5EF4-FFF2-40B4-BE49-F238E27FC236}">
+                <a16:creationId xmlns:a16="http://schemas.microsoft.com/office/drawing/2014/main" id="{12FD038A-ABC3-45ED-AAAF-E7C567782071}"/>
+              </a:ext>
+            </a:extLst>
+          </p:cNvPr>
+          <p:cNvSpPr txBox="1"/>
+          <p:nvPr/>
+        </p:nvSpPr>
+        <p:spPr>
+          <a:xfrm>
+            <a:off x="4079174" y="3437801"/>
+            <a:ext cx="3722914" cy="369332"/>
+          </a:xfrm>
+          <a:prstGeom prst="rect">
+            <a:avLst/>
+          </a:prstGeom>
+          <a:noFill/>
+        </p:spPr>
+        <p:txBody>
+          <a:bodyPr wrap="square" rtlCol="0">
+            <a:spAutoFit/>
+          </a:bodyPr>
+          <a:lstStyle/>
+          <a:p>
+            <a:r>
+              <a:rPr lang="en-US" dirty="0"/>
+              <a:t>Gruppe 7</a:t>
+            </a:r>
+            <a:endParaRPr lang="en-DE" dirty="0"/>
+          </a:p>
+        </p:txBody>
+      </p:sp>
+      <p:sp>
+        <p:nvSpPr>
+          <p:cNvPr id="20" name="TextBox 19">
+            <a:extLst>
+              <a:ext uri="{FF2B5EF4-FFF2-40B4-BE49-F238E27FC236}">
+                <a16:creationId xmlns:a16="http://schemas.microsoft.com/office/drawing/2014/main" id="{EF915D59-F6C3-41F9-A421-5F9F6EBD1667}"/>
+              </a:ext>
+            </a:extLst>
+          </p:cNvPr>
+          <p:cNvSpPr txBox="1"/>
+          <p:nvPr/>
+        </p:nvSpPr>
+        <p:spPr>
+          <a:xfrm>
+            <a:off x="4079174" y="5878172"/>
+            <a:ext cx="3722914" cy="646331"/>
+          </a:xfrm>
+          <a:prstGeom prst="rect">
+            <a:avLst/>
+          </a:prstGeom>
+          <a:noFill/>
+        </p:spPr>
+        <p:txBody>
+          <a:bodyPr wrap="square" rtlCol="0">
+            <a:spAutoFit/>
+          </a:bodyPr>
+          <a:lstStyle/>
+          <a:p>
+            <a:r>
+              <a:rPr lang="en-US" dirty="0" err="1"/>
+              <a:t>Senden</a:t>
+            </a:r>
+            <a:r>
+              <a:rPr lang="en-US" dirty="0"/>
+              <a:t> der .</a:t>
+            </a:r>
+            <a:r>
+              <a:rPr lang="en-US" dirty="0" err="1"/>
+              <a:t>pcap-Pakete</a:t>
+            </a:r>
+            <a:endParaRPr lang="en-US" dirty="0"/>
+          </a:p>
+          <a:p>
+            <a:r>
+              <a:rPr lang="en-US" dirty="0"/>
+              <a:t>(Gruppen 1 und 13)</a:t>
+            </a:r>
+            <a:endParaRPr lang="en-DE" dirty="0"/>
+          </a:p>
+        </p:txBody>
+      </p:sp>
+      <p:sp>
+        <p:nvSpPr>
+          <p:cNvPr id="29" name="Arrow: Up-Down 28">
+            <a:extLst>
+              <a:ext uri="{FF2B5EF4-FFF2-40B4-BE49-F238E27FC236}">
+                <a16:creationId xmlns:a16="http://schemas.microsoft.com/office/drawing/2014/main" id="{8121CB05-ED94-45EC-AFE6-A79BA3E9FFDF}"/>
+              </a:ext>
+            </a:extLst>
+          </p:cNvPr>
+          <p:cNvSpPr/>
+          <p:nvPr/>
+        </p:nvSpPr>
+        <p:spPr>
+          <a:xfrm>
+            <a:off x="3636328" y="5496795"/>
+            <a:ext cx="170953" cy="549233"/>
+          </a:xfrm>
+          <a:prstGeom prst="upDownArrow">
+            <a:avLst/>
+          </a:prstGeom>
+        </p:spPr>
+        <p:style>
+          <a:lnRef idx="2">
+            <a:schemeClr val="accent3">
+              <a:shade val="50000"/>
+            </a:schemeClr>
+          </a:lnRef>
+          <a:fillRef idx="1">
+            <a:schemeClr val="accent3"/>
+          </a:fillRef>
+          <a:effectRef idx="0">
+            <a:schemeClr val="accent3"/>
+          </a:effectRef>
+          <a:fontRef idx="minor">
+            <a:schemeClr val="lt1"/>
+          </a:fontRef>
+        </p:style>
+        <p:txBody>
+          <a:bodyPr rtlCol="0" anchor="ctr"/>
+          <a:lstStyle/>
+          <a:p>
+            <a:pPr algn="ctr"/>
+            <a:endParaRPr lang="en-DE"/>
+          </a:p>
+        </p:txBody>
+      </p:sp>
+      <p:sp>
+        <p:nvSpPr>
+          <p:cNvPr id="31" name="Arrow: Up-Down 30">
+            <a:extLst>
+              <a:ext uri="{FF2B5EF4-FFF2-40B4-BE49-F238E27FC236}">
+                <a16:creationId xmlns:a16="http://schemas.microsoft.com/office/drawing/2014/main" id="{D75A887D-9C0F-425C-A9C3-3DEE8E63BD76}"/>
+              </a:ext>
+            </a:extLst>
+          </p:cNvPr>
+          <p:cNvSpPr/>
+          <p:nvPr/>
+        </p:nvSpPr>
+        <p:spPr>
+          <a:xfrm>
+            <a:off x="3636328" y="3782788"/>
+            <a:ext cx="170953" cy="549233"/>
+          </a:xfrm>
+          <a:prstGeom prst="upDownArrow">
+            <a:avLst/>
+          </a:prstGeom>
+        </p:spPr>
+        <p:style>
+          <a:lnRef idx="2">
+            <a:schemeClr val="accent3">
+              <a:shade val="50000"/>
+            </a:schemeClr>
+          </a:lnRef>
+          <a:fillRef idx="1">
+            <a:schemeClr val="accent3"/>
+          </a:fillRef>
+          <a:effectRef idx="0">
+            <a:schemeClr val="accent3"/>
+          </a:effectRef>
+          <a:fontRef idx="minor">
+            <a:schemeClr val="lt1"/>
+          </a:fontRef>
+        </p:style>
+        <p:txBody>
+          <a:bodyPr rtlCol="0" anchor="ctr"/>
+          <a:lstStyle/>
+          <a:p>
+            <a:pPr algn="ctr"/>
+            <a:endParaRPr lang="en-DE"/>
+          </a:p>
+        </p:txBody>
+      </p:sp>
+      <p:sp>
+        <p:nvSpPr>
+          <p:cNvPr id="33" name="TextBox 32">
+            <a:extLst>
+              <a:ext uri="{FF2B5EF4-FFF2-40B4-BE49-F238E27FC236}">
+                <a16:creationId xmlns:a16="http://schemas.microsoft.com/office/drawing/2014/main" id="{BEE7E9DC-C9A5-499B-96CC-A2093E44D278}"/>
+              </a:ext>
+            </a:extLst>
+          </p:cNvPr>
+          <p:cNvSpPr txBox="1"/>
+          <p:nvPr/>
+        </p:nvSpPr>
+        <p:spPr>
+          <a:xfrm>
+            <a:off x="4079174" y="5031571"/>
+            <a:ext cx="3722914" cy="369332"/>
+          </a:xfrm>
+          <a:prstGeom prst="rect">
+            <a:avLst/>
+          </a:prstGeom>
+          <a:noFill/>
+        </p:spPr>
+        <p:txBody>
+          <a:bodyPr wrap="square" rtlCol="0">
+            <a:spAutoFit/>
+          </a:bodyPr>
+          <a:lstStyle/>
+          <a:p>
+            <a:r>
+              <a:rPr lang="en-US" dirty="0"/>
+              <a:t>Gruppe 14</a:t>
+            </a:r>
+            <a:endParaRPr lang="en-DE" dirty="0"/>
+          </a:p>
+        </p:txBody>
+      </p:sp>
+      <p:sp>
+        <p:nvSpPr>
+          <p:cNvPr id="35" name="TextBox 34">
+            <a:extLst>
+              <a:ext uri="{FF2B5EF4-FFF2-40B4-BE49-F238E27FC236}">
+                <a16:creationId xmlns:a16="http://schemas.microsoft.com/office/drawing/2014/main" id="{3B688864-CDB5-4804-BC8E-90F6BCC4235C}"/>
+              </a:ext>
+            </a:extLst>
+          </p:cNvPr>
+          <p:cNvSpPr txBox="1"/>
+          <p:nvPr/>
+        </p:nvSpPr>
+        <p:spPr>
+          <a:xfrm>
+            <a:off x="4079174" y="4332021"/>
+            <a:ext cx="3722914" cy="369332"/>
+          </a:xfrm>
+          <a:prstGeom prst="rect">
+            <a:avLst/>
+          </a:prstGeom>
+          <a:noFill/>
+        </p:spPr>
+        <p:txBody>
+          <a:bodyPr wrap="square" rtlCol="0">
+            <a:spAutoFit/>
+          </a:bodyPr>
+          <a:lstStyle/>
+          <a:p>
+            <a:r>
+              <a:rPr lang="en-US" dirty="0" err="1"/>
+              <a:t>Wir</a:t>
+            </a:r>
+            <a:endParaRPr lang="en-DE" dirty="0"/>
+          </a:p>
+        </p:txBody>
+      </p:sp>
+      <p:sp>
+        <p:nvSpPr>
+          <p:cNvPr id="37" name="Arrow: Up-Down 36">
+            <a:extLst>
+              <a:ext uri="{FF2B5EF4-FFF2-40B4-BE49-F238E27FC236}">
+                <a16:creationId xmlns:a16="http://schemas.microsoft.com/office/drawing/2014/main" id="{D64FF4F1-7ADC-4A4D-9957-008E067ABBEB}"/>
+              </a:ext>
+            </a:extLst>
+          </p:cNvPr>
+          <p:cNvSpPr/>
+          <p:nvPr/>
+        </p:nvSpPr>
+        <p:spPr>
+          <a:xfrm>
+            <a:off x="3061854" y="5277591"/>
+            <a:ext cx="119993" cy="316677"/>
+          </a:xfrm>
+          <a:prstGeom prst="upDownArrow">
+            <a:avLst/>
+          </a:prstGeom>
+        </p:spPr>
+        <p:style>
+          <a:lnRef idx="2">
+            <a:schemeClr val="accent6">
+              <a:shade val="50000"/>
+            </a:schemeClr>
+          </a:lnRef>
+          <a:fillRef idx="1">
+            <a:schemeClr val="accent6"/>
+          </a:fillRef>
+          <a:effectRef idx="0">
+            <a:schemeClr val="accent6"/>
+          </a:effectRef>
+          <a:fontRef idx="minor">
+            <a:schemeClr val="lt1"/>
+          </a:fontRef>
+        </p:style>
+        <p:txBody>
+          <a:bodyPr rtlCol="0" anchor="ctr"/>
+          <a:lstStyle/>
+          <a:p>
+            <a:pPr algn="ctr"/>
+            <a:endParaRPr lang="en-DE"/>
+          </a:p>
+        </p:txBody>
+      </p:sp>
+      <p:sp>
+        <p:nvSpPr>
+          <p:cNvPr id="39" name="Arrow: Up-Down 38">
+            <a:extLst>
+              <a:ext uri="{FF2B5EF4-FFF2-40B4-BE49-F238E27FC236}">
+                <a16:creationId xmlns:a16="http://schemas.microsoft.com/office/drawing/2014/main" id="{8065D02A-9C7D-402F-873F-8DE742D6A918}"/>
+              </a:ext>
+            </a:extLst>
+          </p:cNvPr>
+          <p:cNvSpPr/>
+          <p:nvPr/>
+        </p:nvSpPr>
+        <p:spPr>
+          <a:xfrm>
+            <a:off x="3061854" y="4846121"/>
+            <a:ext cx="119993" cy="316677"/>
+          </a:xfrm>
+          <a:prstGeom prst="upDownArrow">
+            <a:avLst/>
+          </a:prstGeom>
+        </p:spPr>
+        <p:style>
+          <a:lnRef idx="2">
+            <a:schemeClr val="accent6">
+              <a:shade val="50000"/>
+            </a:schemeClr>
+          </a:lnRef>
+          <a:fillRef idx="1">
+            <a:schemeClr val="accent6"/>
+          </a:fillRef>
+          <a:effectRef idx="0">
+            <a:schemeClr val="accent6"/>
+          </a:effectRef>
+          <a:fontRef idx="minor">
+            <a:schemeClr val="lt1"/>
+          </a:fontRef>
+        </p:style>
+        <p:txBody>
+          <a:bodyPr rtlCol="0" anchor="ctr"/>
+          <a:lstStyle/>
+          <a:p>
+            <a:pPr algn="ctr"/>
+            <a:endParaRPr lang="en-DE"/>
+          </a:p>
+        </p:txBody>
+      </p:sp>
+    </p:spTree>
+    <p:extLst>
+      <p:ext uri="{BB962C8B-B14F-4D97-AF65-F5344CB8AC3E}">
+        <p14:creationId xmlns:p14="http://schemas.microsoft.com/office/powerpoint/2010/main" val="2243666682"/>
+      </p:ext>
+    </p:extLst>
+  </p:cSld>
+  <p:clrMapOvr>
+    <a:masterClrMapping/>
+  </p:clrMapOvr>
+</p:sld>
+</file>
+
+<file path=ppt/slides/slide3.xml><?xml version="1.0" encoding="utf-8"?>
+<p:sld xmlns:a="http://schemas.openxmlformats.org/drawingml/2006/main" xmlns:r="http://schemas.openxmlformats.org/officeDocument/2006/relationships" xmlns:p="http://schemas.openxmlformats.org/presentationml/2006/main">
+  <p:cSld>
+    <p:spTree>
+      <p:nvGrpSpPr>
+        <p:cNvPr id="1" name=""/>
+        <p:cNvGrpSpPr/>
+        <p:nvPr/>
+      </p:nvGrpSpPr>
+      <p:grpSpPr>
+        <a:xfrm>
+          <a:off x="0" y="0"/>
+          <a:ext cx="0" cy="0"/>
+          <a:chOff x="0" y="0"/>
+          <a:chExt cx="0" cy="0"/>
+        </a:xfrm>
+      </p:grpSpPr>
+      <p:sp>
+        <p:nvSpPr>
+          <p:cNvPr id="2" name="Title 1">
+            <a:extLst>
+              <a:ext uri="{FF2B5EF4-FFF2-40B4-BE49-F238E27FC236}">
+                <a16:creationId xmlns:a16="http://schemas.microsoft.com/office/drawing/2014/main" id="{0741925B-7AAD-4C3F-AD46-08A0FCE63F67}"/>
+              </a:ext>
+            </a:extLst>
+          </p:cNvPr>
+          <p:cNvSpPr>
+            <a:spLocks noGrp="1"/>
+          </p:cNvSpPr>
+          <p:nvPr>
+            <p:ph type="title"/>
+          </p:nvPr>
+        </p:nvSpPr>
+        <p:spPr/>
+        <p:txBody>
+          <a:bodyPr/>
+          <a:lstStyle/>
+          <a:p>
+            <a:r>
+              <a:rPr lang="en-US" dirty="0"/>
+              <a:t>Unser </a:t>
+            </a:r>
+            <a:r>
+              <a:rPr lang="en-US" dirty="0" err="1"/>
+              <a:t>Auftrag</a:t>
+            </a:r>
+            <a:r>
+              <a:rPr lang="en-US" dirty="0"/>
+              <a:t> ― </a:t>
+            </a:r>
+            <a:r>
+              <a:rPr lang="en-US" dirty="0" err="1"/>
+              <a:t>Aktualisiert</a:t>
+            </a:r>
+            <a:endParaRPr lang="en-DE" dirty="0"/>
+          </a:p>
+        </p:txBody>
+      </p:sp>
+      <p:sp>
+        <p:nvSpPr>
+          <p:cNvPr id="4" name="Rectangle 3">
+            <a:extLst>
+              <a:ext uri="{FF2B5EF4-FFF2-40B4-BE49-F238E27FC236}">
+                <a16:creationId xmlns:a16="http://schemas.microsoft.com/office/drawing/2014/main" id="{37912668-AA4B-49B9-AD27-D50F2B6B8ECA}"/>
+              </a:ext>
+            </a:extLst>
+          </p:cNvPr>
+          <p:cNvSpPr/>
+          <p:nvPr/>
+        </p:nvSpPr>
+        <p:spPr>
+          <a:xfrm>
+            <a:off x="810000" y="2422564"/>
+            <a:ext cx="3135086" cy="697675"/>
+          </a:xfrm>
+          <a:prstGeom prst="rect">
+            <a:avLst/>
+          </a:prstGeom>
+          <a:solidFill>
+            <a:schemeClr val="tx2"/>
+          </a:solidFill>
+        </p:spPr>
+        <p:style>
+          <a:lnRef idx="3">
+            <a:schemeClr val="lt1"/>
+          </a:lnRef>
+          <a:fillRef idx="1">
+            <a:schemeClr val="dk1"/>
+          </a:fillRef>
+          <a:effectRef idx="1">
+            <a:schemeClr val="dk1"/>
+          </a:effectRef>
+          <a:fontRef idx="minor">
+            <a:schemeClr val="lt1"/>
+          </a:fontRef>
+        </p:style>
+        <p:txBody>
+          <a:bodyPr rtlCol="0" anchor="ctr"/>
+          <a:lstStyle/>
+          <a:p>
+            <a:pPr algn="ctr"/>
+            <a:r>
+              <a:rPr lang="en-US" dirty="0" err="1"/>
+              <a:t>Applikationsschicht</a:t>
+            </a:r>
+            <a:endParaRPr lang="en-DE" dirty="0"/>
+          </a:p>
+        </p:txBody>
+      </p:sp>
+      <p:sp>
+        <p:nvSpPr>
+          <p:cNvPr id="6" name="Rectangle 5">
+            <a:extLst>
+              <a:ext uri="{FF2B5EF4-FFF2-40B4-BE49-F238E27FC236}">
+                <a16:creationId xmlns:a16="http://schemas.microsoft.com/office/drawing/2014/main" id="{F5996793-D831-486C-BEAA-C1E97EEB5364}"/>
+              </a:ext>
+            </a:extLst>
+          </p:cNvPr>
+          <p:cNvSpPr/>
+          <p:nvPr/>
+        </p:nvSpPr>
+        <p:spPr>
+          <a:xfrm>
+            <a:off x="810000" y="3273630"/>
+            <a:ext cx="3135086" cy="697675"/>
+          </a:xfrm>
+          <a:prstGeom prst="rect">
+            <a:avLst/>
+          </a:prstGeom>
+        </p:spPr>
+        <p:style>
+          <a:lnRef idx="2">
+            <a:schemeClr val="accent1">
+              <a:shade val="50000"/>
+            </a:schemeClr>
+          </a:lnRef>
+          <a:fillRef idx="1">
+            <a:schemeClr val="accent1"/>
+          </a:fillRef>
+          <a:effectRef idx="0">
+            <a:schemeClr val="accent1"/>
+          </a:effectRef>
+          <a:fontRef idx="minor">
+            <a:schemeClr val="lt1"/>
+          </a:fontRef>
+        </p:style>
+        <p:txBody>
+          <a:bodyPr rtlCol="0" anchor="ctr"/>
+          <a:lstStyle/>
+          <a:p>
+            <a:pPr algn="ctr"/>
+            <a:r>
+              <a:rPr lang="en-US" dirty="0" err="1"/>
+              <a:t>Datenbank</a:t>
+            </a:r>
+            <a:endParaRPr lang="en-DE" dirty="0"/>
+          </a:p>
+        </p:txBody>
+      </p:sp>
+      <p:sp>
+        <p:nvSpPr>
+          <p:cNvPr id="8" name="Rectangle 7">
+            <a:extLst>
+              <a:ext uri="{FF2B5EF4-FFF2-40B4-BE49-F238E27FC236}">
+                <a16:creationId xmlns:a16="http://schemas.microsoft.com/office/drawing/2014/main" id="{ABBEEAB1-B8E9-4B23-80F7-E45D089E6CAD}"/>
+              </a:ext>
+            </a:extLst>
+          </p:cNvPr>
+          <p:cNvSpPr/>
+          <p:nvPr/>
+        </p:nvSpPr>
+        <p:spPr>
+          <a:xfrm>
+            <a:off x="810000" y="4124696"/>
+            <a:ext cx="3135086" cy="1545772"/>
+          </a:xfrm>
+          <a:prstGeom prst="rect">
+            <a:avLst/>
+          </a:prstGeom>
+          <a:solidFill>
+            <a:schemeClr val="accent6"/>
+          </a:solidFill>
+          <a:ln>
+            <a:solidFill>
+              <a:schemeClr val="accent6"/>
+            </a:solidFill>
+          </a:ln>
+        </p:spPr>
+        <p:style>
+          <a:lnRef idx="2">
+            <a:schemeClr val="accent1">
+              <a:shade val="50000"/>
+            </a:schemeClr>
+          </a:lnRef>
+          <a:fillRef idx="1">
+            <a:schemeClr val="accent1"/>
+          </a:fillRef>
+          <a:effectRef idx="0">
+            <a:schemeClr val="accent1"/>
+          </a:effectRef>
+          <a:fontRef idx="minor">
+            <a:schemeClr val="lt1"/>
+          </a:fontRef>
+        </p:style>
+        <p:txBody>
+          <a:bodyPr rtlCol="0" anchor="ctr"/>
+          <a:lstStyle/>
+          <a:p>
+            <a:pPr algn="ctr"/>
+            <a:r>
+              <a:rPr lang="en-US" dirty="0" err="1"/>
+              <a:t>logMerge</a:t>
+            </a:r>
+            <a:endParaRPr lang="en-US" dirty="0"/>
+          </a:p>
+          <a:p>
+            <a:pPr algn="ctr"/>
+            <a:endParaRPr lang="en-US" dirty="0"/>
+          </a:p>
+          <a:p>
+            <a:pPr algn="ctr"/>
+            <a:endParaRPr lang="en-US" dirty="0"/>
+          </a:p>
+          <a:p>
+            <a:pPr algn="ctr"/>
+            <a:endParaRPr lang="en-DE" dirty="0"/>
+          </a:p>
+        </p:txBody>
+      </p:sp>
+      <p:sp>
+        <p:nvSpPr>
+          <p:cNvPr id="12" name="Rectangle 11">
+            <a:extLst>
+              <a:ext uri="{FF2B5EF4-FFF2-40B4-BE49-F238E27FC236}">
+                <a16:creationId xmlns:a16="http://schemas.microsoft.com/office/drawing/2014/main" id="{15A800E9-C0A3-4B9B-92EC-4B273E5EDAD5}"/>
+              </a:ext>
+            </a:extLst>
+          </p:cNvPr>
+          <p:cNvSpPr/>
+          <p:nvPr/>
+        </p:nvSpPr>
+        <p:spPr>
+          <a:xfrm>
+            <a:off x="810000" y="5826828"/>
+            <a:ext cx="3135086" cy="697675"/>
+          </a:xfrm>
+          <a:prstGeom prst="rect">
+            <a:avLst/>
+          </a:prstGeom>
+        </p:spPr>
+        <p:style>
+          <a:lnRef idx="2">
+            <a:schemeClr val="accent1">
+              <a:shade val="50000"/>
+            </a:schemeClr>
+          </a:lnRef>
+          <a:fillRef idx="1">
+            <a:schemeClr val="accent1"/>
+          </a:fillRef>
+          <a:effectRef idx="0">
+            <a:schemeClr val="accent1"/>
+          </a:effectRef>
+          <a:fontRef idx="minor">
+            <a:schemeClr val="lt1"/>
+          </a:fontRef>
+        </p:style>
+        <p:txBody>
+          <a:bodyPr rtlCol="0" anchor="ctr"/>
+          <a:lstStyle/>
+          <a:p>
+            <a:pPr algn="ctr"/>
+            <a:r>
+              <a:rPr lang="en-US" dirty="0" err="1"/>
+              <a:t>Transportschicht</a:t>
+            </a:r>
+            <a:endParaRPr lang="en-DE" dirty="0"/>
+          </a:p>
+        </p:txBody>
+      </p:sp>
+      <p:sp>
+        <p:nvSpPr>
+          <p:cNvPr id="13" name="Rectangle 12">
+            <a:extLst>
+              <a:ext uri="{FF2B5EF4-FFF2-40B4-BE49-F238E27FC236}">
+                <a16:creationId xmlns:a16="http://schemas.microsoft.com/office/drawing/2014/main" id="{6E4BD40D-1A65-4D28-AF74-BABF384B2B63}"/>
+              </a:ext>
+            </a:extLst>
+          </p:cNvPr>
+          <p:cNvSpPr/>
+          <p:nvPr/>
+        </p:nvSpPr>
+        <p:spPr>
+          <a:xfrm>
+            <a:off x="1497529" y="5002481"/>
+            <a:ext cx="1760027" cy="427512"/>
+          </a:xfrm>
+          <a:prstGeom prst="rect">
+            <a:avLst/>
+          </a:prstGeom>
+          <a:solidFill>
+            <a:schemeClr val="accent1"/>
+          </a:solidFill>
+          <a:ln>
+            <a:solidFill>
+              <a:srgbClr val="009189"/>
+            </a:solidFill>
+          </a:ln>
+        </p:spPr>
+        <p:style>
+          <a:lnRef idx="2">
+            <a:schemeClr val="accent2">
+              <a:shade val="50000"/>
+            </a:schemeClr>
+          </a:lnRef>
+          <a:fillRef idx="1">
+            <a:schemeClr val="accent2"/>
+          </a:fillRef>
+          <a:effectRef idx="0">
+            <a:schemeClr val="accent2"/>
+          </a:effectRef>
+          <a:fontRef idx="minor">
+            <a:schemeClr val="lt1"/>
+          </a:fontRef>
+        </p:style>
+        <p:txBody>
+          <a:bodyPr rtlCol="0" anchor="ctr"/>
+          <a:lstStyle/>
+          <a:p>
+            <a:pPr algn="ctr"/>
+            <a:r>
+              <a:rPr lang="en-US" dirty="0" err="1"/>
+              <a:t>feedCtrl</a:t>
+            </a:r>
+            <a:endParaRPr lang="en-DE" dirty="0"/>
+          </a:p>
+        </p:txBody>
+      </p:sp>
+      <p:sp>
+        <p:nvSpPr>
+          <p:cNvPr id="29" name="Arrow: Up-Down 28">
+            <a:extLst>
+              <a:ext uri="{FF2B5EF4-FFF2-40B4-BE49-F238E27FC236}">
+                <a16:creationId xmlns:a16="http://schemas.microsoft.com/office/drawing/2014/main" id="{8121CB05-ED94-45EC-AFE6-A79BA3E9FFDF}"/>
+              </a:ext>
+            </a:extLst>
+          </p:cNvPr>
+          <p:cNvSpPr/>
+          <p:nvPr/>
+        </p:nvSpPr>
+        <p:spPr>
+          <a:xfrm>
+            <a:off x="3636328" y="5496795"/>
+            <a:ext cx="170953" cy="549233"/>
+          </a:xfrm>
+          <a:prstGeom prst="upDownArrow">
+            <a:avLst/>
+          </a:prstGeom>
+        </p:spPr>
+        <p:style>
+          <a:lnRef idx="2">
+            <a:schemeClr val="accent3">
+              <a:shade val="50000"/>
+            </a:schemeClr>
+          </a:lnRef>
+          <a:fillRef idx="1">
+            <a:schemeClr val="accent3"/>
+          </a:fillRef>
+          <a:effectRef idx="0">
+            <a:schemeClr val="accent3"/>
+          </a:effectRef>
+          <a:fontRef idx="minor">
+            <a:schemeClr val="lt1"/>
+          </a:fontRef>
+        </p:style>
+        <p:txBody>
+          <a:bodyPr rtlCol="0" anchor="ctr"/>
+          <a:lstStyle/>
+          <a:p>
+            <a:pPr algn="ctr"/>
+            <a:endParaRPr lang="en-DE"/>
+          </a:p>
+        </p:txBody>
+      </p:sp>
+      <p:sp>
+        <p:nvSpPr>
+          <p:cNvPr id="31" name="Arrow: Up-Down 30">
+            <a:extLst>
+              <a:ext uri="{FF2B5EF4-FFF2-40B4-BE49-F238E27FC236}">
+                <a16:creationId xmlns:a16="http://schemas.microsoft.com/office/drawing/2014/main" id="{D75A887D-9C0F-425C-A9C3-3DEE8E63BD76}"/>
+              </a:ext>
+            </a:extLst>
+          </p:cNvPr>
+          <p:cNvSpPr/>
+          <p:nvPr/>
+        </p:nvSpPr>
+        <p:spPr>
+          <a:xfrm>
+            <a:off x="3636328" y="3782788"/>
+            <a:ext cx="170953" cy="549233"/>
+          </a:xfrm>
+          <a:prstGeom prst="upDownArrow">
+            <a:avLst/>
+          </a:prstGeom>
+        </p:spPr>
+        <p:style>
+          <a:lnRef idx="2">
+            <a:schemeClr val="accent3">
+              <a:shade val="50000"/>
+            </a:schemeClr>
+          </a:lnRef>
+          <a:fillRef idx="1">
+            <a:schemeClr val="accent3"/>
+          </a:fillRef>
+          <a:effectRef idx="0">
+            <a:schemeClr val="accent3"/>
+          </a:effectRef>
+          <a:fontRef idx="minor">
+            <a:schemeClr val="lt1"/>
+          </a:fontRef>
+        </p:style>
+        <p:txBody>
+          <a:bodyPr rtlCol="0" anchor="ctr"/>
+          <a:lstStyle/>
+          <a:p>
+            <a:pPr algn="ctr"/>
+            <a:endParaRPr lang="en-DE"/>
+          </a:p>
+        </p:txBody>
+      </p:sp>
+      <p:sp>
+        <p:nvSpPr>
+          <p:cNvPr id="37" name="Arrow: Up-Down 36">
+            <a:extLst>
+              <a:ext uri="{FF2B5EF4-FFF2-40B4-BE49-F238E27FC236}">
+                <a16:creationId xmlns:a16="http://schemas.microsoft.com/office/drawing/2014/main" id="{D64FF4F1-7ADC-4A4D-9957-008E067ABBEB}"/>
+              </a:ext>
+            </a:extLst>
+          </p:cNvPr>
+          <p:cNvSpPr/>
+          <p:nvPr/>
+        </p:nvSpPr>
+        <p:spPr>
+          <a:xfrm>
+            <a:off x="3061854" y="5277591"/>
+            <a:ext cx="119993" cy="316677"/>
+          </a:xfrm>
+          <a:prstGeom prst="upDownArrow">
+            <a:avLst/>
+          </a:prstGeom>
+        </p:spPr>
+        <p:style>
+          <a:lnRef idx="2">
+            <a:schemeClr val="accent6">
+              <a:shade val="50000"/>
+            </a:schemeClr>
+          </a:lnRef>
+          <a:fillRef idx="1">
+            <a:schemeClr val="accent6"/>
+          </a:fillRef>
+          <a:effectRef idx="0">
+            <a:schemeClr val="accent6"/>
+          </a:effectRef>
+          <a:fontRef idx="minor">
+            <a:schemeClr val="lt1"/>
+          </a:fontRef>
+        </p:style>
+        <p:txBody>
+          <a:bodyPr rtlCol="0" anchor="ctr"/>
+          <a:lstStyle/>
+          <a:p>
+            <a:pPr algn="ctr"/>
+            <a:endParaRPr lang="en-DE"/>
+          </a:p>
+        </p:txBody>
+      </p:sp>
+      <p:sp>
+        <p:nvSpPr>
+          <p:cNvPr id="39" name="Arrow: Up-Down 38">
+            <a:extLst>
+              <a:ext uri="{FF2B5EF4-FFF2-40B4-BE49-F238E27FC236}">
+                <a16:creationId xmlns:a16="http://schemas.microsoft.com/office/drawing/2014/main" id="{8065D02A-9C7D-402F-873F-8DE742D6A918}"/>
+              </a:ext>
+            </a:extLst>
+          </p:cNvPr>
+          <p:cNvSpPr/>
+          <p:nvPr/>
+        </p:nvSpPr>
+        <p:spPr>
+          <a:xfrm>
+            <a:off x="3061854" y="4846121"/>
+            <a:ext cx="119993" cy="316677"/>
+          </a:xfrm>
+          <a:prstGeom prst="upDownArrow">
+            <a:avLst/>
+          </a:prstGeom>
+        </p:spPr>
+        <p:style>
+          <a:lnRef idx="2">
+            <a:schemeClr val="accent6">
+              <a:shade val="50000"/>
+            </a:schemeClr>
+          </a:lnRef>
+          <a:fillRef idx="1">
+            <a:schemeClr val="accent6"/>
+          </a:fillRef>
+          <a:effectRef idx="0">
+            <a:schemeClr val="accent6"/>
+          </a:effectRef>
+          <a:fontRef idx="minor">
+            <a:schemeClr val="lt1"/>
+          </a:fontRef>
+        </p:style>
+        <p:txBody>
+          <a:bodyPr rtlCol="0" anchor="ctr"/>
+          <a:lstStyle/>
+          <a:p>
+            <a:pPr algn="ctr"/>
+            <a:endParaRPr lang="en-DE"/>
+          </a:p>
+        </p:txBody>
+      </p:sp>
+      <p:sp>
+        <p:nvSpPr>
+          <p:cNvPr id="27" name="Rectangle 26">
+            <a:extLst>
+              <a:ext uri="{FF2B5EF4-FFF2-40B4-BE49-F238E27FC236}">
+                <a16:creationId xmlns:a16="http://schemas.microsoft.com/office/drawing/2014/main" id="{FA18ABF3-518E-4F51-955E-232D53673D6C}"/>
+              </a:ext>
+            </a:extLst>
+          </p:cNvPr>
+          <p:cNvSpPr/>
+          <p:nvPr/>
+        </p:nvSpPr>
+        <p:spPr>
+          <a:xfrm>
+            <a:off x="8384721" y="2422564"/>
+            <a:ext cx="3135086" cy="697675"/>
+          </a:xfrm>
+          <a:prstGeom prst="rect">
+            <a:avLst/>
+          </a:prstGeom>
+          <a:solidFill>
+            <a:schemeClr val="tx2"/>
+          </a:solidFill>
+        </p:spPr>
+        <p:style>
+          <a:lnRef idx="3">
+            <a:schemeClr val="lt1"/>
+          </a:lnRef>
+          <a:fillRef idx="1">
+            <a:schemeClr val="dk1"/>
+          </a:fillRef>
+          <a:effectRef idx="1">
+            <a:schemeClr val="dk1"/>
+          </a:effectRef>
+          <a:fontRef idx="minor">
+            <a:schemeClr val="lt1"/>
+          </a:fontRef>
+        </p:style>
+        <p:txBody>
+          <a:bodyPr rtlCol="0" anchor="ctr"/>
+          <a:lstStyle/>
+          <a:p>
+            <a:pPr algn="ctr"/>
+            <a:r>
+              <a:rPr lang="en-US" dirty="0" err="1"/>
+              <a:t>Applikationsschicht</a:t>
+            </a:r>
+            <a:endParaRPr lang="en-DE" dirty="0"/>
+          </a:p>
+        </p:txBody>
+      </p:sp>
+      <p:sp>
+        <p:nvSpPr>
+          <p:cNvPr id="28" name="Rectangle 27">
+            <a:extLst>
+              <a:ext uri="{FF2B5EF4-FFF2-40B4-BE49-F238E27FC236}">
+                <a16:creationId xmlns:a16="http://schemas.microsoft.com/office/drawing/2014/main" id="{F5FEE97D-0E06-4DD6-9591-667FFFD10D4D}"/>
+              </a:ext>
+            </a:extLst>
+          </p:cNvPr>
+          <p:cNvSpPr/>
+          <p:nvPr/>
+        </p:nvSpPr>
+        <p:spPr>
+          <a:xfrm>
+            <a:off x="8384721" y="4972793"/>
+            <a:ext cx="3135086" cy="697675"/>
+          </a:xfrm>
+          <a:prstGeom prst="rect">
+            <a:avLst/>
+          </a:prstGeom>
+          <a:solidFill>
+            <a:schemeClr val="accent6"/>
+          </a:solidFill>
+          <a:ln>
+            <a:solidFill>
+              <a:schemeClr val="accent6"/>
+            </a:solidFill>
+          </a:ln>
+        </p:spPr>
+        <p:style>
+          <a:lnRef idx="2">
+            <a:schemeClr val="accent1">
+              <a:shade val="50000"/>
+            </a:schemeClr>
+          </a:lnRef>
+          <a:fillRef idx="1">
+            <a:schemeClr val="accent1"/>
+          </a:fillRef>
+          <a:effectRef idx="0">
+            <a:schemeClr val="accent1"/>
+          </a:effectRef>
+          <a:fontRef idx="minor">
+            <a:schemeClr val="lt1"/>
+          </a:fontRef>
+        </p:style>
+        <p:txBody>
+          <a:bodyPr rtlCol="0" anchor="ctr"/>
+          <a:lstStyle/>
+          <a:p>
+            <a:pPr algn="ctr"/>
+            <a:r>
+              <a:rPr lang="en-US" dirty="0" err="1"/>
+              <a:t>logMerge</a:t>
+            </a:r>
+            <a:endParaRPr lang="en-DE" dirty="0"/>
+          </a:p>
+        </p:txBody>
+      </p:sp>
+      <p:sp>
+        <p:nvSpPr>
+          <p:cNvPr id="30" name="Rectangle 29">
+            <a:extLst>
+              <a:ext uri="{FF2B5EF4-FFF2-40B4-BE49-F238E27FC236}">
+                <a16:creationId xmlns:a16="http://schemas.microsoft.com/office/drawing/2014/main" id="{F027C3E2-C088-4C6C-B1D1-1EFABF828FF2}"/>
+              </a:ext>
+            </a:extLst>
+          </p:cNvPr>
+          <p:cNvSpPr/>
+          <p:nvPr/>
+        </p:nvSpPr>
+        <p:spPr>
+          <a:xfrm>
+            <a:off x="8384721" y="3270192"/>
+            <a:ext cx="3135086" cy="1545772"/>
+          </a:xfrm>
+          <a:prstGeom prst="rect">
+            <a:avLst/>
+          </a:prstGeom>
+        </p:spPr>
+        <p:style>
+          <a:lnRef idx="2">
+            <a:schemeClr val="accent1">
+              <a:shade val="50000"/>
+            </a:schemeClr>
+          </a:lnRef>
+          <a:fillRef idx="1">
+            <a:schemeClr val="accent1"/>
+          </a:fillRef>
+          <a:effectRef idx="0">
+            <a:schemeClr val="accent1"/>
+          </a:effectRef>
+          <a:fontRef idx="minor">
+            <a:schemeClr val="lt1"/>
+          </a:fontRef>
+        </p:style>
+        <p:txBody>
+          <a:bodyPr rtlCol="0" anchor="ctr"/>
+          <a:lstStyle/>
+          <a:p>
+            <a:pPr algn="ctr"/>
+            <a:r>
+              <a:rPr lang="en-US" dirty="0" err="1"/>
+              <a:t>Datenbank</a:t>
+            </a:r>
+            <a:endParaRPr lang="en-US" dirty="0"/>
+          </a:p>
+          <a:p>
+            <a:pPr algn="ctr"/>
+            <a:endParaRPr lang="en-US" dirty="0"/>
+          </a:p>
+          <a:p>
+            <a:pPr algn="ctr"/>
+            <a:endParaRPr lang="en-US" dirty="0"/>
+          </a:p>
+          <a:p>
+            <a:pPr algn="ctr"/>
+            <a:endParaRPr lang="en-DE" dirty="0"/>
+          </a:p>
+        </p:txBody>
+      </p:sp>
+      <p:sp>
+        <p:nvSpPr>
+          <p:cNvPr id="32" name="Rectangle 31">
+            <a:extLst>
+              <a:ext uri="{FF2B5EF4-FFF2-40B4-BE49-F238E27FC236}">
+                <a16:creationId xmlns:a16="http://schemas.microsoft.com/office/drawing/2014/main" id="{53ACCDB8-5E6A-42B0-9D14-D5CFD34B932E}"/>
+              </a:ext>
+            </a:extLst>
+          </p:cNvPr>
+          <p:cNvSpPr/>
+          <p:nvPr/>
+        </p:nvSpPr>
+        <p:spPr>
+          <a:xfrm>
+            <a:off x="8384721" y="5826828"/>
+            <a:ext cx="3135086" cy="697675"/>
+          </a:xfrm>
+          <a:prstGeom prst="rect">
+            <a:avLst/>
+          </a:prstGeom>
+        </p:spPr>
+        <p:style>
+          <a:lnRef idx="2">
+            <a:schemeClr val="accent1">
+              <a:shade val="50000"/>
+            </a:schemeClr>
+          </a:lnRef>
+          <a:fillRef idx="1">
+            <a:schemeClr val="accent1"/>
+          </a:fillRef>
+          <a:effectRef idx="0">
+            <a:schemeClr val="accent1"/>
+          </a:effectRef>
+          <a:fontRef idx="minor">
+            <a:schemeClr val="lt1"/>
+          </a:fontRef>
+        </p:style>
+        <p:txBody>
+          <a:bodyPr rtlCol="0" anchor="ctr"/>
+          <a:lstStyle/>
+          <a:p>
+            <a:pPr algn="ctr"/>
+            <a:r>
+              <a:rPr lang="en-US" dirty="0" err="1"/>
+              <a:t>Transportschicht</a:t>
+            </a:r>
+            <a:endParaRPr lang="en-DE" dirty="0"/>
+          </a:p>
+        </p:txBody>
+      </p:sp>
+      <p:sp>
+        <p:nvSpPr>
+          <p:cNvPr id="34" name="Rectangle 33">
+            <a:extLst>
+              <a:ext uri="{FF2B5EF4-FFF2-40B4-BE49-F238E27FC236}">
+                <a16:creationId xmlns:a16="http://schemas.microsoft.com/office/drawing/2014/main" id="{59406302-05F9-44A6-AD59-03CC174C2E06}"/>
+              </a:ext>
+            </a:extLst>
+          </p:cNvPr>
+          <p:cNvSpPr/>
+          <p:nvPr/>
+        </p:nvSpPr>
+        <p:spPr>
+          <a:xfrm>
+            <a:off x="9072250" y="4147977"/>
+            <a:ext cx="1760027" cy="427512"/>
+          </a:xfrm>
+          <a:prstGeom prst="rect">
+            <a:avLst/>
+          </a:prstGeom>
+          <a:solidFill>
+            <a:schemeClr val="accent1"/>
+          </a:solidFill>
+          <a:ln>
+            <a:solidFill>
+              <a:srgbClr val="009189"/>
+            </a:solidFill>
+          </a:ln>
+        </p:spPr>
+        <p:style>
+          <a:lnRef idx="2">
+            <a:schemeClr val="accent2">
+              <a:shade val="50000"/>
+            </a:schemeClr>
+          </a:lnRef>
+          <a:fillRef idx="1">
+            <a:schemeClr val="accent2"/>
+          </a:fillRef>
+          <a:effectRef idx="0">
+            <a:schemeClr val="accent2"/>
+          </a:effectRef>
+          <a:fontRef idx="minor">
+            <a:schemeClr val="lt1"/>
+          </a:fontRef>
+        </p:style>
+        <p:txBody>
+          <a:bodyPr rtlCol="0" anchor="ctr"/>
+          <a:lstStyle/>
+          <a:p>
+            <a:pPr algn="ctr"/>
+            <a:r>
+              <a:rPr lang="en-US" dirty="0" err="1"/>
+              <a:t>feedCtrl</a:t>
+            </a:r>
+            <a:endParaRPr lang="en-DE" dirty="0"/>
+          </a:p>
+        </p:txBody>
+      </p:sp>
+      <p:sp>
+        <p:nvSpPr>
+          <p:cNvPr id="36" name="Arrow: Up-Down 35">
+            <a:extLst>
+              <a:ext uri="{FF2B5EF4-FFF2-40B4-BE49-F238E27FC236}">
+                <a16:creationId xmlns:a16="http://schemas.microsoft.com/office/drawing/2014/main" id="{E2B8B1A1-64C1-4C8B-99C5-776FDB48F292}"/>
+              </a:ext>
+            </a:extLst>
+          </p:cNvPr>
+          <p:cNvSpPr/>
+          <p:nvPr/>
+        </p:nvSpPr>
+        <p:spPr>
+          <a:xfrm>
+            <a:off x="8585490" y="5482416"/>
+            <a:ext cx="170953" cy="549233"/>
+          </a:xfrm>
+          <a:prstGeom prst="upDownArrow">
+            <a:avLst/>
+          </a:prstGeom>
+        </p:spPr>
+        <p:style>
+          <a:lnRef idx="2">
+            <a:schemeClr val="accent3">
+              <a:shade val="50000"/>
+            </a:schemeClr>
+          </a:lnRef>
+          <a:fillRef idx="1">
+            <a:schemeClr val="accent3"/>
+          </a:fillRef>
+          <a:effectRef idx="0">
+            <a:schemeClr val="accent3"/>
+          </a:effectRef>
+          <a:fontRef idx="minor">
+            <a:schemeClr val="lt1"/>
+          </a:fontRef>
+        </p:style>
+        <p:txBody>
+          <a:bodyPr rtlCol="0" anchor="ctr"/>
+          <a:lstStyle/>
+          <a:p>
+            <a:pPr algn="ctr"/>
+            <a:endParaRPr lang="en-DE"/>
+          </a:p>
+        </p:txBody>
+      </p:sp>
+      <p:sp>
+        <p:nvSpPr>
+          <p:cNvPr id="38" name="Arrow: Up-Down 37">
+            <a:extLst>
+              <a:ext uri="{FF2B5EF4-FFF2-40B4-BE49-F238E27FC236}">
+                <a16:creationId xmlns:a16="http://schemas.microsoft.com/office/drawing/2014/main" id="{E6252737-5CA7-4269-B519-5AFBACD50812}"/>
+              </a:ext>
+            </a:extLst>
+          </p:cNvPr>
+          <p:cNvSpPr/>
+          <p:nvPr/>
+        </p:nvSpPr>
+        <p:spPr>
+          <a:xfrm>
+            <a:off x="8585486" y="4613565"/>
+            <a:ext cx="170953" cy="549233"/>
+          </a:xfrm>
+          <a:prstGeom prst="upDownArrow">
+            <a:avLst/>
+          </a:prstGeom>
+        </p:spPr>
+        <p:style>
+          <a:lnRef idx="2">
+            <a:schemeClr val="accent3">
+              <a:shade val="50000"/>
+            </a:schemeClr>
+          </a:lnRef>
+          <a:fillRef idx="1">
+            <a:schemeClr val="accent3"/>
+          </a:fillRef>
+          <a:effectRef idx="0">
+            <a:schemeClr val="accent3"/>
+          </a:effectRef>
+          <a:fontRef idx="minor">
+            <a:schemeClr val="lt1"/>
+          </a:fontRef>
+        </p:style>
+        <p:txBody>
+          <a:bodyPr rtlCol="0" anchor="ctr"/>
+          <a:lstStyle/>
+          <a:p>
+            <a:pPr algn="ctr"/>
+            <a:endParaRPr lang="en-DE"/>
+          </a:p>
+        </p:txBody>
+      </p:sp>
+      <p:sp>
+        <p:nvSpPr>
+          <p:cNvPr id="40" name="Arrow: Up-Down 39">
+            <a:extLst>
+              <a:ext uri="{FF2B5EF4-FFF2-40B4-BE49-F238E27FC236}">
+                <a16:creationId xmlns:a16="http://schemas.microsoft.com/office/drawing/2014/main" id="{3BE328A8-2D78-45DC-9C5C-ED1E8D243BFD}"/>
+              </a:ext>
+            </a:extLst>
+          </p:cNvPr>
+          <p:cNvSpPr/>
+          <p:nvPr/>
+        </p:nvSpPr>
+        <p:spPr>
+          <a:xfrm>
+            <a:off x="9160078" y="4415637"/>
+            <a:ext cx="119993" cy="697675"/>
+          </a:xfrm>
+          <a:prstGeom prst="upDownArrow">
+            <a:avLst/>
+          </a:prstGeom>
+        </p:spPr>
+        <p:style>
+          <a:lnRef idx="2">
+            <a:schemeClr val="accent6">
+              <a:shade val="50000"/>
+            </a:schemeClr>
+          </a:lnRef>
+          <a:fillRef idx="1">
+            <a:schemeClr val="accent6"/>
+          </a:fillRef>
+          <a:effectRef idx="0">
+            <a:schemeClr val="accent6"/>
+          </a:effectRef>
+          <a:fontRef idx="minor">
+            <a:schemeClr val="lt1"/>
+          </a:fontRef>
+        </p:style>
+        <p:txBody>
+          <a:bodyPr rtlCol="0" anchor="ctr"/>
+          <a:lstStyle/>
+          <a:p>
+            <a:pPr algn="ctr"/>
+            <a:endParaRPr lang="en-DE"/>
+          </a:p>
+        </p:txBody>
+      </p:sp>
+      <p:sp>
+        <p:nvSpPr>
+          <p:cNvPr id="41" name="Arrow: Up-Down 40">
+            <a:extLst>
+              <a:ext uri="{FF2B5EF4-FFF2-40B4-BE49-F238E27FC236}">
+                <a16:creationId xmlns:a16="http://schemas.microsoft.com/office/drawing/2014/main" id="{8FD33B42-B72C-40AA-8AB1-51E64FD3A426}"/>
+              </a:ext>
+            </a:extLst>
+          </p:cNvPr>
+          <p:cNvSpPr/>
+          <p:nvPr/>
+        </p:nvSpPr>
+        <p:spPr>
+          <a:xfrm>
+            <a:off x="9160078" y="3984167"/>
+            <a:ext cx="119993" cy="316677"/>
+          </a:xfrm>
+          <a:prstGeom prst="upDownArrow">
+            <a:avLst/>
+          </a:prstGeom>
+          <a:solidFill>
+            <a:schemeClr val="accent1"/>
+          </a:solidFill>
+          <a:ln>
+            <a:solidFill>
+              <a:srgbClr val="009189"/>
+            </a:solidFill>
+          </a:ln>
+        </p:spPr>
+        <p:style>
+          <a:lnRef idx="2">
+            <a:schemeClr val="accent6">
+              <a:shade val="50000"/>
+            </a:schemeClr>
+          </a:lnRef>
+          <a:fillRef idx="1">
+            <a:schemeClr val="accent6"/>
+          </a:fillRef>
+          <a:effectRef idx="0">
+            <a:schemeClr val="accent6"/>
+          </a:effectRef>
+          <a:fontRef idx="minor">
+            <a:schemeClr val="lt1"/>
+          </a:fontRef>
+        </p:style>
+        <p:txBody>
+          <a:bodyPr rtlCol="0" anchor="ctr"/>
+          <a:lstStyle/>
+          <a:p>
+            <a:pPr algn="ctr"/>
+            <a:endParaRPr lang="en-DE"/>
+          </a:p>
+        </p:txBody>
+      </p:sp>
+      <p:sp>
+        <p:nvSpPr>
+          <p:cNvPr id="43" name="TextBox 42">
+            <a:extLst>
+              <a:ext uri="{FF2B5EF4-FFF2-40B4-BE49-F238E27FC236}">
+                <a16:creationId xmlns:a16="http://schemas.microsoft.com/office/drawing/2014/main" id="{F7BE7292-55A3-404C-86E0-0C142778F5A6}"/>
+              </a:ext>
+            </a:extLst>
+          </p:cNvPr>
+          <p:cNvSpPr txBox="1"/>
+          <p:nvPr/>
+        </p:nvSpPr>
+        <p:spPr>
+          <a:xfrm>
+            <a:off x="4079174" y="2422564"/>
+            <a:ext cx="3722914" cy="646331"/>
+          </a:xfrm>
+          <a:prstGeom prst="rect">
+            <a:avLst/>
+          </a:prstGeom>
+          <a:noFill/>
+        </p:spPr>
+        <p:txBody>
+          <a:bodyPr wrap="square" rtlCol="0">
+            <a:spAutoFit/>
+          </a:bodyPr>
+          <a:lstStyle/>
+          <a:p>
+            <a:r>
+              <a:rPr lang="en-US" dirty="0"/>
+              <a:t>User - GUI –</a:t>
+            </a:r>
+            <a:r>
+              <a:rPr lang="en-US" dirty="0" err="1"/>
+              <a:t>Projekte</a:t>
+            </a:r>
+            <a:endParaRPr lang="en-US" dirty="0"/>
+          </a:p>
+          <a:p>
+            <a:r>
+              <a:rPr lang="en-US" dirty="0"/>
+              <a:t>Chat etc.</a:t>
+            </a:r>
+            <a:endParaRPr lang="en-DE" dirty="0"/>
+          </a:p>
+        </p:txBody>
+      </p:sp>
+      <p:sp>
+        <p:nvSpPr>
+          <p:cNvPr id="44" name="TextBox 43">
+            <a:extLst>
+              <a:ext uri="{FF2B5EF4-FFF2-40B4-BE49-F238E27FC236}">
+                <a16:creationId xmlns:a16="http://schemas.microsoft.com/office/drawing/2014/main" id="{D2E7DB75-E121-43C3-A4A9-BBF068102708}"/>
+              </a:ext>
+            </a:extLst>
+          </p:cNvPr>
+          <p:cNvSpPr txBox="1"/>
+          <p:nvPr/>
+        </p:nvSpPr>
+        <p:spPr>
+          <a:xfrm>
+            <a:off x="4079174" y="3437801"/>
+            <a:ext cx="3722914" cy="369332"/>
+          </a:xfrm>
+          <a:prstGeom prst="rect">
+            <a:avLst/>
+          </a:prstGeom>
+          <a:noFill/>
+        </p:spPr>
+        <p:txBody>
+          <a:bodyPr wrap="square" rtlCol="0">
+            <a:spAutoFit/>
+          </a:bodyPr>
+          <a:lstStyle/>
+          <a:p>
+            <a:r>
+              <a:rPr lang="en-US" dirty="0"/>
+              <a:t>Gruppe 7</a:t>
+            </a:r>
+            <a:endParaRPr lang="en-DE" dirty="0"/>
+          </a:p>
+        </p:txBody>
+      </p:sp>
+      <p:sp>
+        <p:nvSpPr>
+          <p:cNvPr id="45" name="TextBox 44">
+            <a:extLst>
+              <a:ext uri="{FF2B5EF4-FFF2-40B4-BE49-F238E27FC236}">
+                <a16:creationId xmlns:a16="http://schemas.microsoft.com/office/drawing/2014/main" id="{805CE5F7-B520-4DB4-9C8D-09474FEE033D}"/>
+              </a:ext>
+            </a:extLst>
+          </p:cNvPr>
+          <p:cNvSpPr txBox="1"/>
+          <p:nvPr/>
+        </p:nvSpPr>
+        <p:spPr>
+          <a:xfrm>
+            <a:off x="4079174" y="5878172"/>
+            <a:ext cx="3722914" cy="646331"/>
+          </a:xfrm>
+          <a:prstGeom prst="rect">
+            <a:avLst/>
+          </a:prstGeom>
+          <a:noFill/>
+        </p:spPr>
+        <p:txBody>
+          <a:bodyPr wrap="square" rtlCol="0">
+            <a:spAutoFit/>
+          </a:bodyPr>
+          <a:lstStyle/>
+          <a:p>
+            <a:r>
+              <a:rPr lang="en-US" dirty="0" err="1"/>
+              <a:t>Senden</a:t>
+            </a:r>
+            <a:r>
+              <a:rPr lang="en-US" dirty="0"/>
+              <a:t> der .</a:t>
+            </a:r>
+            <a:r>
+              <a:rPr lang="en-US" dirty="0" err="1"/>
+              <a:t>pcap-Pakete</a:t>
+            </a:r>
+            <a:endParaRPr lang="en-US" dirty="0"/>
+          </a:p>
+          <a:p>
+            <a:r>
+              <a:rPr lang="en-US" dirty="0"/>
+              <a:t>(Gruppen 1 und 13)</a:t>
+            </a:r>
+            <a:endParaRPr lang="en-DE" dirty="0"/>
+          </a:p>
+        </p:txBody>
+      </p:sp>
+      <p:sp>
+        <p:nvSpPr>
+          <p:cNvPr id="46" name="TextBox 45">
+            <a:extLst>
+              <a:ext uri="{FF2B5EF4-FFF2-40B4-BE49-F238E27FC236}">
+                <a16:creationId xmlns:a16="http://schemas.microsoft.com/office/drawing/2014/main" id="{6607BDA0-35C7-41E2-B807-B307EA9437E0}"/>
+              </a:ext>
+            </a:extLst>
+          </p:cNvPr>
+          <p:cNvSpPr txBox="1"/>
+          <p:nvPr/>
+        </p:nvSpPr>
+        <p:spPr>
+          <a:xfrm>
+            <a:off x="4079174" y="5031571"/>
+            <a:ext cx="3722914" cy="369332"/>
+          </a:xfrm>
+          <a:prstGeom prst="rect">
+            <a:avLst/>
+          </a:prstGeom>
+          <a:noFill/>
+        </p:spPr>
+        <p:txBody>
+          <a:bodyPr wrap="square" rtlCol="0">
+            <a:spAutoFit/>
+          </a:bodyPr>
+          <a:lstStyle/>
+          <a:p>
+            <a:r>
+              <a:rPr lang="en-US" dirty="0"/>
+              <a:t>Gruppe 14</a:t>
+            </a:r>
+            <a:endParaRPr lang="en-DE" dirty="0"/>
+          </a:p>
+        </p:txBody>
+      </p:sp>
+      <p:sp>
+        <p:nvSpPr>
+          <p:cNvPr id="47" name="TextBox 46">
+            <a:extLst>
+              <a:ext uri="{FF2B5EF4-FFF2-40B4-BE49-F238E27FC236}">
+                <a16:creationId xmlns:a16="http://schemas.microsoft.com/office/drawing/2014/main" id="{03319F12-8295-4567-8A64-08AC5209066A}"/>
+              </a:ext>
+            </a:extLst>
+          </p:cNvPr>
+          <p:cNvSpPr txBox="1"/>
+          <p:nvPr/>
+        </p:nvSpPr>
+        <p:spPr>
+          <a:xfrm>
+            <a:off x="4079174" y="4332021"/>
+            <a:ext cx="3722914" cy="369332"/>
+          </a:xfrm>
+          <a:prstGeom prst="rect">
+            <a:avLst/>
+          </a:prstGeom>
+          <a:noFill/>
+        </p:spPr>
+        <p:txBody>
+          <a:bodyPr wrap="square" rtlCol="0">
+            <a:spAutoFit/>
+          </a:bodyPr>
+          <a:lstStyle/>
+          <a:p>
+            <a:r>
+              <a:rPr lang="en-US" dirty="0" err="1"/>
+              <a:t>Wir</a:t>
+            </a:r>
+            <a:endParaRPr lang="en-DE" dirty="0"/>
+          </a:p>
+        </p:txBody>
+      </p:sp>
+      <p:sp>
+        <p:nvSpPr>
+          <p:cNvPr id="49" name="Arrow: Right 48">
+            <a:extLst>
+              <a:ext uri="{FF2B5EF4-FFF2-40B4-BE49-F238E27FC236}">
+                <a16:creationId xmlns:a16="http://schemas.microsoft.com/office/drawing/2014/main" id="{9D66513A-EAA9-4BAF-8745-07EC058DA040}"/>
+              </a:ext>
+            </a:extLst>
+          </p:cNvPr>
+          <p:cNvSpPr/>
+          <p:nvPr/>
+        </p:nvSpPr>
+        <p:spPr>
+          <a:xfrm>
+            <a:off x="5922200" y="4142506"/>
+            <a:ext cx="1508166" cy="667987"/>
+          </a:xfrm>
+          <a:prstGeom prst="rightArrow">
+            <a:avLst/>
+          </a:prstGeom>
+          <a:solidFill>
+            <a:schemeClr val="accent6"/>
+          </a:solidFill>
+          <a:ln>
+            <a:solidFill>
+              <a:schemeClr val="accent6"/>
+            </a:solidFill>
+          </a:ln>
+        </p:spPr>
+        <p:style>
+          <a:lnRef idx="2">
+            <a:schemeClr val="accent1">
+              <a:shade val="50000"/>
+            </a:schemeClr>
+          </a:lnRef>
+          <a:fillRef idx="1">
+            <a:schemeClr val="accent1"/>
+          </a:fillRef>
+          <a:effectRef idx="0">
+            <a:schemeClr val="accent1"/>
+          </a:effectRef>
+          <a:fontRef idx="minor">
+            <a:schemeClr val="lt1"/>
+          </a:fontRef>
+        </p:style>
+        <p:txBody>
+          <a:bodyPr rtlCol="0" anchor="ctr"/>
+          <a:lstStyle/>
+          <a:p>
+            <a:pPr algn="ctr"/>
+            <a:endParaRPr lang="en-DE"/>
+          </a:p>
+        </p:txBody>
+      </p:sp>
+    </p:spTree>
+    <p:extLst>
+      <p:ext uri="{BB962C8B-B14F-4D97-AF65-F5344CB8AC3E}">
+        <p14:creationId xmlns:p14="http://schemas.microsoft.com/office/powerpoint/2010/main" val="3764899972"/>
+      </p:ext>
+    </p:extLst>
+  </p:cSld>
+  <p:clrMapOvr>
+    <a:masterClrMapping/>
+  </p:clrMapOvr>
+</p:sld>
+</file>
+
+<file path=ppt/slides/slide4.xml><?xml version="1.0" encoding="utf-8"?>
+<p:sld xmlns:a="http://schemas.openxmlformats.org/drawingml/2006/main" xmlns:r="http://schemas.openxmlformats.org/officeDocument/2006/relationships" xmlns:p="http://schemas.openxmlformats.org/presentationml/2006/main">
+  <p:cSld>
+    <p:spTree>
+      <p:nvGrpSpPr>
+        <p:cNvPr id="1" name=""/>
+        <p:cNvGrpSpPr/>
+        <p:nvPr/>
+      </p:nvGrpSpPr>
+      <p:grpSpPr>
+        <a:xfrm>
+          <a:off x="0" y="0"/>
+          <a:ext cx="0" cy="0"/>
+          <a:chOff x="0" y="0"/>
+          <a:chExt cx="0" cy="0"/>
+        </a:xfrm>
+      </p:grpSpPr>
+      <p:sp>
+        <p:nvSpPr>
+          <p:cNvPr id="2" name="Title 1">
+            <a:extLst>
+              <a:ext uri="{FF2B5EF4-FFF2-40B4-BE49-F238E27FC236}">
+                <a16:creationId xmlns:a16="http://schemas.microsoft.com/office/drawing/2014/main" id="{0741925B-7AAD-4C3F-AD46-08A0FCE63F67}"/>
+              </a:ext>
+            </a:extLst>
+          </p:cNvPr>
+          <p:cNvSpPr>
+            <a:spLocks noGrp="1"/>
+          </p:cNvSpPr>
+          <p:nvPr>
+            <p:ph type="title"/>
+          </p:nvPr>
+        </p:nvSpPr>
+        <p:spPr/>
+        <p:txBody>
+          <a:bodyPr/>
+          <a:lstStyle/>
+          <a:p>
+            <a:r>
+              <a:rPr lang="en-US" dirty="0"/>
+              <a:t>Unser </a:t>
+            </a:r>
+            <a:r>
+              <a:rPr lang="en-US" dirty="0" err="1"/>
+              <a:t>Auftrag</a:t>
+            </a:r>
+            <a:r>
+              <a:rPr lang="en-US" dirty="0"/>
+              <a:t> ― Integration</a:t>
+            </a:r>
+            <a:endParaRPr lang="en-DE" dirty="0"/>
+          </a:p>
+        </p:txBody>
+      </p:sp>
+      <p:sp>
+        <p:nvSpPr>
+          <p:cNvPr id="27" name="Rectangle 26">
+            <a:extLst>
+              <a:ext uri="{FF2B5EF4-FFF2-40B4-BE49-F238E27FC236}">
+                <a16:creationId xmlns:a16="http://schemas.microsoft.com/office/drawing/2014/main" id="{FA18ABF3-518E-4F51-955E-232D53673D6C}"/>
+              </a:ext>
+            </a:extLst>
+          </p:cNvPr>
+          <p:cNvSpPr/>
+          <p:nvPr/>
+        </p:nvSpPr>
+        <p:spPr>
+          <a:xfrm>
+            <a:off x="8384721" y="2422564"/>
+            <a:ext cx="3135086" cy="697675"/>
+          </a:xfrm>
+          <a:prstGeom prst="rect">
+            <a:avLst/>
+          </a:prstGeom>
+          <a:solidFill>
+            <a:schemeClr val="tx2"/>
+          </a:solidFill>
+        </p:spPr>
+        <p:style>
+          <a:lnRef idx="3">
+            <a:schemeClr val="lt1"/>
+          </a:lnRef>
+          <a:fillRef idx="1">
+            <a:schemeClr val="dk1"/>
+          </a:fillRef>
+          <a:effectRef idx="1">
+            <a:schemeClr val="dk1"/>
+          </a:effectRef>
+          <a:fontRef idx="minor">
+            <a:schemeClr val="lt1"/>
+          </a:fontRef>
+        </p:style>
+        <p:txBody>
+          <a:bodyPr rtlCol="0" anchor="ctr"/>
+          <a:lstStyle/>
+          <a:p>
+            <a:pPr algn="ctr"/>
+            <a:r>
+              <a:rPr lang="en-US" dirty="0" err="1"/>
+              <a:t>Applikationsschicht</a:t>
+            </a:r>
+            <a:endParaRPr lang="en-DE" dirty="0"/>
+          </a:p>
+        </p:txBody>
+      </p:sp>
+      <p:sp>
+        <p:nvSpPr>
+          <p:cNvPr id="28" name="Rectangle 27">
+            <a:extLst>
+              <a:ext uri="{FF2B5EF4-FFF2-40B4-BE49-F238E27FC236}">
+                <a16:creationId xmlns:a16="http://schemas.microsoft.com/office/drawing/2014/main" id="{F5FEE97D-0E06-4DD6-9591-667FFFD10D4D}"/>
+              </a:ext>
+            </a:extLst>
+          </p:cNvPr>
+          <p:cNvSpPr/>
+          <p:nvPr/>
+        </p:nvSpPr>
+        <p:spPr>
+          <a:xfrm>
+            <a:off x="8384721" y="4972793"/>
+            <a:ext cx="3135086" cy="697675"/>
+          </a:xfrm>
+          <a:prstGeom prst="rect">
+            <a:avLst/>
+          </a:prstGeom>
+          <a:solidFill>
+            <a:schemeClr val="accent6"/>
+          </a:solidFill>
+          <a:ln>
+            <a:solidFill>
+              <a:schemeClr val="accent6"/>
+            </a:solidFill>
+          </a:ln>
+        </p:spPr>
+        <p:style>
+          <a:lnRef idx="2">
+            <a:schemeClr val="accent1">
+              <a:shade val="50000"/>
+            </a:schemeClr>
+          </a:lnRef>
+          <a:fillRef idx="1">
+            <a:schemeClr val="accent1"/>
+          </a:fillRef>
+          <a:effectRef idx="0">
+            <a:schemeClr val="accent1"/>
+          </a:effectRef>
+          <a:fontRef idx="minor">
+            <a:schemeClr val="lt1"/>
+          </a:fontRef>
+        </p:style>
+        <p:txBody>
+          <a:bodyPr rtlCol="0" anchor="ctr"/>
+          <a:lstStyle/>
+          <a:p>
+            <a:pPr algn="ctr"/>
+            <a:r>
+              <a:rPr lang="en-US" dirty="0" err="1"/>
+              <a:t>logMerge</a:t>
+            </a:r>
+            <a:endParaRPr lang="en-DE" dirty="0"/>
+          </a:p>
+        </p:txBody>
+      </p:sp>
+      <p:sp>
+        <p:nvSpPr>
+          <p:cNvPr id="30" name="Rectangle 29">
+            <a:extLst>
+              <a:ext uri="{FF2B5EF4-FFF2-40B4-BE49-F238E27FC236}">
+                <a16:creationId xmlns:a16="http://schemas.microsoft.com/office/drawing/2014/main" id="{F027C3E2-C088-4C6C-B1D1-1EFABF828FF2}"/>
+              </a:ext>
+            </a:extLst>
+          </p:cNvPr>
+          <p:cNvSpPr/>
+          <p:nvPr/>
+        </p:nvSpPr>
+        <p:spPr>
+          <a:xfrm>
+            <a:off x="8384721" y="3270192"/>
+            <a:ext cx="3135086" cy="1545772"/>
+          </a:xfrm>
+          <a:prstGeom prst="rect">
+            <a:avLst/>
+          </a:prstGeom>
+        </p:spPr>
+        <p:style>
+          <a:lnRef idx="2">
+            <a:schemeClr val="accent1">
+              <a:shade val="50000"/>
+            </a:schemeClr>
+          </a:lnRef>
+          <a:fillRef idx="1">
+            <a:schemeClr val="accent1"/>
+          </a:fillRef>
+          <a:effectRef idx="0">
+            <a:schemeClr val="accent1"/>
+          </a:effectRef>
+          <a:fontRef idx="minor">
+            <a:schemeClr val="lt1"/>
+          </a:fontRef>
+        </p:style>
+        <p:txBody>
+          <a:bodyPr rtlCol="0" anchor="ctr"/>
+          <a:lstStyle/>
+          <a:p>
+            <a:pPr algn="ctr"/>
+            <a:r>
+              <a:rPr lang="en-US" dirty="0" err="1"/>
+              <a:t>Datenbank</a:t>
+            </a:r>
+            <a:endParaRPr lang="en-US" dirty="0"/>
+          </a:p>
+          <a:p>
+            <a:pPr algn="ctr"/>
+            <a:endParaRPr lang="en-US" dirty="0"/>
+          </a:p>
+          <a:p>
+            <a:pPr algn="ctr"/>
+            <a:endParaRPr lang="en-US" dirty="0"/>
+          </a:p>
+          <a:p>
+            <a:pPr algn="ctr"/>
+            <a:endParaRPr lang="en-DE" dirty="0"/>
+          </a:p>
+        </p:txBody>
+      </p:sp>
+      <p:sp>
+        <p:nvSpPr>
+          <p:cNvPr id="32" name="Rectangle 31">
+            <a:extLst>
+              <a:ext uri="{FF2B5EF4-FFF2-40B4-BE49-F238E27FC236}">
+                <a16:creationId xmlns:a16="http://schemas.microsoft.com/office/drawing/2014/main" id="{53ACCDB8-5E6A-42B0-9D14-D5CFD34B932E}"/>
+              </a:ext>
+            </a:extLst>
+          </p:cNvPr>
+          <p:cNvSpPr/>
+          <p:nvPr/>
+        </p:nvSpPr>
+        <p:spPr>
+          <a:xfrm>
+            <a:off x="8384721" y="5826828"/>
+            <a:ext cx="3135086" cy="697675"/>
+          </a:xfrm>
+          <a:prstGeom prst="rect">
+            <a:avLst/>
+          </a:prstGeom>
+        </p:spPr>
+        <p:style>
+          <a:lnRef idx="2">
+            <a:schemeClr val="accent1">
+              <a:shade val="50000"/>
+            </a:schemeClr>
+          </a:lnRef>
+          <a:fillRef idx="1">
+            <a:schemeClr val="accent1"/>
+          </a:fillRef>
+          <a:effectRef idx="0">
+            <a:schemeClr val="accent1"/>
+          </a:effectRef>
+          <a:fontRef idx="minor">
+            <a:schemeClr val="lt1"/>
+          </a:fontRef>
+        </p:style>
+        <p:txBody>
+          <a:bodyPr rtlCol="0" anchor="ctr"/>
+          <a:lstStyle/>
+          <a:p>
+            <a:pPr algn="ctr"/>
+            <a:r>
+              <a:rPr lang="en-US" dirty="0" err="1"/>
+              <a:t>Transportschicht</a:t>
+            </a:r>
+            <a:endParaRPr lang="en-DE" dirty="0"/>
+          </a:p>
+        </p:txBody>
+      </p:sp>
+      <p:sp>
+        <p:nvSpPr>
+          <p:cNvPr id="34" name="Rectangle 33">
+            <a:extLst>
+              <a:ext uri="{FF2B5EF4-FFF2-40B4-BE49-F238E27FC236}">
+                <a16:creationId xmlns:a16="http://schemas.microsoft.com/office/drawing/2014/main" id="{59406302-05F9-44A6-AD59-03CC174C2E06}"/>
+              </a:ext>
+            </a:extLst>
+          </p:cNvPr>
+          <p:cNvSpPr/>
+          <p:nvPr/>
+        </p:nvSpPr>
+        <p:spPr>
+          <a:xfrm>
+            <a:off x="9072250" y="4147977"/>
+            <a:ext cx="1760027" cy="427512"/>
+          </a:xfrm>
+          <a:prstGeom prst="rect">
+            <a:avLst/>
+          </a:prstGeom>
+          <a:solidFill>
+            <a:schemeClr val="accent1"/>
+          </a:solidFill>
+          <a:ln>
+            <a:solidFill>
+              <a:srgbClr val="009189"/>
+            </a:solidFill>
+          </a:ln>
+        </p:spPr>
+        <p:style>
+          <a:lnRef idx="2">
+            <a:schemeClr val="accent2">
+              <a:shade val="50000"/>
+            </a:schemeClr>
+          </a:lnRef>
+          <a:fillRef idx="1">
+            <a:schemeClr val="accent2"/>
+          </a:fillRef>
+          <a:effectRef idx="0">
+            <a:schemeClr val="accent2"/>
+          </a:effectRef>
+          <a:fontRef idx="minor">
+            <a:schemeClr val="lt1"/>
+          </a:fontRef>
+        </p:style>
+        <p:txBody>
+          <a:bodyPr rtlCol="0" anchor="ctr"/>
+          <a:lstStyle/>
+          <a:p>
+            <a:pPr algn="ctr"/>
+            <a:r>
+              <a:rPr lang="en-US" dirty="0" err="1"/>
+              <a:t>feedCtrl</a:t>
+            </a:r>
+            <a:endParaRPr lang="en-DE" dirty="0"/>
+          </a:p>
+        </p:txBody>
+      </p:sp>
+      <p:sp>
+        <p:nvSpPr>
+          <p:cNvPr id="3" name="Arrow: Right 2">
+            <a:extLst>
+              <a:ext uri="{FF2B5EF4-FFF2-40B4-BE49-F238E27FC236}">
+                <a16:creationId xmlns:a16="http://schemas.microsoft.com/office/drawing/2014/main" id="{39970F4C-83A7-458F-B4AA-2F8C0C56F434}"/>
+              </a:ext>
+            </a:extLst>
+          </p:cNvPr>
+          <p:cNvSpPr/>
+          <p:nvPr/>
+        </p:nvSpPr>
+        <p:spPr>
+          <a:xfrm rot="10800000">
+            <a:off x="5922200" y="4142506"/>
+            <a:ext cx="1508166" cy="667987"/>
+          </a:xfrm>
+          <a:prstGeom prst="rightArrow">
+            <a:avLst/>
+          </a:prstGeom>
+          <a:solidFill>
+            <a:schemeClr val="accent6"/>
+          </a:solidFill>
+          <a:ln>
+            <a:solidFill>
+              <a:schemeClr val="accent6"/>
+            </a:solidFill>
+          </a:ln>
+        </p:spPr>
+        <p:style>
+          <a:lnRef idx="2">
+            <a:schemeClr val="accent1">
+              <a:shade val="50000"/>
+            </a:schemeClr>
+          </a:lnRef>
+          <a:fillRef idx="1">
+            <a:schemeClr val="accent1"/>
+          </a:fillRef>
+          <a:effectRef idx="0">
+            <a:schemeClr val="accent1"/>
+          </a:effectRef>
+          <a:fontRef idx="minor">
+            <a:schemeClr val="lt1"/>
+          </a:fontRef>
+        </p:style>
+        <p:txBody>
+          <a:bodyPr rtlCol="0" anchor="ctr"/>
+          <a:lstStyle/>
+          <a:p>
+            <a:pPr algn="ctr"/>
+            <a:endParaRPr lang="en-DE"/>
+          </a:p>
+        </p:txBody>
+      </p:sp>
+      <p:sp>
+        <p:nvSpPr>
+          <p:cNvPr id="5" name="TextBox 4">
+            <a:extLst>
+              <a:ext uri="{FF2B5EF4-FFF2-40B4-BE49-F238E27FC236}">
+                <a16:creationId xmlns:a16="http://schemas.microsoft.com/office/drawing/2014/main" id="{8D313C95-701D-4647-BD40-F0D8CA758E53}"/>
+              </a:ext>
+            </a:extLst>
+          </p:cNvPr>
+          <p:cNvSpPr txBox="1"/>
+          <p:nvPr/>
+        </p:nvSpPr>
+        <p:spPr>
+          <a:xfrm>
+            <a:off x="7424052" y="2557703"/>
+            <a:ext cx="2238499" cy="3323987"/>
+          </a:xfrm>
+          <a:prstGeom prst="rect">
+            <a:avLst/>
+          </a:prstGeom>
+          <a:noFill/>
+        </p:spPr>
+        <p:txBody>
+          <a:bodyPr wrap="square" rtlCol="0">
+            <a:spAutoFit/>
+          </a:bodyPr>
+          <a:lstStyle/>
+          <a:p>
+            <a:r>
+              <a:rPr lang="en-US" sz="20200" dirty="0">
+                <a:solidFill>
+                  <a:schemeClr val="accent6"/>
+                </a:solidFill>
+              </a:rPr>
+              <a:t>{</a:t>
+            </a:r>
+            <a:endParaRPr lang="en-DE" sz="20200" dirty="0">
+              <a:solidFill>
+                <a:schemeClr val="accent6"/>
+              </a:solidFill>
+            </a:endParaRPr>
+          </a:p>
+        </p:txBody>
+      </p:sp>
+      <p:sp>
+        <p:nvSpPr>
+          <p:cNvPr id="7" name="TextBox 6">
+            <a:extLst>
+              <a:ext uri="{FF2B5EF4-FFF2-40B4-BE49-F238E27FC236}">
+                <a16:creationId xmlns:a16="http://schemas.microsoft.com/office/drawing/2014/main" id="{2DC6E5F4-331D-429F-8FE4-1709133A4697}"/>
+              </a:ext>
+            </a:extLst>
+          </p:cNvPr>
+          <p:cNvSpPr txBox="1"/>
+          <p:nvPr/>
+        </p:nvSpPr>
+        <p:spPr>
+          <a:xfrm>
+            <a:off x="448543" y="4051551"/>
+            <a:ext cx="5633972" cy="861774"/>
+          </a:xfrm>
+          <a:prstGeom prst="rect">
+            <a:avLst/>
+          </a:prstGeom>
+          <a:noFill/>
+        </p:spPr>
+        <p:txBody>
+          <a:bodyPr wrap="square" rtlCol="0">
+            <a:spAutoFit/>
+          </a:bodyPr>
+          <a:lstStyle/>
+          <a:p>
+            <a:r>
+              <a:rPr lang="en-US" sz="5000" i="1" dirty="0"/>
+              <a:t>“Axis of BACnet”</a:t>
+            </a:r>
+            <a:endParaRPr lang="en-DE" sz="5000" i="1" dirty="0"/>
+          </a:p>
+        </p:txBody>
+      </p:sp>
+      <p:sp>
+        <p:nvSpPr>
+          <p:cNvPr id="33" name="Arrow: Up-Down 32">
+            <a:extLst>
+              <a:ext uri="{FF2B5EF4-FFF2-40B4-BE49-F238E27FC236}">
+                <a16:creationId xmlns:a16="http://schemas.microsoft.com/office/drawing/2014/main" id="{BD4F29AB-0B63-40EB-B6AE-854FC44C7DFF}"/>
+              </a:ext>
+            </a:extLst>
+          </p:cNvPr>
+          <p:cNvSpPr/>
+          <p:nvPr/>
+        </p:nvSpPr>
+        <p:spPr>
+          <a:xfrm>
+            <a:off x="8585490" y="5482416"/>
+            <a:ext cx="170953" cy="549233"/>
+          </a:xfrm>
+          <a:prstGeom prst="upDownArrow">
+            <a:avLst/>
+          </a:prstGeom>
+        </p:spPr>
+        <p:style>
+          <a:lnRef idx="2">
+            <a:schemeClr val="accent3">
+              <a:shade val="50000"/>
+            </a:schemeClr>
+          </a:lnRef>
+          <a:fillRef idx="1">
+            <a:schemeClr val="accent3"/>
+          </a:fillRef>
+          <a:effectRef idx="0">
+            <a:schemeClr val="accent3"/>
+          </a:effectRef>
+          <a:fontRef idx="minor">
+            <a:schemeClr val="lt1"/>
+          </a:fontRef>
+        </p:style>
+        <p:txBody>
+          <a:bodyPr rtlCol="0" anchor="ctr"/>
+          <a:lstStyle/>
+          <a:p>
+            <a:pPr algn="ctr"/>
+            <a:endParaRPr lang="en-DE"/>
+          </a:p>
+        </p:txBody>
+      </p:sp>
+      <p:sp>
+        <p:nvSpPr>
+          <p:cNvPr id="35" name="Arrow: Up-Down 34">
+            <a:extLst>
+              <a:ext uri="{FF2B5EF4-FFF2-40B4-BE49-F238E27FC236}">
+                <a16:creationId xmlns:a16="http://schemas.microsoft.com/office/drawing/2014/main" id="{FBFD2621-4A2D-41F8-9C6E-231B0CE78B7C}"/>
+              </a:ext>
+            </a:extLst>
+          </p:cNvPr>
+          <p:cNvSpPr/>
+          <p:nvPr/>
+        </p:nvSpPr>
+        <p:spPr>
+          <a:xfrm>
+            <a:off x="8585486" y="4613565"/>
+            <a:ext cx="170953" cy="549233"/>
+          </a:xfrm>
+          <a:prstGeom prst="upDownArrow">
+            <a:avLst/>
+          </a:prstGeom>
+        </p:spPr>
+        <p:style>
+          <a:lnRef idx="2">
+            <a:schemeClr val="accent3">
+              <a:shade val="50000"/>
+            </a:schemeClr>
+          </a:lnRef>
+          <a:fillRef idx="1">
+            <a:schemeClr val="accent3"/>
+          </a:fillRef>
+          <a:effectRef idx="0">
+            <a:schemeClr val="accent3"/>
+          </a:effectRef>
+          <a:fontRef idx="minor">
+            <a:schemeClr val="lt1"/>
+          </a:fontRef>
+        </p:style>
+        <p:txBody>
+          <a:bodyPr rtlCol="0" anchor="ctr"/>
+          <a:lstStyle/>
+          <a:p>
+            <a:pPr algn="ctr"/>
+            <a:endParaRPr lang="en-DE"/>
+          </a:p>
+        </p:txBody>
+      </p:sp>
+      <p:sp>
+        <p:nvSpPr>
+          <p:cNvPr id="42" name="Arrow: Up-Down 41">
+            <a:extLst>
+              <a:ext uri="{FF2B5EF4-FFF2-40B4-BE49-F238E27FC236}">
+                <a16:creationId xmlns:a16="http://schemas.microsoft.com/office/drawing/2014/main" id="{A38AAD23-9530-4AC4-A640-D0F1BB6C5C89}"/>
+              </a:ext>
+            </a:extLst>
+          </p:cNvPr>
+          <p:cNvSpPr/>
+          <p:nvPr/>
+        </p:nvSpPr>
+        <p:spPr>
+          <a:xfrm>
+            <a:off x="9160078" y="4415637"/>
+            <a:ext cx="119993" cy="697675"/>
+          </a:xfrm>
+          <a:prstGeom prst="upDownArrow">
+            <a:avLst/>
+          </a:prstGeom>
+        </p:spPr>
+        <p:style>
+          <a:lnRef idx="2">
+            <a:schemeClr val="accent6">
+              <a:shade val="50000"/>
+            </a:schemeClr>
+          </a:lnRef>
+          <a:fillRef idx="1">
+            <a:schemeClr val="accent6"/>
+          </a:fillRef>
+          <a:effectRef idx="0">
+            <a:schemeClr val="accent6"/>
+          </a:effectRef>
+          <a:fontRef idx="minor">
+            <a:schemeClr val="lt1"/>
+          </a:fontRef>
+        </p:style>
+        <p:txBody>
+          <a:bodyPr rtlCol="0" anchor="ctr"/>
+          <a:lstStyle/>
+          <a:p>
+            <a:pPr algn="ctr"/>
+            <a:endParaRPr lang="en-DE"/>
+          </a:p>
+        </p:txBody>
+      </p:sp>
+      <p:sp>
+        <p:nvSpPr>
+          <p:cNvPr id="48" name="Arrow: Up-Down 47">
+            <a:extLst>
+              <a:ext uri="{FF2B5EF4-FFF2-40B4-BE49-F238E27FC236}">
+                <a16:creationId xmlns:a16="http://schemas.microsoft.com/office/drawing/2014/main" id="{1F608D64-9661-4D49-95C7-9E8CFCB0AA08}"/>
+              </a:ext>
+            </a:extLst>
+          </p:cNvPr>
+          <p:cNvSpPr/>
+          <p:nvPr/>
+        </p:nvSpPr>
+        <p:spPr>
+          <a:xfrm>
+            <a:off x="9160078" y="3984167"/>
+            <a:ext cx="119993" cy="316677"/>
+          </a:xfrm>
+          <a:prstGeom prst="upDownArrow">
+            <a:avLst/>
+          </a:prstGeom>
+          <a:solidFill>
+            <a:schemeClr val="accent1"/>
+          </a:solidFill>
+          <a:ln>
+            <a:solidFill>
+              <a:srgbClr val="009189"/>
+            </a:solidFill>
+          </a:ln>
+        </p:spPr>
+        <p:style>
+          <a:lnRef idx="2">
+            <a:schemeClr val="accent6">
+              <a:shade val="50000"/>
+            </a:schemeClr>
+          </a:lnRef>
+          <a:fillRef idx="1">
+            <a:schemeClr val="accent6"/>
+          </a:fillRef>
+          <a:effectRef idx="0">
+            <a:schemeClr val="accent6"/>
+          </a:effectRef>
+          <a:fontRef idx="minor">
+            <a:schemeClr val="lt1"/>
+          </a:fontRef>
+        </p:style>
+        <p:txBody>
+          <a:bodyPr rtlCol="0" anchor="ctr"/>
+          <a:lstStyle/>
+          <a:p>
+            <a:pPr algn="ctr"/>
+            <a:endParaRPr lang="en-DE"/>
+          </a:p>
+        </p:txBody>
+      </p:sp>
+    </p:spTree>
+    <p:extLst>
+      <p:ext uri="{BB962C8B-B14F-4D97-AF65-F5344CB8AC3E}">
+        <p14:creationId xmlns:p14="http://schemas.microsoft.com/office/powerpoint/2010/main" val="3297928251"/>
+      </p:ext>
+    </p:extLst>
+  </p:cSld>
+  <p:clrMapOvr>
+    <a:masterClrMapping/>
+  </p:clrMapOvr>
+</p:sld>
+</file>
+
+<file path=ppt/slides/slide5.xml><?xml version="1.0" encoding="utf-8"?>
+<p:sld xmlns:a="http://schemas.openxmlformats.org/drawingml/2006/main" xmlns:r="http://schemas.openxmlformats.org/officeDocument/2006/relationships" xmlns:p="http://schemas.openxmlformats.org/presentationml/2006/main">
+  <p:cSld>
+    <p:spTree>
+      <p:nvGrpSpPr>
+        <p:cNvPr id="1" name=""/>
+        <p:cNvGrpSpPr/>
+        <p:nvPr/>
+      </p:nvGrpSpPr>
+      <p:grpSpPr>
+        <a:xfrm>
+          <a:off x="0" y="0"/>
+          <a:ext cx="0" cy="0"/>
+          <a:chOff x="0" y="0"/>
+          <a:chExt cx="0" cy="0"/>
+        </a:xfrm>
+      </p:grpSpPr>
+      <p:sp>
+        <p:nvSpPr>
+          <p:cNvPr id="2" name="Title 1">
+            <a:extLst>
+              <a:ext uri="{FF2B5EF4-FFF2-40B4-BE49-F238E27FC236}">
+                <a16:creationId xmlns:a16="http://schemas.microsoft.com/office/drawing/2014/main" id="{0741925B-7AAD-4C3F-AD46-08A0FCE63F67}"/>
+              </a:ext>
+            </a:extLst>
+          </p:cNvPr>
+          <p:cNvSpPr>
+            <a:spLocks noGrp="1"/>
+          </p:cNvSpPr>
+          <p:nvPr>
+            <p:ph type="title"/>
+          </p:nvPr>
+        </p:nvSpPr>
+        <p:spPr/>
+        <p:txBody>
+          <a:bodyPr/>
+          <a:lstStyle/>
+          <a:p>
+            <a:r>
+              <a:rPr lang="en-US" dirty="0"/>
+              <a:t>Unser </a:t>
+            </a:r>
+            <a:r>
+              <a:rPr lang="en-US" dirty="0" err="1"/>
+              <a:t>Auftrag</a:t>
+            </a:r>
+            <a:r>
+              <a:rPr lang="en-US" dirty="0"/>
+              <a:t> ― Integration</a:t>
+            </a:r>
+            <a:endParaRPr lang="en-DE" dirty="0"/>
+          </a:p>
+        </p:txBody>
+      </p:sp>
+      <p:sp>
+        <p:nvSpPr>
+          <p:cNvPr id="27" name="Rectangle 26">
+            <a:extLst>
+              <a:ext uri="{FF2B5EF4-FFF2-40B4-BE49-F238E27FC236}">
+                <a16:creationId xmlns:a16="http://schemas.microsoft.com/office/drawing/2014/main" id="{FA18ABF3-518E-4F51-955E-232D53673D6C}"/>
+              </a:ext>
+            </a:extLst>
+          </p:cNvPr>
+          <p:cNvSpPr/>
+          <p:nvPr/>
+        </p:nvSpPr>
+        <p:spPr>
+          <a:xfrm>
+            <a:off x="8384721" y="2422564"/>
+            <a:ext cx="3135086" cy="697675"/>
+          </a:xfrm>
+          <a:prstGeom prst="rect">
+            <a:avLst/>
+          </a:prstGeom>
+          <a:solidFill>
+            <a:schemeClr val="tx2"/>
+          </a:solidFill>
+        </p:spPr>
+        <p:style>
+          <a:lnRef idx="3">
+            <a:schemeClr val="lt1"/>
+          </a:lnRef>
+          <a:fillRef idx="1">
+            <a:schemeClr val="dk1"/>
+          </a:fillRef>
+          <a:effectRef idx="1">
+            <a:schemeClr val="dk1"/>
+          </a:effectRef>
+          <a:fontRef idx="minor">
+            <a:schemeClr val="lt1"/>
+          </a:fontRef>
+        </p:style>
+        <p:txBody>
+          <a:bodyPr rtlCol="0" anchor="ctr"/>
+          <a:lstStyle/>
+          <a:p>
+            <a:pPr algn="ctr"/>
+            <a:r>
+              <a:rPr lang="en-US" dirty="0" err="1"/>
+              <a:t>Applikationsschicht</a:t>
+            </a:r>
+            <a:endParaRPr lang="en-DE" dirty="0"/>
+          </a:p>
+        </p:txBody>
+      </p:sp>
+      <p:sp>
+        <p:nvSpPr>
+          <p:cNvPr id="28" name="Rectangle 27">
+            <a:extLst>
+              <a:ext uri="{FF2B5EF4-FFF2-40B4-BE49-F238E27FC236}">
+                <a16:creationId xmlns:a16="http://schemas.microsoft.com/office/drawing/2014/main" id="{F5FEE97D-0E06-4DD6-9591-667FFFD10D4D}"/>
+              </a:ext>
+            </a:extLst>
+          </p:cNvPr>
+          <p:cNvSpPr/>
+          <p:nvPr/>
+        </p:nvSpPr>
+        <p:spPr>
+          <a:xfrm>
+            <a:off x="8384721" y="4972793"/>
+            <a:ext cx="3135086" cy="697675"/>
+          </a:xfrm>
+          <a:prstGeom prst="rect">
+            <a:avLst/>
+          </a:prstGeom>
+          <a:solidFill>
+            <a:schemeClr val="accent6"/>
+          </a:solidFill>
+          <a:ln>
+            <a:solidFill>
+              <a:schemeClr val="accent6"/>
+            </a:solidFill>
+          </a:ln>
+        </p:spPr>
+        <p:style>
+          <a:lnRef idx="2">
+            <a:schemeClr val="accent1">
+              <a:shade val="50000"/>
+            </a:schemeClr>
+          </a:lnRef>
+          <a:fillRef idx="1">
+            <a:schemeClr val="accent1"/>
+          </a:fillRef>
+          <a:effectRef idx="0">
+            <a:schemeClr val="accent1"/>
+          </a:effectRef>
+          <a:fontRef idx="minor">
+            <a:schemeClr val="lt1"/>
+          </a:fontRef>
+        </p:style>
+        <p:txBody>
+          <a:bodyPr rtlCol="0" anchor="ctr"/>
+          <a:lstStyle/>
+          <a:p>
+            <a:pPr algn="ctr"/>
+            <a:r>
+              <a:rPr lang="en-US" dirty="0" err="1"/>
+              <a:t>logMerge</a:t>
+            </a:r>
+            <a:endParaRPr lang="en-DE" dirty="0"/>
+          </a:p>
+        </p:txBody>
+      </p:sp>
+      <p:sp>
+        <p:nvSpPr>
+          <p:cNvPr id="30" name="Rectangle 29">
+            <a:extLst>
+              <a:ext uri="{FF2B5EF4-FFF2-40B4-BE49-F238E27FC236}">
+                <a16:creationId xmlns:a16="http://schemas.microsoft.com/office/drawing/2014/main" id="{F027C3E2-C088-4C6C-B1D1-1EFABF828FF2}"/>
+              </a:ext>
+            </a:extLst>
+          </p:cNvPr>
+          <p:cNvSpPr/>
+          <p:nvPr/>
+        </p:nvSpPr>
+        <p:spPr>
+          <a:xfrm>
+            <a:off x="8384721" y="3270192"/>
+            <a:ext cx="3135086" cy="1545772"/>
+          </a:xfrm>
+          <a:prstGeom prst="rect">
+            <a:avLst/>
+          </a:prstGeom>
+        </p:spPr>
+        <p:style>
+          <a:lnRef idx="2">
+            <a:schemeClr val="accent1">
+              <a:shade val="50000"/>
+            </a:schemeClr>
+          </a:lnRef>
+          <a:fillRef idx="1">
+            <a:schemeClr val="accent1"/>
+          </a:fillRef>
+          <a:effectRef idx="0">
+            <a:schemeClr val="accent1"/>
+          </a:effectRef>
+          <a:fontRef idx="minor">
+            <a:schemeClr val="lt1"/>
+          </a:fontRef>
+        </p:style>
+        <p:txBody>
+          <a:bodyPr rtlCol="0" anchor="ctr"/>
+          <a:lstStyle/>
+          <a:p>
+            <a:pPr algn="ctr"/>
+            <a:r>
+              <a:rPr lang="en-US" dirty="0" err="1"/>
+              <a:t>Datenbank</a:t>
+            </a:r>
+            <a:endParaRPr lang="en-US" dirty="0"/>
+          </a:p>
+          <a:p>
+            <a:pPr algn="ctr"/>
+            <a:endParaRPr lang="en-US" dirty="0"/>
+          </a:p>
+          <a:p>
+            <a:pPr algn="ctr"/>
+            <a:endParaRPr lang="en-US" dirty="0"/>
+          </a:p>
+          <a:p>
+            <a:pPr algn="ctr"/>
+            <a:endParaRPr lang="en-DE" dirty="0"/>
+          </a:p>
+        </p:txBody>
+      </p:sp>
+      <p:sp>
+        <p:nvSpPr>
+          <p:cNvPr id="32" name="Rectangle 31">
+            <a:extLst>
+              <a:ext uri="{FF2B5EF4-FFF2-40B4-BE49-F238E27FC236}">
+                <a16:creationId xmlns:a16="http://schemas.microsoft.com/office/drawing/2014/main" id="{53ACCDB8-5E6A-42B0-9D14-D5CFD34B932E}"/>
+              </a:ext>
+            </a:extLst>
+          </p:cNvPr>
+          <p:cNvSpPr/>
+          <p:nvPr/>
+        </p:nvSpPr>
+        <p:spPr>
+          <a:xfrm>
+            <a:off x="8384721" y="5826828"/>
+            <a:ext cx="3135086" cy="697675"/>
+          </a:xfrm>
+          <a:prstGeom prst="rect">
+            <a:avLst/>
+          </a:prstGeom>
+        </p:spPr>
+        <p:style>
+          <a:lnRef idx="2">
+            <a:schemeClr val="accent1">
+              <a:shade val="50000"/>
+            </a:schemeClr>
+          </a:lnRef>
+          <a:fillRef idx="1">
+            <a:schemeClr val="accent1"/>
+          </a:fillRef>
+          <a:effectRef idx="0">
+            <a:schemeClr val="accent1"/>
+          </a:effectRef>
+          <a:fontRef idx="minor">
+            <a:schemeClr val="lt1"/>
+          </a:fontRef>
+        </p:style>
+        <p:txBody>
+          <a:bodyPr rtlCol="0" anchor="ctr"/>
+          <a:lstStyle/>
+          <a:p>
+            <a:pPr algn="ctr"/>
+            <a:r>
+              <a:rPr lang="en-US" dirty="0" err="1"/>
+              <a:t>Transportschicht</a:t>
+            </a:r>
+            <a:endParaRPr lang="en-DE" dirty="0"/>
+          </a:p>
+        </p:txBody>
+      </p:sp>
+      <p:sp>
+        <p:nvSpPr>
+          <p:cNvPr id="34" name="Rectangle 33">
+            <a:extLst>
+              <a:ext uri="{FF2B5EF4-FFF2-40B4-BE49-F238E27FC236}">
+                <a16:creationId xmlns:a16="http://schemas.microsoft.com/office/drawing/2014/main" id="{59406302-05F9-44A6-AD59-03CC174C2E06}"/>
+              </a:ext>
+            </a:extLst>
+          </p:cNvPr>
+          <p:cNvSpPr/>
+          <p:nvPr/>
+        </p:nvSpPr>
+        <p:spPr>
+          <a:xfrm>
+            <a:off x="9072250" y="4147977"/>
+            <a:ext cx="1760027" cy="427512"/>
+          </a:xfrm>
+          <a:prstGeom prst="rect">
+            <a:avLst/>
+          </a:prstGeom>
+          <a:solidFill>
+            <a:schemeClr val="accent1"/>
+          </a:solidFill>
+          <a:ln>
+            <a:solidFill>
+              <a:srgbClr val="009189"/>
+            </a:solidFill>
+          </a:ln>
+        </p:spPr>
+        <p:style>
+          <a:lnRef idx="2">
+            <a:schemeClr val="accent2">
+              <a:shade val="50000"/>
+            </a:schemeClr>
+          </a:lnRef>
+          <a:fillRef idx="1">
+            <a:schemeClr val="accent2"/>
+          </a:fillRef>
+          <a:effectRef idx="0">
+            <a:schemeClr val="accent2"/>
+          </a:effectRef>
+          <a:fontRef idx="minor">
+            <a:schemeClr val="lt1"/>
+          </a:fontRef>
+        </p:style>
+        <p:txBody>
+          <a:bodyPr rtlCol="0" anchor="ctr"/>
+          <a:lstStyle/>
+          <a:p>
+            <a:pPr algn="ctr"/>
+            <a:r>
+              <a:rPr lang="en-US" dirty="0" err="1"/>
+              <a:t>feedCtrl</a:t>
+            </a:r>
+            <a:endParaRPr lang="en-DE" dirty="0"/>
+          </a:p>
+        </p:txBody>
+      </p:sp>
+      <p:cxnSp>
+        <p:nvCxnSpPr>
+          <p:cNvPr id="6" name="Straight Connector 5">
+            <a:extLst>
+              <a:ext uri="{FF2B5EF4-FFF2-40B4-BE49-F238E27FC236}">
+                <a16:creationId xmlns:a16="http://schemas.microsoft.com/office/drawing/2014/main" id="{2E960B8B-FE48-45ED-B9DA-550C898B6CE3}"/>
+              </a:ext>
+            </a:extLst>
+          </p:cNvPr>
+          <p:cNvCxnSpPr>
+            <a:cxnSpLocks/>
+          </p:cNvCxnSpPr>
+          <p:nvPr/>
+        </p:nvCxnSpPr>
+        <p:spPr>
+          <a:xfrm>
+            <a:off x="6543302" y="3194464"/>
+            <a:ext cx="1728602" cy="0"/>
+          </a:xfrm>
+          <a:prstGeom prst="line">
+            <a:avLst/>
+          </a:prstGeom>
+          <a:ln w="38100">
+            <a:solidFill>
+              <a:schemeClr val="accent6"/>
+            </a:solidFill>
+          </a:ln>
+        </p:spPr>
+        <p:style>
+          <a:lnRef idx="1">
+            <a:schemeClr val="accent1"/>
+          </a:lnRef>
+          <a:fillRef idx="0">
+            <a:schemeClr val="accent1"/>
+          </a:fillRef>
+          <a:effectRef idx="0">
+            <a:schemeClr val="accent1"/>
+          </a:effectRef>
+          <a:fontRef idx="minor">
+            <a:schemeClr val="tx1"/>
+          </a:fontRef>
+        </p:style>
+      </p:cxnSp>
+      <p:sp>
+        <p:nvSpPr>
+          <p:cNvPr id="22" name="Arrow: Up-Down 21">
+            <a:extLst>
+              <a:ext uri="{FF2B5EF4-FFF2-40B4-BE49-F238E27FC236}">
+                <a16:creationId xmlns:a16="http://schemas.microsoft.com/office/drawing/2014/main" id="{5FD636E8-E55D-4CC9-8FFB-19B64F79CF7A}"/>
+              </a:ext>
+            </a:extLst>
+          </p:cNvPr>
+          <p:cNvSpPr/>
+          <p:nvPr/>
+        </p:nvSpPr>
+        <p:spPr>
+          <a:xfrm>
+            <a:off x="8585490" y="5482416"/>
+            <a:ext cx="170953" cy="549233"/>
+          </a:xfrm>
+          <a:prstGeom prst="upDownArrow">
+            <a:avLst/>
+          </a:prstGeom>
+        </p:spPr>
+        <p:style>
+          <a:lnRef idx="2">
+            <a:schemeClr val="accent3">
+              <a:shade val="50000"/>
+            </a:schemeClr>
+          </a:lnRef>
+          <a:fillRef idx="1">
+            <a:schemeClr val="accent3"/>
+          </a:fillRef>
+          <a:effectRef idx="0">
+            <a:schemeClr val="accent3"/>
+          </a:effectRef>
+          <a:fontRef idx="minor">
+            <a:schemeClr val="lt1"/>
+          </a:fontRef>
+        </p:style>
+        <p:txBody>
+          <a:bodyPr rtlCol="0" anchor="ctr"/>
+          <a:lstStyle/>
+          <a:p>
+            <a:pPr algn="ctr"/>
+            <a:endParaRPr lang="en-DE"/>
+          </a:p>
+        </p:txBody>
+      </p:sp>
+      <p:sp>
+        <p:nvSpPr>
+          <p:cNvPr id="23" name="Arrow: Up-Down 22">
+            <a:extLst>
+              <a:ext uri="{FF2B5EF4-FFF2-40B4-BE49-F238E27FC236}">
+                <a16:creationId xmlns:a16="http://schemas.microsoft.com/office/drawing/2014/main" id="{FA351EFC-A4B6-4D36-BDF2-F18EF7C6137E}"/>
+              </a:ext>
+            </a:extLst>
+          </p:cNvPr>
+          <p:cNvSpPr/>
+          <p:nvPr/>
+        </p:nvSpPr>
+        <p:spPr>
+          <a:xfrm>
+            <a:off x="8585486" y="4613565"/>
+            <a:ext cx="170953" cy="549233"/>
+          </a:xfrm>
+          <a:prstGeom prst="upDownArrow">
+            <a:avLst/>
+          </a:prstGeom>
+        </p:spPr>
+        <p:style>
+          <a:lnRef idx="2">
+            <a:schemeClr val="accent3">
+              <a:shade val="50000"/>
+            </a:schemeClr>
+          </a:lnRef>
+          <a:fillRef idx="1">
+            <a:schemeClr val="accent3"/>
+          </a:fillRef>
+          <a:effectRef idx="0">
+            <a:schemeClr val="accent3"/>
+          </a:effectRef>
+          <a:fontRef idx="minor">
+            <a:schemeClr val="lt1"/>
+          </a:fontRef>
+        </p:style>
+        <p:txBody>
+          <a:bodyPr rtlCol="0" anchor="ctr"/>
+          <a:lstStyle/>
+          <a:p>
+            <a:pPr algn="ctr"/>
+            <a:endParaRPr lang="en-DE"/>
+          </a:p>
+        </p:txBody>
+      </p:sp>
+      <p:sp>
+        <p:nvSpPr>
+          <p:cNvPr id="24" name="Arrow: Up-Down 23">
+            <a:extLst>
+              <a:ext uri="{FF2B5EF4-FFF2-40B4-BE49-F238E27FC236}">
+                <a16:creationId xmlns:a16="http://schemas.microsoft.com/office/drawing/2014/main" id="{F1AFBC22-F3A8-45F6-A7FC-5CCCE6613EAC}"/>
+              </a:ext>
+            </a:extLst>
+          </p:cNvPr>
+          <p:cNvSpPr/>
+          <p:nvPr/>
+        </p:nvSpPr>
+        <p:spPr>
+          <a:xfrm>
+            <a:off x="9160078" y="4415637"/>
+            <a:ext cx="119993" cy="697675"/>
+          </a:xfrm>
+          <a:prstGeom prst="upDownArrow">
+            <a:avLst/>
+          </a:prstGeom>
+        </p:spPr>
+        <p:style>
+          <a:lnRef idx="2">
+            <a:schemeClr val="accent6">
+              <a:shade val="50000"/>
+            </a:schemeClr>
+          </a:lnRef>
+          <a:fillRef idx="1">
+            <a:schemeClr val="accent6"/>
+          </a:fillRef>
+          <a:effectRef idx="0">
+            <a:schemeClr val="accent6"/>
+          </a:effectRef>
+          <a:fontRef idx="minor">
+            <a:schemeClr val="lt1"/>
+          </a:fontRef>
+        </p:style>
+        <p:txBody>
+          <a:bodyPr rtlCol="0" anchor="ctr"/>
+          <a:lstStyle/>
+          <a:p>
+            <a:pPr algn="ctr"/>
+            <a:endParaRPr lang="en-DE"/>
+          </a:p>
+        </p:txBody>
+      </p:sp>
+      <p:sp>
+        <p:nvSpPr>
+          <p:cNvPr id="25" name="Arrow: Up-Down 24">
+            <a:extLst>
+              <a:ext uri="{FF2B5EF4-FFF2-40B4-BE49-F238E27FC236}">
+                <a16:creationId xmlns:a16="http://schemas.microsoft.com/office/drawing/2014/main" id="{E435AA86-3A1D-43FE-9DB4-CBA39B37451F}"/>
+              </a:ext>
+            </a:extLst>
+          </p:cNvPr>
+          <p:cNvSpPr/>
+          <p:nvPr/>
+        </p:nvSpPr>
+        <p:spPr>
+          <a:xfrm>
+            <a:off x="9160078" y="3984167"/>
+            <a:ext cx="119993" cy="316677"/>
+          </a:xfrm>
+          <a:prstGeom prst="upDownArrow">
+            <a:avLst/>
+          </a:prstGeom>
+          <a:solidFill>
+            <a:schemeClr val="accent1"/>
+          </a:solidFill>
+          <a:ln>
+            <a:solidFill>
+              <a:srgbClr val="009189"/>
+            </a:solidFill>
+          </a:ln>
+        </p:spPr>
+        <p:style>
+          <a:lnRef idx="2">
+            <a:schemeClr val="accent6">
+              <a:shade val="50000"/>
+            </a:schemeClr>
+          </a:lnRef>
+          <a:fillRef idx="1">
+            <a:schemeClr val="accent6"/>
+          </a:fillRef>
+          <a:effectRef idx="0">
+            <a:schemeClr val="accent6"/>
+          </a:effectRef>
+          <a:fontRef idx="minor">
+            <a:schemeClr val="lt1"/>
+          </a:fontRef>
+        </p:style>
+        <p:txBody>
+          <a:bodyPr rtlCol="0" anchor="ctr"/>
+          <a:lstStyle/>
+          <a:p>
+            <a:pPr algn="ctr"/>
+            <a:endParaRPr lang="en-DE"/>
+          </a:p>
+        </p:txBody>
+      </p:sp>
+      <p:sp>
+        <p:nvSpPr>
+          <p:cNvPr id="26" name="TextBox 25">
+            <a:extLst>
+              <a:ext uri="{FF2B5EF4-FFF2-40B4-BE49-F238E27FC236}">
+                <a16:creationId xmlns:a16="http://schemas.microsoft.com/office/drawing/2014/main" id="{DE4CBF4F-CD27-4953-A004-5B068A991545}"/>
+              </a:ext>
+            </a:extLst>
+          </p:cNvPr>
+          <p:cNvSpPr txBox="1"/>
+          <p:nvPr/>
+        </p:nvSpPr>
+        <p:spPr>
+          <a:xfrm>
+            <a:off x="2977613" y="2918967"/>
+            <a:ext cx="3619129" cy="553998"/>
+          </a:xfrm>
+          <a:prstGeom prst="rect">
+            <a:avLst/>
+          </a:prstGeom>
+          <a:noFill/>
+        </p:spPr>
+        <p:txBody>
+          <a:bodyPr wrap="square" rtlCol="0">
+            <a:spAutoFit/>
+          </a:bodyPr>
+          <a:lstStyle/>
+          <a:p>
+            <a:r>
+              <a:rPr lang="en-US" sz="3000" b="1" dirty="0" err="1">
+                <a:solidFill>
+                  <a:schemeClr val="accent6"/>
+                </a:solidFill>
+              </a:rPr>
+              <a:t>EventCreationTool</a:t>
+            </a:r>
+            <a:endParaRPr lang="en-DE" sz="3000" b="1" dirty="0">
+              <a:solidFill>
+                <a:schemeClr val="accent6"/>
+              </a:solidFill>
+            </a:endParaRPr>
+          </a:p>
+        </p:txBody>
+      </p:sp>
+      <p:cxnSp>
+        <p:nvCxnSpPr>
+          <p:cNvPr id="29" name="Straight Connector 28">
+            <a:extLst>
+              <a:ext uri="{FF2B5EF4-FFF2-40B4-BE49-F238E27FC236}">
+                <a16:creationId xmlns:a16="http://schemas.microsoft.com/office/drawing/2014/main" id="{5BC31F4E-5208-48CA-B76F-570B7009F9B5}"/>
+              </a:ext>
+            </a:extLst>
+          </p:cNvPr>
+          <p:cNvCxnSpPr>
+            <a:cxnSpLocks/>
+          </p:cNvCxnSpPr>
+          <p:nvPr/>
+        </p:nvCxnSpPr>
+        <p:spPr>
+          <a:xfrm>
+            <a:off x="6543302" y="5746211"/>
+            <a:ext cx="1728602" cy="0"/>
+          </a:xfrm>
+          <a:prstGeom prst="line">
+            <a:avLst/>
+          </a:prstGeom>
+          <a:ln w="38100">
+            <a:solidFill>
+              <a:schemeClr val="accent6"/>
+            </a:solidFill>
+          </a:ln>
+        </p:spPr>
+        <p:style>
+          <a:lnRef idx="1">
+            <a:schemeClr val="accent1"/>
+          </a:lnRef>
+          <a:fillRef idx="0">
+            <a:schemeClr val="accent1"/>
+          </a:fillRef>
+          <a:effectRef idx="0">
+            <a:schemeClr val="accent1"/>
+          </a:effectRef>
+          <a:fontRef idx="minor">
+            <a:schemeClr val="tx1"/>
+          </a:fontRef>
+        </p:style>
+      </p:cxnSp>
+      <p:sp>
+        <p:nvSpPr>
+          <p:cNvPr id="31" name="TextBox 30">
+            <a:extLst>
+              <a:ext uri="{FF2B5EF4-FFF2-40B4-BE49-F238E27FC236}">
+                <a16:creationId xmlns:a16="http://schemas.microsoft.com/office/drawing/2014/main" id="{83C4DC32-E98C-4DEE-B248-FF2C8A217094}"/>
+              </a:ext>
+            </a:extLst>
+          </p:cNvPr>
+          <p:cNvSpPr txBox="1"/>
+          <p:nvPr/>
+        </p:nvSpPr>
+        <p:spPr>
+          <a:xfrm>
+            <a:off x="3950033" y="5469212"/>
+            <a:ext cx="3619129" cy="553998"/>
+          </a:xfrm>
+          <a:prstGeom prst="rect">
+            <a:avLst/>
+          </a:prstGeom>
+          <a:noFill/>
+        </p:spPr>
+        <p:txBody>
+          <a:bodyPr wrap="square" rtlCol="0">
+            <a:spAutoFit/>
+          </a:bodyPr>
+          <a:lstStyle/>
+          <a:p>
+            <a:r>
+              <a:rPr lang="en-US" sz="3000" b="1" dirty="0" err="1">
+                <a:solidFill>
+                  <a:schemeClr val="accent6"/>
+                </a:solidFill>
+              </a:rPr>
+              <a:t>Reguläre</a:t>
+            </a:r>
+            <a:r>
+              <a:rPr lang="en-US" sz="3000" b="1" dirty="0">
+                <a:solidFill>
+                  <a:schemeClr val="accent6"/>
+                </a:solidFill>
+              </a:rPr>
+              <a:t> API</a:t>
+            </a:r>
+            <a:endParaRPr lang="en-DE" sz="3000" b="1" dirty="0">
+              <a:solidFill>
+                <a:schemeClr val="accent6"/>
+              </a:solidFill>
+            </a:endParaRPr>
+          </a:p>
+        </p:txBody>
+      </p:sp>
+    </p:spTree>
+    <p:extLst>
+      <p:ext uri="{BB962C8B-B14F-4D97-AF65-F5344CB8AC3E}">
+        <p14:creationId xmlns:p14="http://schemas.microsoft.com/office/powerpoint/2010/main" val="524870762"/>
+      </p:ext>
+    </p:extLst>
+  </p:cSld>
+  <p:clrMapOvr>
+    <a:masterClrMapping/>
+  </p:clrMapOvr>
+</p:sld>
+</file>
+
+<file path=ppt/slides/slide6.xml><?xml version="1.0" encoding="utf-8"?>
+<p:sld xmlns:a="http://schemas.openxmlformats.org/drawingml/2006/main" xmlns:r="http://schemas.openxmlformats.org/officeDocument/2006/relationships" xmlns:p="http://schemas.openxmlformats.org/presentationml/2006/main">
+  <p:cSld>
+    <p:spTree>
+      <p:nvGrpSpPr>
+        <p:cNvPr id="1" name=""/>
+        <p:cNvGrpSpPr/>
+        <p:nvPr/>
+      </p:nvGrpSpPr>
+      <p:grpSpPr>
+        <a:xfrm>
+          <a:off x="0" y="0"/>
+          <a:ext cx="0" cy="0"/>
+          <a:chOff x="0" y="0"/>
+          <a:chExt cx="0" cy="0"/>
+        </a:xfrm>
+      </p:grpSpPr>
+      <p:sp>
+        <p:nvSpPr>
+          <p:cNvPr id="2" name="Title 1">
+            <a:extLst>
+              <a:ext uri="{FF2B5EF4-FFF2-40B4-BE49-F238E27FC236}">
+                <a16:creationId xmlns:a16="http://schemas.microsoft.com/office/drawing/2014/main" id="{0741925B-7AAD-4C3F-AD46-08A0FCE63F67}"/>
+              </a:ext>
+            </a:extLst>
+          </p:cNvPr>
+          <p:cNvSpPr>
+            <a:spLocks noGrp="1"/>
+          </p:cNvSpPr>
+          <p:nvPr>
+            <p:ph type="title"/>
+          </p:nvPr>
+        </p:nvSpPr>
+        <p:spPr/>
+        <p:txBody>
+          <a:bodyPr/>
+          <a:lstStyle/>
+          <a:p>
+            <a:r>
+              <a:rPr lang="en-US" dirty="0" err="1"/>
+              <a:t>Unsere</a:t>
+            </a:r>
+            <a:r>
+              <a:rPr lang="en-US" dirty="0"/>
+              <a:t> API (an </a:t>
+            </a:r>
+            <a:r>
+              <a:rPr lang="en-US" dirty="0" err="1"/>
+              <a:t>Transportgruppen</a:t>
+            </a:r>
+            <a:r>
+              <a:rPr lang="en-US" dirty="0"/>
+              <a:t>)</a:t>
+            </a:r>
+            <a:endParaRPr lang="en-DE" dirty="0"/>
+          </a:p>
+        </p:txBody>
+      </p:sp>
+      <p:sp>
+        <p:nvSpPr>
+          <p:cNvPr id="7" name="Rectangle: Rounded Corners 6">
+            <a:extLst>
+              <a:ext uri="{FF2B5EF4-FFF2-40B4-BE49-F238E27FC236}">
+                <a16:creationId xmlns:a16="http://schemas.microsoft.com/office/drawing/2014/main" id="{A4538659-839A-4E6A-A372-411445A7F618}"/>
+              </a:ext>
+            </a:extLst>
+          </p:cNvPr>
+          <p:cNvSpPr/>
+          <p:nvPr/>
+        </p:nvSpPr>
+        <p:spPr>
+          <a:xfrm>
+            <a:off x="810000" y="2320639"/>
+            <a:ext cx="10571998" cy="437403"/>
+          </a:xfrm>
+          <a:prstGeom prst="roundRect">
+            <a:avLst/>
+          </a:prstGeom>
+          <a:solidFill>
+            <a:schemeClr val="tx2"/>
+          </a:solidFill>
+          <a:ln>
+            <a:solidFill>
+              <a:schemeClr val="accent1"/>
+            </a:solidFill>
+          </a:ln>
+        </p:spPr>
+        <p:style>
+          <a:lnRef idx="2">
+            <a:schemeClr val="accent1">
+              <a:shade val="50000"/>
+            </a:schemeClr>
+          </a:lnRef>
+          <a:fillRef idx="1">
+            <a:schemeClr val="accent1"/>
+          </a:fillRef>
+          <a:effectRef idx="0">
+            <a:schemeClr val="accent1"/>
+          </a:effectRef>
+          <a:fontRef idx="minor">
+            <a:schemeClr val="lt1"/>
+          </a:fontRef>
+        </p:style>
+        <p:txBody>
+          <a:bodyPr rtlCol="0" anchor="ctr"/>
+          <a:lstStyle/>
+          <a:p>
+            <a:r>
+              <a:rPr lang="en-US" sz="2000" dirty="0"/>
+              <a:t>pip install .</a:t>
+            </a:r>
+            <a:endParaRPr lang="en-DE" sz="2000" dirty="0"/>
+          </a:p>
+        </p:txBody>
+      </p:sp>
+      <p:sp>
+        <p:nvSpPr>
+          <p:cNvPr id="9" name="Rectangle: Rounded Corners 8">
+            <a:extLst>
+              <a:ext uri="{FF2B5EF4-FFF2-40B4-BE49-F238E27FC236}">
+                <a16:creationId xmlns:a16="http://schemas.microsoft.com/office/drawing/2014/main" id="{25CA1383-B09E-4F1C-8EA7-03D73CEAF73F}"/>
+              </a:ext>
+            </a:extLst>
+          </p:cNvPr>
+          <p:cNvSpPr/>
+          <p:nvPr/>
+        </p:nvSpPr>
+        <p:spPr>
+          <a:xfrm>
+            <a:off x="810000" y="2884721"/>
+            <a:ext cx="10571998" cy="877824"/>
+          </a:xfrm>
+          <a:prstGeom prst="roundRect">
+            <a:avLst/>
+          </a:prstGeom>
+          <a:solidFill>
+            <a:schemeClr val="tx2"/>
+          </a:solidFill>
+          <a:ln>
+            <a:solidFill>
+              <a:schemeClr val="accent1"/>
+            </a:solidFill>
+          </a:ln>
+        </p:spPr>
+        <p:style>
+          <a:lnRef idx="2">
+            <a:schemeClr val="accent1">
+              <a:shade val="50000"/>
+            </a:schemeClr>
+          </a:lnRef>
+          <a:fillRef idx="1">
+            <a:schemeClr val="accent1"/>
+          </a:fillRef>
+          <a:effectRef idx="0">
+            <a:schemeClr val="accent1"/>
+          </a:effectRef>
+          <a:fontRef idx="minor">
+            <a:schemeClr val="lt1"/>
+          </a:fontRef>
+        </p:style>
+        <p:txBody>
+          <a:bodyPr rtlCol="0" anchor="ctr"/>
+          <a:lstStyle/>
+          <a:p>
+            <a:r>
+              <a:rPr lang="en-US" sz="2000" dirty="0"/>
+              <a:t>import </a:t>
+            </a:r>
+            <a:r>
+              <a:rPr lang="en-US" sz="2000" dirty="0" err="1"/>
+              <a:t>LogMerge</a:t>
+            </a:r>
+            <a:endParaRPr lang="en-US" sz="2000" dirty="0"/>
+          </a:p>
+          <a:p>
+            <a:r>
+              <a:rPr lang="en-US" sz="2000" dirty="0" err="1"/>
+              <a:t>lm</a:t>
+            </a:r>
+            <a:r>
+              <a:rPr lang="en-US" sz="2000" dirty="0"/>
+              <a:t> = </a:t>
+            </a:r>
+            <a:r>
+              <a:rPr lang="en-US" sz="2000" dirty="0" err="1"/>
+              <a:t>LogMerge.LogMerge</a:t>
+            </a:r>
+            <a:r>
+              <a:rPr lang="en-US" sz="2000" dirty="0"/>
+              <a:t>()</a:t>
+            </a:r>
+          </a:p>
+        </p:txBody>
+      </p:sp>
+    </p:spTree>
+    <p:extLst>
+      <p:ext uri="{BB962C8B-B14F-4D97-AF65-F5344CB8AC3E}">
+        <p14:creationId xmlns:p14="http://schemas.microsoft.com/office/powerpoint/2010/main" val="3565075949"/>
+      </p:ext>
+    </p:extLst>
+  </p:cSld>
+  <p:clrMapOvr>
+    <a:masterClrMapping/>
+  </p:clrMapOvr>
+</p:sld>
+</file>
+
+<file path=ppt/slides/slide7.xml><?xml version="1.0" encoding="utf-8"?>
+<p:sld xmlns:a="http://schemas.openxmlformats.org/drawingml/2006/main" xmlns:r="http://schemas.openxmlformats.org/officeDocument/2006/relationships" xmlns:p="http://schemas.openxmlformats.org/presentationml/2006/main">
+  <p:cSld>
+    <p:spTree>
+      <p:nvGrpSpPr>
+        <p:cNvPr id="1" name=""/>
+        <p:cNvGrpSpPr/>
+        <p:nvPr/>
+      </p:nvGrpSpPr>
+      <p:grpSpPr>
+        <a:xfrm>
+          <a:off x="0" y="0"/>
+          <a:ext cx="0" cy="0"/>
+          <a:chOff x="0" y="0"/>
+          <a:chExt cx="0" cy="0"/>
+        </a:xfrm>
+      </p:grpSpPr>
+      <p:sp>
+        <p:nvSpPr>
+          <p:cNvPr id="2" name="Title 1">
+            <a:extLst>
+              <a:ext uri="{FF2B5EF4-FFF2-40B4-BE49-F238E27FC236}">
+                <a16:creationId xmlns:a16="http://schemas.microsoft.com/office/drawing/2014/main" id="{0741925B-7AAD-4C3F-AD46-08A0FCE63F67}"/>
+              </a:ext>
+            </a:extLst>
+          </p:cNvPr>
+          <p:cNvSpPr>
+            <a:spLocks noGrp="1"/>
+          </p:cNvSpPr>
+          <p:nvPr>
+            <p:ph type="title"/>
+          </p:nvPr>
+        </p:nvSpPr>
+        <p:spPr/>
+        <p:txBody>
+          <a:bodyPr/>
+          <a:lstStyle/>
+          <a:p>
+            <a:r>
+              <a:rPr lang="en-US" dirty="0" err="1"/>
+              <a:t>Unsere</a:t>
+            </a:r>
+            <a:r>
+              <a:rPr lang="en-US" dirty="0"/>
+              <a:t> API (an </a:t>
+            </a:r>
+            <a:r>
+              <a:rPr lang="en-US" dirty="0" err="1"/>
+              <a:t>Transportgruppen</a:t>
+            </a:r>
+            <a:r>
+              <a:rPr lang="en-US" dirty="0"/>
+              <a:t>)</a:t>
+            </a:r>
+            <a:endParaRPr lang="en-DE" dirty="0"/>
+          </a:p>
+        </p:txBody>
+      </p:sp>
+      <p:sp>
+        <p:nvSpPr>
+          <p:cNvPr id="7" name="Rectangle: Rounded Corners 6">
+            <a:extLst>
+              <a:ext uri="{FF2B5EF4-FFF2-40B4-BE49-F238E27FC236}">
+                <a16:creationId xmlns:a16="http://schemas.microsoft.com/office/drawing/2014/main" id="{A4538659-839A-4E6A-A372-411445A7F618}"/>
+              </a:ext>
+            </a:extLst>
+          </p:cNvPr>
+          <p:cNvSpPr/>
+          <p:nvPr/>
+        </p:nvSpPr>
+        <p:spPr>
+          <a:xfrm>
+            <a:off x="810000" y="2320639"/>
+            <a:ext cx="10571998" cy="437403"/>
+          </a:xfrm>
+          <a:prstGeom prst="roundRect">
+            <a:avLst/>
+          </a:prstGeom>
+          <a:solidFill>
+            <a:schemeClr val="tx2"/>
+          </a:solidFill>
+          <a:ln>
+            <a:solidFill>
+              <a:schemeClr val="accent1"/>
+            </a:solidFill>
+          </a:ln>
+        </p:spPr>
+        <p:style>
+          <a:lnRef idx="2">
+            <a:schemeClr val="accent1">
+              <a:shade val="50000"/>
+            </a:schemeClr>
+          </a:lnRef>
+          <a:fillRef idx="1">
+            <a:schemeClr val="accent1"/>
+          </a:fillRef>
+          <a:effectRef idx="0">
+            <a:schemeClr val="accent1"/>
+          </a:effectRef>
+          <a:fontRef idx="minor">
+            <a:schemeClr val="lt1"/>
+          </a:fontRef>
+        </p:style>
+        <p:txBody>
+          <a:bodyPr rtlCol="0" anchor="ctr"/>
+          <a:lstStyle/>
+          <a:p>
+            <a:r>
+              <a:rPr lang="en-US" sz="2000" dirty="0"/>
+              <a:t>pip install .</a:t>
+            </a:r>
+            <a:endParaRPr lang="en-DE" sz="2000" dirty="0"/>
+          </a:p>
+        </p:txBody>
+      </p:sp>
+      <p:sp>
+        <p:nvSpPr>
+          <p:cNvPr id="9" name="Rectangle: Rounded Corners 8">
+            <a:extLst>
+              <a:ext uri="{FF2B5EF4-FFF2-40B4-BE49-F238E27FC236}">
+                <a16:creationId xmlns:a16="http://schemas.microsoft.com/office/drawing/2014/main" id="{25CA1383-B09E-4F1C-8EA7-03D73CEAF73F}"/>
+              </a:ext>
+            </a:extLst>
+          </p:cNvPr>
+          <p:cNvSpPr/>
+          <p:nvPr/>
+        </p:nvSpPr>
+        <p:spPr>
+          <a:xfrm>
+            <a:off x="810000" y="2884721"/>
+            <a:ext cx="10571998" cy="877824"/>
+          </a:xfrm>
+          <a:prstGeom prst="roundRect">
+            <a:avLst/>
+          </a:prstGeom>
+          <a:solidFill>
+            <a:schemeClr val="tx2"/>
+          </a:solidFill>
+          <a:ln>
+            <a:solidFill>
+              <a:schemeClr val="accent1"/>
+            </a:solidFill>
+          </a:ln>
+        </p:spPr>
+        <p:style>
+          <a:lnRef idx="2">
+            <a:schemeClr val="accent1">
+              <a:shade val="50000"/>
+            </a:schemeClr>
+          </a:lnRef>
+          <a:fillRef idx="1">
+            <a:schemeClr val="accent1"/>
+          </a:fillRef>
+          <a:effectRef idx="0">
+            <a:schemeClr val="accent1"/>
+          </a:effectRef>
+          <a:fontRef idx="minor">
+            <a:schemeClr val="lt1"/>
+          </a:fontRef>
+        </p:style>
+        <p:txBody>
+          <a:bodyPr rtlCol="0" anchor="ctr"/>
+          <a:lstStyle/>
+          <a:p>
+            <a:r>
+              <a:rPr lang="en-US" sz="2000" dirty="0"/>
+              <a:t>import </a:t>
+            </a:r>
+            <a:r>
+              <a:rPr lang="en-US" sz="2000" dirty="0" err="1"/>
+              <a:t>LogMerge</a:t>
+            </a:r>
+            <a:endParaRPr lang="en-US" sz="2000" dirty="0"/>
+          </a:p>
+          <a:p>
+            <a:r>
+              <a:rPr lang="en-US" sz="2000" dirty="0" err="1"/>
+              <a:t>lm</a:t>
+            </a:r>
+            <a:r>
+              <a:rPr lang="en-US" sz="2000" dirty="0"/>
+              <a:t> = </a:t>
+            </a:r>
+            <a:r>
+              <a:rPr lang="en-US" sz="2000" dirty="0" err="1"/>
+              <a:t>LogMerge.LogMerge</a:t>
+            </a:r>
+            <a:r>
+              <a:rPr lang="en-US" sz="2000" dirty="0"/>
+              <a:t>()</a:t>
+            </a:r>
+          </a:p>
+        </p:txBody>
+      </p:sp>
+      <p:sp>
+        <p:nvSpPr>
+          <p:cNvPr id="10" name="Rectangle: Rounded Corners 9">
+            <a:extLst>
+              <a:ext uri="{FF2B5EF4-FFF2-40B4-BE49-F238E27FC236}">
+                <a16:creationId xmlns:a16="http://schemas.microsoft.com/office/drawing/2014/main" id="{5C5FD72D-B8EF-4AB6-939F-E54F5E5EC445}"/>
+              </a:ext>
+            </a:extLst>
+          </p:cNvPr>
+          <p:cNvSpPr/>
+          <p:nvPr/>
+        </p:nvSpPr>
+        <p:spPr>
+          <a:xfrm>
+            <a:off x="810000" y="3889224"/>
+            <a:ext cx="10571998" cy="437403"/>
+          </a:xfrm>
+          <a:prstGeom prst="roundRect">
+            <a:avLst/>
+          </a:prstGeom>
+          <a:solidFill>
+            <a:schemeClr val="tx2"/>
+          </a:solidFill>
+          <a:ln>
+            <a:solidFill>
+              <a:schemeClr val="accent1"/>
+            </a:solidFill>
+          </a:ln>
+        </p:spPr>
+        <p:style>
+          <a:lnRef idx="2">
+            <a:schemeClr val="accent1">
+              <a:shade val="50000"/>
+            </a:schemeClr>
+          </a:lnRef>
+          <a:fillRef idx="1">
+            <a:schemeClr val="accent1"/>
+          </a:fillRef>
+          <a:effectRef idx="0">
+            <a:schemeClr val="accent1"/>
+          </a:effectRef>
+          <a:fontRef idx="minor">
+            <a:schemeClr val="lt1"/>
+          </a:fontRef>
+        </p:style>
+        <p:txBody>
+          <a:bodyPr rtlCol="0" anchor="ctr"/>
+          <a:lstStyle/>
+          <a:p>
+            <a:r>
+              <a:rPr lang="en-US" sz="2000" dirty="0" err="1"/>
+              <a:t>database_status</a:t>
+            </a:r>
+            <a:r>
+              <a:rPr lang="en-US" sz="2000" dirty="0"/>
+              <a:t> = </a:t>
+            </a:r>
+            <a:r>
+              <a:rPr lang="en-US" sz="2000" dirty="0" err="1"/>
+              <a:t>lm.get_database_status</a:t>
+            </a:r>
+            <a:r>
+              <a:rPr lang="en-US" sz="2000" dirty="0"/>
+              <a:t>()</a:t>
+            </a:r>
+            <a:endParaRPr lang="en-DE" sz="2000" dirty="0"/>
+          </a:p>
+        </p:txBody>
+      </p:sp>
+      <p:sp>
+        <p:nvSpPr>
+          <p:cNvPr id="11" name="Rectangle: Rounded Corners 10">
+            <a:extLst>
+              <a:ext uri="{FF2B5EF4-FFF2-40B4-BE49-F238E27FC236}">
+                <a16:creationId xmlns:a16="http://schemas.microsoft.com/office/drawing/2014/main" id="{42B91A79-D896-4CD0-8386-354C432A5BC2}"/>
+              </a:ext>
+            </a:extLst>
+          </p:cNvPr>
+          <p:cNvSpPr/>
+          <p:nvPr/>
+        </p:nvSpPr>
+        <p:spPr>
+          <a:xfrm>
+            <a:off x="810000" y="5022390"/>
+            <a:ext cx="10571998" cy="437403"/>
+          </a:xfrm>
+          <a:prstGeom prst="roundRect">
+            <a:avLst/>
+          </a:prstGeom>
+          <a:solidFill>
+            <a:schemeClr val="tx2"/>
+          </a:solidFill>
+          <a:ln>
+            <a:solidFill>
+              <a:schemeClr val="accent1"/>
+            </a:solidFill>
+          </a:ln>
+        </p:spPr>
+        <p:style>
+          <a:lnRef idx="2">
+            <a:schemeClr val="accent1">
+              <a:shade val="50000"/>
+            </a:schemeClr>
+          </a:lnRef>
+          <a:fillRef idx="1">
+            <a:schemeClr val="accent1"/>
+          </a:fillRef>
+          <a:effectRef idx="0">
+            <a:schemeClr val="accent1"/>
+          </a:effectRef>
+          <a:fontRef idx="minor">
+            <a:schemeClr val="lt1"/>
+          </a:fontRef>
+        </p:style>
+        <p:txBody>
+          <a:bodyPr rtlCol="0" anchor="ctr"/>
+          <a:lstStyle/>
+          <a:p>
+            <a:r>
+              <a:rPr lang="en-US" sz="2000" dirty="0" err="1"/>
+              <a:t>lm.export_logs</a:t>
+            </a:r>
+            <a:r>
+              <a:rPr lang="en-US" sz="2000" dirty="0"/>
+              <a:t>(</a:t>
+            </a:r>
+            <a:r>
+              <a:rPr lang="en-US" sz="2000" dirty="0" err="1"/>
+              <a:t>save_path</a:t>
+            </a:r>
+            <a:r>
+              <a:rPr lang="en-US" sz="2000" dirty="0"/>
+              <a:t>, </a:t>
+            </a:r>
+            <a:r>
+              <a:rPr lang="en-US" sz="2000" dirty="0" err="1"/>
+              <a:t>current_status</a:t>
+            </a:r>
+            <a:r>
+              <a:rPr lang="en-US" sz="2000" dirty="0"/>
+              <a:t>)                                                    </a:t>
+            </a:r>
+            <a:r>
+              <a:rPr lang="en-US" sz="2000" dirty="0">
+                <a:sym typeface="Wingdings" panose="05000000000000000000" pitchFamily="2" charset="2"/>
+              </a:rPr>
+              <a:t> .</a:t>
+            </a:r>
+            <a:r>
+              <a:rPr lang="en-US" sz="2000" dirty="0" err="1">
+                <a:sym typeface="Wingdings" panose="05000000000000000000" pitchFamily="2" charset="2"/>
+              </a:rPr>
+              <a:t>pcap</a:t>
+            </a:r>
+            <a:r>
+              <a:rPr lang="en-US" sz="2000" dirty="0">
+                <a:sym typeface="Wingdings" panose="05000000000000000000" pitchFamily="2" charset="2"/>
+              </a:rPr>
+              <a:t> files</a:t>
+            </a:r>
+            <a:endParaRPr lang="en-DE" sz="2000" dirty="0"/>
+          </a:p>
+        </p:txBody>
+      </p:sp>
+      <p:sp>
+        <p:nvSpPr>
+          <p:cNvPr id="13" name="Rectangle: Rounded Corners 12">
+            <a:extLst>
+              <a:ext uri="{FF2B5EF4-FFF2-40B4-BE49-F238E27FC236}">
+                <a16:creationId xmlns:a16="http://schemas.microsoft.com/office/drawing/2014/main" id="{59BD25EC-CF8B-4ACE-8012-C3F6C097F159}"/>
+              </a:ext>
+            </a:extLst>
+          </p:cNvPr>
+          <p:cNvSpPr/>
+          <p:nvPr/>
+        </p:nvSpPr>
+        <p:spPr>
+          <a:xfrm>
+            <a:off x="810000" y="4455807"/>
+            <a:ext cx="10571998" cy="437403"/>
+          </a:xfrm>
+          <a:prstGeom prst="roundRect">
+            <a:avLst/>
+          </a:prstGeom>
+          <a:solidFill>
+            <a:schemeClr val="tx2"/>
+          </a:solidFill>
+          <a:ln>
+            <a:solidFill>
+              <a:schemeClr val="accent1"/>
+            </a:solidFill>
+          </a:ln>
+        </p:spPr>
+        <p:style>
+          <a:lnRef idx="2">
+            <a:schemeClr val="accent1">
+              <a:shade val="50000"/>
+            </a:schemeClr>
+          </a:lnRef>
+          <a:fillRef idx="1">
+            <a:schemeClr val="accent1"/>
+          </a:fillRef>
+          <a:effectRef idx="0">
+            <a:schemeClr val="accent1"/>
+          </a:effectRef>
+          <a:fontRef idx="minor">
+            <a:schemeClr val="lt1"/>
+          </a:fontRef>
+        </p:style>
+        <p:txBody>
+          <a:bodyPr rtlCol="0" anchor="ctr"/>
+          <a:lstStyle/>
+          <a:p>
+            <a:r>
+              <a:rPr lang="en-US" sz="2000" dirty="0" err="1"/>
+              <a:t>lm.import_logs</a:t>
+            </a:r>
+            <a:r>
+              <a:rPr lang="en-US" sz="2000" dirty="0"/>
+              <a:t>(</a:t>
+            </a:r>
+            <a:r>
+              <a:rPr lang="en-US" sz="2000" dirty="0" err="1"/>
+              <a:t>path_to_pcap_files</a:t>
+            </a:r>
+            <a:r>
+              <a:rPr lang="en-US" sz="2000" dirty="0"/>
+              <a:t>)</a:t>
+            </a:r>
+            <a:endParaRPr lang="en-DE" sz="2000" dirty="0"/>
+          </a:p>
+        </p:txBody>
+      </p:sp>
+    </p:spTree>
+    <p:extLst>
+      <p:ext uri="{BB962C8B-B14F-4D97-AF65-F5344CB8AC3E}">
+        <p14:creationId xmlns:p14="http://schemas.microsoft.com/office/powerpoint/2010/main" val="1297858789"/>
+      </p:ext>
+    </p:extLst>
+  </p:cSld>
+  <p:clrMapOvr>
+    <a:masterClrMapping/>
+  </p:clrMapOvr>
+</p:sld>
+</file>
+
+<file path=ppt/slides/slide8.xml><?xml version="1.0" encoding="utf-8"?>
+<p:sld xmlns:a="http://schemas.openxmlformats.org/drawingml/2006/main" xmlns:r="http://schemas.openxmlformats.org/officeDocument/2006/relationships" xmlns:p="http://schemas.openxmlformats.org/presentationml/2006/main">
+  <p:cSld>
+    <p:spTree>
+      <p:nvGrpSpPr>
+        <p:cNvPr id="1" name=""/>
+        <p:cNvGrpSpPr/>
+        <p:nvPr/>
+      </p:nvGrpSpPr>
+      <p:grpSpPr>
+        <a:xfrm>
+          <a:off x="0" y="0"/>
+          <a:ext cx="0" cy="0"/>
+          <a:chOff x="0" y="0"/>
+          <a:chExt cx="0" cy="0"/>
+        </a:xfrm>
+      </p:grpSpPr>
+      <p:sp>
+        <p:nvSpPr>
+          <p:cNvPr id="2" name="Title 1">
+            <a:extLst>
+              <a:ext uri="{FF2B5EF4-FFF2-40B4-BE49-F238E27FC236}">
+                <a16:creationId xmlns:a16="http://schemas.microsoft.com/office/drawing/2014/main" id="{0741925B-7AAD-4C3F-AD46-08A0FCE63F67}"/>
+              </a:ext>
+            </a:extLst>
+          </p:cNvPr>
+          <p:cNvSpPr>
+            <a:spLocks noGrp="1"/>
+          </p:cNvSpPr>
+          <p:nvPr>
+            <p:ph type="title"/>
+          </p:nvPr>
+        </p:nvSpPr>
+        <p:spPr/>
+        <p:txBody>
+          <a:bodyPr/>
+          <a:lstStyle/>
+          <a:p>
+            <a:r>
+              <a:rPr lang="en-US" dirty="0" err="1"/>
+              <a:t>Unsere</a:t>
+            </a:r>
+            <a:r>
+              <a:rPr lang="en-US" dirty="0"/>
+              <a:t> API (an </a:t>
+            </a:r>
+            <a:r>
+              <a:rPr lang="en-US" dirty="0" err="1"/>
+              <a:t>Transportgruppen</a:t>
+            </a:r>
+            <a:r>
+              <a:rPr lang="en-US" dirty="0"/>
+              <a:t>)</a:t>
+            </a:r>
+            <a:endParaRPr lang="en-DE" dirty="0"/>
+          </a:p>
+        </p:txBody>
+      </p:sp>
+      <p:sp>
+        <p:nvSpPr>
+          <p:cNvPr id="7" name="Rectangle: Rounded Corners 6">
+            <a:extLst>
+              <a:ext uri="{FF2B5EF4-FFF2-40B4-BE49-F238E27FC236}">
+                <a16:creationId xmlns:a16="http://schemas.microsoft.com/office/drawing/2014/main" id="{A4538659-839A-4E6A-A372-411445A7F618}"/>
+              </a:ext>
+            </a:extLst>
+          </p:cNvPr>
+          <p:cNvSpPr/>
+          <p:nvPr/>
+        </p:nvSpPr>
+        <p:spPr>
+          <a:xfrm>
+            <a:off x="810000" y="2320639"/>
+            <a:ext cx="10571998" cy="437403"/>
+          </a:xfrm>
+          <a:prstGeom prst="roundRect">
+            <a:avLst/>
+          </a:prstGeom>
+          <a:solidFill>
+            <a:schemeClr val="tx2"/>
+          </a:solidFill>
+          <a:ln>
+            <a:solidFill>
+              <a:schemeClr val="accent1"/>
+            </a:solidFill>
+          </a:ln>
+        </p:spPr>
+        <p:style>
+          <a:lnRef idx="2">
+            <a:schemeClr val="accent1">
+              <a:shade val="50000"/>
+            </a:schemeClr>
+          </a:lnRef>
+          <a:fillRef idx="1">
+            <a:schemeClr val="accent1"/>
+          </a:fillRef>
+          <a:effectRef idx="0">
+            <a:schemeClr val="accent1"/>
+          </a:effectRef>
+          <a:fontRef idx="minor">
+            <a:schemeClr val="lt1"/>
+          </a:fontRef>
+        </p:style>
+        <p:txBody>
+          <a:bodyPr rtlCol="0" anchor="ctr"/>
+          <a:lstStyle/>
+          <a:p>
+            <a:r>
+              <a:rPr lang="en-US" sz="2000" dirty="0"/>
+              <a:t>pip install .</a:t>
+            </a:r>
+            <a:endParaRPr lang="en-DE" sz="2000" dirty="0"/>
+          </a:p>
+        </p:txBody>
+      </p:sp>
+      <p:sp>
+        <p:nvSpPr>
+          <p:cNvPr id="9" name="Rectangle: Rounded Corners 8">
+            <a:extLst>
+              <a:ext uri="{FF2B5EF4-FFF2-40B4-BE49-F238E27FC236}">
+                <a16:creationId xmlns:a16="http://schemas.microsoft.com/office/drawing/2014/main" id="{25CA1383-B09E-4F1C-8EA7-03D73CEAF73F}"/>
+              </a:ext>
+            </a:extLst>
+          </p:cNvPr>
+          <p:cNvSpPr/>
+          <p:nvPr/>
+        </p:nvSpPr>
+        <p:spPr>
+          <a:xfrm>
+            <a:off x="810000" y="2884721"/>
+            <a:ext cx="10571998" cy="877824"/>
+          </a:xfrm>
+          <a:prstGeom prst="roundRect">
+            <a:avLst/>
+          </a:prstGeom>
+          <a:solidFill>
+            <a:schemeClr val="tx2"/>
+          </a:solidFill>
+          <a:ln>
+            <a:solidFill>
+              <a:schemeClr val="accent1"/>
+            </a:solidFill>
+          </a:ln>
+        </p:spPr>
+        <p:style>
+          <a:lnRef idx="2">
+            <a:schemeClr val="accent1">
+              <a:shade val="50000"/>
+            </a:schemeClr>
+          </a:lnRef>
+          <a:fillRef idx="1">
+            <a:schemeClr val="accent1"/>
+          </a:fillRef>
+          <a:effectRef idx="0">
+            <a:schemeClr val="accent1"/>
+          </a:effectRef>
+          <a:fontRef idx="minor">
+            <a:schemeClr val="lt1"/>
+          </a:fontRef>
+        </p:style>
+        <p:txBody>
+          <a:bodyPr rtlCol="0" anchor="ctr"/>
+          <a:lstStyle/>
+          <a:p>
+            <a:r>
+              <a:rPr lang="en-US" sz="2000" dirty="0"/>
+              <a:t>import </a:t>
+            </a:r>
+            <a:r>
+              <a:rPr lang="en-US" sz="2000" dirty="0" err="1"/>
+              <a:t>LogMerge</a:t>
+            </a:r>
+            <a:endParaRPr lang="en-US" sz="2000" dirty="0"/>
+          </a:p>
+          <a:p>
+            <a:r>
+              <a:rPr lang="en-US" sz="2000" dirty="0" err="1"/>
+              <a:t>lm</a:t>
+            </a:r>
+            <a:r>
+              <a:rPr lang="en-US" sz="2000" dirty="0"/>
+              <a:t> = </a:t>
+            </a:r>
+            <a:r>
+              <a:rPr lang="en-US" sz="2000" dirty="0" err="1"/>
+              <a:t>LogMerge.LogMerge</a:t>
+            </a:r>
+            <a:r>
+              <a:rPr lang="en-US" sz="2000" dirty="0"/>
+              <a:t>()</a:t>
+            </a:r>
+          </a:p>
+        </p:txBody>
+      </p:sp>
+      <p:sp>
+        <p:nvSpPr>
+          <p:cNvPr id="10" name="Rectangle: Rounded Corners 9">
+            <a:extLst>
+              <a:ext uri="{FF2B5EF4-FFF2-40B4-BE49-F238E27FC236}">
+                <a16:creationId xmlns:a16="http://schemas.microsoft.com/office/drawing/2014/main" id="{5C5FD72D-B8EF-4AB6-939F-E54F5E5EC445}"/>
+              </a:ext>
+            </a:extLst>
+          </p:cNvPr>
+          <p:cNvSpPr/>
+          <p:nvPr/>
+        </p:nvSpPr>
+        <p:spPr>
+          <a:xfrm>
+            <a:off x="810000" y="3889224"/>
+            <a:ext cx="10571998" cy="437403"/>
+          </a:xfrm>
+          <a:prstGeom prst="roundRect">
+            <a:avLst/>
+          </a:prstGeom>
+          <a:solidFill>
+            <a:schemeClr val="tx2"/>
+          </a:solidFill>
+          <a:ln>
+            <a:solidFill>
+              <a:schemeClr val="accent1"/>
+            </a:solidFill>
+          </a:ln>
+        </p:spPr>
+        <p:style>
+          <a:lnRef idx="2">
+            <a:schemeClr val="accent1">
+              <a:shade val="50000"/>
+            </a:schemeClr>
+          </a:lnRef>
+          <a:fillRef idx="1">
+            <a:schemeClr val="accent1"/>
+          </a:fillRef>
+          <a:effectRef idx="0">
+            <a:schemeClr val="accent1"/>
+          </a:effectRef>
+          <a:fontRef idx="minor">
+            <a:schemeClr val="lt1"/>
+          </a:fontRef>
+        </p:style>
+        <p:txBody>
+          <a:bodyPr rtlCol="0" anchor="ctr"/>
+          <a:lstStyle/>
+          <a:p>
+            <a:r>
+              <a:rPr lang="en-US" sz="2000" dirty="0" err="1"/>
+              <a:t>database_status</a:t>
+            </a:r>
+            <a:r>
+              <a:rPr lang="en-US" sz="2000" dirty="0"/>
+              <a:t> = </a:t>
+            </a:r>
+            <a:r>
+              <a:rPr lang="en-US" sz="2000" dirty="0" err="1"/>
+              <a:t>lm.get_database_status</a:t>
+            </a:r>
+            <a:r>
+              <a:rPr lang="en-US" sz="2000" dirty="0"/>
+              <a:t>()</a:t>
+            </a:r>
+            <a:endParaRPr lang="en-DE" sz="2000" dirty="0"/>
+          </a:p>
+        </p:txBody>
+      </p:sp>
+      <p:sp>
+        <p:nvSpPr>
+          <p:cNvPr id="11" name="Rectangle: Rounded Corners 10">
+            <a:extLst>
+              <a:ext uri="{FF2B5EF4-FFF2-40B4-BE49-F238E27FC236}">
+                <a16:creationId xmlns:a16="http://schemas.microsoft.com/office/drawing/2014/main" id="{42B91A79-D896-4CD0-8386-354C432A5BC2}"/>
+              </a:ext>
+            </a:extLst>
+          </p:cNvPr>
+          <p:cNvSpPr/>
+          <p:nvPr/>
+        </p:nvSpPr>
+        <p:spPr>
+          <a:xfrm>
+            <a:off x="810000" y="5022390"/>
+            <a:ext cx="10571998" cy="437403"/>
+          </a:xfrm>
+          <a:prstGeom prst="roundRect">
+            <a:avLst/>
+          </a:prstGeom>
+          <a:solidFill>
+            <a:schemeClr val="tx2"/>
+          </a:solidFill>
+          <a:ln>
+            <a:solidFill>
+              <a:schemeClr val="accent1"/>
+            </a:solidFill>
+          </a:ln>
+        </p:spPr>
+        <p:style>
+          <a:lnRef idx="2">
+            <a:schemeClr val="accent1">
+              <a:shade val="50000"/>
+            </a:schemeClr>
+          </a:lnRef>
+          <a:fillRef idx="1">
+            <a:schemeClr val="accent1"/>
+          </a:fillRef>
+          <a:effectRef idx="0">
+            <a:schemeClr val="accent1"/>
+          </a:effectRef>
+          <a:fontRef idx="minor">
+            <a:schemeClr val="lt1"/>
+          </a:fontRef>
+        </p:style>
+        <p:txBody>
+          <a:bodyPr rtlCol="0" anchor="ctr"/>
+          <a:lstStyle/>
+          <a:p>
+            <a:r>
+              <a:rPr lang="en-US" sz="2000" dirty="0" err="1"/>
+              <a:t>lm.export_logs</a:t>
+            </a:r>
+            <a:r>
+              <a:rPr lang="en-US" sz="2000" dirty="0"/>
+              <a:t>(</a:t>
+            </a:r>
+            <a:r>
+              <a:rPr lang="en-US" sz="2000" dirty="0" err="1"/>
+              <a:t>save_path</a:t>
+            </a:r>
+            <a:r>
+              <a:rPr lang="en-US" sz="2000" dirty="0"/>
+              <a:t>, </a:t>
+            </a:r>
+            <a:r>
+              <a:rPr lang="en-US" sz="2000" dirty="0" err="1"/>
+              <a:t>current_status</a:t>
+            </a:r>
+            <a:r>
+              <a:rPr lang="en-US" sz="2000" dirty="0"/>
+              <a:t>)                                                    </a:t>
+            </a:r>
+            <a:r>
+              <a:rPr lang="en-US" sz="2000" dirty="0">
+                <a:sym typeface="Wingdings" panose="05000000000000000000" pitchFamily="2" charset="2"/>
+              </a:rPr>
+              <a:t> .</a:t>
+            </a:r>
+            <a:r>
+              <a:rPr lang="en-US" sz="2000" dirty="0" err="1">
+                <a:sym typeface="Wingdings" panose="05000000000000000000" pitchFamily="2" charset="2"/>
+              </a:rPr>
+              <a:t>pcap</a:t>
+            </a:r>
+            <a:r>
+              <a:rPr lang="en-US" sz="2000" dirty="0">
+                <a:sym typeface="Wingdings" panose="05000000000000000000" pitchFamily="2" charset="2"/>
+              </a:rPr>
+              <a:t> files</a:t>
+            </a:r>
+            <a:endParaRPr lang="en-DE" sz="2000" dirty="0"/>
+          </a:p>
+        </p:txBody>
+      </p:sp>
+      <p:sp>
+        <p:nvSpPr>
+          <p:cNvPr id="13" name="Rectangle: Rounded Corners 12">
+            <a:extLst>
+              <a:ext uri="{FF2B5EF4-FFF2-40B4-BE49-F238E27FC236}">
+                <a16:creationId xmlns:a16="http://schemas.microsoft.com/office/drawing/2014/main" id="{59BD25EC-CF8B-4ACE-8012-C3F6C097F159}"/>
+              </a:ext>
+            </a:extLst>
+          </p:cNvPr>
+          <p:cNvSpPr/>
+          <p:nvPr/>
+        </p:nvSpPr>
+        <p:spPr>
+          <a:xfrm>
+            <a:off x="810000" y="4455807"/>
+            <a:ext cx="10571998" cy="437403"/>
+          </a:xfrm>
+          <a:prstGeom prst="roundRect">
+            <a:avLst/>
+          </a:prstGeom>
+          <a:solidFill>
+            <a:schemeClr val="tx2"/>
+          </a:solidFill>
+          <a:ln>
+            <a:solidFill>
+              <a:schemeClr val="accent1"/>
+            </a:solidFill>
+          </a:ln>
+        </p:spPr>
+        <p:style>
+          <a:lnRef idx="2">
+            <a:schemeClr val="accent1">
+              <a:shade val="50000"/>
+            </a:schemeClr>
+          </a:lnRef>
+          <a:fillRef idx="1">
+            <a:schemeClr val="accent1"/>
+          </a:fillRef>
+          <a:effectRef idx="0">
+            <a:schemeClr val="accent1"/>
+          </a:effectRef>
+          <a:fontRef idx="minor">
+            <a:schemeClr val="lt1"/>
+          </a:fontRef>
+        </p:style>
+        <p:txBody>
+          <a:bodyPr rtlCol="0" anchor="ctr"/>
+          <a:lstStyle/>
+          <a:p>
+            <a:r>
+              <a:rPr lang="en-US" sz="2000" dirty="0" err="1"/>
+              <a:t>lm.import_logs</a:t>
+            </a:r>
+            <a:r>
+              <a:rPr lang="en-US" sz="2000" dirty="0"/>
+              <a:t>(</a:t>
+            </a:r>
+            <a:r>
+              <a:rPr lang="en-US" sz="2000" dirty="0" err="1"/>
+              <a:t>path_to_pcap_files</a:t>
+            </a:r>
+            <a:r>
+              <a:rPr lang="en-US" sz="2000" dirty="0"/>
+              <a:t>)</a:t>
+            </a:r>
+            <a:endParaRPr lang="en-DE" sz="2000" dirty="0"/>
+          </a:p>
+        </p:txBody>
+      </p:sp>
+      <p:sp>
+        <p:nvSpPr>
+          <p:cNvPr id="15" name="TextBox 14">
+            <a:extLst>
+              <a:ext uri="{FF2B5EF4-FFF2-40B4-BE49-F238E27FC236}">
+                <a16:creationId xmlns:a16="http://schemas.microsoft.com/office/drawing/2014/main" id="{ED299B4C-6E2D-42AC-BECB-0F2209D1D833}"/>
+              </a:ext>
+            </a:extLst>
+          </p:cNvPr>
+          <p:cNvSpPr txBox="1"/>
+          <p:nvPr/>
+        </p:nvSpPr>
+        <p:spPr>
+          <a:xfrm>
+            <a:off x="810000" y="5856814"/>
+            <a:ext cx="1469622" cy="553998"/>
+          </a:xfrm>
+          <a:prstGeom prst="rect">
+            <a:avLst/>
+          </a:prstGeom>
+          <a:noFill/>
+        </p:spPr>
+        <p:txBody>
+          <a:bodyPr wrap="square" rtlCol="0">
+            <a:spAutoFit/>
+          </a:bodyPr>
+          <a:lstStyle/>
+          <a:p>
+            <a:r>
+              <a:rPr lang="en-US" sz="3000" b="1" dirty="0">
+                <a:solidFill>
+                  <a:schemeClr val="accent6"/>
+                </a:solidFill>
+              </a:rPr>
+              <a:t>Intern:</a:t>
+            </a:r>
+            <a:endParaRPr lang="en-DE" sz="3000" b="1" dirty="0">
+              <a:solidFill>
+                <a:schemeClr val="accent6"/>
+              </a:solidFill>
+            </a:endParaRPr>
+          </a:p>
+        </p:txBody>
+      </p:sp>
+      <p:pic>
+        <p:nvPicPr>
+          <p:cNvPr id="20" name="Picture 19" descr="A picture containing clock, drawing&#10;&#10;Description automatically generated">
+            <a:extLst>
+              <a:ext uri="{FF2B5EF4-FFF2-40B4-BE49-F238E27FC236}">
+                <a16:creationId xmlns:a16="http://schemas.microsoft.com/office/drawing/2014/main" id="{14E70226-1959-45C9-B850-D7C61CB63FE6}"/>
+              </a:ext>
+            </a:extLst>
+          </p:cNvPr>
+          <p:cNvPicPr>
+            <a:picLocks noChangeAspect="1"/>
+          </p:cNvPicPr>
+          <p:nvPr/>
+        </p:nvPicPr>
+        <p:blipFill>
+          <a:blip r:embed="rId2"/>
+          <a:stretch>
+            <a:fillRect/>
+          </a:stretch>
+        </p:blipFill>
+        <p:spPr>
+          <a:xfrm>
+            <a:off x="2682601" y="5625683"/>
+            <a:ext cx="1522256" cy="1171205"/>
+          </a:xfrm>
+          <a:prstGeom prst="rect">
+            <a:avLst/>
+          </a:prstGeom>
+        </p:spPr>
+      </p:pic>
+      <p:pic>
+        <p:nvPicPr>
+          <p:cNvPr id="22" name="Picture 21" descr="A picture containing clock&#10;&#10;Description automatically generated">
+            <a:extLst>
+              <a:ext uri="{FF2B5EF4-FFF2-40B4-BE49-F238E27FC236}">
+                <a16:creationId xmlns:a16="http://schemas.microsoft.com/office/drawing/2014/main" id="{481CE635-BF54-43D4-8C42-98245DB42528}"/>
+              </a:ext>
+            </a:extLst>
+          </p:cNvPr>
+          <p:cNvPicPr>
+            <a:picLocks noChangeAspect="1"/>
+          </p:cNvPicPr>
+          <p:nvPr/>
+        </p:nvPicPr>
+        <p:blipFill>
+          <a:blip r:embed="rId3"/>
+          <a:stretch>
+            <a:fillRect/>
+          </a:stretch>
+        </p:blipFill>
+        <p:spPr>
+          <a:xfrm>
+            <a:off x="5393666" y="5579661"/>
+            <a:ext cx="1258317" cy="1258317"/>
+          </a:xfrm>
+          <a:prstGeom prst="rect">
+            <a:avLst/>
+          </a:prstGeom>
+        </p:spPr>
+      </p:pic>
+      <p:pic>
+        <p:nvPicPr>
+          <p:cNvPr id="24" name="Picture 23" descr="A picture containing clock, sign&#10;&#10;Description automatically generated">
+            <a:extLst>
+              <a:ext uri="{FF2B5EF4-FFF2-40B4-BE49-F238E27FC236}">
+                <a16:creationId xmlns:a16="http://schemas.microsoft.com/office/drawing/2014/main" id="{A403CFE3-1D07-440F-A000-00E70A879D2F}"/>
+              </a:ext>
+            </a:extLst>
+          </p:cNvPr>
+          <p:cNvPicPr>
+            <a:picLocks noChangeAspect="1"/>
+          </p:cNvPicPr>
+          <p:nvPr/>
+        </p:nvPicPr>
+        <p:blipFill>
+          <a:blip r:embed="rId4"/>
+          <a:stretch>
+            <a:fillRect/>
+          </a:stretch>
+        </p:blipFill>
+        <p:spPr>
+          <a:xfrm>
+            <a:off x="7840792" y="5631241"/>
+            <a:ext cx="1121307" cy="1158974"/>
+          </a:xfrm>
+          <a:prstGeom prst="rect">
+            <a:avLst/>
+          </a:prstGeom>
+        </p:spPr>
+      </p:pic>
+    </p:spTree>
+    <p:extLst>
+      <p:ext uri="{BB962C8B-B14F-4D97-AF65-F5344CB8AC3E}">
+        <p14:creationId xmlns:p14="http://schemas.microsoft.com/office/powerpoint/2010/main" val="142151383"/>
+      </p:ext>
+    </p:extLst>
+  </p:cSld>
+  <p:clrMapOvr>
+    <a:masterClrMapping/>
+  </p:clrMapOvr>
+</p:sld>
+</file>
+
+<file path=ppt/slides/slide9.xml><?xml version="1.0" encoding="utf-8"?>
+<p:sld xmlns:a="http://schemas.openxmlformats.org/drawingml/2006/main" xmlns:r="http://schemas.openxmlformats.org/officeDocument/2006/relationships" xmlns:p="http://schemas.openxmlformats.org/presentationml/2006/main">
+  <p:cSld>
+    <p:spTree>
+      <p:nvGrpSpPr>
+        <p:cNvPr id="1" name=""/>
+        <p:cNvGrpSpPr/>
+        <p:nvPr/>
+      </p:nvGrpSpPr>
+      <p:grpSpPr>
+        <a:xfrm>
+          <a:off x="0" y="0"/>
+          <a:ext cx="0" cy="0"/>
+          <a:chOff x="0" y="0"/>
+          <a:chExt cx="0" cy="0"/>
+        </a:xfrm>
+      </p:grpSpPr>
+      <p:sp>
+        <p:nvSpPr>
+          <p:cNvPr id="2" name="Title 1">
+            <a:extLst>
+              <a:ext uri="{FF2B5EF4-FFF2-40B4-BE49-F238E27FC236}">
+                <a16:creationId xmlns:a16="http://schemas.microsoft.com/office/drawing/2014/main" id="{0741925B-7AAD-4C3F-AD46-08A0FCE63F67}"/>
+              </a:ext>
+            </a:extLst>
+          </p:cNvPr>
+          <p:cNvSpPr>
+            <a:spLocks noGrp="1"/>
+          </p:cNvSpPr>
+          <p:nvPr>
+            <p:ph type="title"/>
+          </p:nvPr>
+        </p:nvSpPr>
+        <p:spPr/>
+        <p:txBody>
+          <a:bodyPr/>
+          <a:lstStyle/>
+          <a:p>
+            <a:r>
+              <a:rPr lang="en-US" dirty="0" err="1"/>
+              <a:t>Unsere</a:t>
+            </a:r>
+            <a:r>
+              <a:rPr lang="en-US" dirty="0"/>
+              <a:t> API (an </a:t>
+            </a:r>
+            <a:r>
+              <a:rPr lang="en-US" dirty="0" err="1"/>
+              <a:t>Transportgruppen</a:t>
+            </a:r>
+            <a:r>
+              <a:rPr lang="en-US" dirty="0"/>
+              <a:t>)</a:t>
+            </a:r>
+            <a:endParaRPr lang="en-DE" dirty="0"/>
+          </a:p>
+        </p:txBody>
+      </p:sp>
+      <p:sp>
+        <p:nvSpPr>
+          <p:cNvPr id="7" name="Rectangle: Rounded Corners 6">
+            <a:extLst>
+              <a:ext uri="{FF2B5EF4-FFF2-40B4-BE49-F238E27FC236}">
+                <a16:creationId xmlns:a16="http://schemas.microsoft.com/office/drawing/2014/main" id="{A4538659-839A-4E6A-A372-411445A7F618}"/>
+              </a:ext>
+            </a:extLst>
+          </p:cNvPr>
+          <p:cNvSpPr/>
+          <p:nvPr/>
+        </p:nvSpPr>
+        <p:spPr>
+          <a:xfrm>
+            <a:off x="810000" y="2320639"/>
+            <a:ext cx="10571998" cy="437403"/>
+          </a:xfrm>
+          <a:prstGeom prst="roundRect">
+            <a:avLst/>
+          </a:prstGeom>
+          <a:solidFill>
+            <a:schemeClr val="tx2"/>
+          </a:solidFill>
+          <a:ln>
+            <a:solidFill>
+              <a:schemeClr val="accent1"/>
+            </a:solidFill>
+          </a:ln>
+        </p:spPr>
+        <p:style>
+          <a:lnRef idx="2">
+            <a:schemeClr val="accent1">
+              <a:shade val="50000"/>
+            </a:schemeClr>
+          </a:lnRef>
+          <a:fillRef idx="1">
+            <a:schemeClr val="accent1"/>
+          </a:fillRef>
+          <a:effectRef idx="0">
+            <a:schemeClr val="accent1"/>
+          </a:effectRef>
+          <a:fontRef idx="minor">
+            <a:schemeClr val="lt1"/>
+          </a:fontRef>
+        </p:style>
+        <p:txBody>
+          <a:bodyPr rtlCol="0" anchor="ctr"/>
+          <a:lstStyle/>
+          <a:p>
+            <a:r>
+              <a:rPr lang="en-US" sz="2000" dirty="0"/>
+              <a:t>pip install .</a:t>
+            </a:r>
+            <a:endParaRPr lang="en-DE" sz="2000" dirty="0"/>
+          </a:p>
+        </p:txBody>
+      </p:sp>
+      <p:sp>
+        <p:nvSpPr>
+          <p:cNvPr id="9" name="Rectangle: Rounded Corners 8">
+            <a:extLst>
+              <a:ext uri="{FF2B5EF4-FFF2-40B4-BE49-F238E27FC236}">
+                <a16:creationId xmlns:a16="http://schemas.microsoft.com/office/drawing/2014/main" id="{25CA1383-B09E-4F1C-8EA7-03D73CEAF73F}"/>
+              </a:ext>
+            </a:extLst>
+          </p:cNvPr>
+          <p:cNvSpPr/>
+          <p:nvPr/>
+        </p:nvSpPr>
+        <p:spPr>
+          <a:xfrm>
+            <a:off x="810000" y="2884721"/>
+            <a:ext cx="10571998" cy="877824"/>
+          </a:xfrm>
+          <a:prstGeom prst="roundRect">
+            <a:avLst/>
+          </a:prstGeom>
+          <a:solidFill>
+            <a:schemeClr val="tx2"/>
+          </a:solidFill>
+          <a:ln>
+            <a:solidFill>
+              <a:schemeClr val="accent1"/>
+            </a:solidFill>
+          </a:ln>
+        </p:spPr>
+        <p:style>
+          <a:lnRef idx="2">
+            <a:schemeClr val="accent1">
+              <a:shade val="50000"/>
+            </a:schemeClr>
+          </a:lnRef>
+          <a:fillRef idx="1">
+            <a:schemeClr val="accent1"/>
+          </a:fillRef>
+          <a:effectRef idx="0">
+            <a:schemeClr val="accent1"/>
+          </a:effectRef>
+          <a:fontRef idx="minor">
+            <a:schemeClr val="lt1"/>
+          </a:fontRef>
+        </p:style>
+        <p:txBody>
+          <a:bodyPr rtlCol="0" anchor="ctr"/>
+          <a:lstStyle/>
+          <a:p>
+            <a:r>
+              <a:rPr lang="en-US" sz="2000" dirty="0"/>
+              <a:t>import </a:t>
+            </a:r>
+            <a:r>
+              <a:rPr lang="en-US" sz="2000" dirty="0" err="1"/>
+              <a:t>LogMerge</a:t>
+            </a:r>
+            <a:endParaRPr lang="en-US" sz="2000" dirty="0"/>
+          </a:p>
+          <a:p>
+            <a:r>
+              <a:rPr lang="en-US" sz="2000" dirty="0" err="1"/>
+              <a:t>lm</a:t>
+            </a:r>
+            <a:r>
+              <a:rPr lang="en-US" sz="2000" dirty="0"/>
+              <a:t> = </a:t>
+            </a:r>
+            <a:r>
+              <a:rPr lang="en-US" sz="2000" dirty="0" err="1"/>
+              <a:t>LogMerge.LogMerge</a:t>
+            </a:r>
+            <a:r>
+              <a:rPr lang="en-US" sz="2000" dirty="0"/>
+              <a:t>()</a:t>
+            </a:r>
+          </a:p>
+        </p:txBody>
+      </p:sp>
+      <p:sp>
+        <p:nvSpPr>
+          <p:cNvPr id="10" name="Rectangle: Rounded Corners 9">
+            <a:extLst>
+              <a:ext uri="{FF2B5EF4-FFF2-40B4-BE49-F238E27FC236}">
+                <a16:creationId xmlns:a16="http://schemas.microsoft.com/office/drawing/2014/main" id="{5C5FD72D-B8EF-4AB6-939F-E54F5E5EC445}"/>
+              </a:ext>
+            </a:extLst>
+          </p:cNvPr>
+          <p:cNvSpPr/>
+          <p:nvPr/>
+        </p:nvSpPr>
+        <p:spPr>
+          <a:xfrm>
+            <a:off x="810000" y="3889224"/>
+            <a:ext cx="10571998" cy="437403"/>
+          </a:xfrm>
+          <a:prstGeom prst="roundRect">
+            <a:avLst/>
+          </a:prstGeom>
+          <a:solidFill>
+            <a:schemeClr val="tx2"/>
+          </a:solidFill>
+          <a:ln>
+            <a:solidFill>
+              <a:schemeClr val="accent1"/>
+            </a:solidFill>
+          </a:ln>
+        </p:spPr>
+        <p:style>
+          <a:lnRef idx="2">
+            <a:schemeClr val="accent1">
+              <a:shade val="50000"/>
+            </a:schemeClr>
+          </a:lnRef>
+          <a:fillRef idx="1">
+            <a:schemeClr val="accent1"/>
+          </a:fillRef>
+          <a:effectRef idx="0">
+            <a:schemeClr val="accent1"/>
+          </a:effectRef>
+          <a:fontRef idx="minor">
+            <a:schemeClr val="lt1"/>
+          </a:fontRef>
+        </p:style>
+        <p:txBody>
+          <a:bodyPr rtlCol="0" anchor="ctr"/>
+          <a:lstStyle/>
+          <a:p>
+            <a:r>
+              <a:rPr lang="en-US" sz="2000" dirty="0" err="1"/>
+              <a:t>database_status</a:t>
+            </a:r>
+            <a:r>
+              <a:rPr lang="en-US" sz="2000" dirty="0"/>
+              <a:t> = </a:t>
+            </a:r>
+            <a:r>
+              <a:rPr lang="en-US" sz="2000" dirty="0" err="1"/>
+              <a:t>lm.get_database_status</a:t>
+            </a:r>
+            <a:r>
+              <a:rPr lang="en-US" sz="2000" dirty="0"/>
+              <a:t>()</a:t>
+            </a:r>
+            <a:endParaRPr lang="en-DE" sz="2000" dirty="0"/>
+          </a:p>
+        </p:txBody>
+      </p:sp>
+      <p:sp>
+        <p:nvSpPr>
+          <p:cNvPr id="11" name="Rectangle: Rounded Corners 10">
+            <a:extLst>
+              <a:ext uri="{FF2B5EF4-FFF2-40B4-BE49-F238E27FC236}">
+                <a16:creationId xmlns:a16="http://schemas.microsoft.com/office/drawing/2014/main" id="{42B91A79-D896-4CD0-8386-354C432A5BC2}"/>
+              </a:ext>
+            </a:extLst>
+          </p:cNvPr>
+          <p:cNvSpPr/>
+          <p:nvPr/>
+        </p:nvSpPr>
+        <p:spPr>
+          <a:xfrm>
+            <a:off x="810000" y="5022390"/>
+            <a:ext cx="10571998" cy="437403"/>
+          </a:xfrm>
+          <a:prstGeom prst="roundRect">
+            <a:avLst/>
+          </a:prstGeom>
+          <a:solidFill>
+            <a:schemeClr val="tx2"/>
+          </a:solidFill>
+          <a:ln>
+            <a:solidFill>
+              <a:schemeClr val="accent1"/>
+            </a:solidFill>
+          </a:ln>
+        </p:spPr>
+        <p:style>
+          <a:lnRef idx="2">
+            <a:schemeClr val="accent1">
+              <a:shade val="50000"/>
+            </a:schemeClr>
+          </a:lnRef>
+          <a:fillRef idx="1">
+            <a:schemeClr val="accent1"/>
+          </a:fillRef>
+          <a:effectRef idx="0">
+            <a:schemeClr val="accent1"/>
+          </a:effectRef>
+          <a:fontRef idx="minor">
+            <a:schemeClr val="lt1"/>
+          </a:fontRef>
+        </p:style>
+        <p:txBody>
+          <a:bodyPr rtlCol="0" anchor="ctr"/>
+          <a:lstStyle/>
+          <a:p>
+            <a:r>
+              <a:rPr lang="en-US" sz="2000" dirty="0" err="1"/>
+              <a:t>lm.export_logs</a:t>
+            </a:r>
+            <a:r>
+              <a:rPr lang="en-US" sz="2000" dirty="0"/>
+              <a:t>(</a:t>
+            </a:r>
+            <a:r>
+              <a:rPr lang="en-US" sz="2000" dirty="0" err="1"/>
+              <a:t>save_path</a:t>
+            </a:r>
+            <a:r>
+              <a:rPr lang="en-US" sz="2000" dirty="0"/>
+              <a:t>, </a:t>
+            </a:r>
+            <a:r>
+              <a:rPr lang="en-US" sz="2000" dirty="0" err="1"/>
+              <a:t>current_status</a:t>
+            </a:r>
+            <a:r>
+              <a:rPr lang="en-US" sz="2000" dirty="0"/>
+              <a:t>)                                                    </a:t>
+            </a:r>
+            <a:r>
+              <a:rPr lang="en-US" sz="2000" dirty="0">
+                <a:sym typeface="Wingdings" panose="05000000000000000000" pitchFamily="2" charset="2"/>
+              </a:rPr>
+              <a:t> .</a:t>
+            </a:r>
+            <a:r>
+              <a:rPr lang="en-US" sz="2000" dirty="0" err="1">
+                <a:sym typeface="Wingdings" panose="05000000000000000000" pitchFamily="2" charset="2"/>
+              </a:rPr>
+              <a:t>pcap</a:t>
+            </a:r>
+            <a:r>
+              <a:rPr lang="en-US" sz="2000" dirty="0">
+                <a:sym typeface="Wingdings" panose="05000000000000000000" pitchFamily="2" charset="2"/>
+              </a:rPr>
+              <a:t> files</a:t>
+            </a:r>
+            <a:endParaRPr lang="en-DE" sz="2000" dirty="0"/>
+          </a:p>
+        </p:txBody>
+      </p:sp>
+      <p:sp>
+        <p:nvSpPr>
+          <p:cNvPr id="13" name="Rectangle: Rounded Corners 12">
+            <a:extLst>
+              <a:ext uri="{FF2B5EF4-FFF2-40B4-BE49-F238E27FC236}">
+                <a16:creationId xmlns:a16="http://schemas.microsoft.com/office/drawing/2014/main" id="{59BD25EC-CF8B-4ACE-8012-C3F6C097F159}"/>
+              </a:ext>
+            </a:extLst>
+          </p:cNvPr>
+          <p:cNvSpPr/>
+          <p:nvPr/>
+        </p:nvSpPr>
+        <p:spPr>
+          <a:xfrm>
+            <a:off x="810000" y="4455807"/>
+            <a:ext cx="10571998" cy="437403"/>
+          </a:xfrm>
+          <a:prstGeom prst="roundRect">
+            <a:avLst/>
+          </a:prstGeom>
+          <a:solidFill>
+            <a:schemeClr val="tx2"/>
+          </a:solidFill>
+          <a:ln>
+            <a:solidFill>
+              <a:schemeClr val="accent1"/>
+            </a:solidFill>
+          </a:ln>
+        </p:spPr>
+        <p:style>
+          <a:lnRef idx="2">
+            <a:schemeClr val="accent1">
+              <a:shade val="50000"/>
+            </a:schemeClr>
+          </a:lnRef>
+          <a:fillRef idx="1">
+            <a:schemeClr val="accent1"/>
+          </a:fillRef>
+          <a:effectRef idx="0">
+            <a:schemeClr val="accent1"/>
+          </a:effectRef>
+          <a:fontRef idx="minor">
+            <a:schemeClr val="lt1"/>
+          </a:fontRef>
+        </p:style>
+        <p:txBody>
+          <a:bodyPr rtlCol="0" anchor="ctr"/>
+          <a:lstStyle/>
+          <a:p>
+            <a:r>
+              <a:rPr lang="en-US" sz="2000" dirty="0" err="1"/>
+              <a:t>lm.import_logs</a:t>
+            </a:r>
+            <a:r>
+              <a:rPr lang="en-US" sz="2000" dirty="0"/>
+              <a:t>(</a:t>
+            </a:r>
+            <a:r>
+              <a:rPr lang="en-US" sz="2000" dirty="0" err="1"/>
+              <a:t>path_to_pcap_files</a:t>
+            </a:r>
+            <a:r>
+              <a:rPr lang="en-US" sz="2000" dirty="0"/>
+              <a:t>)</a:t>
+            </a:r>
+            <a:endParaRPr lang="en-DE" sz="2000" dirty="0"/>
+          </a:p>
+        </p:txBody>
+      </p:sp>
+      <p:sp>
+        <p:nvSpPr>
+          <p:cNvPr id="15" name="TextBox 14">
+            <a:extLst>
+              <a:ext uri="{FF2B5EF4-FFF2-40B4-BE49-F238E27FC236}">
+                <a16:creationId xmlns:a16="http://schemas.microsoft.com/office/drawing/2014/main" id="{ED299B4C-6E2D-42AC-BECB-0F2209D1D833}"/>
+              </a:ext>
+            </a:extLst>
+          </p:cNvPr>
+          <p:cNvSpPr txBox="1"/>
+          <p:nvPr/>
+        </p:nvSpPr>
+        <p:spPr>
+          <a:xfrm>
+            <a:off x="810000" y="5856814"/>
+            <a:ext cx="1469622" cy="553998"/>
+          </a:xfrm>
+          <a:prstGeom prst="rect">
+            <a:avLst/>
+          </a:prstGeom>
+          <a:noFill/>
+        </p:spPr>
+        <p:txBody>
+          <a:bodyPr wrap="square" rtlCol="0">
+            <a:spAutoFit/>
+          </a:bodyPr>
+          <a:lstStyle/>
+          <a:p>
+            <a:r>
+              <a:rPr lang="en-US" sz="3000" b="1" dirty="0">
+                <a:solidFill>
+                  <a:schemeClr val="accent6"/>
+                </a:solidFill>
+              </a:rPr>
+              <a:t>Intern:</a:t>
+            </a:r>
+            <a:endParaRPr lang="en-DE" sz="3000" b="1" dirty="0">
+              <a:solidFill>
+                <a:schemeClr val="accent6"/>
+              </a:solidFill>
+            </a:endParaRPr>
+          </a:p>
+        </p:txBody>
+      </p:sp>
+      <p:pic>
+        <p:nvPicPr>
+          <p:cNvPr id="20" name="Picture 19" descr="A picture containing clock, drawing&#10;&#10;Description automatically generated">
+            <a:extLst>
+              <a:ext uri="{FF2B5EF4-FFF2-40B4-BE49-F238E27FC236}">
+                <a16:creationId xmlns:a16="http://schemas.microsoft.com/office/drawing/2014/main" id="{14E70226-1959-45C9-B850-D7C61CB63FE6}"/>
+              </a:ext>
+            </a:extLst>
+          </p:cNvPr>
+          <p:cNvPicPr>
+            <a:picLocks noChangeAspect="1"/>
+          </p:cNvPicPr>
+          <p:nvPr/>
+        </p:nvPicPr>
+        <p:blipFill>
+          <a:blip r:embed="rId2"/>
+          <a:stretch>
+            <a:fillRect/>
+          </a:stretch>
+        </p:blipFill>
+        <p:spPr>
+          <a:xfrm>
+            <a:off x="2682601" y="5625683"/>
+            <a:ext cx="1522256" cy="1171205"/>
+          </a:xfrm>
+          <a:prstGeom prst="rect">
+            <a:avLst/>
+          </a:prstGeom>
+        </p:spPr>
+      </p:pic>
+      <p:pic>
+        <p:nvPicPr>
+          <p:cNvPr id="22" name="Picture 21" descr="A picture containing clock&#10;&#10;Description automatically generated">
+            <a:extLst>
+              <a:ext uri="{FF2B5EF4-FFF2-40B4-BE49-F238E27FC236}">
+                <a16:creationId xmlns:a16="http://schemas.microsoft.com/office/drawing/2014/main" id="{481CE635-BF54-43D4-8C42-98245DB42528}"/>
+              </a:ext>
+            </a:extLst>
+          </p:cNvPr>
+          <p:cNvPicPr>
+            <a:picLocks noChangeAspect="1"/>
+          </p:cNvPicPr>
+          <p:nvPr/>
+        </p:nvPicPr>
+        <p:blipFill>
+          <a:blip r:embed="rId3"/>
+          <a:stretch>
+            <a:fillRect/>
+          </a:stretch>
+        </p:blipFill>
+        <p:spPr>
+          <a:xfrm>
+            <a:off x="5393666" y="5579661"/>
+            <a:ext cx="1258317" cy="1258317"/>
+          </a:xfrm>
+          <a:prstGeom prst="rect">
+            <a:avLst/>
+          </a:prstGeom>
+        </p:spPr>
+      </p:pic>
+      <p:pic>
+        <p:nvPicPr>
+          <p:cNvPr id="24" name="Picture 23" descr="A picture containing clock, sign&#10;&#10;Description automatically generated">
+            <a:extLst>
+              <a:ext uri="{FF2B5EF4-FFF2-40B4-BE49-F238E27FC236}">
+                <a16:creationId xmlns:a16="http://schemas.microsoft.com/office/drawing/2014/main" id="{A403CFE3-1D07-440F-A000-00E70A879D2F}"/>
+              </a:ext>
+            </a:extLst>
+          </p:cNvPr>
+          <p:cNvPicPr>
+            <a:picLocks noChangeAspect="1"/>
+          </p:cNvPicPr>
+          <p:nvPr/>
+        </p:nvPicPr>
+        <p:blipFill>
+          <a:blip r:embed="rId4"/>
+          <a:stretch>
+            <a:fillRect/>
+          </a:stretch>
+        </p:blipFill>
+        <p:spPr>
+          <a:xfrm>
+            <a:off x="7840792" y="5631241"/>
+            <a:ext cx="1121307" cy="1158974"/>
+          </a:xfrm>
+          <a:prstGeom prst="rect">
+            <a:avLst/>
+          </a:prstGeom>
+        </p:spPr>
+      </p:pic>
+      <p:pic>
+        <p:nvPicPr>
+          <p:cNvPr id="26" name="Picture 25" descr="A close up of a sign&#10;&#10;Description automatically generated">
+            <a:extLst>
+              <a:ext uri="{FF2B5EF4-FFF2-40B4-BE49-F238E27FC236}">
+                <a16:creationId xmlns:a16="http://schemas.microsoft.com/office/drawing/2014/main" id="{0A27D837-8749-4CB1-99E1-EBD5B4279CBB}"/>
+              </a:ext>
+            </a:extLst>
+          </p:cNvPr>
+          <p:cNvPicPr>
+            <a:picLocks noChangeAspect="1"/>
+          </p:cNvPicPr>
+          <p:nvPr/>
+        </p:nvPicPr>
+        <p:blipFill>
+          <a:blip r:embed="rId5"/>
+          <a:stretch>
+            <a:fillRect/>
+          </a:stretch>
+        </p:blipFill>
+        <p:spPr>
+          <a:xfrm>
+            <a:off x="10150908" y="5513098"/>
+            <a:ext cx="1091146" cy="1344901"/>
+          </a:xfrm>
+          <a:prstGeom prst="rect">
+            <a:avLst/>
+          </a:prstGeom>
+        </p:spPr>
+      </p:pic>
+    </p:spTree>
+    <p:extLst>
+      <p:ext uri="{BB962C8B-B14F-4D97-AF65-F5344CB8AC3E}">
+        <p14:creationId xmlns:p14="http://schemas.microsoft.com/office/powerpoint/2010/main" val="3547749824"/>
       </p:ext>
     </p:extLst>
   </p:cSld>
